--- a/docs/system-model.pptx
+++ b/docs/system-model.pptx
@@ -3634,29 +3634,6 @@
           </a:fontRef>
         </p:style>
       </p:cxnSp>
-      <p:sp>
-        <p:nvSpPr>
-          <p:cNvPr id="2" name="タイトル 1"/>
-          <p:cNvSpPr>
-            <a:spLocks noGrp="1"/>
-          </p:cNvSpPr>
-          <p:nvPr>
-            <p:ph type="title"/>
-          </p:nvPr>
-        </p:nvSpPr>
-        <p:spPr/>
-        <p:txBody>
-          <a:bodyPr/>
-          <a:lstStyle/>
-          <a:p>
-            <a:r>
-              <a:rPr kumimoji="1" lang="ja-JP" altLang="en-US" dirty="0" smtClean="0"/>
-              <a:t>ローズ・ピアノのシステムモデル</a:t>
-            </a:r>
-            <a:endParaRPr kumimoji="1" lang="ja-JP" altLang="en-US" dirty="0"/>
-          </a:p>
-        </p:txBody>
-      </p:sp>
       <p:grpSp>
         <p:nvGrpSpPr>
           <p:cNvPr id="4" name="グループ化 3"/>

--- a/docs/system-model.pptx
+++ b/docs/system-model.pptx
@@ -106,6 +106,11 @@
       </a:defRPr>
     </a:lvl9pPr>
   </p:defaultTextStyle>
+  <p:extLst>
+    <p:ext uri="{EFAFB233-063F-42B5-8137-9DF3F51BA10A}">
+      <p15:sldGuideLst xmlns:p15="http://schemas.microsoft.com/office/powerpoint/2012/main"/>
+    </p:ext>
+  </p:extLst>
 </p:presentation>
 </file>
 
@@ -240,7 +245,7 @@
           <a:p>
             <a:fld id="{036B04AF-5DAA-4C3F-8E33-C1EC64966171}" type="datetimeFigureOut">
               <a:rPr kumimoji="1" lang="ja-JP" altLang="en-US" smtClean="0"/>
-              <a:t>2019/10/8</a:t>
+              <a:t>2019/10/9</a:t>
             </a:fld>
             <a:endParaRPr kumimoji="1" lang="ja-JP" altLang="en-US"/>
           </a:p>
@@ -442,7 +447,7 @@
           <a:p>
             <a:fld id="{036B04AF-5DAA-4C3F-8E33-C1EC64966171}" type="datetimeFigureOut">
               <a:rPr kumimoji="1" lang="ja-JP" altLang="en-US" smtClean="0"/>
-              <a:t>2019/10/8</a:t>
+              <a:t>2019/10/9</a:t>
             </a:fld>
             <a:endParaRPr kumimoji="1" lang="ja-JP" altLang="en-US"/>
           </a:p>
@@ -654,7 +659,7 @@
           <a:p>
             <a:fld id="{036B04AF-5DAA-4C3F-8E33-C1EC64966171}" type="datetimeFigureOut">
               <a:rPr kumimoji="1" lang="ja-JP" altLang="en-US" smtClean="0"/>
-              <a:t>2019/10/8</a:t>
+              <a:t>2019/10/9</a:t>
             </a:fld>
             <a:endParaRPr kumimoji="1" lang="ja-JP" altLang="en-US"/>
           </a:p>
@@ -856,7 +861,7 @@
           <a:p>
             <a:fld id="{036B04AF-5DAA-4C3F-8E33-C1EC64966171}" type="datetimeFigureOut">
               <a:rPr kumimoji="1" lang="ja-JP" altLang="en-US" smtClean="0"/>
-              <a:t>2019/10/8</a:t>
+              <a:t>2019/10/9</a:t>
             </a:fld>
             <a:endParaRPr kumimoji="1" lang="ja-JP" altLang="en-US"/>
           </a:p>
@@ -1102,7 +1107,7 @@
           <a:p>
             <a:fld id="{036B04AF-5DAA-4C3F-8E33-C1EC64966171}" type="datetimeFigureOut">
               <a:rPr kumimoji="1" lang="ja-JP" altLang="en-US" smtClean="0"/>
-              <a:t>2019/10/8</a:t>
+              <a:t>2019/10/9</a:t>
             </a:fld>
             <a:endParaRPr kumimoji="1" lang="ja-JP" altLang="en-US"/>
           </a:p>
@@ -1398,7 +1403,7 @@
           <a:p>
             <a:fld id="{036B04AF-5DAA-4C3F-8E33-C1EC64966171}" type="datetimeFigureOut">
               <a:rPr kumimoji="1" lang="ja-JP" altLang="en-US" smtClean="0"/>
-              <a:t>2019/10/8</a:t>
+              <a:t>2019/10/9</a:t>
             </a:fld>
             <a:endParaRPr kumimoji="1" lang="ja-JP" altLang="en-US"/>
           </a:p>
@@ -1829,7 +1834,7 @@
           <a:p>
             <a:fld id="{036B04AF-5DAA-4C3F-8E33-C1EC64966171}" type="datetimeFigureOut">
               <a:rPr kumimoji="1" lang="ja-JP" altLang="en-US" smtClean="0"/>
-              <a:t>2019/10/8</a:t>
+              <a:t>2019/10/9</a:t>
             </a:fld>
             <a:endParaRPr kumimoji="1" lang="ja-JP" altLang="en-US"/>
           </a:p>
@@ -1947,7 +1952,7 @@
           <a:p>
             <a:fld id="{036B04AF-5DAA-4C3F-8E33-C1EC64966171}" type="datetimeFigureOut">
               <a:rPr kumimoji="1" lang="ja-JP" altLang="en-US" smtClean="0"/>
-              <a:t>2019/10/8</a:t>
+              <a:t>2019/10/9</a:t>
             </a:fld>
             <a:endParaRPr kumimoji="1" lang="ja-JP" altLang="en-US"/>
           </a:p>
@@ -2042,7 +2047,7 @@
           <a:p>
             <a:fld id="{036B04AF-5DAA-4C3F-8E33-C1EC64966171}" type="datetimeFigureOut">
               <a:rPr kumimoji="1" lang="ja-JP" altLang="en-US" smtClean="0"/>
-              <a:t>2019/10/8</a:t>
+              <a:t>2019/10/9</a:t>
             </a:fld>
             <a:endParaRPr kumimoji="1" lang="ja-JP" altLang="en-US"/>
           </a:p>
@@ -2351,7 +2356,7 @@
           <a:p>
             <a:fld id="{036B04AF-5DAA-4C3F-8E33-C1EC64966171}" type="datetimeFigureOut">
               <a:rPr kumimoji="1" lang="ja-JP" altLang="en-US" smtClean="0"/>
-              <a:t>2019/10/8</a:t>
+              <a:t>2019/10/9</a:t>
             </a:fld>
             <a:endParaRPr kumimoji="1" lang="ja-JP" altLang="en-US"/>
           </a:p>
@@ -2604,7 +2609,7 @@
           <a:p>
             <a:fld id="{036B04AF-5DAA-4C3F-8E33-C1EC64966171}" type="datetimeFigureOut">
               <a:rPr kumimoji="1" lang="ja-JP" altLang="en-US" smtClean="0"/>
-              <a:t>2019/10/8</a:t>
+              <a:t>2019/10/9</a:t>
             </a:fld>
             <a:endParaRPr kumimoji="1" lang="ja-JP" altLang="en-US"/>
           </a:p>
@@ -2849,7 +2854,7 @@
           <a:p>
             <a:fld id="{036B04AF-5DAA-4C3F-8E33-C1EC64966171}" type="datetimeFigureOut">
               <a:rPr kumimoji="1" lang="ja-JP" altLang="en-US" smtClean="0"/>
-              <a:t>2019/10/8</a:t>
+              <a:t>2019/10/9</a:t>
             </a:fld>
             <a:endParaRPr kumimoji="1" lang="ja-JP" altLang="en-US"/>
           </a:p>
@@ -3582,7 +3587,7 @@
         </p:nvCxnSpPr>
         <p:spPr>
           <a:xfrm>
-            <a:off x="5642709" y="3101245"/>
+            <a:off x="5642709" y="2489585"/>
             <a:ext cx="620937" cy="0"/>
           </a:xfrm>
           <a:prstGeom prst="line">
@@ -3612,7 +3617,7 @@
         </p:nvCxnSpPr>
         <p:spPr>
           <a:xfrm>
-            <a:off x="2638195" y="3101245"/>
+            <a:off x="2638195" y="2489585"/>
             <a:ext cx="1918920" cy="0"/>
           </a:xfrm>
           <a:prstGeom prst="line">
@@ -3642,7 +3647,7 @@
         </p:nvGrpSpPr>
         <p:grpSpPr>
           <a:xfrm>
-            <a:off x="4863416" y="4474256"/>
+            <a:off x="4863416" y="3862596"/>
             <a:ext cx="1085594" cy="354769"/>
             <a:chOff x="6188364" y="1339273"/>
             <a:chExt cx="1413163" cy="461818"/>
@@ -3867,7 +3872,7 @@
         </p:nvCxnSpPr>
         <p:spPr>
           <a:xfrm>
-            <a:off x="5949011" y="4651641"/>
+            <a:off x="5949011" y="4039981"/>
             <a:ext cx="314636" cy="0"/>
           </a:xfrm>
           <a:prstGeom prst="line">
@@ -3897,7 +3902,7 @@
         </p:nvGrpSpPr>
         <p:grpSpPr>
           <a:xfrm>
-            <a:off x="4969847" y="5285680"/>
+            <a:off x="4969847" y="4674020"/>
             <a:ext cx="874395" cy="365856"/>
             <a:chOff x="4281488" y="3876675"/>
             <a:chExt cx="1138237" cy="476250"/>
@@ -4092,7 +4097,7 @@
         </p:nvCxnSpPr>
         <p:spPr>
           <a:xfrm>
-            <a:off x="5844242" y="5464950"/>
+            <a:off x="5844242" y="4853290"/>
             <a:ext cx="419404" cy="0"/>
           </a:xfrm>
           <a:prstGeom prst="line">
@@ -4124,7 +4129,7 @@
             </p:nvSpPr>
             <p:spPr>
               <a:xfrm>
-                <a:off x="9784954" y="4474256"/>
+                <a:off x="9784954" y="3862596"/>
                 <a:ext cx="1177280" cy="1177280"/>
               </a:xfrm>
               <a:prstGeom prst="rect">
@@ -4212,7 +4217,7 @@
             </p:nvSpPr>
             <p:spPr>
               <a:xfrm>
-                <a:off x="9784954" y="4474256"/>
+                <a:off x="9784954" y="3862596"/>
                 <a:ext cx="1177280" cy="1177280"/>
               </a:xfrm>
               <a:prstGeom prst="rect">
@@ -4248,7 +4253,7 @@
         </p:nvCxnSpPr>
         <p:spPr>
           <a:xfrm flipH="1">
-            <a:off x="4572504" y="4651641"/>
+            <a:off x="4572504" y="4039981"/>
             <a:ext cx="290912" cy="0"/>
           </a:xfrm>
           <a:prstGeom prst="line">
@@ -4278,7 +4283,7 @@
         </p:nvCxnSpPr>
         <p:spPr>
           <a:xfrm>
-            <a:off x="4572504" y="4651641"/>
+            <a:off x="4572504" y="4039981"/>
             <a:ext cx="0" cy="813308"/>
           </a:xfrm>
           <a:prstGeom prst="line">
@@ -4308,7 +4313,7 @@
         </p:nvCxnSpPr>
         <p:spPr>
           <a:xfrm flipH="1">
-            <a:off x="4572504" y="5464950"/>
+            <a:off x="4572504" y="4853290"/>
             <a:ext cx="397342" cy="0"/>
           </a:xfrm>
           <a:prstGeom prst="line">
@@ -4338,7 +4343,7 @@
         </p:nvCxnSpPr>
         <p:spPr>
           <a:xfrm flipH="1" flipV="1">
-            <a:off x="3909973" y="5055191"/>
+            <a:off x="3909973" y="4443531"/>
             <a:ext cx="662531" cy="2169"/>
           </a:xfrm>
           <a:prstGeom prst="line">
@@ -4368,7 +4373,7 @@
         </p:nvCxnSpPr>
         <p:spPr>
           <a:xfrm flipV="1">
-            <a:off x="3909973" y="4647602"/>
+            <a:off x="3909973" y="4035942"/>
             <a:ext cx="0" cy="415294"/>
           </a:xfrm>
           <a:prstGeom prst="line">
@@ -4398,7 +4403,7 @@
         </p:nvCxnSpPr>
         <p:spPr>
           <a:xfrm>
-            <a:off x="3583653" y="3101245"/>
+            <a:off x="3583653" y="2489585"/>
             <a:ext cx="513751" cy="0"/>
           </a:xfrm>
           <a:prstGeom prst="line">
@@ -4428,7 +4433,7 @@
         </p:nvCxnSpPr>
         <p:spPr>
           <a:xfrm flipH="1">
-            <a:off x="3132432" y="3101245"/>
+            <a:off x="3132432" y="2489585"/>
             <a:ext cx="451221" cy="0"/>
           </a:xfrm>
           <a:prstGeom prst="line">
@@ -4458,7 +4463,7 @@
         </p:nvGrpSpPr>
         <p:grpSpPr>
           <a:xfrm>
-            <a:off x="1552601" y="2923861"/>
+            <a:off x="1552601" y="2312201"/>
             <a:ext cx="1085594" cy="354769"/>
             <a:chOff x="6188364" y="1339273"/>
             <a:chExt cx="1413163" cy="461818"/>
@@ -4683,7 +4688,7 @@
         </p:nvCxnSpPr>
         <p:spPr>
           <a:xfrm flipH="1">
-            <a:off x="1020666" y="3101245"/>
+            <a:off x="1020666" y="2489585"/>
             <a:ext cx="531935" cy="0"/>
           </a:xfrm>
           <a:prstGeom prst="line">
@@ -4713,7 +4718,7 @@
         </p:nvGrpSpPr>
         <p:grpSpPr>
           <a:xfrm>
-            <a:off x="735749" y="2431332"/>
+            <a:off x="735749" y="1819672"/>
             <a:ext cx="271842" cy="1417303"/>
             <a:chOff x="3262313" y="2238375"/>
             <a:chExt cx="353868" cy="1844963"/>
@@ -4990,945 +4995,6 @@
           </p:style>
         </p:cxnSp>
       </p:grpSp>
-      <p:grpSp>
-        <p:nvGrpSpPr>
-          <p:cNvPr id="83" name="グループ化 82"/>
-          <p:cNvGrpSpPr/>
-          <p:nvPr/>
-        </p:nvGrpSpPr>
-        <p:grpSpPr>
-          <a:xfrm>
-            <a:off x="7117442" y="2863569"/>
-            <a:ext cx="936591" cy="391963"/>
-            <a:chOff x="5138738" y="4625968"/>
-            <a:chExt cx="1219200" cy="510235"/>
-          </a:xfrm>
-        </p:grpSpPr>
-        <p:sp>
-          <p:nvSpPr>
-            <p:cNvPr id="84" name="フリーフォーム 83"/>
-            <p:cNvSpPr/>
-            <p:nvPr/>
-          </p:nvSpPr>
-          <p:spPr>
-            <a:xfrm>
-              <a:off x="5405438" y="4625968"/>
-              <a:ext cx="567397" cy="510235"/>
-            </a:xfrm>
-            <a:custGeom>
-              <a:avLst/>
-              <a:gdLst>
-                <a:gd name="connsiteX0" fmla="*/ 0 w 567397"/>
-                <a:gd name="connsiteY0" fmla="*/ 314332 h 510235"/>
-                <a:gd name="connsiteX1" fmla="*/ 66675 w 567397"/>
-                <a:gd name="connsiteY1" fmla="*/ 114307 h 510235"/>
-                <a:gd name="connsiteX2" fmla="*/ 309562 w 567397"/>
-                <a:gd name="connsiteY2" fmla="*/ 7 h 510235"/>
-                <a:gd name="connsiteX3" fmla="*/ 514350 w 567397"/>
-                <a:gd name="connsiteY3" fmla="*/ 109545 h 510235"/>
-                <a:gd name="connsiteX4" fmla="*/ 566737 w 567397"/>
-                <a:gd name="connsiteY4" fmla="*/ 300045 h 510235"/>
-                <a:gd name="connsiteX5" fmla="*/ 490537 w 567397"/>
-                <a:gd name="connsiteY5" fmla="*/ 457207 h 510235"/>
-                <a:gd name="connsiteX6" fmla="*/ 342900 w 567397"/>
-                <a:gd name="connsiteY6" fmla="*/ 509595 h 510235"/>
-                <a:gd name="connsiteX7" fmla="*/ 204787 w 567397"/>
-                <a:gd name="connsiteY7" fmla="*/ 428632 h 510235"/>
-                <a:gd name="connsiteX8" fmla="*/ 166687 w 567397"/>
-                <a:gd name="connsiteY8" fmla="*/ 314332 h 510235"/>
-                <a:gd name="connsiteX9" fmla="*/ 233362 w 567397"/>
-                <a:gd name="connsiteY9" fmla="*/ 200032 h 510235"/>
-                <a:gd name="connsiteX10" fmla="*/ 376237 w 567397"/>
-                <a:gd name="connsiteY10" fmla="*/ 185745 h 510235"/>
-                <a:gd name="connsiteX11" fmla="*/ 423862 w 567397"/>
-                <a:gd name="connsiteY11" fmla="*/ 300045 h 510235"/>
-              </a:gdLst>
-              <a:ahLst/>
-              <a:cxnLst>
-                <a:cxn ang="0">
-                  <a:pos x="connsiteX0" y="connsiteY0"/>
-                </a:cxn>
-                <a:cxn ang="0">
-                  <a:pos x="connsiteX1" y="connsiteY1"/>
-                </a:cxn>
-                <a:cxn ang="0">
-                  <a:pos x="connsiteX2" y="connsiteY2"/>
-                </a:cxn>
-                <a:cxn ang="0">
-                  <a:pos x="connsiteX3" y="connsiteY3"/>
-                </a:cxn>
-                <a:cxn ang="0">
-                  <a:pos x="connsiteX4" y="connsiteY4"/>
-                </a:cxn>
-                <a:cxn ang="0">
-                  <a:pos x="connsiteX5" y="connsiteY5"/>
-                </a:cxn>
-                <a:cxn ang="0">
-                  <a:pos x="connsiteX6" y="connsiteY6"/>
-                </a:cxn>
-                <a:cxn ang="0">
-                  <a:pos x="connsiteX7" y="connsiteY7"/>
-                </a:cxn>
-                <a:cxn ang="0">
-                  <a:pos x="connsiteX8" y="connsiteY8"/>
-                </a:cxn>
-                <a:cxn ang="0">
-                  <a:pos x="connsiteX9" y="connsiteY9"/>
-                </a:cxn>
-                <a:cxn ang="0">
-                  <a:pos x="connsiteX10" y="connsiteY10"/>
-                </a:cxn>
-                <a:cxn ang="0">
-                  <a:pos x="connsiteX11" y="connsiteY11"/>
-                </a:cxn>
-              </a:cxnLst>
-              <a:rect l="l" t="t" r="r" b="b"/>
-              <a:pathLst>
-                <a:path w="567397" h="510235">
-                  <a:moveTo>
-                    <a:pt x="0" y="314332"/>
-                  </a:moveTo>
-                  <a:cubicBezTo>
-                    <a:pt x="7540" y="240513"/>
-                    <a:pt x="15081" y="166694"/>
-                    <a:pt x="66675" y="114307"/>
-                  </a:cubicBezTo>
-                  <a:cubicBezTo>
-                    <a:pt x="118269" y="61920"/>
-                    <a:pt x="234950" y="801"/>
-                    <a:pt x="309562" y="7"/>
-                  </a:cubicBezTo>
-                  <a:cubicBezTo>
-                    <a:pt x="384174" y="-787"/>
-                    <a:pt x="471488" y="59539"/>
-                    <a:pt x="514350" y="109545"/>
-                  </a:cubicBezTo>
-                  <a:cubicBezTo>
-                    <a:pt x="557212" y="159551"/>
-                    <a:pt x="570706" y="242101"/>
-                    <a:pt x="566737" y="300045"/>
-                  </a:cubicBezTo>
-                  <a:cubicBezTo>
-                    <a:pt x="562768" y="357989"/>
-                    <a:pt x="527843" y="422282"/>
-                    <a:pt x="490537" y="457207"/>
-                  </a:cubicBezTo>
-                  <a:cubicBezTo>
-                    <a:pt x="453231" y="492132"/>
-                    <a:pt x="390525" y="514357"/>
-                    <a:pt x="342900" y="509595"/>
-                  </a:cubicBezTo>
-                  <a:cubicBezTo>
-                    <a:pt x="295275" y="504833"/>
-                    <a:pt x="234156" y="461176"/>
-                    <a:pt x="204787" y="428632"/>
-                  </a:cubicBezTo>
-                  <a:cubicBezTo>
-                    <a:pt x="175418" y="396088"/>
-                    <a:pt x="161925" y="352432"/>
-                    <a:pt x="166687" y="314332"/>
-                  </a:cubicBezTo>
-                  <a:cubicBezTo>
-                    <a:pt x="171450" y="276232"/>
-                    <a:pt x="198437" y="221463"/>
-                    <a:pt x="233362" y="200032"/>
-                  </a:cubicBezTo>
-                  <a:cubicBezTo>
-                    <a:pt x="268287" y="178601"/>
-                    <a:pt x="344487" y="169076"/>
-                    <a:pt x="376237" y="185745"/>
-                  </a:cubicBezTo>
-                  <a:cubicBezTo>
-                    <a:pt x="407987" y="202414"/>
-                    <a:pt x="415924" y="251229"/>
-                    <a:pt x="423862" y="300045"/>
-                  </a:cubicBezTo>
-                </a:path>
-              </a:pathLst>
-            </a:custGeom>
-          </p:spPr>
-          <p:style>
-            <a:lnRef idx="1">
-              <a:schemeClr val="dk1"/>
-            </a:lnRef>
-            <a:fillRef idx="0">
-              <a:schemeClr val="dk1"/>
-            </a:fillRef>
-            <a:effectRef idx="0">
-              <a:schemeClr val="dk1"/>
-            </a:effectRef>
-            <a:fontRef idx="minor">
-              <a:schemeClr val="tx1"/>
-            </a:fontRef>
-          </p:style>
-          <p:txBody>
-            <a:bodyPr rtlCol="0" anchor="ctr"/>
-            <a:lstStyle/>
-            <a:p>
-              <a:pPr algn="ctr"/>
-              <a:endParaRPr kumimoji="1" lang="ja-JP" altLang="en-US"/>
-            </a:p>
-          </p:txBody>
-        </p:sp>
-        <p:cxnSp>
-          <p:nvCxnSpPr>
-            <p:cNvPr id="85" name="直線コネクタ 84"/>
-            <p:cNvCxnSpPr>
-              <a:stCxn id="84" idx="11"/>
-            </p:cNvCxnSpPr>
-            <p:nvPr/>
-          </p:nvCxnSpPr>
-          <p:spPr>
-            <a:xfrm flipV="1">
-              <a:off x="5829300" y="4916488"/>
-              <a:ext cx="528638" cy="9525"/>
-            </a:xfrm>
-            <a:prstGeom prst="line">
-              <a:avLst/>
-            </a:prstGeom>
-          </p:spPr>
-          <p:style>
-            <a:lnRef idx="1">
-              <a:schemeClr val="dk1"/>
-            </a:lnRef>
-            <a:fillRef idx="0">
-              <a:schemeClr val="dk1"/>
-            </a:fillRef>
-            <a:effectRef idx="0">
-              <a:schemeClr val="dk1"/>
-            </a:effectRef>
-            <a:fontRef idx="minor">
-              <a:schemeClr val="tx1"/>
-            </a:fontRef>
-          </p:style>
-        </p:cxnSp>
-        <p:cxnSp>
-          <p:nvCxnSpPr>
-            <p:cNvPr id="86" name="直線コネクタ 85"/>
-            <p:cNvCxnSpPr/>
-            <p:nvPr/>
-          </p:nvCxnSpPr>
-          <p:spPr>
-            <a:xfrm flipH="1">
-              <a:off x="5138738" y="4938713"/>
-              <a:ext cx="266700" cy="0"/>
-            </a:xfrm>
-            <a:prstGeom prst="line">
-              <a:avLst/>
-            </a:prstGeom>
-          </p:spPr>
-          <p:style>
-            <a:lnRef idx="1">
-              <a:schemeClr val="dk1"/>
-            </a:lnRef>
-            <a:fillRef idx="0">
-              <a:schemeClr val="dk1"/>
-            </a:fillRef>
-            <a:effectRef idx="0">
-              <a:schemeClr val="dk1"/>
-            </a:effectRef>
-            <a:fontRef idx="minor">
-              <a:schemeClr val="tx1"/>
-            </a:fontRef>
-          </p:style>
-        </p:cxnSp>
-      </p:grpSp>
-      <p:grpSp>
-        <p:nvGrpSpPr>
-          <p:cNvPr id="107" name="グループ化 106"/>
-          <p:cNvGrpSpPr/>
-          <p:nvPr/>
-        </p:nvGrpSpPr>
-        <p:grpSpPr>
-          <a:xfrm>
-            <a:off x="8333415" y="2495033"/>
-            <a:ext cx="1085594" cy="354769"/>
-            <a:chOff x="6188364" y="1339273"/>
-            <a:chExt cx="1413163" cy="461818"/>
-          </a:xfrm>
-        </p:grpSpPr>
-        <p:cxnSp>
-          <p:nvCxnSpPr>
-            <p:cNvPr id="108" name="直線コネクタ 107"/>
-            <p:cNvCxnSpPr/>
-            <p:nvPr/>
-          </p:nvCxnSpPr>
-          <p:spPr>
-            <a:xfrm flipV="1">
-              <a:off x="6188364" y="1339273"/>
-              <a:ext cx="138545" cy="230910"/>
-            </a:xfrm>
-            <a:prstGeom prst="line">
-              <a:avLst/>
-            </a:prstGeom>
-          </p:spPr>
-          <p:style>
-            <a:lnRef idx="1">
-              <a:schemeClr val="dk1"/>
-            </a:lnRef>
-            <a:fillRef idx="0">
-              <a:schemeClr val="dk1"/>
-            </a:fillRef>
-            <a:effectRef idx="0">
-              <a:schemeClr val="dk1"/>
-            </a:effectRef>
-            <a:fontRef idx="minor">
-              <a:schemeClr val="tx1"/>
-            </a:fontRef>
-          </p:style>
-        </p:cxnSp>
-        <p:cxnSp>
-          <p:nvCxnSpPr>
-            <p:cNvPr id="109" name="直線コネクタ 108"/>
-            <p:cNvCxnSpPr/>
-            <p:nvPr/>
-          </p:nvCxnSpPr>
-          <p:spPr>
-            <a:xfrm>
-              <a:off x="6326909" y="1339273"/>
-              <a:ext cx="237303" cy="461818"/>
-            </a:xfrm>
-            <a:prstGeom prst="line">
-              <a:avLst/>
-            </a:prstGeom>
-          </p:spPr>
-          <p:style>
-            <a:lnRef idx="1">
-              <a:schemeClr val="dk1"/>
-            </a:lnRef>
-            <a:fillRef idx="0">
-              <a:schemeClr val="dk1"/>
-            </a:fillRef>
-            <a:effectRef idx="0">
-              <a:schemeClr val="dk1"/>
-            </a:effectRef>
-            <a:fontRef idx="minor">
-              <a:schemeClr val="tx1"/>
-            </a:fontRef>
-          </p:style>
-        </p:cxnSp>
-        <p:cxnSp>
-          <p:nvCxnSpPr>
-            <p:cNvPr id="110" name="直線コネクタ 109"/>
-            <p:cNvCxnSpPr/>
-            <p:nvPr/>
-          </p:nvCxnSpPr>
-          <p:spPr>
-            <a:xfrm flipV="1">
-              <a:off x="6564212" y="1339273"/>
-              <a:ext cx="233752" cy="461818"/>
-            </a:xfrm>
-            <a:prstGeom prst="line">
-              <a:avLst/>
-            </a:prstGeom>
-          </p:spPr>
-          <p:style>
-            <a:lnRef idx="1">
-              <a:schemeClr val="dk1"/>
-            </a:lnRef>
-            <a:fillRef idx="0">
-              <a:schemeClr val="dk1"/>
-            </a:fillRef>
-            <a:effectRef idx="0">
-              <a:schemeClr val="dk1"/>
-            </a:effectRef>
-            <a:fontRef idx="minor">
-              <a:schemeClr val="tx1"/>
-            </a:fontRef>
-          </p:style>
-        </p:cxnSp>
-        <p:cxnSp>
-          <p:nvCxnSpPr>
-            <p:cNvPr id="111" name="直線コネクタ 110"/>
-            <p:cNvCxnSpPr/>
-            <p:nvPr/>
-          </p:nvCxnSpPr>
-          <p:spPr>
-            <a:xfrm>
-              <a:off x="6797964" y="1339273"/>
-              <a:ext cx="230909" cy="461818"/>
-            </a:xfrm>
-            <a:prstGeom prst="line">
-              <a:avLst/>
-            </a:prstGeom>
-          </p:spPr>
-          <p:style>
-            <a:lnRef idx="1">
-              <a:schemeClr val="dk1"/>
-            </a:lnRef>
-            <a:fillRef idx="0">
-              <a:schemeClr val="dk1"/>
-            </a:fillRef>
-            <a:effectRef idx="0">
-              <a:schemeClr val="dk1"/>
-            </a:effectRef>
-            <a:fontRef idx="minor">
-              <a:schemeClr val="tx1"/>
-            </a:fontRef>
-          </p:style>
-        </p:cxnSp>
-        <p:cxnSp>
-          <p:nvCxnSpPr>
-            <p:cNvPr id="112" name="直線コネクタ 111"/>
-            <p:cNvCxnSpPr/>
-            <p:nvPr/>
-          </p:nvCxnSpPr>
-          <p:spPr>
-            <a:xfrm flipV="1">
-              <a:off x="7028873" y="1339273"/>
-              <a:ext cx="235527" cy="461818"/>
-            </a:xfrm>
-            <a:prstGeom prst="line">
-              <a:avLst/>
-            </a:prstGeom>
-          </p:spPr>
-          <p:style>
-            <a:lnRef idx="1">
-              <a:schemeClr val="dk1"/>
-            </a:lnRef>
-            <a:fillRef idx="0">
-              <a:schemeClr val="dk1"/>
-            </a:fillRef>
-            <a:effectRef idx="0">
-              <a:schemeClr val="dk1"/>
-            </a:effectRef>
-            <a:fontRef idx="minor">
-              <a:schemeClr val="tx1"/>
-            </a:fontRef>
-          </p:style>
-        </p:cxnSp>
-        <p:cxnSp>
-          <p:nvCxnSpPr>
-            <p:cNvPr id="113" name="直線コネクタ 112"/>
-            <p:cNvCxnSpPr/>
-            <p:nvPr/>
-          </p:nvCxnSpPr>
-          <p:spPr>
-            <a:xfrm>
-              <a:off x="7264400" y="1339850"/>
-              <a:ext cx="191907" cy="461241"/>
-            </a:xfrm>
-            <a:prstGeom prst="line">
-              <a:avLst/>
-            </a:prstGeom>
-          </p:spPr>
-          <p:style>
-            <a:lnRef idx="1">
-              <a:schemeClr val="dk1"/>
-            </a:lnRef>
-            <a:fillRef idx="0">
-              <a:schemeClr val="dk1"/>
-            </a:fillRef>
-            <a:effectRef idx="0">
-              <a:schemeClr val="dk1"/>
-            </a:effectRef>
-            <a:fontRef idx="minor">
-              <a:schemeClr val="tx1"/>
-            </a:fontRef>
-          </p:style>
-        </p:cxnSp>
-        <p:cxnSp>
-          <p:nvCxnSpPr>
-            <p:cNvPr id="114" name="直線コネクタ 113"/>
-            <p:cNvCxnSpPr/>
-            <p:nvPr/>
-          </p:nvCxnSpPr>
-          <p:spPr>
-            <a:xfrm flipV="1">
-              <a:off x="7456307" y="1570182"/>
-              <a:ext cx="145220" cy="230909"/>
-            </a:xfrm>
-            <a:prstGeom prst="line">
-              <a:avLst/>
-            </a:prstGeom>
-          </p:spPr>
-          <p:style>
-            <a:lnRef idx="1">
-              <a:schemeClr val="dk1"/>
-            </a:lnRef>
-            <a:fillRef idx="0">
-              <a:schemeClr val="dk1"/>
-            </a:fillRef>
-            <a:effectRef idx="0">
-              <a:schemeClr val="dk1"/>
-            </a:effectRef>
-            <a:fontRef idx="minor">
-              <a:schemeClr val="tx1"/>
-            </a:fontRef>
-          </p:style>
-        </p:cxnSp>
-      </p:grpSp>
-      <p:cxnSp>
-        <p:nvCxnSpPr>
-          <p:cNvPr id="115" name="直線コネクタ 114"/>
-          <p:cNvCxnSpPr/>
-          <p:nvPr/>
-        </p:nvCxnSpPr>
-        <p:spPr>
-          <a:xfrm>
-            <a:off x="9419008" y="2672417"/>
-            <a:ext cx="314636" cy="0"/>
-          </a:xfrm>
-          <a:prstGeom prst="line">
-            <a:avLst/>
-          </a:prstGeom>
-        </p:spPr>
-        <p:style>
-          <a:lnRef idx="1">
-            <a:schemeClr val="dk1"/>
-          </a:lnRef>
-          <a:fillRef idx="0">
-            <a:schemeClr val="dk1"/>
-          </a:fillRef>
-          <a:effectRef idx="0">
-            <a:schemeClr val="dk1"/>
-          </a:effectRef>
-          <a:fontRef idx="minor">
-            <a:schemeClr val="tx1"/>
-          </a:fontRef>
-        </p:style>
-      </p:cxnSp>
-      <p:grpSp>
-        <p:nvGrpSpPr>
-          <p:cNvPr id="116" name="グループ化 115"/>
-          <p:cNvGrpSpPr/>
-          <p:nvPr/>
-        </p:nvGrpSpPr>
-        <p:grpSpPr>
-          <a:xfrm>
-            <a:off x="8439845" y="3306456"/>
-            <a:ext cx="874395" cy="365856"/>
-            <a:chOff x="4281488" y="3876675"/>
-            <a:chExt cx="1138237" cy="476250"/>
-          </a:xfrm>
-        </p:grpSpPr>
-        <p:cxnSp>
-          <p:nvCxnSpPr>
-            <p:cNvPr id="117" name="直線コネクタ 116"/>
-            <p:cNvCxnSpPr/>
-            <p:nvPr/>
-          </p:nvCxnSpPr>
-          <p:spPr>
-            <a:xfrm>
-              <a:off x="4572000" y="3876675"/>
-              <a:ext cx="447675" cy="0"/>
-            </a:xfrm>
-            <a:prstGeom prst="line">
-              <a:avLst/>
-            </a:prstGeom>
-          </p:spPr>
-          <p:style>
-            <a:lnRef idx="1">
-              <a:schemeClr val="dk1"/>
-            </a:lnRef>
-            <a:fillRef idx="0">
-              <a:schemeClr val="dk1"/>
-            </a:fillRef>
-            <a:effectRef idx="0">
-              <a:schemeClr val="dk1"/>
-            </a:effectRef>
-            <a:fontRef idx="minor">
-              <a:schemeClr val="tx1"/>
-            </a:fontRef>
-          </p:style>
-        </p:cxnSp>
-        <p:cxnSp>
-          <p:nvCxnSpPr>
-            <p:cNvPr id="118" name="直線コネクタ 117"/>
-            <p:cNvCxnSpPr/>
-            <p:nvPr/>
-          </p:nvCxnSpPr>
-          <p:spPr>
-            <a:xfrm>
-              <a:off x="5019675" y="3876675"/>
-              <a:ext cx="0" cy="476250"/>
-            </a:xfrm>
-            <a:prstGeom prst="line">
-              <a:avLst/>
-            </a:prstGeom>
-          </p:spPr>
-          <p:style>
-            <a:lnRef idx="1">
-              <a:schemeClr val="dk1"/>
-            </a:lnRef>
-            <a:fillRef idx="0">
-              <a:schemeClr val="dk1"/>
-            </a:fillRef>
-            <a:effectRef idx="0">
-              <a:schemeClr val="dk1"/>
-            </a:effectRef>
-            <a:fontRef idx="minor">
-              <a:schemeClr val="tx1"/>
-            </a:fontRef>
-          </p:style>
-        </p:cxnSp>
-        <p:cxnSp>
-          <p:nvCxnSpPr>
-            <p:cNvPr id="119" name="直線コネクタ 118"/>
-            <p:cNvCxnSpPr/>
-            <p:nvPr/>
-          </p:nvCxnSpPr>
-          <p:spPr>
-            <a:xfrm flipH="1">
-              <a:off x="4572000" y="4352925"/>
-              <a:ext cx="447675" cy="0"/>
-            </a:xfrm>
-            <a:prstGeom prst="line">
-              <a:avLst/>
-            </a:prstGeom>
-          </p:spPr>
-          <p:style>
-            <a:lnRef idx="1">
-              <a:schemeClr val="dk1"/>
-            </a:lnRef>
-            <a:fillRef idx="0">
-              <a:schemeClr val="dk1"/>
-            </a:fillRef>
-            <a:effectRef idx="0">
-              <a:schemeClr val="dk1"/>
-            </a:effectRef>
-            <a:fontRef idx="minor">
-              <a:schemeClr val="tx1"/>
-            </a:fontRef>
-          </p:style>
-        </p:cxnSp>
-        <p:cxnSp>
-          <p:nvCxnSpPr>
-            <p:cNvPr id="120" name="直線コネクタ 119"/>
-            <p:cNvCxnSpPr/>
-            <p:nvPr/>
-          </p:nvCxnSpPr>
-          <p:spPr>
-            <a:xfrm>
-              <a:off x="5019675" y="4110038"/>
-              <a:ext cx="400050" cy="0"/>
-            </a:xfrm>
-            <a:prstGeom prst="line">
-              <a:avLst/>
-            </a:prstGeom>
-          </p:spPr>
-          <p:style>
-            <a:lnRef idx="1">
-              <a:schemeClr val="dk1"/>
-            </a:lnRef>
-            <a:fillRef idx="0">
-              <a:schemeClr val="dk1"/>
-            </a:fillRef>
-            <a:effectRef idx="0">
-              <a:schemeClr val="dk1"/>
-            </a:effectRef>
-            <a:fontRef idx="minor">
-              <a:schemeClr val="tx1"/>
-            </a:fontRef>
-          </p:style>
-        </p:cxnSp>
-        <p:cxnSp>
-          <p:nvCxnSpPr>
-            <p:cNvPr id="121" name="直線コネクタ 120"/>
-            <p:cNvCxnSpPr/>
-            <p:nvPr/>
-          </p:nvCxnSpPr>
-          <p:spPr>
-            <a:xfrm>
-              <a:off x="4781550" y="3981450"/>
-              <a:ext cx="0" cy="252413"/>
-            </a:xfrm>
-            <a:prstGeom prst="line">
-              <a:avLst/>
-            </a:prstGeom>
-          </p:spPr>
-          <p:style>
-            <a:lnRef idx="1">
-              <a:schemeClr val="dk1"/>
-            </a:lnRef>
-            <a:fillRef idx="0">
-              <a:schemeClr val="dk1"/>
-            </a:fillRef>
-            <a:effectRef idx="0">
-              <a:schemeClr val="dk1"/>
-            </a:effectRef>
-            <a:fontRef idx="minor">
-              <a:schemeClr val="tx1"/>
-            </a:fontRef>
-          </p:style>
-        </p:cxnSp>
-        <p:cxnSp>
-          <p:nvCxnSpPr>
-            <p:cNvPr id="122" name="直線コネクタ 121"/>
-            <p:cNvCxnSpPr/>
-            <p:nvPr/>
-          </p:nvCxnSpPr>
-          <p:spPr>
-            <a:xfrm flipH="1">
-              <a:off x="4281488" y="4110038"/>
-              <a:ext cx="504825" cy="0"/>
-            </a:xfrm>
-            <a:prstGeom prst="line">
-              <a:avLst/>
-            </a:prstGeom>
-          </p:spPr>
-          <p:style>
-            <a:lnRef idx="1">
-              <a:schemeClr val="dk1"/>
-            </a:lnRef>
-            <a:fillRef idx="0">
-              <a:schemeClr val="dk1"/>
-            </a:fillRef>
-            <a:effectRef idx="0">
-              <a:schemeClr val="dk1"/>
-            </a:effectRef>
-            <a:fontRef idx="minor">
-              <a:schemeClr val="tx1"/>
-            </a:fontRef>
-          </p:style>
-        </p:cxnSp>
-      </p:grpSp>
-      <p:cxnSp>
-        <p:nvCxnSpPr>
-          <p:cNvPr id="123" name="直線コネクタ 122"/>
-          <p:cNvCxnSpPr/>
-          <p:nvPr/>
-        </p:nvCxnSpPr>
-        <p:spPr>
-          <a:xfrm>
-            <a:off x="9314240" y="3485725"/>
-            <a:ext cx="419404" cy="0"/>
-          </a:xfrm>
-          <a:prstGeom prst="line">
-            <a:avLst/>
-          </a:prstGeom>
-        </p:spPr>
-        <p:style>
-          <a:lnRef idx="1">
-            <a:schemeClr val="dk1"/>
-          </a:lnRef>
-          <a:fillRef idx="0">
-            <a:schemeClr val="dk1"/>
-          </a:fillRef>
-          <a:effectRef idx="0">
-            <a:schemeClr val="dk1"/>
-          </a:effectRef>
-          <a:fontRef idx="minor">
-            <a:schemeClr val="tx1"/>
-          </a:fontRef>
-        </p:style>
-      </p:cxnSp>
-      <mc:AlternateContent xmlns:mc="http://schemas.openxmlformats.org/markup-compatibility/2006">
-        <mc:Choice xmlns:a14="http://schemas.microsoft.com/office/drawing/2010/main" Requires="a14">
-          <p:sp>
-            <p:nvSpPr>
-              <p:cNvPr id="124" name="正方形/長方形 123"/>
-              <p:cNvSpPr/>
-              <p:nvPr/>
-            </p:nvSpPr>
-            <p:spPr>
-              <a:xfrm>
-                <a:off x="9733645" y="2495033"/>
-                <a:ext cx="1177280" cy="1177280"/>
-              </a:xfrm>
-              <a:prstGeom prst="rect">
-                <a:avLst/>
-              </a:prstGeom>
-              <a:solidFill>
-                <a:schemeClr val="bg1">
-                  <a:lumMod val="75000"/>
-                </a:schemeClr>
-              </a:solidFill>
-            </p:spPr>
-            <p:style>
-              <a:lnRef idx="2">
-                <a:schemeClr val="dk1"/>
-              </a:lnRef>
-              <a:fillRef idx="1">
-                <a:schemeClr val="lt1"/>
-              </a:fillRef>
-              <a:effectRef idx="0">
-                <a:schemeClr val="dk1"/>
-              </a:effectRef>
-              <a:fontRef idx="minor">
-                <a:schemeClr val="dk1"/>
-              </a:fontRef>
-            </p:style>
-            <p:txBody>
-              <a:bodyPr rtlCol="0" anchor="ctr"/>
-              <a:lstStyle/>
-              <a:p>
-                <a:pPr algn="ctr"/>
-                <a:r>
-                  <a:rPr kumimoji="1" lang="en-US" altLang="ja-JP" dirty="0" smtClean="0"/>
-                  <a:t>Mass:</a:t>
-                </a:r>
-              </a:p>
-              <a:p>
-                <a:pPr algn="ctr"/>
-                <a14:m>
-                  <m:oMathPara xmlns:m="http://schemas.openxmlformats.org/officeDocument/2006/math">
-                    <m:oMathParaPr>
-                      <m:jc m:val="centerGroup"/>
-                    </m:oMathParaPr>
-                    <m:oMath xmlns:m="http://schemas.openxmlformats.org/officeDocument/2006/math">
-                      <m:sSub>
-                        <m:sSubPr>
-                          <m:ctrlPr>
-                            <a:rPr kumimoji="1" lang="en-US" altLang="ja-JP" b="0" i="1" smtClean="0">
-                              <a:latin typeface="Cambria Math" panose="02040503050406030204" pitchFamily="18" charset="0"/>
-                            </a:rPr>
-                          </m:ctrlPr>
-                        </m:sSubPr>
-                        <m:e>
-                          <m:r>
-                            <a:rPr kumimoji="1" lang="en-US" altLang="ja-JP" b="0" i="1" smtClean="0">
-                              <a:latin typeface="Cambria Math" panose="02040503050406030204" pitchFamily="18" charset="0"/>
-                            </a:rPr>
-                            <m:t>𝑚</m:t>
-                          </m:r>
-                        </m:e>
-                        <m:sub>
-                          <m:r>
-                            <a:rPr kumimoji="1" lang="en-US" altLang="ja-JP" b="0" i="1" smtClean="0">
-                              <a:latin typeface="Cambria Math" panose="02040503050406030204" pitchFamily="18" charset="0"/>
-                            </a:rPr>
-                            <m:t>6</m:t>
-                          </m:r>
-                        </m:sub>
-                      </m:sSub>
-                    </m:oMath>
-                  </m:oMathPara>
-                </a14:m>
-                <a:endParaRPr kumimoji="1" lang="ja-JP" altLang="en-US" dirty="0"/>
-              </a:p>
-            </p:txBody>
-          </p:sp>
-        </mc:Choice>
-        <mc:Fallback>
-          <p:sp>
-            <p:nvSpPr>
-              <p:cNvPr id="124" name="正方形/長方形 123"/>
-              <p:cNvSpPr>
-                <a:spLocks noRot="1" noChangeAspect="1" noMove="1" noResize="1" noEditPoints="1" noAdjustHandles="1" noChangeArrowheads="1" noChangeShapeType="1" noTextEdit="1"/>
-              </p:cNvSpPr>
-              <p:nvPr/>
-            </p:nvSpPr>
-            <p:spPr>
-              <a:xfrm>
-                <a:off x="9733645" y="2495033"/>
-                <a:ext cx="1177280" cy="1177280"/>
-              </a:xfrm>
-              <a:prstGeom prst="rect">
-                <a:avLst/>
-              </a:prstGeom>
-              <a:blipFill>
-                <a:blip r:embed="rId3"/>
-                <a:stretch>
-                  <a:fillRect/>
-                </a:stretch>
-              </a:blipFill>
-            </p:spPr>
-            <p:txBody>
-              <a:bodyPr/>
-              <a:lstStyle/>
-              <a:p>
-                <a:r>
-                  <a:rPr lang="ja-JP" altLang="en-US">
-                    <a:noFill/>
-                  </a:rPr>
-                  <a:t> </a:t>
-                </a:r>
-              </a:p>
-            </p:txBody>
-          </p:sp>
-        </mc:Fallback>
-      </mc:AlternateContent>
-      <p:cxnSp>
-        <p:nvCxnSpPr>
-          <p:cNvPr id="125" name="直線コネクタ 124"/>
-          <p:cNvCxnSpPr/>
-          <p:nvPr/>
-        </p:nvCxnSpPr>
-        <p:spPr>
-          <a:xfrm flipH="1">
-            <a:off x="8042503" y="2672417"/>
-            <a:ext cx="290912" cy="0"/>
-          </a:xfrm>
-          <a:prstGeom prst="line">
-            <a:avLst/>
-          </a:prstGeom>
-        </p:spPr>
-        <p:style>
-          <a:lnRef idx="1">
-            <a:schemeClr val="dk1"/>
-          </a:lnRef>
-          <a:fillRef idx="0">
-            <a:schemeClr val="dk1"/>
-          </a:fillRef>
-          <a:effectRef idx="0">
-            <a:schemeClr val="dk1"/>
-          </a:effectRef>
-          <a:fontRef idx="minor">
-            <a:schemeClr val="tx1"/>
-          </a:fontRef>
-        </p:style>
-      </p:cxnSp>
-      <p:cxnSp>
-        <p:nvCxnSpPr>
-          <p:cNvPr id="126" name="直線コネクタ 125"/>
-          <p:cNvCxnSpPr/>
-          <p:nvPr/>
-        </p:nvCxnSpPr>
-        <p:spPr>
-          <a:xfrm>
-            <a:off x="8042503" y="2672417"/>
-            <a:ext cx="0" cy="813308"/>
-          </a:xfrm>
-          <a:prstGeom prst="line">
-            <a:avLst/>
-          </a:prstGeom>
-        </p:spPr>
-        <p:style>
-          <a:lnRef idx="1">
-            <a:schemeClr val="dk1"/>
-          </a:lnRef>
-          <a:fillRef idx="0">
-            <a:schemeClr val="dk1"/>
-          </a:fillRef>
-          <a:effectRef idx="0">
-            <a:schemeClr val="dk1"/>
-          </a:effectRef>
-          <a:fontRef idx="minor">
-            <a:schemeClr val="tx1"/>
-          </a:fontRef>
-        </p:style>
-      </p:cxnSp>
-      <p:cxnSp>
-        <p:nvCxnSpPr>
-          <p:cNvPr id="127" name="直線コネクタ 126"/>
-          <p:cNvCxnSpPr/>
-          <p:nvPr/>
-        </p:nvCxnSpPr>
-        <p:spPr>
-          <a:xfrm flipH="1">
-            <a:off x="8042503" y="3485725"/>
-            <a:ext cx="397342" cy="0"/>
-          </a:xfrm>
-          <a:prstGeom prst="line">
-            <a:avLst/>
-          </a:prstGeom>
-        </p:spPr>
-        <p:style>
-          <a:lnRef idx="1">
-            <a:schemeClr val="dk1"/>
-          </a:lnRef>
-          <a:fillRef idx="0">
-            <a:schemeClr val="dk1"/>
-          </a:fillRef>
-          <a:effectRef idx="0">
-            <a:schemeClr val="dk1"/>
-          </a:effectRef>
-          <a:fontRef idx="minor">
-            <a:schemeClr val="tx1"/>
-          </a:fontRef>
-        </p:style>
-      </p:cxnSp>
       <p:cxnSp>
         <p:nvCxnSpPr>
           <p:cNvPr id="130" name="直線コネクタ 129"/>
@@ -5937,7 +5003,7 @@
         </p:nvCxnSpPr>
         <p:spPr>
           <a:xfrm>
-            <a:off x="6263646" y="4651641"/>
+            <a:off x="6263646" y="4039981"/>
             <a:ext cx="0" cy="811480"/>
           </a:xfrm>
           <a:prstGeom prst="line">
@@ -5969,7 +5035,7 @@
         </p:nvCxnSpPr>
         <p:spPr>
           <a:xfrm>
-            <a:off x="6263646" y="5062896"/>
+            <a:off x="6263646" y="4451236"/>
             <a:ext cx="387956" cy="0"/>
           </a:xfrm>
           <a:prstGeom prst="line">
@@ -5999,7 +5065,7 @@
         </p:nvGrpSpPr>
         <p:grpSpPr>
           <a:xfrm>
-            <a:off x="8277738" y="4885511"/>
+            <a:off x="8277738" y="4273851"/>
             <a:ext cx="1085594" cy="354769"/>
             <a:chOff x="6188364" y="1339273"/>
             <a:chExt cx="1413163" cy="461818"/>
@@ -6226,7 +5292,7 @@
         </p:nvCxnSpPr>
         <p:spPr>
           <a:xfrm>
-            <a:off x="9363331" y="5055191"/>
+            <a:off x="9363331" y="4443531"/>
             <a:ext cx="421623" cy="7705"/>
           </a:xfrm>
           <a:prstGeom prst="line">
@@ -6258,7 +5324,7 @@
             </p:nvSpPr>
             <p:spPr>
               <a:xfrm>
-                <a:off x="6651602" y="4474256"/>
+                <a:off x="6651602" y="3862596"/>
                 <a:ext cx="1177280" cy="1177280"/>
               </a:xfrm>
               <a:prstGeom prst="rect">
@@ -6346,14 +5412,14 @@
             </p:nvSpPr>
             <p:spPr>
               <a:xfrm>
-                <a:off x="6651602" y="4474256"/>
+                <a:off x="6651602" y="3862596"/>
                 <a:ext cx="1177280" cy="1177280"/>
               </a:xfrm>
               <a:prstGeom prst="rect">
                 <a:avLst/>
               </a:prstGeom>
               <a:blipFill>
-                <a:blip r:embed="rId4"/>
+                <a:blip r:embed="rId3"/>
                 <a:stretch>
                   <a:fillRect/>
                 </a:stretch>
@@ -6382,8 +5448,40 @@
         </p:nvCxnSpPr>
         <p:spPr>
           <a:xfrm>
-            <a:off x="7806990" y="5062896"/>
+            <a:off x="7806990" y="4451236"/>
             <a:ext cx="470747" cy="0"/>
+          </a:xfrm>
+          <a:prstGeom prst="line">
+            <a:avLst/>
+          </a:prstGeom>
+        </p:spPr>
+        <p:style>
+          <a:lnRef idx="1">
+            <a:schemeClr val="dk1"/>
+          </a:lnRef>
+          <a:fillRef idx="0">
+            <a:schemeClr val="dk1"/>
+          </a:fillRef>
+          <a:effectRef idx="0">
+            <a:schemeClr val="dk1"/>
+          </a:effectRef>
+          <a:fontRef idx="minor">
+            <a:schemeClr val="tx1"/>
+          </a:fontRef>
+        </p:style>
+      </p:cxnSp>
+      <p:cxnSp>
+        <p:nvCxnSpPr>
+          <p:cNvPr id="152" name="直線コネクタ 151"/>
+          <p:cNvCxnSpPr>
+            <a:stCxn id="149" idx="0"/>
+          </p:cNvCxnSpPr>
+          <p:nvPr/>
+        </p:nvCxnSpPr>
+        <p:spPr>
+          <a:xfrm flipH="1">
+            <a:off x="3583653" y="1880912"/>
+            <a:ext cx="11684" cy="594176"/>
           </a:xfrm>
           <a:prstGeom prst="line">
             <a:avLst/>
@@ -6408,14 +5506,1444 @@
         <mc:Choice xmlns:a14="http://schemas.microsoft.com/office/drawing/2010/main" Requires="a14">
           <p:sp>
             <p:nvSpPr>
+              <p:cNvPr id="153" name="テキスト ボックス 152"/>
+              <p:cNvSpPr txBox="1"/>
+              <p:nvPr/>
+            </p:nvSpPr>
+            <p:spPr>
+              <a:xfrm>
+                <a:off x="8749070" y="3879491"/>
+                <a:ext cx="264814" cy="249182"/>
+              </a:xfrm>
+              <a:prstGeom prst="rect">
+                <a:avLst/>
+              </a:prstGeom>
+              <a:noFill/>
+            </p:spPr>
+            <p:txBody>
+              <a:bodyPr wrap="none" lIns="0" tIns="0" rIns="0" bIns="0" rtlCol="0">
+                <a:spAutoFit/>
+              </a:bodyPr>
+              <a:lstStyle/>
+              <a:p>
+                <a:pPr/>
+                <a14:m>
+                  <m:oMathPara xmlns:m="http://schemas.openxmlformats.org/officeDocument/2006/math">
+                    <m:oMathParaPr>
+                      <m:jc m:val="centerGroup"/>
+                    </m:oMathParaPr>
+                    <m:oMath xmlns:m="http://schemas.openxmlformats.org/officeDocument/2006/math">
+                      <m:sSub>
+                        <m:sSubPr>
+                          <m:ctrlPr>
+                            <a:rPr kumimoji="1" lang="en-US" altLang="ja-JP" b="0" i="1" smtClean="0">
+                              <a:latin typeface="Cambria Math" panose="02040503050406030204" pitchFamily="18" charset="0"/>
+                            </a:rPr>
+                          </m:ctrlPr>
+                        </m:sSubPr>
+                        <m:e>
+                          <m:r>
+                            <a:rPr kumimoji="1" lang="en-US" altLang="ja-JP" b="0" i="1" smtClean="0">
+                              <a:latin typeface="Cambria Math" panose="02040503050406030204" pitchFamily="18" charset="0"/>
+                            </a:rPr>
+                            <m:t>𝑘</m:t>
+                          </m:r>
+                        </m:e>
+                        <m:sub>
+                          <m:r>
+                            <a:rPr kumimoji="1" lang="en-US" altLang="ja-JP" b="0" i="1" smtClean="0">
+                              <a:latin typeface="Cambria Math" panose="02040503050406030204" pitchFamily="18" charset="0"/>
+                            </a:rPr>
+                            <m:t>1</m:t>
+                          </m:r>
+                        </m:sub>
+                      </m:sSub>
+                    </m:oMath>
+                  </m:oMathPara>
+                </a14:m>
+                <a:endParaRPr kumimoji="1" lang="ja-JP" altLang="en-US" dirty="0"/>
+              </a:p>
+            </p:txBody>
+          </p:sp>
+        </mc:Choice>
+        <mc:Fallback>
+          <p:sp>
+            <p:nvSpPr>
+              <p:cNvPr id="153" name="テキスト ボックス 152"/>
+              <p:cNvSpPr txBox="1">
+                <a:spLocks noRot="1" noChangeAspect="1" noMove="1" noResize="1" noEditPoints="1" noAdjustHandles="1" noChangeArrowheads="1" noChangeShapeType="1" noTextEdit="1"/>
+              </p:cNvSpPr>
+              <p:nvPr/>
+            </p:nvSpPr>
+            <p:spPr>
+              <a:xfrm>
+                <a:off x="8749070" y="3879491"/>
+                <a:ext cx="264814" cy="249182"/>
+              </a:xfrm>
+              <a:prstGeom prst="rect">
+                <a:avLst/>
+              </a:prstGeom>
+              <a:blipFill>
+                <a:blip r:embed="rId4"/>
+                <a:stretch>
+                  <a:fillRect l="-25000" r="-11364" b="-29268"/>
+                </a:stretch>
+              </a:blipFill>
+            </p:spPr>
+            <p:txBody>
+              <a:bodyPr/>
+              <a:lstStyle/>
+              <a:p>
+                <a:r>
+                  <a:rPr lang="ja-JP" altLang="en-US">
+                    <a:noFill/>
+                  </a:rPr>
+                  <a:t> </a:t>
+                </a:r>
+              </a:p>
+            </p:txBody>
+          </p:sp>
+        </mc:Fallback>
+      </mc:AlternateContent>
+      <mc:AlternateContent xmlns:mc="http://schemas.openxmlformats.org/markup-compatibility/2006">
+        <mc:Choice xmlns:a14="http://schemas.microsoft.com/office/drawing/2010/main" Requires="a14">
+          <p:sp>
+            <p:nvSpPr>
+              <p:cNvPr id="154" name="テキスト ボックス 153"/>
+              <p:cNvSpPr txBox="1"/>
+              <p:nvPr/>
+            </p:nvSpPr>
+            <p:spPr>
+              <a:xfrm>
+                <a:off x="5221589" y="3477739"/>
+                <a:ext cx="269601" cy="249182"/>
+              </a:xfrm>
+              <a:prstGeom prst="rect">
+                <a:avLst/>
+              </a:prstGeom>
+              <a:noFill/>
+            </p:spPr>
+            <p:txBody>
+              <a:bodyPr wrap="none" lIns="0" tIns="0" rIns="0" bIns="0" rtlCol="0">
+                <a:spAutoFit/>
+              </a:bodyPr>
+              <a:lstStyle/>
+              <a:p>
+                <a:pPr/>
+                <a14:m>
+                  <m:oMathPara xmlns:m="http://schemas.openxmlformats.org/officeDocument/2006/math">
+                    <m:oMathParaPr>
+                      <m:jc m:val="centerGroup"/>
+                    </m:oMathParaPr>
+                    <m:oMath xmlns:m="http://schemas.openxmlformats.org/officeDocument/2006/math">
+                      <m:sSub>
+                        <m:sSubPr>
+                          <m:ctrlPr>
+                            <a:rPr kumimoji="1" lang="en-US" altLang="ja-JP" b="0" i="1" smtClean="0">
+                              <a:latin typeface="Cambria Math" panose="02040503050406030204" pitchFamily="18" charset="0"/>
+                            </a:rPr>
+                          </m:ctrlPr>
+                        </m:sSubPr>
+                        <m:e>
+                          <m:r>
+                            <a:rPr kumimoji="1" lang="en-US" altLang="ja-JP" b="0" i="1" smtClean="0">
+                              <a:latin typeface="Cambria Math" panose="02040503050406030204" pitchFamily="18" charset="0"/>
+                            </a:rPr>
+                            <m:t>𝑘</m:t>
+                          </m:r>
+                        </m:e>
+                        <m:sub>
+                          <m:r>
+                            <a:rPr kumimoji="1" lang="en-US" altLang="ja-JP" b="0" i="1" smtClean="0">
+                              <a:latin typeface="Cambria Math" panose="02040503050406030204" pitchFamily="18" charset="0"/>
+                            </a:rPr>
+                            <m:t>2</m:t>
+                          </m:r>
+                        </m:sub>
+                      </m:sSub>
+                    </m:oMath>
+                  </m:oMathPara>
+                </a14:m>
+                <a:endParaRPr kumimoji="1" lang="ja-JP" altLang="en-US" dirty="0"/>
+              </a:p>
+            </p:txBody>
+          </p:sp>
+        </mc:Choice>
+        <mc:Fallback>
+          <p:sp>
+            <p:nvSpPr>
+              <p:cNvPr id="154" name="テキスト ボックス 153"/>
+              <p:cNvSpPr txBox="1">
+                <a:spLocks noRot="1" noChangeAspect="1" noMove="1" noResize="1" noEditPoints="1" noAdjustHandles="1" noChangeArrowheads="1" noChangeShapeType="1" noTextEdit="1"/>
+              </p:cNvSpPr>
+              <p:nvPr/>
+            </p:nvSpPr>
+            <p:spPr>
+              <a:xfrm>
+                <a:off x="5221589" y="3477739"/>
+                <a:ext cx="269601" cy="249182"/>
+              </a:xfrm>
+              <a:prstGeom prst="rect">
+                <a:avLst/>
+              </a:prstGeom>
+              <a:blipFill>
+                <a:blip r:embed="rId5"/>
+                <a:stretch>
+                  <a:fillRect l="-25000" r="-11364" b="-29268"/>
+                </a:stretch>
+              </a:blipFill>
+            </p:spPr>
+            <p:txBody>
+              <a:bodyPr/>
+              <a:lstStyle/>
+              <a:p>
+                <a:r>
+                  <a:rPr lang="ja-JP" altLang="en-US">
+                    <a:noFill/>
+                  </a:rPr>
+                  <a:t> </a:t>
+                </a:r>
+              </a:p>
+            </p:txBody>
+          </p:sp>
+        </mc:Fallback>
+      </mc:AlternateContent>
+      <mc:AlternateContent xmlns:mc="http://schemas.openxmlformats.org/markup-compatibility/2006">
+        <mc:Choice xmlns:a14="http://schemas.microsoft.com/office/drawing/2010/main" Requires="a14">
+          <p:sp>
+            <p:nvSpPr>
+              <p:cNvPr id="155" name="テキスト ボックス 154"/>
+              <p:cNvSpPr txBox="1"/>
+              <p:nvPr/>
+            </p:nvSpPr>
+            <p:spPr>
+              <a:xfrm>
+                <a:off x="1892431" y="1936165"/>
+                <a:ext cx="269601" cy="249182"/>
+              </a:xfrm>
+              <a:prstGeom prst="rect">
+                <a:avLst/>
+              </a:prstGeom>
+              <a:noFill/>
+            </p:spPr>
+            <p:txBody>
+              <a:bodyPr wrap="none" lIns="0" tIns="0" rIns="0" bIns="0" rtlCol="0">
+                <a:spAutoFit/>
+              </a:bodyPr>
+              <a:lstStyle/>
+              <a:p>
+                <a:pPr/>
+                <a14:m>
+                  <m:oMathPara xmlns:m="http://schemas.openxmlformats.org/officeDocument/2006/math">
+                    <m:oMathParaPr>
+                      <m:jc m:val="centerGroup"/>
+                    </m:oMathParaPr>
+                    <m:oMath xmlns:m="http://schemas.openxmlformats.org/officeDocument/2006/math">
+                      <m:sSub>
+                        <m:sSubPr>
+                          <m:ctrlPr>
+                            <a:rPr kumimoji="1" lang="en-US" altLang="ja-JP" b="0" i="1" smtClean="0">
+                              <a:latin typeface="Cambria Math" panose="02040503050406030204" pitchFamily="18" charset="0"/>
+                            </a:rPr>
+                          </m:ctrlPr>
+                        </m:sSubPr>
+                        <m:e>
+                          <m:r>
+                            <a:rPr kumimoji="1" lang="en-US" altLang="ja-JP" b="0" i="1" smtClean="0">
+                              <a:latin typeface="Cambria Math" panose="02040503050406030204" pitchFamily="18" charset="0"/>
+                            </a:rPr>
+                            <m:t>𝑘</m:t>
+                          </m:r>
+                        </m:e>
+                        <m:sub>
+                          <m:r>
+                            <a:rPr kumimoji="1" lang="en-US" altLang="ja-JP" b="0" i="1" smtClean="0">
+                              <a:latin typeface="Cambria Math" panose="02040503050406030204" pitchFamily="18" charset="0"/>
+                            </a:rPr>
+                            <m:t>3</m:t>
+                          </m:r>
+                        </m:sub>
+                      </m:sSub>
+                    </m:oMath>
+                  </m:oMathPara>
+                </a14:m>
+                <a:endParaRPr kumimoji="1" lang="ja-JP" altLang="en-US" dirty="0"/>
+              </a:p>
+            </p:txBody>
+          </p:sp>
+        </mc:Choice>
+        <mc:Fallback>
+          <p:sp>
+            <p:nvSpPr>
+              <p:cNvPr id="155" name="テキスト ボックス 154"/>
+              <p:cNvSpPr txBox="1">
+                <a:spLocks noRot="1" noChangeAspect="1" noMove="1" noResize="1" noEditPoints="1" noAdjustHandles="1" noChangeArrowheads="1" noChangeShapeType="1" noTextEdit="1"/>
+              </p:cNvSpPr>
+              <p:nvPr/>
+            </p:nvSpPr>
+            <p:spPr>
+              <a:xfrm>
+                <a:off x="1892431" y="1936165"/>
+                <a:ext cx="269601" cy="249182"/>
+              </a:xfrm>
+              <a:prstGeom prst="rect">
+                <a:avLst/>
+              </a:prstGeom>
+              <a:blipFill>
+                <a:blip r:embed="rId6"/>
+                <a:stretch>
+                  <a:fillRect l="-24444" r="-11111" b="-30000"/>
+                </a:stretch>
+              </a:blipFill>
+            </p:spPr>
+            <p:txBody>
+              <a:bodyPr/>
+              <a:lstStyle/>
+              <a:p>
+                <a:r>
+                  <a:rPr lang="ja-JP" altLang="en-US">
+                    <a:noFill/>
+                  </a:rPr>
+                  <a:t> </a:t>
+                </a:r>
+              </a:p>
+            </p:txBody>
+          </p:sp>
+        </mc:Fallback>
+      </mc:AlternateContent>
+      <mc:AlternateContent xmlns:mc="http://schemas.openxmlformats.org/markup-compatibility/2006">
+        <mc:Choice xmlns:a14="http://schemas.microsoft.com/office/drawing/2010/main" Requires="a14">
+          <p:sp>
+            <p:nvSpPr>
+              <p:cNvPr id="156" name="テキスト ボックス 155"/>
+              <p:cNvSpPr txBox="1"/>
+              <p:nvPr/>
+            </p:nvSpPr>
+            <p:spPr>
+              <a:xfrm>
+                <a:off x="4980814" y="1916374"/>
+                <a:ext cx="269601" cy="249182"/>
+              </a:xfrm>
+              <a:prstGeom prst="rect">
+                <a:avLst/>
+              </a:prstGeom>
+              <a:noFill/>
+            </p:spPr>
+            <p:txBody>
+              <a:bodyPr wrap="none" lIns="0" tIns="0" rIns="0" bIns="0" rtlCol="0">
+                <a:spAutoFit/>
+              </a:bodyPr>
+              <a:lstStyle/>
+              <a:p>
+                <a:pPr/>
+                <a14:m>
+                  <m:oMathPara xmlns:m="http://schemas.openxmlformats.org/officeDocument/2006/math">
+                    <m:oMathParaPr>
+                      <m:jc m:val="centerGroup"/>
+                    </m:oMathParaPr>
+                    <m:oMath xmlns:m="http://schemas.openxmlformats.org/officeDocument/2006/math">
+                      <m:sSub>
+                        <m:sSubPr>
+                          <m:ctrlPr>
+                            <a:rPr kumimoji="1" lang="en-US" altLang="ja-JP" b="0" i="1" smtClean="0">
+                              <a:latin typeface="Cambria Math" panose="02040503050406030204" pitchFamily="18" charset="0"/>
+                            </a:rPr>
+                          </m:ctrlPr>
+                        </m:sSubPr>
+                        <m:e>
+                          <m:r>
+                            <a:rPr kumimoji="1" lang="en-US" altLang="ja-JP" b="0" i="1" smtClean="0">
+                              <a:latin typeface="Cambria Math" panose="02040503050406030204" pitchFamily="18" charset="0"/>
+                            </a:rPr>
+                            <m:t>𝑘</m:t>
+                          </m:r>
+                        </m:e>
+                        <m:sub>
+                          <m:r>
+                            <a:rPr kumimoji="1" lang="en-US" altLang="ja-JP" b="0" i="1" smtClean="0">
+                              <a:latin typeface="Cambria Math" panose="02040503050406030204" pitchFamily="18" charset="0"/>
+                            </a:rPr>
+                            <m:t>4</m:t>
+                          </m:r>
+                        </m:sub>
+                      </m:sSub>
+                    </m:oMath>
+                  </m:oMathPara>
+                </a14:m>
+                <a:endParaRPr kumimoji="1" lang="ja-JP" altLang="en-US" dirty="0"/>
+              </a:p>
+            </p:txBody>
+          </p:sp>
+        </mc:Choice>
+        <mc:Fallback>
+          <p:sp>
+            <p:nvSpPr>
+              <p:cNvPr id="156" name="テキスト ボックス 155"/>
+              <p:cNvSpPr txBox="1">
+                <a:spLocks noRot="1" noChangeAspect="1" noMove="1" noResize="1" noEditPoints="1" noAdjustHandles="1" noChangeArrowheads="1" noChangeShapeType="1" noTextEdit="1"/>
+              </p:cNvSpPr>
+              <p:nvPr/>
+            </p:nvSpPr>
+            <p:spPr>
+              <a:xfrm>
+                <a:off x="4980814" y="1916374"/>
+                <a:ext cx="269601" cy="249182"/>
+              </a:xfrm>
+              <a:prstGeom prst="rect">
+                <a:avLst/>
+              </a:prstGeom>
+              <a:blipFill>
+                <a:blip r:embed="rId7"/>
+                <a:stretch>
+                  <a:fillRect l="-25000" r="-13636" b="-29268"/>
+                </a:stretch>
+              </a:blipFill>
+            </p:spPr>
+            <p:txBody>
+              <a:bodyPr/>
+              <a:lstStyle/>
+              <a:p>
+                <a:r>
+                  <a:rPr lang="ja-JP" altLang="en-US">
+                    <a:noFill/>
+                  </a:rPr>
+                  <a:t> </a:t>
+                </a:r>
+              </a:p>
+            </p:txBody>
+          </p:sp>
+        </mc:Fallback>
+      </mc:AlternateContent>
+      <mc:AlternateContent xmlns:mc="http://schemas.openxmlformats.org/markup-compatibility/2006">
+        <mc:Choice xmlns:a14="http://schemas.microsoft.com/office/drawing/2010/main" Requires="a14">
+          <p:sp>
+            <p:nvSpPr>
+              <p:cNvPr id="158" name="テキスト ボックス 157"/>
+              <p:cNvSpPr txBox="1"/>
+              <p:nvPr/>
+            </p:nvSpPr>
+            <p:spPr>
+              <a:xfrm>
+                <a:off x="5239495" y="5127388"/>
+                <a:ext cx="273215" cy="276999"/>
+              </a:xfrm>
+              <a:prstGeom prst="rect">
+                <a:avLst/>
+              </a:prstGeom>
+              <a:noFill/>
+            </p:spPr>
+            <p:txBody>
+              <a:bodyPr wrap="none" lIns="0" tIns="0" rIns="0" bIns="0" rtlCol="0">
+                <a:spAutoFit/>
+              </a:bodyPr>
+              <a:lstStyle/>
+              <a:p>
+                <a:pPr/>
+                <a14:m>
+                  <m:oMathPara xmlns:m="http://schemas.openxmlformats.org/officeDocument/2006/math">
+                    <m:oMathParaPr>
+                      <m:jc m:val="centerGroup"/>
+                    </m:oMathParaPr>
+                    <m:oMath xmlns:m="http://schemas.openxmlformats.org/officeDocument/2006/math">
+                      <m:sSub>
+                        <m:sSubPr>
+                          <m:ctrlPr>
+                            <a:rPr kumimoji="1" lang="en-US" altLang="ja-JP" b="0" i="1" smtClean="0">
+                              <a:latin typeface="Cambria Math" panose="02040503050406030204" pitchFamily="18" charset="0"/>
+                            </a:rPr>
+                          </m:ctrlPr>
+                        </m:sSubPr>
+                        <m:e>
+                          <m:r>
+                            <a:rPr kumimoji="1" lang="en-US" altLang="ja-JP" b="0" i="1" smtClean="0">
+                              <a:latin typeface="Cambria Math" panose="02040503050406030204" pitchFamily="18" charset="0"/>
+                            </a:rPr>
+                            <m:t>𝑐</m:t>
+                          </m:r>
+                        </m:e>
+                        <m:sub>
+                          <m:r>
+                            <a:rPr kumimoji="1" lang="en-US" altLang="ja-JP" b="0" i="1" smtClean="0">
+                              <a:latin typeface="Cambria Math" panose="02040503050406030204" pitchFamily="18" charset="0"/>
+                            </a:rPr>
+                            <m:t>2</m:t>
+                          </m:r>
+                        </m:sub>
+                      </m:sSub>
+                    </m:oMath>
+                  </m:oMathPara>
+                </a14:m>
+                <a:endParaRPr kumimoji="1" lang="ja-JP" altLang="en-US" dirty="0"/>
+              </a:p>
+            </p:txBody>
+          </p:sp>
+        </mc:Choice>
+        <mc:Fallback>
+          <p:sp>
+            <p:nvSpPr>
+              <p:cNvPr id="158" name="テキスト ボックス 157"/>
+              <p:cNvSpPr txBox="1">
+                <a:spLocks noRot="1" noChangeAspect="1" noMove="1" noResize="1" noEditPoints="1" noAdjustHandles="1" noChangeArrowheads="1" noChangeShapeType="1" noTextEdit="1"/>
+              </p:cNvSpPr>
+              <p:nvPr/>
+            </p:nvSpPr>
+            <p:spPr>
+              <a:xfrm>
+                <a:off x="5239495" y="5127388"/>
+                <a:ext cx="273215" cy="276999"/>
+              </a:xfrm>
+              <a:prstGeom prst="rect">
+                <a:avLst/>
+              </a:prstGeom>
+              <a:blipFill>
+                <a:blip r:embed="rId8"/>
+                <a:stretch>
+                  <a:fillRect l="-8889" r="-6667" b="-15217"/>
+                </a:stretch>
+              </a:blipFill>
+            </p:spPr>
+            <p:txBody>
+              <a:bodyPr/>
+              <a:lstStyle/>
+              <a:p>
+                <a:r>
+                  <a:rPr lang="ja-JP" altLang="en-US">
+                    <a:noFill/>
+                  </a:rPr>
+                  <a:t> </a:t>
+                </a:r>
+              </a:p>
+            </p:txBody>
+          </p:sp>
+        </mc:Fallback>
+      </mc:AlternateContent>
+      <p:cxnSp>
+        <p:nvCxnSpPr>
+          <p:cNvPr id="164" name="カギ線コネクタ 163"/>
+          <p:cNvCxnSpPr>
+            <a:stCxn id="25" idx="2"/>
+          </p:cNvCxnSpPr>
+          <p:nvPr/>
+        </p:nvCxnSpPr>
+        <p:spPr>
+          <a:xfrm rot="16200000" flipH="1">
+            <a:off x="10425478" y="4987992"/>
+            <a:ext cx="484872" cy="588640"/>
+          </a:xfrm>
+          <a:prstGeom prst="bentConnector2">
+            <a:avLst/>
+          </a:prstGeom>
+          <a:ln>
+            <a:tailEnd type="triangle"/>
+          </a:ln>
+        </p:spPr>
+        <p:style>
+          <a:lnRef idx="1">
+            <a:schemeClr val="dk1"/>
+          </a:lnRef>
+          <a:fillRef idx="0">
+            <a:schemeClr val="dk1"/>
+          </a:fillRef>
+          <a:effectRef idx="0">
+            <a:schemeClr val="dk1"/>
+          </a:effectRef>
+          <a:fontRef idx="minor">
+            <a:schemeClr val="tx1"/>
+          </a:fontRef>
+        </p:style>
+      </p:cxnSp>
+      <p:cxnSp>
+        <p:nvCxnSpPr>
+          <p:cNvPr id="166" name="カギ線コネクタ 165"/>
+          <p:cNvCxnSpPr>
+            <a:stCxn id="145" idx="2"/>
+          </p:cNvCxnSpPr>
+          <p:nvPr/>
+        </p:nvCxnSpPr>
+        <p:spPr>
+          <a:xfrm rot="16200000" flipH="1">
+            <a:off x="7292126" y="4987992"/>
+            <a:ext cx="484872" cy="588640"/>
+          </a:xfrm>
+          <a:prstGeom prst="bentConnector2">
+            <a:avLst/>
+          </a:prstGeom>
+          <a:ln>
+            <a:tailEnd type="triangle"/>
+          </a:ln>
+        </p:spPr>
+        <p:style>
+          <a:lnRef idx="1">
+            <a:schemeClr val="dk1"/>
+          </a:lnRef>
+          <a:fillRef idx="0">
+            <a:schemeClr val="dk1"/>
+          </a:fillRef>
+          <a:effectRef idx="0">
+            <a:schemeClr val="dk1"/>
+          </a:effectRef>
+          <a:fontRef idx="minor">
+            <a:schemeClr val="tx1"/>
+          </a:fontRef>
+        </p:style>
+      </p:cxnSp>
+      <p:cxnSp>
+        <p:nvCxnSpPr>
+          <p:cNvPr id="174" name="カギ線コネクタ 173"/>
+          <p:cNvCxnSpPr>
+            <a:stCxn id="149" idx="2"/>
+          </p:cNvCxnSpPr>
+          <p:nvPr/>
+        </p:nvCxnSpPr>
+        <p:spPr>
+          <a:xfrm rot="16200000" flipH="1">
+            <a:off x="3657149" y="4978064"/>
+            <a:ext cx="484872" cy="608496"/>
+          </a:xfrm>
+          <a:prstGeom prst="bentConnector2">
+            <a:avLst/>
+          </a:prstGeom>
+          <a:ln>
+            <a:tailEnd type="triangle"/>
+          </a:ln>
+        </p:spPr>
+        <p:style>
+          <a:lnRef idx="1">
+            <a:schemeClr val="dk1"/>
+          </a:lnRef>
+          <a:fillRef idx="0">
+            <a:schemeClr val="dk1"/>
+          </a:fillRef>
+          <a:effectRef idx="0">
+            <a:schemeClr val="dk1"/>
+          </a:effectRef>
+          <a:fontRef idx="minor">
+            <a:schemeClr val="tx1"/>
+          </a:fontRef>
+        </p:style>
+      </p:cxnSp>
+      <mc:AlternateContent xmlns:mc="http://schemas.openxmlformats.org/markup-compatibility/2006">
+        <mc:Choice xmlns:a14="http://schemas.microsoft.com/office/drawing/2010/main" Requires="a14">
+          <p:sp>
+            <p:nvSpPr>
+              <p:cNvPr id="177" name="テキスト ボックス 176"/>
+              <p:cNvSpPr txBox="1"/>
+              <p:nvPr/>
+            </p:nvSpPr>
+            <p:spPr>
+              <a:xfrm>
+                <a:off x="11053012" y="5376570"/>
+                <a:ext cx="300788" cy="276999"/>
+              </a:xfrm>
+              <a:prstGeom prst="rect">
+                <a:avLst/>
+              </a:prstGeom>
+              <a:noFill/>
+            </p:spPr>
+            <p:txBody>
+              <a:bodyPr wrap="none" lIns="0" tIns="0" rIns="0" bIns="0" rtlCol="0">
+                <a:spAutoFit/>
+              </a:bodyPr>
+              <a:lstStyle/>
+              <a:p>
+                <a:pPr/>
+                <a14:m>
+                  <m:oMathPara xmlns:m="http://schemas.openxmlformats.org/officeDocument/2006/math">
+                    <m:oMathParaPr>
+                      <m:jc m:val="centerGroup"/>
+                    </m:oMathParaPr>
+                    <m:oMath xmlns:m="http://schemas.openxmlformats.org/officeDocument/2006/math">
+                      <m:sSub>
+                        <m:sSubPr>
+                          <m:ctrlPr>
+                            <a:rPr kumimoji="1" lang="en-US" altLang="ja-JP" b="0" i="1" smtClean="0">
+                              <a:latin typeface="Cambria Math" panose="02040503050406030204" pitchFamily="18" charset="0"/>
+                            </a:rPr>
+                          </m:ctrlPr>
+                        </m:sSubPr>
+                        <m:e>
+                          <m:r>
+                            <a:rPr kumimoji="1" lang="en-US" altLang="ja-JP" b="0" i="1" smtClean="0">
+                              <a:latin typeface="Cambria Math" panose="02040503050406030204" pitchFamily="18" charset="0"/>
+                            </a:rPr>
+                            <m:t>𝑢</m:t>
+                          </m:r>
+                        </m:e>
+                        <m:sub>
+                          <m:r>
+                            <a:rPr kumimoji="1" lang="en-US" altLang="ja-JP" b="0" i="1" smtClean="0">
+                              <a:latin typeface="Cambria Math" panose="02040503050406030204" pitchFamily="18" charset="0"/>
+                            </a:rPr>
+                            <m:t>1</m:t>
+                          </m:r>
+                        </m:sub>
+                      </m:sSub>
+                    </m:oMath>
+                  </m:oMathPara>
+                </a14:m>
+                <a:endParaRPr kumimoji="1" lang="ja-JP" altLang="en-US" dirty="0"/>
+              </a:p>
+            </p:txBody>
+          </p:sp>
+        </mc:Choice>
+        <mc:Fallback>
+          <p:sp>
+            <p:nvSpPr>
+              <p:cNvPr id="177" name="テキスト ボックス 176"/>
+              <p:cNvSpPr txBox="1">
+                <a:spLocks noRot="1" noChangeAspect="1" noMove="1" noResize="1" noEditPoints="1" noAdjustHandles="1" noChangeArrowheads="1" noChangeShapeType="1" noTextEdit="1"/>
+              </p:cNvSpPr>
+              <p:nvPr/>
+            </p:nvSpPr>
+            <p:spPr>
+              <a:xfrm>
+                <a:off x="11053012" y="5376570"/>
+                <a:ext cx="300788" cy="276999"/>
+              </a:xfrm>
+              <a:prstGeom prst="rect">
+                <a:avLst/>
+              </a:prstGeom>
+              <a:blipFill>
+                <a:blip r:embed="rId9"/>
+                <a:stretch>
+                  <a:fillRect l="-8000" r="-6000" b="-15556"/>
+                </a:stretch>
+              </a:blipFill>
+            </p:spPr>
+            <p:txBody>
+              <a:bodyPr/>
+              <a:lstStyle/>
+              <a:p>
+                <a:r>
+                  <a:rPr lang="ja-JP" altLang="en-US">
+                    <a:noFill/>
+                  </a:rPr>
+                  <a:t> </a:t>
+                </a:r>
+              </a:p>
+            </p:txBody>
+          </p:sp>
+        </mc:Fallback>
+      </mc:AlternateContent>
+      <mc:AlternateContent xmlns:mc="http://schemas.openxmlformats.org/markup-compatibility/2006">
+        <mc:Choice xmlns:a14="http://schemas.microsoft.com/office/drawing/2010/main" Requires="a14">
+          <p:sp>
+            <p:nvSpPr>
+              <p:cNvPr id="178" name="テキスト ボックス 177"/>
+              <p:cNvSpPr txBox="1"/>
+              <p:nvPr/>
+            </p:nvSpPr>
+            <p:spPr>
+              <a:xfrm>
+                <a:off x="7919660" y="5376570"/>
+                <a:ext cx="306109" cy="276999"/>
+              </a:xfrm>
+              <a:prstGeom prst="rect">
+                <a:avLst/>
+              </a:prstGeom>
+              <a:noFill/>
+            </p:spPr>
+            <p:txBody>
+              <a:bodyPr wrap="none" lIns="0" tIns="0" rIns="0" bIns="0" rtlCol="0">
+                <a:spAutoFit/>
+              </a:bodyPr>
+              <a:lstStyle/>
+              <a:p>
+                <a:pPr/>
+                <a14:m>
+                  <m:oMathPara xmlns:m="http://schemas.openxmlformats.org/officeDocument/2006/math">
+                    <m:oMathParaPr>
+                      <m:jc m:val="centerGroup"/>
+                    </m:oMathParaPr>
+                    <m:oMath xmlns:m="http://schemas.openxmlformats.org/officeDocument/2006/math">
+                      <m:sSub>
+                        <m:sSubPr>
+                          <m:ctrlPr>
+                            <a:rPr kumimoji="1" lang="en-US" altLang="ja-JP" b="0" i="1" smtClean="0">
+                              <a:latin typeface="Cambria Math" panose="02040503050406030204" pitchFamily="18" charset="0"/>
+                            </a:rPr>
+                          </m:ctrlPr>
+                        </m:sSubPr>
+                        <m:e>
+                          <m:r>
+                            <a:rPr kumimoji="1" lang="en-US" altLang="ja-JP" b="0" i="1" smtClean="0">
+                              <a:latin typeface="Cambria Math" panose="02040503050406030204" pitchFamily="18" charset="0"/>
+                            </a:rPr>
+                            <m:t>𝑢</m:t>
+                          </m:r>
+                        </m:e>
+                        <m:sub>
+                          <m:r>
+                            <a:rPr kumimoji="1" lang="en-US" altLang="ja-JP" b="0" i="1" smtClean="0">
+                              <a:latin typeface="Cambria Math" panose="02040503050406030204" pitchFamily="18" charset="0"/>
+                            </a:rPr>
+                            <m:t>2</m:t>
+                          </m:r>
+                        </m:sub>
+                      </m:sSub>
+                    </m:oMath>
+                  </m:oMathPara>
+                </a14:m>
+                <a:endParaRPr kumimoji="1" lang="ja-JP" altLang="en-US" dirty="0"/>
+              </a:p>
+            </p:txBody>
+          </p:sp>
+        </mc:Choice>
+        <mc:Fallback>
+          <p:sp>
+            <p:nvSpPr>
+              <p:cNvPr id="178" name="テキスト ボックス 177"/>
+              <p:cNvSpPr txBox="1">
+                <a:spLocks noRot="1" noChangeAspect="1" noMove="1" noResize="1" noEditPoints="1" noAdjustHandles="1" noChangeArrowheads="1" noChangeShapeType="1" noTextEdit="1"/>
+              </p:cNvSpPr>
+              <p:nvPr/>
+            </p:nvSpPr>
+            <p:spPr>
+              <a:xfrm>
+                <a:off x="7919660" y="5376570"/>
+                <a:ext cx="306109" cy="276999"/>
+              </a:xfrm>
+              <a:prstGeom prst="rect">
+                <a:avLst/>
+              </a:prstGeom>
+              <a:blipFill>
+                <a:blip r:embed="rId10"/>
+                <a:stretch>
+                  <a:fillRect l="-10000" r="-6000" b="-15556"/>
+                </a:stretch>
+              </a:blipFill>
+            </p:spPr>
+            <p:txBody>
+              <a:bodyPr/>
+              <a:lstStyle/>
+              <a:p>
+                <a:r>
+                  <a:rPr lang="ja-JP" altLang="en-US">
+                    <a:noFill/>
+                  </a:rPr>
+                  <a:t> </a:t>
+                </a:r>
+              </a:p>
+            </p:txBody>
+          </p:sp>
+        </mc:Fallback>
+      </mc:AlternateContent>
+      <mc:AlternateContent xmlns:mc="http://schemas.openxmlformats.org/markup-compatibility/2006">
+        <mc:Choice xmlns:a14="http://schemas.microsoft.com/office/drawing/2010/main" Requires="a14">
+          <p:sp>
+            <p:nvSpPr>
+              <p:cNvPr id="179" name="テキスト ボックス 178"/>
+              <p:cNvSpPr txBox="1"/>
+              <p:nvPr/>
+            </p:nvSpPr>
+            <p:spPr>
+              <a:xfrm>
+                <a:off x="4294612" y="5376570"/>
+                <a:ext cx="306109" cy="276999"/>
+              </a:xfrm>
+              <a:prstGeom prst="rect">
+                <a:avLst/>
+              </a:prstGeom>
+              <a:noFill/>
+            </p:spPr>
+            <p:txBody>
+              <a:bodyPr wrap="none" lIns="0" tIns="0" rIns="0" bIns="0" rtlCol="0">
+                <a:spAutoFit/>
+              </a:bodyPr>
+              <a:lstStyle/>
+              <a:p>
+                <a:pPr/>
+                <a14:m>
+                  <m:oMathPara xmlns:m="http://schemas.openxmlformats.org/officeDocument/2006/math">
+                    <m:oMathParaPr>
+                      <m:jc m:val="centerGroup"/>
+                    </m:oMathParaPr>
+                    <m:oMath xmlns:m="http://schemas.openxmlformats.org/officeDocument/2006/math">
+                      <m:sSub>
+                        <m:sSubPr>
+                          <m:ctrlPr>
+                            <a:rPr kumimoji="1" lang="en-US" altLang="ja-JP" b="0" i="1" smtClean="0">
+                              <a:latin typeface="Cambria Math" panose="02040503050406030204" pitchFamily="18" charset="0"/>
+                            </a:rPr>
+                          </m:ctrlPr>
+                        </m:sSubPr>
+                        <m:e>
+                          <m:r>
+                            <a:rPr kumimoji="1" lang="en-US" altLang="ja-JP" b="0" i="1" smtClean="0">
+                              <a:latin typeface="Cambria Math" panose="02040503050406030204" pitchFamily="18" charset="0"/>
+                            </a:rPr>
+                            <m:t>𝑢</m:t>
+                          </m:r>
+                        </m:e>
+                        <m:sub>
+                          <m:r>
+                            <a:rPr kumimoji="1" lang="en-US" altLang="ja-JP" b="0" i="1" smtClean="0">
+                              <a:latin typeface="Cambria Math" panose="02040503050406030204" pitchFamily="18" charset="0"/>
+                            </a:rPr>
+                            <m:t>3</m:t>
+                          </m:r>
+                        </m:sub>
+                      </m:sSub>
+                    </m:oMath>
+                  </m:oMathPara>
+                </a14:m>
+                <a:endParaRPr kumimoji="1" lang="ja-JP" altLang="en-US" dirty="0"/>
+              </a:p>
+            </p:txBody>
+          </p:sp>
+        </mc:Choice>
+        <mc:Fallback>
+          <p:sp>
+            <p:nvSpPr>
+              <p:cNvPr id="179" name="テキスト ボックス 178"/>
+              <p:cNvSpPr txBox="1">
+                <a:spLocks noRot="1" noChangeAspect="1" noMove="1" noResize="1" noEditPoints="1" noAdjustHandles="1" noChangeArrowheads="1" noChangeShapeType="1" noTextEdit="1"/>
+              </p:cNvSpPr>
+              <p:nvPr/>
+            </p:nvSpPr>
+            <p:spPr>
+              <a:xfrm>
+                <a:off x="4294612" y="5376570"/>
+                <a:ext cx="306109" cy="276999"/>
+              </a:xfrm>
+              <a:prstGeom prst="rect">
+                <a:avLst/>
+              </a:prstGeom>
+              <a:blipFill>
+                <a:blip r:embed="rId11"/>
+                <a:stretch>
+                  <a:fillRect l="-9804" r="-3922" b="-15556"/>
+                </a:stretch>
+              </a:blipFill>
+            </p:spPr>
+            <p:txBody>
+              <a:bodyPr/>
+              <a:lstStyle/>
+              <a:p>
+                <a:r>
+                  <a:rPr lang="ja-JP" altLang="en-US">
+                    <a:noFill/>
+                  </a:rPr>
+                  <a:t> </a:t>
+                </a:r>
+              </a:p>
+            </p:txBody>
+          </p:sp>
+        </mc:Fallback>
+      </mc:AlternateContent>
+      <p:grpSp>
+        <p:nvGrpSpPr>
+          <p:cNvPr id="183" name="グループ化 182"/>
+          <p:cNvGrpSpPr/>
+          <p:nvPr/>
+        </p:nvGrpSpPr>
+        <p:grpSpPr>
+          <a:xfrm>
+            <a:off x="4557115" y="2312201"/>
+            <a:ext cx="1085594" cy="354769"/>
+            <a:chOff x="6188364" y="1339273"/>
+            <a:chExt cx="1413163" cy="461818"/>
+          </a:xfrm>
+        </p:grpSpPr>
+        <p:cxnSp>
+          <p:nvCxnSpPr>
+            <p:cNvPr id="184" name="直線コネクタ 183"/>
+            <p:cNvCxnSpPr/>
+            <p:nvPr/>
+          </p:nvCxnSpPr>
+          <p:spPr>
+            <a:xfrm flipV="1">
+              <a:off x="6188364" y="1339273"/>
+              <a:ext cx="138545" cy="230910"/>
+            </a:xfrm>
+            <a:prstGeom prst="line">
+              <a:avLst/>
+            </a:prstGeom>
+          </p:spPr>
+          <p:style>
+            <a:lnRef idx="1">
+              <a:schemeClr val="dk1"/>
+            </a:lnRef>
+            <a:fillRef idx="0">
+              <a:schemeClr val="dk1"/>
+            </a:fillRef>
+            <a:effectRef idx="0">
+              <a:schemeClr val="dk1"/>
+            </a:effectRef>
+            <a:fontRef idx="minor">
+              <a:schemeClr val="tx1"/>
+            </a:fontRef>
+          </p:style>
+        </p:cxnSp>
+        <p:cxnSp>
+          <p:nvCxnSpPr>
+            <p:cNvPr id="185" name="直線コネクタ 184"/>
+            <p:cNvCxnSpPr/>
+            <p:nvPr/>
+          </p:nvCxnSpPr>
+          <p:spPr>
+            <a:xfrm>
+              <a:off x="6326909" y="1339273"/>
+              <a:ext cx="237303" cy="461818"/>
+            </a:xfrm>
+            <a:prstGeom prst="line">
+              <a:avLst/>
+            </a:prstGeom>
+          </p:spPr>
+          <p:style>
+            <a:lnRef idx="1">
+              <a:schemeClr val="dk1"/>
+            </a:lnRef>
+            <a:fillRef idx="0">
+              <a:schemeClr val="dk1"/>
+            </a:fillRef>
+            <a:effectRef idx="0">
+              <a:schemeClr val="dk1"/>
+            </a:effectRef>
+            <a:fontRef idx="minor">
+              <a:schemeClr val="tx1"/>
+            </a:fontRef>
+          </p:style>
+        </p:cxnSp>
+        <p:cxnSp>
+          <p:nvCxnSpPr>
+            <p:cNvPr id="186" name="直線コネクタ 185"/>
+            <p:cNvCxnSpPr/>
+            <p:nvPr/>
+          </p:nvCxnSpPr>
+          <p:spPr>
+            <a:xfrm flipV="1">
+              <a:off x="6564212" y="1339273"/>
+              <a:ext cx="233752" cy="461818"/>
+            </a:xfrm>
+            <a:prstGeom prst="line">
+              <a:avLst/>
+            </a:prstGeom>
+          </p:spPr>
+          <p:style>
+            <a:lnRef idx="1">
+              <a:schemeClr val="dk1"/>
+            </a:lnRef>
+            <a:fillRef idx="0">
+              <a:schemeClr val="dk1"/>
+            </a:fillRef>
+            <a:effectRef idx="0">
+              <a:schemeClr val="dk1"/>
+            </a:effectRef>
+            <a:fontRef idx="minor">
+              <a:schemeClr val="tx1"/>
+            </a:fontRef>
+          </p:style>
+        </p:cxnSp>
+        <p:cxnSp>
+          <p:nvCxnSpPr>
+            <p:cNvPr id="187" name="直線コネクタ 186"/>
+            <p:cNvCxnSpPr/>
+            <p:nvPr/>
+          </p:nvCxnSpPr>
+          <p:spPr>
+            <a:xfrm>
+              <a:off x="6797964" y="1339273"/>
+              <a:ext cx="230909" cy="461818"/>
+            </a:xfrm>
+            <a:prstGeom prst="line">
+              <a:avLst/>
+            </a:prstGeom>
+          </p:spPr>
+          <p:style>
+            <a:lnRef idx="1">
+              <a:schemeClr val="dk1"/>
+            </a:lnRef>
+            <a:fillRef idx="0">
+              <a:schemeClr val="dk1"/>
+            </a:fillRef>
+            <a:effectRef idx="0">
+              <a:schemeClr val="dk1"/>
+            </a:effectRef>
+            <a:fontRef idx="minor">
+              <a:schemeClr val="tx1"/>
+            </a:fontRef>
+          </p:style>
+        </p:cxnSp>
+        <p:cxnSp>
+          <p:nvCxnSpPr>
+            <p:cNvPr id="188" name="直線コネクタ 187"/>
+            <p:cNvCxnSpPr/>
+            <p:nvPr/>
+          </p:nvCxnSpPr>
+          <p:spPr>
+            <a:xfrm flipV="1">
+              <a:off x="7028873" y="1339273"/>
+              <a:ext cx="235527" cy="461818"/>
+            </a:xfrm>
+            <a:prstGeom prst="line">
+              <a:avLst/>
+            </a:prstGeom>
+          </p:spPr>
+          <p:style>
+            <a:lnRef idx="1">
+              <a:schemeClr val="dk1"/>
+            </a:lnRef>
+            <a:fillRef idx="0">
+              <a:schemeClr val="dk1"/>
+            </a:fillRef>
+            <a:effectRef idx="0">
+              <a:schemeClr val="dk1"/>
+            </a:effectRef>
+            <a:fontRef idx="minor">
+              <a:schemeClr val="tx1"/>
+            </a:fontRef>
+          </p:style>
+        </p:cxnSp>
+        <p:cxnSp>
+          <p:nvCxnSpPr>
+            <p:cNvPr id="189" name="直線コネクタ 188"/>
+            <p:cNvCxnSpPr/>
+            <p:nvPr/>
+          </p:nvCxnSpPr>
+          <p:spPr>
+            <a:xfrm>
+              <a:off x="7264400" y="1339850"/>
+              <a:ext cx="191907" cy="461241"/>
+            </a:xfrm>
+            <a:prstGeom prst="line">
+              <a:avLst/>
+            </a:prstGeom>
+          </p:spPr>
+          <p:style>
+            <a:lnRef idx="1">
+              <a:schemeClr val="dk1"/>
+            </a:lnRef>
+            <a:fillRef idx="0">
+              <a:schemeClr val="dk1"/>
+            </a:fillRef>
+            <a:effectRef idx="0">
+              <a:schemeClr val="dk1"/>
+            </a:effectRef>
+            <a:fontRef idx="minor">
+              <a:schemeClr val="tx1"/>
+            </a:fontRef>
+          </p:style>
+        </p:cxnSp>
+        <p:cxnSp>
+          <p:nvCxnSpPr>
+            <p:cNvPr id="190" name="直線コネクタ 189"/>
+            <p:cNvCxnSpPr/>
+            <p:nvPr/>
+          </p:nvCxnSpPr>
+          <p:spPr>
+            <a:xfrm flipV="1">
+              <a:off x="7456307" y="1570182"/>
+              <a:ext cx="145220" cy="230909"/>
+            </a:xfrm>
+            <a:prstGeom prst="line">
+              <a:avLst/>
+            </a:prstGeom>
+          </p:spPr>
+          <p:style>
+            <a:lnRef idx="1">
+              <a:schemeClr val="dk1"/>
+            </a:lnRef>
+            <a:fillRef idx="0">
+              <a:schemeClr val="dk1"/>
+            </a:fillRef>
+            <a:effectRef idx="0">
+              <a:schemeClr val="dk1"/>
+            </a:effectRef>
+            <a:fontRef idx="minor">
+              <a:schemeClr val="tx1"/>
+            </a:fontRef>
+          </p:style>
+        </p:cxnSp>
+      </p:grpSp>
+      <p:cxnSp>
+        <p:nvCxnSpPr>
+          <p:cNvPr id="206" name="カギ線コネクタ 205"/>
+          <p:cNvCxnSpPr>
+            <a:stCxn id="124" idx="0"/>
+          </p:cNvCxnSpPr>
+          <p:nvPr/>
+        </p:nvCxnSpPr>
+        <p:spPr>
+          <a:xfrm rot="5400000" flipH="1" flipV="1">
+            <a:off x="10393710" y="1366158"/>
+            <a:ext cx="445790" cy="588640"/>
+          </a:xfrm>
+          <a:prstGeom prst="bentConnector2">
+            <a:avLst/>
+          </a:prstGeom>
+          <a:ln>
+            <a:tailEnd type="triangle"/>
+          </a:ln>
+        </p:spPr>
+        <p:style>
+          <a:lnRef idx="1">
+            <a:schemeClr val="dk1"/>
+          </a:lnRef>
+          <a:fillRef idx="0">
+            <a:schemeClr val="dk1"/>
+          </a:fillRef>
+          <a:effectRef idx="0">
+            <a:schemeClr val="dk1"/>
+          </a:effectRef>
+          <a:fontRef idx="minor">
+            <a:schemeClr val="tx1"/>
+          </a:fontRef>
+        </p:style>
+      </p:cxnSp>
+      <p:cxnSp>
+        <p:nvCxnSpPr>
+          <p:cNvPr id="208" name="カギ線コネクタ 207"/>
+          <p:cNvCxnSpPr>
+            <a:stCxn id="182" idx="0"/>
+          </p:cNvCxnSpPr>
+          <p:nvPr/>
+        </p:nvCxnSpPr>
+        <p:spPr>
+          <a:xfrm rot="5400000" flipH="1" flipV="1">
+            <a:off x="6615207" y="1365543"/>
+            <a:ext cx="442099" cy="588640"/>
+          </a:xfrm>
+          <a:prstGeom prst="bentConnector2">
+            <a:avLst/>
+          </a:prstGeom>
+          <a:ln>
+            <a:tailEnd type="triangle"/>
+          </a:ln>
+        </p:spPr>
+        <p:style>
+          <a:lnRef idx="1">
+            <a:schemeClr val="dk1"/>
+          </a:lnRef>
+          <a:fillRef idx="0">
+            <a:schemeClr val="dk1"/>
+          </a:fillRef>
+          <a:effectRef idx="0">
+            <a:schemeClr val="dk1"/>
+          </a:effectRef>
+          <a:fontRef idx="minor">
+            <a:schemeClr val="tx1"/>
+          </a:fontRef>
+        </p:style>
+      </p:cxnSp>
+      <mc:AlternateContent xmlns:mc="http://schemas.openxmlformats.org/markup-compatibility/2006">
+        <mc:Choice xmlns:a14="http://schemas.microsoft.com/office/drawing/2010/main" Requires="a14">
+          <p:sp>
+            <p:nvSpPr>
+              <p:cNvPr id="212" name="テキスト ボックス 211"/>
+              <p:cNvSpPr txBox="1"/>
+              <p:nvPr/>
+            </p:nvSpPr>
+            <p:spPr>
+              <a:xfrm>
+                <a:off x="7169266" y="1256412"/>
+                <a:ext cx="306109" cy="276999"/>
+              </a:xfrm>
+              <a:prstGeom prst="rect">
+                <a:avLst/>
+              </a:prstGeom>
+              <a:noFill/>
+            </p:spPr>
+            <p:txBody>
+              <a:bodyPr wrap="none" lIns="0" tIns="0" rIns="0" bIns="0" rtlCol="0">
+                <a:spAutoFit/>
+              </a:bodyPr>
+              <a:lstStyle/>
+              <a:p>
+                <a:pPr/>
+                <a14:m>
+                  <m:oMathPara xmlns:m="http://schemas.openxmlformats.org/officeDocument/2006/math">
+                    <m:oMathParaPr>
+                      <m:jc m:val="centerGroup"/>
+                    </m:oMathParaPr>
+                    <m:oMath xmlns:m="http://schemas.openxmlformats.org/officeDocument/2006/math">
+                      <m:sSub>
+                        <m:sSubPr>
+                          <m:ctrlPr>
+                            <a:rPr kumimoji="1" lang="en-US" altLang="ja-JP" b="0" i="1" smtClean="0">
+                              <a:latin typeface="Cambria Math" panose="02040503050406030204" pitchFamily="18" charset="0"/>
+                            </a:rPr>
+                          </m:ctrlPr>
+                        </m:sSubPr>
+                        <m:e>
+                          <m:r>
+                            <a:rPr kumimoji="1" lang="en-US" altLang="ja-JP" b="0" i="1" smtClean="0">
+                              <a:latin typeface="Cambria Math" panose="02040503050406030204" pitchFamily="18" charset="0"/>
+                            </a:rPr>
+                            <m:t>𝑢</m:t>
+                          </m:r>
+                        </m:e>
+                        <m:sub>
+                          <m:r>
+                            <a:rPr kumimoji="1" lang="en-US" altLang="ja-JP" b="0" i="1" smtClean="0">
+                              <a:latin typeface="Cambria Math" panose="02040503050406030204" pitchFamily="18" charset="0"/>
+                            </a:rPr>
+                            <m:t>4</m:t>
+                          </m:r>
+                        </m:sub>
+                      </m:sSub>
+                    </m:oMath>
+                  </m:oMathPara>
+                </a14:m>
+                <a:endParaRPr kumimoji="1" lang="ja-JP" altLang="en-US" dirty="0"/>
+              </a:p>
+            </p:txBody>
+          </p:sp>
+        </mc:Choice>
+        <mc:Fallback>
+          <p:sp>
+            <p:nvSpPr>
+              <p:cNvPr id="212" name="テキスト ボックス 211"/>
+              <p:cNvSpPr txBox="1">
+                <a:spLocks noRot="1" noChangeAspect="1" noMove="1" noResize="1" noEditPoints="1" noAdjustHandles="1" noChangeArrowheads="1" noChangeShapeType="1" noTextEdit="1"/>
+              </p:cNvSpPr>
+              <p:nvPr/>
+            </p:nvSpPr>
+            <p:spPr>
+              <a:xfrm>
+                <a:off x="7169266" y="1256412"/>
+                <a:ext cx="306109" cy="276999"/>
+              </a:xfrm>
+              <a:prstGeom prst="rect">
+                <a:avLst/>
+              </a:prstGeom>
+              <a:blipFill>
+                <a:blip r:embed="rId12"/>
+                <a:stretch>
+                  <a:fillRect l="-10000" r="-6000" b="-15217"/>
+                </a:stretch>
+              </a:blipFill>
+            </p:spPr>
+            <p:txBody>
+              <a:bodyPr/>
+              <a:lstStyle/>
+              <a:p>
+                <a:r>
+                  <a:rPr lang="ja-JP" altLang="en-US">
+                    <a:noFill/>
+                  </a:rPr>
+                  <a:t> </a:t>
+                </a:r>
+              </a:p>
+            </p:txBody>
+          </p:sp>
+        </mc:Fallback>
+      </mc:AlternateContent>
+      <mc:AlternateContent xmlns:mc="http://schemas.openxmlformats.org/markup-compatibility/2006">
+        <mc:Choice xmlns:a14="http://schemas.microsoft.com/office/drawing/2010/main" Requires="a14">
+          <p:sp>
+            <p:nvSpPr>
+              <p:cNvPr id="213" name="テキスト ボックス 212"/>
+              <p:cNvSpPr txBox="1"/>
+              <p:nvPr/>
+            </p:nvSpPr>
+            <p:spPr>
+              <a:xfrm>
+                <a:off x="10959279" y="1256412"/>
+                <a:ext cx="306109" cy="276999"/>
+              </a:xfrm>
+              <a:prstGeom prst="rect">
+                <a:avLst/>
+              </a:prstGeom>
+              <a:noFill/>
+            </p:spPr>
+            <p:txBody>
+              <a:bodyPr wrap="none" lIns="0" tIns="0" rIns="0" bIns="0" rtlCol="0">
+                <a:spAutoFit/>
+              </a:bodyPr>
+              <a:lstStyle/>
+              <a:p>
+                <a:pPr/>
+                <a14:m>
+                  <m:oMathPara xmlns:m="http://schemas.openxmlformats.org/officeDocument/2006/math">
+                    <m:oMathParaPr>
+                      <m:jc m:val="centerGroup"/>
+                    </m:oMathParaPr>
+                    <m:oMath xmlns:m="http://schemas.openxmlformats.org/officeDocument/2006/math">
+                      <m:sSub>
+                        <m:sSubPr>
+                          <m:ctrlPr>
+                            <a:rPr kumimoji="1" lang="en-US" altLang="ja-JP" b="0" i="1" smtClean="0">
+                              <a:latin typeface="Cambria Math" panose="02040503050406030204" pitchFamily="18" charset="0"/>
+                            </a:rPr>
+                          </m:ctrlPr>
+                        </m:sSubPr>
+                        <m:e>
+                          <m:r>
+                            <a:rPr kumimoji="1" lang="en-US" altLang="ja-JP" b="0" i="1" smtClean="0">
+                              <a:latin typeface="Cambria Math" panose="02040503050406030204" pitchFamily="18" charset="0"/>
+                            </a:rPr>
+                            <m:t>𝑢</m:t>
+                          </m:r>
+                        </m:e>
+                        <m:sub>
+                          <m:r>
+                            <a:rPr kumimoji="1" lang="en-US" altLang="ja-JP" b="0" i="1" smtClean="0">
+                              <a:latin typeface="Cambria Math" panose="02040503050406030204" pitchFamily="18" charset="0"/>
+                            </a:rPr>
+                            <m:t>5</m:t>
+                          </m:r>
+                        </m:sub>
+                      </m:sSub>
+                    </m:oMath>
+                  </m:oMathPara>
+                </a14:m>
+                <a:endParaRPr kumimoji="1" lang="ja-JP" altLang="en-US" dirty="0"/>
+              </a:p>
+            </p:txBody>
+          </p:sp>
+        </mc:Choice>
+        <mc:Fallback>
+          <p:sp>
+            <p:nvSpPr>
+              <p:cNvPr id="213" name="テキスト ボックス 212"/>
+              <p:cNvSpPr txBox="1">
+                <a:spLocks noRot="1" noChangeAspect="1" noMove="1" noResize="1" noEditPoints="1" noAdjustHandles="1" noChangeArrowheads="1" noChangeShapeType="1" noTextEdit="1"/>
+              </p:cNvSpPr>
+              <p:nvPr/>
+            </p:nvSpPr>
+            <p:spPr>
+              <a:xfrm>
+                <a:off x="10959279" y="1256412"/>
+                <a:ext cx="306109" cy="276999"/>
+              </a:xfrm>
+              <a:prstGeom prst="rect">
+                <a:avLst/>
+              </a:prstGeom>
+              <a:blipFill>
+                <a:blip r:embed="rId13"/>
+                <a:stretch>
+                  <a:fillRect l="-10000" r="-6000" b="-15217"/>
+                </a:stretch>
+              </a:blipFill>
+            </p:spPr>
+            <p:txBody>
+              <a:bodyPr/>
+              <a:lstStyle/>
+              <a:p>
+                <a:r>
+                  <a:rPr lang="ja-JP" altLang="en-US">
+                    <a:noFill/>
+                  </a:rPr>
+                  <a:t> </a:t>
+                </a:r>
+              </a:p>
+            </p:txBody>
+          </p:sp>
+        </mc:Fallback>
+      </mc:AlternateContent>
+      <mc:AlternateContent xmlns:mc="http://schemas.openxmlformats.org/markup-compatibility/2006">
+        <mc:Choice xmlns:a14="http://schemas.microsoft.com/office/drawing/2010/main" Requires="a14">
+          <p:sp>
+            <p:nvSpPr>
               <p:cNvPr id="149" name="正方形/長方形 148"/>
               <p:cNvSpPr/>
               <p:nvPr/>
             </p:nvSpPr>
             <p:spPr>
               <a:xfrm>
-                <a:off x="3006697" y="4474256"/>
-                <a:ext cx="1177280" cy="1177280"/>
+                <a:off x="3006697" y="1880912"/>
+                <a:ext cx="1177280" cy="3158964"/>
               </a:xfrm>
               <a:prstGeom prst="rect">
                 <a:avLst/>
@@ -6502,14 +7030,14 @@
             </p:nvSpPr>
             <p:spPr>
               <a:xfrm>
-                <a:off x="3006697" y="4474256"/>
-                <a:ext cx="1177280" cy="1177280"/>
+                <a:off x="3006697" y="1880912"/>
+                <a:ext cx="1177280" cy="3158964"/>
               </a:xfrm>
               <a:prstGeom prst="rect">
                 <a:avLst/>
               </a:prstGeom>
               <a:blipFill>
-                <a:blip r:embed="rId5"/>
+                <a:blip r:embed="rId14"/>
                 <a:stretch>
                   <a:fillRect/>
                 </a:stretch>
@@ -6530,18 +7058,646 @@
           </p:sp>
         </mc:Fallback>
       </mc:AlternateContent>
+      <p:grpSp>
+        <p:nvGrpSpPr>
+          <p:cNvPr id="128" name="グループ化 127"/>
+          <p:cNvGrpSpPr/>
+          <p:nvPr/>
+        </p:nvGrpSpPr>
+        <p:grpSpPr>
+          <a:xfrm>
+            <a:off x="7861477" y="1885678"/>
+            <a:ext cx="1085594" cy="354769"/>
+            <a:chOff x="6188364" y="1339273"/>
+            <a:chExt cx="1413163" cy="461818"/>
+          </a:xfrm>
+        </p:grpSpPr>
+        <p:cxnSp>
+          <p:nvCxnSpPr>
+            <p:cNvPr id="129" name="直線コネクタ 128"/>
+            <p:cNvCxnSpPr/>
+            <p:nvPr/>
+          </p:nvCxnSpPr>
+          <p:spPr>
+            <a:xfrm flipV="1">
+              <a:off x="6188364" y="1339273"/>
+              <a:ext cx="138545" cy="230910"/>
+            </a:xfrm>
+            <a:prstGeom prst="line">
+              <a:avLst/>
+            </a:prstGeom>
+          </p:spPr>
+          <p:style>
+            <a:lnRef idx="1">
+              <a:schemeClr val="dk1"/>
+            </a:lnRef>
+            <a:fillRef idx="0">
+              <a:schemeClr val="dk1"/>
+            </a:fillRef>
+            <a:effectRef idx="0">
+              <a:schemeClr val="dk1"/>
+            </a:effectRef>
+            <a:fontRef idx="minor">
+              <a:schemeClr val="tx1"/>
+            </a:fontRef>
+          </p:style>
+        </p:cxnSp>
+        <p:cxnSp>
+          <p:nvCxnSpPr>
+            <p:cNvPr id="131" name="直線コネクタ 130"/>
+            <p:cNvCxnSpPr/>
+            <p:nvPr/>
+          </p:nvCxnSpPr>
+          <p:spPr>
+            <a:xfrm>
+              <a:off x="6326909" y="1339273"/>
+              <a:ext cx="237303" cy="461818"/>
+            </a:xfrm>
+            <a:prstGeom prst="line">
+              <a:avLst/>
+            </a:prstGeom>
+          </p:spPr>
+          <p:style>
+            <a:lnRef idx="1">
+              <a:schemeClr val="dk1"/>
+            </a:lnRef>
+            <a:fillRef idx="0">
+              <a:schemeClr val="dk1"/>
+            </a:fillRef>
+            <a:effectRef idx="0">
+              <a:schemeClr val="dk1"/>
+            </a:effectRef>
+            <a:fontRef idx="minor">
+              <a:schemeClr val="tx1"/>
+            </a:fontRef>
+          </p:style>
+        </p:cxnSp>
+        <p:cxnSp>
+          <p:nvCxnSpPr>
+            <p:cNvPr id="133" name="直線コネクタ 132"/>
+            <p:cNvCxnSpPr/>
+            <p:nvPr/>
+          </p:nvCxnSpPr>
+          <p:spPr>
+            <a:xfrm flipV="1">
+              <a:off x="6564212" y="1339273"/>
+              <a:ext cx="233752" cy="461818"/>
+            </a:xfrm>
+            <a:prstGeom prst="line">
+              <a:avLst/>
+            </a:prstGeom>
+          </p:spPr>
+          <p:style>
+            <a:lnRef idx="1">
+              <a:schemeClr val="dk1"/>
+            </a:lnRef>
+            <a:fillRef idx="0">
+              <a:schemeClr val="dk1"/>
+            </a:fillRef>
+            <a:effectRef idx="0">
+              <a:schemeClr val="dk1"/>
+            </a:effectRef>
+            <a:fontRef idx="minor">
+              <a:schemeClr val="tx1"/>
+            </a:fontRef>
+          </p:style>
+        </p:cxnSp>
+        <p:cxnSp>
+          <p:nvCxnSpPr>
+            <p:cNvPr id="134" name="直線コネクタ 133"/>
+            <p:cNvCxnSpPr/>
+            <p:nvPr/>
+          </p:nvCxnSpPr>
+          <p:spPr>
+            <a:xfrm>
+              <a:off x="6797964" y="1339273"/>
+              <a:ext cx="230909" cy="461818"/>
+            </a:xfrm>
+            <a:prstGeom prst="line">
+              <a:avLst/>
+            </a:prstGeom>
+          </p:spPr>
+          <p:style>
+            <a:lnRef idx="1">
+              <a:schemeClr val="dk1"/>
+            </a:lnRef>
+            <a:fillRef idx="0">
+              <a:schemeClr val="dk1"/>
+            </a:fillRef>
+            <a:effectRef idx="0">
+              <a:schemeClr val="dk1"/>
+            </a:effectRef>
+            <a:fontRef idx="minor">
+              <a:schemeClr val="tx1"/>
+            </a:fontRef>
+          </p:style>
+        </p:cxnSp>
+        <p:cxnSp>
+          <p:nvCxnSpPr>
+            <p:cNvPr id="143" name="直線コネクタ 142"/>
+            <p:cNvCxnSpPr/>
+            <p:nvPr/>
+          </p:nvCxnSpPr>
+          <p:spPr>
+            <a:xfrm flipV="1">
+              <a:off x="7028873" y="1339273"/>
+              <a:ext cx="235527" cy="461818"/>
+            </a:xfrm>
+            <a:prstGeom prst="line">
+              <a:avLst/>
+            </a:prstGeom>
+          </p:spPr>
+          <p:style>
+            <a:lnRef idx="1">
+              <a:schemeClr val="dk1"/>
+            </a:lnRef>
+            <a:fillRef idx="0">
+              <a:schemeClr val="dk1"/>
+            </a:fillRef>
+            <a:effectRef idx="0">
+              <a:schemeClr val="dk1"/>
+            </a:effectRef>
+            <a:fontRef idx="minor">
+              <a:schemeClr val="tx1"/>
+            </a:fontRef>
+          </p:style>
+        </p:cxnSp>
+        <p:cxnSp>
+          <p:nvCxnSpPr>
+            <p:cNvPr id="146" name="直線コネクタ 145"/>
+            <p:cNvCxnSpPr/>
+            <p:nvPr/>
+          </p:nvCxnSpPr>
+          <p:spPr>
+            <a:xfrm>
+              <a:off x="7264400" y="1339850"/>
+              <a:ext cx="191907" cy="461241"/>
+            </a:xfrm>
+            <a:prstGeom prst="line">
+              <a:avLst/>
+            </a:prstGeom>
+          </p:spPr>
+          <p:style>
+            <a:lnRef idx="1">
+              <a:schemeClr val="dk1"/>
+            </a:lnRef>
+            <a:fillRef idx="0">
+              <a:schemeClr val="dk1"/>
+            </a:fillRef>
+            <a:effectRef idx="0">
+              <a:schemeClr val="dk1"/>
+            </a:effectRef>
+            <a:fontRef idx="minor">
+              <a:schemeClr val="tx1"/>
+            </a:fontRef>
+          </p:style>
+        </p:cxnSp>
+        <p:cxnSp>
+          <p:nvCxnSpPr>
+            <p:cNvPr id="148" name="直線コネクタ 147"/>
+            <p:cNvCxnSpPr/>
+            <p:nvPr/>
+          </p:nvCxnSpPr>
+          <p:spPr>
+            <a:xfrm flipV="1">
+              <a:off x="7456307" y="1570182"/>
+              <a:ext cx="145220" cy="230909"/>
+            </a:xfrm>
+            <a:prstGeom prst="line">
+              <a:avLst/>
+            </a:prstGeom>
+          </p:spPr>
+          <p:style>
+            <a:lnRef idx="1">
+              <a:schemeClr val="dk1"/>
+            </a:lnRef>
+            <a:fillRef idx="0">
+              <a:schemeClr val="dk1"/>
+            </a:fillRef>
+            <a:effectRef idx="0">
+              <a:schemeClr val="dk1"/>
+            </a:effectRef>
+            <a:fontRef idx="minor">
+              <a:schemeClr val="tx1"/>
+            </a:fontRef>
+          </p:style>
+        </p:cxnSp>
+      </p:grpSp>
       <p:cxnSp>
         <p:nvCxnSpPr>
-          <p:cNvPr id="152" name="直線コネクタ 151"/>
-          <p:cNvCxnSpPr>
-            <a:stCxn id="149" idx="0"/>
-          </p:cNvCxnSpPr>
+          <p:cNvPr id="150" name="直線コネクタ 149"/>
+          <p:cNvCxnSpPr/>
+          <p:nvPr/>
+        </p:nvCxnSpPr>
+        <p:spPr>
+          <a:xfrm>
+            <a:off x="8947072" y="2063063"/>
+            <a:ext cx="314636" cy="0"/>
+          </a:xfrm>
+          <a:prstGeom prst="line">
+            <a:avLst/>
+          </a:prstGeom>
+        </p:spPr>
+        <p:style>
+          <a:lnRef idx="1">
+            <a:schemeClr val="dk1"/>
+          </a:lnRef>
+          <a:fillRef idx="0">
+            <a:schemeClr val="dk1"/>
+          </a:fillRef>
+          <a:effectRef idx="0">
+            <a:schemeClr val="dk1"/>
+          </a:effectRef>
+          <a:fontRef idx="minor">
+            <a:schemeClr val="tx1"/>
+          </a:fontRef>
+        </p:style>
+      </p:cxnSp>
+      <p:grpSp>
+        <p:nvGrpSpPr>
+          <p:cNvPr id="151" name="グループ化 150"/>
+          <p:cNvGrpSpPr/>
+          <p:nvPr/>
+        </p:nvGrpSpPr>
+        <p:grpSpPr>
+          <a:xfrm>
+            <a:off x="7967908" y="2697102"/>
+            <a:ext cx="874395" cy="365856"/>
+            <a:chOff x="4281488" y="3876675"/>
+            <a:chExt cx="1138237" cy="476250"/>
+          </a:xfrm>
+        </p:grpSpPr>
+        <p:cxnSp>
+          <p:nvCxnSpPr>
+            <p:cNvPr id="160" name="直線コネクタ 159"/>
+            <p:cNvCxnSpPr/>
+            <p:nvPr/>
+          </p:nvCxnSpPr>
+          <p:spPr>
+            <a:xfrm>
+              <a:off x="4572000" y="3876675"/>
+              <a:ext cx="447675" cy="0"/>
+            </a:xfrm>
+            <a:prstGeom prst="line">
+              <a:avLst/>
+            </a:prstGeom>
+          </p:spPr>
+          <p:style>
+            <a:lnRef idx="1">
+              <a:schemeClr val="dk1"/>
+            </a:lnRef>
+            <a:fillRef idx="0">
+              <a:schemeClr val="dk1"/>
+            </a:fillRef>
+            <a:effectRef idx="0">
+              <a:schemeClr val="dk1"/>
+            </a:effectRef>
+            <a:fontRef idx="minor">
+              <a:schemeClr val="tx1"/>
+            </a:fontRef>
+          </p:style>
+        </p:cxnSp>
+        <p:cxnSp>
+          <p:nvCxnSpPr>
+            <p:cNvPr id="161" name="直線コネクタ 160"/>
+            <p:cNvCxnSpPr/>
+            <p:nvPr/>
+          </p:nvCxnSpPr>
+          <p:spPr>
+            <a:xfrm>
+              <a:off x="5019675" y="3876675"/>
+              <a:ext cx="0" cy="476250"/>
+            </a:xfrm>
+            <a:prstGeom prst="line">
+              <a:avLst/>
+            </a:prstGeom>
+          </p:spPr>
+          <p:style>
+            <a:lnRef idx="1">
+              <a:schemeClr val="dk1"/>
+            </a:lnRef>
+            <a:fillRef idx="0">
+              <a:schemeClr val="dk1"/>
+            </a:fillRef>
+            <a:effectRef idx="0">
+              <a:schemeClr val="dk1"/>
+            </a:effectRef>
+            <a:fontRef idx="minor">
+              <a:schemeClr val="tx1"/>
+            </a:fontRef>
+          </p:style>
+        </p:cxnSp>
+        <p:cxnSp>
+          <p:nvCxnSpPr>
+            <p:cNvPr id="162" name="直線コネクタ 161"/>
+            <p:cNvCxnSpPr/>
+            <p:nvPr/>
+          </p:nvCxnSpPr>
+          <p:spPr>
+            <a:xfrm flipH="1">
+              <a:off x="4572000" y="4352925"/>
+              <a:ext cx="447675" cy="0"/>
+            </a:xfrm>
+            <a:prstGeom prst="line">
+              <a:avLst/>
+            </a:prstGeom>
+          </p:spPr>
+          <p:style>
+            <a:lnRef idx="1">
+              <a:schemeClr val="dk1"/>
+            </a:lnRef>
+            <a:fillRef idx="0">
+              <a:schemeClr val="dk1"/>
+            </a:fillRef>
+            <a:effectRef idx="0">
+              <a:schemeClr val="dk1"/>
+            </a:effectRef>
+            <a:fontRef idx="minor">
+              <a:schemeClr val="tx1"/>
+            </a:fontRef>
+          </p:style>
+        </p:cxnSp>
+        <p:cxnSp>
+          <p:nvCxnSpPr>
+            <p:cNvPr id="163" name="直線コネクタ 162"/>
+            <p:cNvCxnSpPr/>
+            <p:nvPr/>
+          </p:nvCxnSpPr>
+          <p:spPr>
+            <a:xfrm>
+              <a:off x="5019675" y="4110038"/>
+              <a:ext cx="400050" cy="0"/>
+            </a:xfrm>
+            <a:prstGeom prst="line">
+              <a:avLst/>
+            </a:prstGeom>
+          </p:spPr>
+          <p:style>
+            <a:lnRef idx="1">
+              <a:schemeClr val="dk1"/>
+            </a:lnRef>
+            <a:fillRef idx="0">
+              <a:schemeClr val="dk1"/>
+            </a:fillRef>
+            <a:effectRef idx="0">
+              <a:schemeClr val="dk1"/>
+            </a:effectRef>
+            <a:fontRef idx="minor">
+              <a:schemeClr val="tx1"/>
+            </a:fontRef>
+          </p:style>
+        </p:cxnSp>
+        <p:cxnSp>
+          <p:nvCxnSpPr>
+            <p:cNvPr id="165" name="直線コネクタ 164"/>
+            <p:cNvCxnSpPr/>
+            <p:nvPr/>
+          </p:nvCxnSpPr>
+          <p:spPr>
+            <a:xfrm>
+              <a:off x="4781550" y="3981450"/>
+              <a:ext cx="0" cy="252413"/>
+            </a:xfrm>
+            <a:prstGeom prst="line">
+              <a:avLst/>
+            </a:prstGeom>
+          </p:spPr>
+          <p:style>
+            <a:lnRef idx="1">
+              <a:schemeClr val="dk1"/>
+            </a:lnRef>
+            <a:fillRef idx="0">
+              <a:schemeClr val="dk1"/>
+            </a:fillRef>
+            <a:effectRef idx="0">
+              <a:schemeClr val="dk1"/>
+            </a:effectRef>
+            <a:fontRef idx="minor">
+              <a:schemeClr val="tx1"/>
+            </a:fontRef>
+          </p:style>
+        </p:cxnSp>
+        <p:cxnSp>
+          <p:nvCxnSpPr>
+            <p:cNvPr id="167" name="直線コネクタ 166"/>
+            <p:cNvCxnSpPr/>
+            <p:nvPr/>
+          </p:nvCxnSpPr>
+          <p:spPr>
+            <a:xfrm flipH="1">
+              <a:off x="4281488" y="4110038"/>
+              <a:ext cx="504825" cy="0"/>
+            </a:xfrm>
+            <a:prstGeom prst="line">
+              <a:avLst/>
+            </a:prstGeom>
+          </p:spPr>
+          <p:style>
+            <a:lnRef idx="1">
+              <a:schemeClr val="dk1"/>
+            </a:lnRef>
+            <a:fillRef idx="0">
+              <a:schemeClr val="dk1"/>
+            </a:fillRef>
+            <a:effectRef idx="0">
+              <a:schemeClr val="dk1"/>
+            </a:effectRef>
+            <a:fontRef idx="minor">
+              <a:schemeClr val="tx1"/>
+            </a:fontRef>
+          </p:style>
+        </p:cxnSp>
+      </p:grpSp>
+      <p:cxnSp>
+        <p:nvCxnSpPr>
+          <p:cNvPr id="168" name="直線コネクタ 167"/>
+          <p:cNvCxnSpPr/>
+          <p:nvPr/>
+        </p:nvCxnSpPr>
+        <p:spPr>
+          <a:xfrm>
+            <a:off x="8842303" y="2876372"/>
+            <a:ext cx="419404" cy="0"/>
+          </a:xfrm>
+          <a:prstGeom prst="line">
+            <a:avLst/>
+          </a:prstGeom>
+        </p:spPr>
+        <p:style>
+          <a:lnRef idx="1">
+            <a:schemeClr val="dk1"/>
+          </a:lnRef>
+          <a:fillRef idx="0">
+            <a:schemeClr val="dk1"/>
+          </a:fillRef>
+          <a:effectRef idx="0">
+            <a:schemeClr val="dk1"/>
+          </a:effectRef>
+          <a:fontRef idx="minor">
+            <a:schemeClr val="tx1"/>
+          </a:fontRef>
+        </p:style>
+      </p:cxnSp>
+      <p:cxnSp>
+        <p:nvCxnSpPr>
+          <p:cNvPr id="169" name="直線コネクタ 168"/>
+          <p:cNvCxnSpPr/>
+          <p:nvPr/>
+        </p:nvCxnSpPr>
+        <p:spPr>
+          <a:xfrm flipH="1">
+            <a:off x="7570565" y="2063063"/>
+            <a:ext cx="290912" cy="0"/>
+          </a:xfrm>
+          <a:prstGeom prst="line">
+            <a:avLst/>
+          </a:prstGeom>
+        </p:spPr>
+        <p:style>
+          <a:lnRef idx="1">
+            <a:schemeClr val="dk1"/>
+          </a:lnRef>
+          <a:fillRef idx="0">
+            <a:schemeClr val="dk1"/>
+          </a:fillRef>
+          <a:effectRef idx="0">
+            <a:schemeClr val="dk1"/>
+          </a:effectRef>
+          <a:fontRef idx="minor">
+            <a:schemeClr val="tx1"/>
+          </a:fontRef>
+        </p:style>
+      </p:cxnSp>
+      <p:cxnSp>
+        <p:nvCxnSpPr>
+          <p:cNvPr id="170" name="直線コネクタ 169"/>
+          <p:cNvCxnSpPr/>
+          <p:nvPr/>
+        </p:nvCxnSpPr>
+        <p:spPr>
+          <a:xfrm>
+            <a:off x="7570565" y="2063063"/>
+            <a:ext cx="0" cy="813308"/>
+          </a:xfrm>
+          <a:prstGeom prst="line">
+            <a:avLst/>
+          </a:prstGeom>
+        </p:spPr>
+        <p:style>
+          <a:lnRef idx="1">
+            <a:schemeClr val="dk1"/>
+          </a:lnRef>
+          <a:fillRef idx="0">
+            <a:schemeClr val="dk1"/>
+          </a:fillRef>
+          <a:effectRef idx="0">
+            <a:schemeClr val="dk1"/>
+          </a:effectRef>
+          <a:fontRef idx="minor">
+            <a:schemeClr val="tx1"/>
+          </a:fontRef>
+        </p:style>
+      </p:cxnSp>
+      <p:cxnSp>
+        <p:nvCxnSpPr>
+          <p:cNvPr id="171" name="直線コネクタ 170"/>
+          <p:cNvCxnSpPr/>
+          <p:nvPr/>
+        </p:nvCxnSpPr>
+        <p:spPr>
+          <a:xfrm flipH="1">
+            <a:off x="7570565" y="2876372"/>
+            <a:ext cx="397342" cy="0"/>
+          </a:xfrm>
+          <a:prstGeom prst="line">
+            <a:avLst/>
+          </a:prstGeom>
+        </p:spPr>
+        <p:style>
+          <a:lnRef idx="1">
+            <a:schemeClr val="dk1"/>
+          </a:lnRef>
+          <a:fillRef idx="0">
+            <a:schemeClr val="dk1"/>
+          </a:fillRef>
+          <a:effectRef idx="0">
+            <a:schemeClr val="dk1"/>
+          </a:effectRef>
+          <a:fontRef idx="minor">
+            <a:schemeClr val="tx1"/>
+          </a:fontRef>
+        </p:style>
+      </p:cxnSp>
+      <p:cxnSp>
+        <p:nvCxnSpPr>
+          <p:cNvPr id="172" name="直線コネクタ 171"/>
+          <p:cNvCxnSpPr/>
           <p:nvPr/>
         </p:nvCxnSpPr>
         <p:spPr>
           <a:xfrm flipH="1" flipV="1">
-            <a:off x="3583653" y="3086747"/>
-            <a:ext cx="11684" cy="1387509"/>
+            <a:off x="6908034" y="2466613"/>
+            <a:ext cx="662531" cy="2169"/>
+          </a:xfrm>
+          <a:prstGeom prst="line">
+            <a:avLst/>
+          </a:prstGeom>
+        </p:spPr>
+        <p:style>
+          <a:lnRef idx="1">
+            <a:schemeClr val="dk1"/>
+          </a:lnRef>
+          <a:fillRef idx="0">
+            <a:schemeClr val="dk1"/>
+          </a:fillRef>
+          <a:effectRef idx="0">
+            <a:schemeClr val="dk1"/>
+          </a:effectRef>
+          <a:fontRef idx="minor">
+            <a:schemeClr val="tx1"/>
+          </a:fontRef>
+        </p:style>
+      </p:cxnSp>
+      <p:cxnSp>
+        <p:nvCxnSpPr>
+          <p:cNvPr id="173" name="直線コネクタ 172"/>
+          <p:cNvCxnSpPr/>
+          <p:nvPr/>
+        </p:nvCxnSpPr>
+        <p:spPr>
+          <a:xfrm>
+            <a:off x="9261707" y="2063063"/>
+            <a:ext cx="0" cy="811480"/>
+          </a:xfrm>
+          <a:prstGeom prst="line">
+            <a:avLst/>
+          </a:prstGeom>
+        </p:spPr>
+        <p:style>
+          <a:lnRef idx="1">
+            <a:schemeClr val="dk1"/>
+          </a:lnRef>
+          <a:fillRef idx="0">
+            <a:schemeClr val="dk1"/>
+          </a:fillRef>
+          <a:effectRef idx="0">
+            <a:schemeClr val="dk1"/>
+          </a:effectRef>
+          <a:fontRef idx="minor">
+            <a:schemeClr val="tx1"/>
+          </a:fontRef>
+        </p:style>
+      </p:cxnSp>
+      <p:cxnSp>
+        <p:nvCxnSpPr>
+          <p:cNvPr id="175" name="直線コネクタ 174"/>
+          <p:cNvCxnSpPr/>
+          <p:nvPr/>
+        </p:nvCxnSpPr>
+        <p:spPr>
+          <a:xfrm>
+            <a:off x="9261707" y="2474318"/>
+            <a:ext cx="728731" cy="0"/>
           </a:xfrm>
           <a:prstGeom prst="line">
             <a:avLst/>
@@ -6566,14 +7722,14 @@
         <mc:Choice xmlns:a14="http://schemas.microsoft.com/office/drawing/2010/main" Requires="a14">
           <p:sp>
             <p:nvSpPr>
-              <p:cNvPr id="153" name="テキスト ボックス 152"/>
+              <p:cNvPr id="176" name="テキスト ボックス 175"/>
               <p:cNvSpPr txBox="1"/>
               <p:nvPr/>
             </p:nvSpPr>
             <p:spPr>
               <a:xfrm>
-                <a:off x="8749070" y="4491151"/>
-                <a:ext cx="264814" cy="249182"/>
+                <a:off x="8219650" y="1500821"/>
+                <a:ext cx="299697" cy="276999"/>
               </a:xfrm>
               <a:prstGeom prst="rect">
                 <a:avLst/>
@@ -6586,6 +7742,7 @@
               </a:bodyPr>
               <a:lstStyle/>
               <a:p>
+                <a:pPr/>
                 <a14:m>
                   <m:oMathPara xmlns:m="http://schemas.openxmlformats.org/officeDocument/2006/math">
                     <m:oMathParaPr>
@@ -6613,7 +7770,7 @@
                             <a:rPr kumimoji="1" lang="en-US" altLang="ja-JP" b="0" i="1" smtClean="0">
                               <a:latin typeface="Cambria Math" panose="02040503050406030204" pitchFamily="18" charset="0"/>
                             </a:rPr>
-                            <m:t>1</m:t>
+                            <m:t>5</m:t>
                           </m:r>
                         </m:sub>
                       </m:sSub>
@@ -6628,7 +7785,7 @@
         <mc:Fallback>
           <p:sp>
             <p:nvSpPr>
-              <p:cNvPr id="153" name="テキスト ボックス 152"/>
+              <p:cNvPr id="176" name="テキスト ボックス 175"/>
               <p:cNvSpPr txBox="1">
                 <a:spLocks noRot="1" noChangeAspect="1" noMove="1" noResize="1" noEditPoints="1" noAdjustHandles="1" noChangeArrowheads="1" noChangeShapeType="1" noTextEdit="1"/>
               </p:cNvSpPr>
@@ -6636,16 +7793,16 @@
             </p:nvSpPr>
             <p:spPr>
               <a:xfrm>
-                <a:off x="8749070" y="4491151"/>
-                <a:ext cx="264814" cy="249182"/>
+                <a:off x="8219650" y="1500821"/>
+                <a:ext cx="299697" cy="276999"/>
               </a:xfrm>
               <a:prstGeom prst="rect">
                 <a:avLst/>
               </a:prstGeom>
               <a:blipFill>
-                <a:blip r:embed="rId6"/>
+                <a:blip r:embed="rId15"/>
                 <a:stretch>
-                  <a:fillRect l="-25000" r="-11364" b="-26829"/>
+                  <a:fillRect l="-18000" r="-4000" b="-15217"/>
                 </a:stretch>
               </a:blipFill>
             </p:spPr>
@@ -6668,421 +7825,13 @@
         <mc:Choice xmlns:a14="http://schemas.microsoft.com/office/drawing/2010/main" Requires="a14">
           <p:sp>
             <p:nvSpPr>
-              <p:cNvPr id="154" name="テキスト ボックス 153"/>
+              <p:cNvPr id="191" name="テキスト ボックス 190"/>
               <p:cNvSpPr txBox="1"/>
               <p:nvPr/>
             </p:nvSpPr>
             <p:spPr>
               <a:xfrm>
-                <a:off x="5221589" y="4089399"/>
-                <a:ext cx="269601" cy="249182"/>
-              </a:xfrm>
-              <a:prstGeom prst="rect">
-                <a:avLst/>
-              </a:prstGeom>
-              <a:noFill/>
-            </p:spPr>
-            <p:txBody>
-              <a:bodyPr wrap="none" lIns="0" tIns="0" rIns="0" bIns="0" rtlCol="0">
-                <a:spAutoFit/>
-              </a:bodyPr>
-              <a:lstStyle/>
-              <a:p>
-                <a14:m>
-                  <m:oMathPara xmlns:m="http://schemas.openxmlformats.org/officeDocument/2006/math">
-                    <m:oMathParaPr>
-                      <m:jc m:val="centerGroup"/>
-                    </m:oMathParaPr>
-                    <m:oMath xmlns:m="http://schemas.openxmlformats.org/officeDocument/2006/math">
-                      <m:sSub>
-                        <m:sSubPr>
-                          <m:ctrlPr>
-                            <a:rPr kumimoji="1" lang="en-US" altLang="ja-JP" b="0" i="1" smtClean="0">
-                              <a:latin typeface="Cambria Math" panose="02040503050406030204" pitchFamily="18" charset="0"/>
-                            </a:rPr>
-                          </m:ctrlPr>
-                        </m:sSubPr>
-                        <m:e>
-                          <m:r>
-                            <a:rPr kumimoji="1" lang="en-US" altLang="ja-JP" b="0" i="1" smtClean="0">
-                              <a:latin typeface="Cambria Math" panose="02040503050406030204" pitchFamily="18" charset="0"/>
-                            </a:rPr>
-                            <m:t>𝑘</m:t>
-                          </m:r>
-                        </m:e>
-                        <m:sub>
-                          <m:r>
-                            <a:rPr kumimoji="1" lang="en-US" altLang="ja-JP" b="0" i="1" smtClean="0">
-                              <a:latin typeface="Cambria Math" panose="02040503050406030204" pitchFamily="18" charset="0"/>
-                            </a:rPr>
-                            <m:t>2</m:t>
-                          </m:r>
-                        </m:sub>
-                      </m:sSub>
-                    </m:oMath>
-                  </m:oMathPara>
-                </a14:m>
-                <a:endParaRPr kumimoji="1" lang="ja-JP" altLang="en-US" dirty="0"/>
-              </a:p>
-            </p:txBody>
-          </p:sp>
-        </mc:Choice>
-        <mc:Fallback>
-          <p:sp>
-            <p:nvSpPr>
-              <p:cNvPr id="154" name="テキスト ボックス 153"/>
-              <p:cNvSpPr txBox="1">
-                <a:spLocks noRot="1" noChangeAspect="1" noMove="1" noResize="1" noEditPoints="1" noAdjustHandles="1" noChangeArrowheads="1" noChangeShapeType="1" noTextEdit="1"/>
-              </p:cNvSpPr>
-              <p:nvPr/>
-            </p:nvSpPr>
-            <p:spPr>
-              <a:xfrm>
-                <a:off x="5221589" y="4089399"/>
-                <a:ext cx="269601" cy="249182"/>
-              </a:xfrm>
-              <a:prstGeom prst="rect">
-                <a:avLst/>
-              </a:prstGeom>
-              <a:blipFill>
-                <a:blip r:embed="rId7"/>
-                <a:stretch>
-                  <a:fillRect l="-25000" r="-11364" b="-26829"/>
-                </a:stretch>
-              </a:blipFill>
-            </p:spPr>
-            <p:txBody>
-              <a:bodyPr/>
-              <a:lstStyle/>
-              <a:p>
-                <a:r>
-                  <a:rPr lang="ja-JP" altLang="en-US">
-                    <a:noFill/>
-                  </a:rPr>
-                  <a:t> </a:t>
-                </a:r>
-              </a:p>
-            </p:txBody>
-          </p:sp>
-        </mc:Fallback>
-      </mc:AlternateContent>
-      <mc:AlternateContent xmlns:mc="http://schemas.openxmlformats.org/markup-compatibility/2006">
-        <mc:Choice xmlns:a14="http://schemas.microsoft.com/office/drawing/2010/main" Requires="a14">
-          <p:sp>
-            <p:nvSpPr>
-              <p:cNvPr id="155" name="テキスト ボックス 154"/>
-              <p:cNvSpPr txBox="1"/>
-              <p:nvPr/>
-            </p:nvSpPr>
-            <p:spPr>
-              <a:xfrm>
-                <a:off x="1892431" y="2547825"/>
-                <a:ext cx="269601" cy="249182"/>
-              </a:xfrm>
-              <a:prstGeom prst="rect">
-                <a:avLst/>
-              </a:prstGeom>
-              <a:noFill/>
-            </p:spPr>
-            <p:txBody>
-              <a:bodyPr wrap="none" lIns="0" tIns="0" rIns="0" bIns="0" rtlCol="0">
-                <a:spAutoFit/>
-              </a:bodyPr>
-              <a:lstStyle/>
-              <a:p>
-                <a14:m>
-                  <m:oMathPara xmlns:m="http://schemas.openxmlformats.org/officeDocument/2006/math">
-                    <m:oMathParaPr>
-                      <m:jc m:val="centerGroup"/>
-                    </m:oMathParaPr>
-                    <m:oMath xmlns:m="http://schemas.openxmlformats.org/officeDocument/2006/math">
-                      <m:sSub>
-                        <m:sSubPr>
-                          <m:ctrlPr>
-                            <a:rPr kumimoji="1" lang="en-US" altLang="ja-JP" b="0" i="1" smtClean="0">
-                              <a:latin typeface="Cambria Math" panose="02040503050406030204" pitchFamily="18" charset="0"/>
-                            </a:rPr>
-                          </m:ctrlPr>
-                        </m:sSubPr>
-                        <m:e>
-                          <m:r>
-                            <a:rPr kumimoji="1" lang="en-US" altLang="ja-JP" b="0" i="1" smtClean="0">
-                              <a:latin typeface="Cambria Math" panose="02040503050406030204" pitchFamily="18" charset="0"/>
-                            </a:rPr>
-                            <m:t>𝑘</m:t>
-                          </m:r>
-                        </m:e>
-                        <m:sub>
-                          <m:r>
-                            <a:rPr kumimoji="1" lang="en-US" altLang="ja-JP" b="0" i="1" smtClean="0">
-                              <a:latin typeface="Cambria Math" panose="02040503050406030204" pitchFamily="18" charset="0"/>
-                            </a:rPr>
-                            <m:t>3</m:t>
-                          </m:r>
-                        </m:sub>
-                      </m:sSub>
-                    </m:oMath>
-                  </m:oMathPara>
-                </a14:m>
-                <a:endParaRPr kumimoji="1" lang="ja-JP" altLang="en-US" dirty="0"/>
-              </a:p>
-            </p:txBody>
-          </p:sp>
-        </mc:Choice>
-        <mc:Fallback>
-          <p:sp>
-            <p:nvSpPr>
-              <p:cNvPr id="155" name="テキスト ボックス 154"/>
-              <p:cNvSpPr txBox="1">
-                <a:spLocks noRot="1" noChangeAspect="1" noMove="1" noResize="1" noEditPoints="1" noAdjustHandles="1" noChangeArrowheads="1" noChangeShapeType="1" noTextEdit="1"/>
-              </p:cNvSpPr>
-              <p:nvPr/>
-            </p:nvSpPr>
-            <p:spPr>
-              <a:xfrm>
-                <a:off x="1892431" y="2547825"/>
-                <a:ext cx="269601" cy="249182"/>
-              </a:xfrm>
-              <a:prstGeom prst="rect">
-                <a:avLst/>
-              </a:prstGeom>
-              <a:blipFill>
-                <a:blip r:embed="rId8"/>
-                <a:stretch>
-                  <a:fillRect l="-24444" r="-11111" b="-26829"/>
-                </a:stretch>
-              </a:blipFill>
-            </p:spPr>
-            <p:txBody>
-              <a:bodyPr/>
-              <a:lstStyle/>
-              <a:p>
-                <a:r>
-                  <a:rPr lang="ja-JP" altLang="en-US">
-                    <a:noFill/>
-                  </a:rPr>
-                  <a:t> </a:t>
-                </a:r>
-              </a:p>
-            </p:txBody>
-          </p:sp>
-        </mc:Fallback>
-      </mc:AlternateContent>
-      <mc:AlternateContent xmlns:mc="http://schemas.openxmlformats.org/markup-compatibility/2006">
-        <mc:Choice xmlns:a14="http://schemas.microsoft.com/office/drawing/2010/main" Requires="a14">
-          <p:sp>
-            <p:nvSpPr>
-              <p:cNvPr id="156" name="テキスト ボックス 155"/>
-              <p:cNvSpPr txBox="1"/>
-              <p:nvPr/>
-            </p:nvSpPr>
-            <p:spPr>
-              <a:xfrm>
-                <a:off x="4980814" y="2528034"/>
-                <a:ext cx="269601" cy="249182"/>
-              </a:xfrm>
-              <a:prstGeom prst="rect">
-                <a:avLst/>
-              </a:prstGeom>
-              <a:noFill/>
-            </p:spPr>
-            <p:txBody>
-              <a:bodyPr wrap="none" lIns="0" tIns="0" rIns="0" bIns="0" rtlCol="0">
-                <a:spAutoFit/>
-              </a:bodyPr>
-              <a:lstStyle/>
-              <a:p>
-                <a14:m>
-                  <m:oMathPara xmlns:m="http://schemas.openxmlformats.org/officeDocument/2006/math">
-                    <m:oMathParaPr>
-                      <m:jc m:val="centerGroup"/>
-                    </m:oMathParaPr>
-                    <m:oMath xmlns:m="http://schemas.openxmlformats.org/officeDocument/2006/math">
-                      <m:sSub>
-                        <m:sSubPr>
-                          <m:ctrlPr>
-                            <a:rPr kumimoji="1" lang="en-US" altLang="ja-JP" b="0" i="1" smtClean="0">
-                              <a:latin typeface="Cambria Math" panose="02040503050406030204" pitchFamily="18" charset="0"/>
-                            </a:rPr>
-                          </m:ctrlPr>
-                        </m:sSubPr>
-                        <m:e>
-                          <m:r>
-                            <a:rPr kumimoji="1" lang="en-US" altLang="ja-JP" b="0" i="1" smtClean="0">
-                              <a:latin typeface="Cambria Math" panose="02040503050406030204" pitchFamily="18" charset="0"/>
-                            </a:rPr>
-                            <m:t>𝑘</m:t>
-                          </m:r>
-                        </m:e>
-                        <m:sub>
-                          <m:r>
-                            <a:rPr kumimoji="1" lang="en-US" altLang="ja-JP" b="0" i="1" smtClean="0">
-                              <a:latin typeface="Cambria Math" panose="02040503050406030204" pitchFamily="18" charset="0"/>
-                            </a:rPr>
-                            <m:t>4</m:t>
-                          </m:r>
-                        </m:sub>
-                      </m:sSub>
-                    </m:oMath>
-                  </m:oMathPara>
-                </a14:m>
-                <a:endParaRPr kumimoji="1" lang="ja-JP" altLang="en-US" dirty="0"/>
-              </a:p>
-            </p:txBody>
-          </p:sp>
-        </mc:Choice>
-        <mc:Fallback>
-          <p:sp>
-            <p:nvSpPr>
-              <p:cNvPr id="156" name="テキスト ボックス 155"/>
-              <p:cNvSpPr txBox="1">
-                <a:spLocks noRot="1" noChangeAspect="1" noMove="1" noResize="1" noEditPoints="1" noAdjustHandles="1" noChangeArrowheads="1" noChangeShapeType="1" noTextEdit="1"/>
-              </p:cNvSpPr>
-              <p:nvPr/>
-            </p:nvSpPr>
-            <p:spPr>
-              <a:xfrm>
-                <a:off x="4980814" y="2528034"/>
-                <a:ext cx="269601" cy="249182"/>
-              </a:xfrm>
-              <a:prstGeom prst="rect">
-                <a:avLst/>
-              </a:prstGeom>
-              <a:blipFill>
-                <a:blip r:embed="rId9"/>
-                <a:stretch>
-                  <a:fillRect l="-25000" r="-13636" b="-26829"/>
-                </a:stretch>
-              </a:blipFill>
-            </p:spPr>
-            <p:txBody>
-              <a:bodyPr/>
-              <a:lstStyle/>
-              <a:p>
-                <a:r>
-                  <a:rPr lang="ja-JP" altLang="en-US">
-                    <a:noFill/>
-                  </a:rPr>
-                  <a:t> </a:t>
-                </a:r>
-              </a:p>
-            </p:txBody>
-          </p:sp>
-        </mc:Fallback>
-      </mc:AlternateContent>
-      <mc:AlternateContent xmlns:mc="http://schemas.openxmlformats.org/markup-compatibility/2006">
-        <mc:Choice xmlns:a14="http://schemas.microsoft.com/office/drawing/2010/main" Requires="a14">
-          <p:sp>
-            <p:nvSpPr>
-              <p:cNvPr id="157" name="テキスト ボックス 156"/>
-              <p:cNvSpPr txBox="1"/>
-              <p:nvPr/>
-            </p:nvSpPr>
-            <p:spPr>
-              <a:xfrm>
-                <a:off x="8722027" y="2124797"/>
-                <a:ext cx="299697" cy="276999"/>
-              </a:xfrm>
-              <a:prstGeom prst="rect">
-                <a:avLst/>
-              </a:prstGeom>
-              <a:noFill/>
-            </p:spPr>
-            <p:txBody>
-              <a:bodyPr wrap="none" lIns="0" tIns="0" rIns="0" bIns="0" rtlCol="0">
-                <a:spAutoFit/>
-              </a:bodyPr>
-              <a:lstStyle/>
-              <a:p>
-                <a14:m>
-                  <m:oMathPara xmlns:m="http://schemas.openxmlformats.org/officeDocument/2006/math">
-                    <m:oMathParaPr>
-                      <m:jc m:val="centerGroup"/>
-                    </m:oMathParaPr>
-                    <m:oMath xmlns:m="http://schemas.openxmlformats.org/officeDocument/2006/math">
-                      <m:sSub>
-                        <m:sSubPr>
-                          <m:ctrlPr>
-                            <a:rPr kumimoji="1" lang="en-US" altLang="ja-JP" b="0" i="1" smtClean="0">
-                              <a:latin typeface="Cambria Math" panose="02040503050406030204" pitchFamily="18" charset="0"/>
-                            </a:rPr>
-                          </m:ctrlPr>
-                        </m:sSubPr>
-                        <m:e>
-                          <m:r>
-                            <a:rPr kumimoji="1" lang="en-US" altLang="ja-JP" b="0" i="1" smtClean="0">
-                              <a:latin typeface="Cambria Math" panose="02040503050406030204" pitchFamily="18" charset="0"/>
-                            </a:rPr>
-                            <m:t>𝑘</m:t>
-                          </m:r>
-                        </m:e>
-                        <m:sub>
-                          <m:r>
-                            <a:rPr kumimoji="1" lang="en-US" altLang="ja-JP" b="0" i="1" smtClean="0">
-                              <a:latin typeface="Cambria Math" panose="02040503050406030204" pitchFamily="18" charset="0"/>
-                            </a:rPr>
-                            <m:t>6</m:t>
-                          </m:r>
-                        </m:sub>
-                      </m:sSub>
-                    </m:oMath>
-                  </m:oMathPara>
-                </a14:m>
-                <a:endParaRPr kumimoji="1" lang="ja-JP" altLang="en-US" dirty="0"/>
-              </a:p>
-            </p:txBody>
-          </p:sp>
-        </mc:Choice>
-        <mc:Fallback>
-          <p:sp>
-            <p:nvSpPr>
-              <p:cNvPr id="157" name="テキスト ボックス 156"/>
-              <p:cNvSpPr txBox="1">
-                <a:spLocks noRot="1" noChangeAspect="1" noMove="1" noResize="1" noEditPoints="1" noAdjustHandles="1" noChangeArrowheads="1" noChangeShapeType="1" noTextEdit="1"/>
-              </p:cNvSpPr>
-              <p:nvPr/>
-            </p:nvSpPr>
-            <p:spPr>
-              <a:xfrm>
-                <a:off x="8722027" y="2124797"/>
-                <a:ext cx="299697" cy="276999"/>
-              </a:xfrm>
-              <a:prstGeom prst="rect">
-                <a:avLst/>
-              </a:prstGeom>
-              <a:blipFill>
-                <a:blip r:embed="rId10"/>
-                <a:stretch>
-                  <a:fillRect l="-18367" r="-4082" b="-15556"/>
-                </a:stretch>
-              </a:blipFill>
-            </p:spPr>
-            <p:txBody>
-              <a:bodyPr/>
-              <a:lstStyle/>
-              <a:p>
-                <a:r>
-                  <a:rPr lang="ja-JP" altLang="en-US">
-                    <a:noFill/>
-                  </a:rPr>
-                  <a:t> </a:t>
-                </a:r>
-              </a:p>
-            </p:txBody>
-          </p:sp>
-        </mc:Fallback>
-      </mc:AlternateContent>
-      <mc:AlternateContent xmlns:mc="http://schemas.openxmlformats.org/markup-compatibility/2006">
-        <mc:Choice xmlns:a14="http://schemas.microsoft.com/office/drawing/2010/main" Requires="a14">
-          <p:sp>
-            <p:nvSpPr>
-              <p:cNvPr id="158" name="テキスト ボックス 157"/>
-              <p:cNvSpPr txBox="1"/>
-              <p:nvPr/>
-            </p:nvSpPr>
-            <p:spPr>
-              <a:xfrm>
-                <a:off x="5239495" y="5739048"/>
+                <a:off x="8237556" y="3150470"/>
                 <a:ext cx="273215" cy="276999"/>
               </a:xfrm>
               <a:prstGeom prst="rect">
@@ -7096,6 +7845,7 @@
               </a:bodyPr>
               <a:lstStyle/>
               <a:p>
+                <a:pPr/>
                 <a14:m>
                   <m:oMathPara xmlns:m="http://schemas.openxmlformats.org/officeDocument/2006/math">
                     <m:oMathParaPr>
@@ -7123,7 +7873,7 @@
                             <a:rPr kumimoji="1" lang="en-US" altLang="ja-JP" b="0" i="1" smtClean="0">
                               <a:latin typeface="Cambria Math" panose="02040503050406030204" pitchFamily="18" charset="0"/>
                             </a:rPr>
-                            <m:t>2</m:t>
+                            <m:t>5</m:t>
                           </m:r>
                         </m:sub>
                       </m:sSub>
@@ -7138,7 +7888,7 @@
         <mc:Fallback>
           <p:sp>
             <p:nvSpPr>
-              <p:cNvPr id="158" name="テキスト ボックス 157"/>
+              <p:cNvPr id="191" name="テキスト ボックス 190"/>
               <p:cNvSpPr txBox="1">
                 <a:spLocks noRot="1" noChangeAspect="1" noMove="1" noResize="1" noEditPoints="1" noAdjustHandles="1" noChangeArrowheads="1" noChangeShapeType="1" noTextEdit="1"/>
               </p:cNvSpPr>
@@ -7146,16 +7896,16 @@
             </p:nvSpPr>
             <p:spPr>
               <a:xfrm>
-                <a:off x="5239495" y="5739048"/>
+                <a:off x="8237556" y="3150470"/>
                 <a:ext cx="273215" cy="276999"/>
               </a:xfrm>
               <a:prstGeom prst="rect">
                 <a:avLst/>
               </a:prstGeom>
               <a:blipFill>
-                <a:blip r:embed="rId11"/>
+                <a:blip r:embed="rId16"/>
                 <a:stretch>
-                  <a:fillRect l="-8889" r="-6667" b="-15217"/>
+                  <a:fillRect l="-8889" r="-6667" b="-17778"/>
                 </a:stretch>
               </a:blipFill>
             </p:spPr>
@@ -7178,26 +7928,50 @@
         <mc:Choice xmlns:a14="http://schemas.microsoft.com/office/drawing/2010/main" Requires="a14">
           <p:sp>
             <p:nvSpPr>
-              <p:cNvPr id="159" name="テキスト ボックス 158"/>
-              <p:cNvSpPr txBox="1"/>
+              <p:cNvPr id="124" name="正方形/長方形 123"/>
+              <p:cNvSpPr/>
               <p:nvPr/>
             </p:nvSpPr>
             <p:spPr>
               <a:xfrm>
-                <a:off x="8756607" y="3713741"/>
-                <a:ext cx="273215" cy="276999"/>
+                <a:off x="9733645" y="1883373"/>
+                <a:ext cx="1177280" cy="1177280"/>
               </a:xfrm>
               <a:prstGeom prst="rect">
                 <a:avLst/>
               </a:prstGeom>
-              <a:noFill/>
+              <a:solidFill>
+                <a:schemeClr val="bg1">
+                  <a:lumMod val="75000"/>
+                </a:schemeClr>
+              </a:solidFill>
             </p:spPr>
+            <p:style>
+              <a:lnRef idx="2">
+                <a:schemeClr val="dk1"/>
+              </a:lnRef>
+              <a:fillRef idx="1">
+                <a:schemeClr val="lt1"/>
+              </a:fillRef>
+              <a:effectRef idx="0">
+                <a:schemeClr val="dk1"/>
+              </a:effectRef>
+              <a:fontRef idx="minor">
+                <a:schemeClr val="dk1"/>
+              </a:fontRef>
+            </p:style>
             <p:txBody>
-              <a:bodyPr wrap="none" lIns="0" tIns="0" rIns="0" bIns="0" rtlCol="0">
-                <a:spAutoFit/>
-              </a:bodyPr>
+              <a:bodyPr rtlCol="0" anchor="ctr"/>
               <a:lstStyle/>
               <a:p>
+                <a:pPr algn="ctr"/>
+                <a:r>
+                  <a:rPr kumimoji="1" lang="en-US" altLang="ja-JP" dirty="0" smtClean="0"/>
+                  <a:t>Mass:</a:t>
+                </a:r>
+              </a:p>
+              <a:p>
+                <a:pPr algn="ctr"/>
                 <a14:m>
                   <m:oMathPara xmlns:m="http://schemas.openxmlformats.org/officeDocument/2006/math">
                     <m:oMathParaPr>
@@ -7217,7 +7991,7 @@
                             <a:rPr kumimoji="1" lang="en-US" altLang="ja-JP" b="0" i="1" smtClean="0">
                               <a:latin typeface="Cambria Math" panose="02040503050406030204" pitchFamily="18" charset="0"/>
                             </a:rPr>
-                            <m:t>𝑐</m:t>
+                            <m:t>𝑚</m:t>
                           </m:r>
                         </m:e>
                         <m:sub>
@@ -7225,7 +7999,7 @@
                             <a:rPr kumimoji="1" lang="en-US" altLang="ja-JP" b="0" i="1" smtClean="0">
                               <a:latin typeface="Cambria Math" panose="02040503050406030204" pitchFamily="18" charset="0"/>
                             </a:rPr>
-                            <m:t>6</m:t>
+                            <m:t>5</m:t>
                           </m:r>
                         </m:sub>
                       </m:sSub>
@@ -7240,231 +8014,24 @@
         <mc:Fallback>
           <p:sp>
             <p:nvSpPr>
-              <p:cNvPr id="159" name="テキスト ボックス 158"/>
-              <p:cNvSpPr txBox="1">
+              <p:cNvPr id="124" name="正方形/長方形 123"/>
+              <p:cNvSpPr>
                 <a:spLocks noRot="1" noChangeAspect="1" noMove="1" noResize="1" noEditPoints="1" noAdjustHandles="1" noChangeArrowheads="1" noChangeShapeType="1" noTextEdit="1"/>
               </p:cNvSpPr>
               <p:nvPr/>
             </p:nvSpPr>
             <p:spPr>
               <a:xfrm>
-                <a:off x="8756607" y="3713741"/>
-                <a:ext cx="273215" cy="276999"/>
+                <a:off x="9733645" y="1883373"/>
+                <a:ext cx="1177280" cy="1177280"/>
               </a:xfrm>
               <a:prstGeom prst="rect">
                 <a:avLst/>
               </a:prstGeom>
               <a:blipFill>
-                <a:blip r:embed="rId12"/>
+                <a:blip r:embed="rId17"/>
                 <a:stretch>
-                  <a:fillRect l="-8889" r="-6667" b="-15217"/>
-                </a:stretch>
-              </a:blipFill>
-            </p:spPr>
-            <p:txBody>
-              <a:bodyPr/>
-              <a:lstStyle/>
-              <a:p>
-                <a:r>
-                  <a:rPr lang="ja-JP" altLang="en-US">
-                    <a:noFill/>
-                  </a:rPr>
-                  <a:t> </a:t>
-                </a:r>
-              </a:p>
-            </p:txBody>
-          </p:sp>
-        </mc:Fallback>
-      </mc:AlternateContent>
-      <p:cxnSp>
-        <p:nvCxnSpPr>
-          <p:cNvPr id="164" name="カギ線コネクタ 163"/>
-          <p:cNvCxnSpPr>
-            <a:stCxn id="25" idx="2"/>
-          </p:cNvCxnSpPr>
-          <p:nvPr/>
-        </p:nvCxnSpPr>
-        <p:spPr>
-          <a:xfrm rot="16200000" flipH="1">
-            <a:off x="10425478" y="5599652"/>
-            <a:ext cx="484872" cy="588640"/>
-          </a:xfrm>
-          <a:prstGeom prst="bentConnector2">
-            <a:avLst/>
-          </a:prstGeom>
-          <a:ln>
-            <a:tailEnd type="triangle"/>
-          </a:ln>
-        </p:spPr>
-        <p:style>
-          <a:lnRef idx="1">
-            <a:schemeClr val="dk1"/>
-          </a:lnRef>
-          <a:fillRef idx="0">
-            <a:schemeClr val="dk1"/>
-          </a:fillRef>
-          <a:effectRef idx="0">
-            <a:schemeClr val="dk1"/>
-          </a:effectRef>
-          <a:fontRef idx="minor">
-            <a:schemeClr val="tx1"/>
-          </a:fontRef>
-        </p:style>
-      </p:cxnSp>
-      <p:cxnSp>
-        <p:nvCxnSpPr>
-          <p:cNvPr id="166" name="カギ線コネクタ 165"/>
-          <p:cNvCxnSpPr>
-            <a:stCxn id="145" idx="2"/>
-          </p:cNvCxnSpPr>
-          <p:nvPr/>
-        </p:nvCxnSpPr>
-        <p:spPr>
-          <a:xfrm rot="16200000" flipH="1">
-            <a:off x="7292126" y="5599652"/>
-            <a:ext cx="484872" cy="588640"/>
-          </a:xfrm>
-          <a:prstGeom prst="bentConnector2">
-            <a:avLst/>
-          </a:prstGeom>
-          <a:ln>
-            <a:tailEnd type="triangle"/>
-          </a:ln>
-        </p:spPr>
-        <p:style>
-          <a:lnRef idx="1">
-            <a:schemeClr val="dk1"/>
-          </a:lnRef>
-          <a:fillRef idx="0">
-            <a:schemeClr val="dk1"/>
-          </a:fillRef>
-          <a:effectRef idx="0">
-            <a:schemeClr val="dk1"/>
-          </a:effectRef>
-          <a:fontRef idx="minor">
-            <a:schemeClr val="tx1"/>
-          </a:fontRef>
-        </p:style>
-      </p:cxnSp>
-      <p:cxnSp>
-        <p:nvCxnSpPr>
-          <p:cNvPr id="174" name="カギ線コネクタ 173"/>
-          <p:cNvCxnSpPr>
-            <a:stCxn id="149" idx="2"/>
-          </p:cNvCxnSpPr>
-          <p:nvPr/>
-        </p:nvCxnSpPr>
-        <p:spPr>
-          <a:xfrm rot="16200000" flipH="1">
-            <a:off x="3657149" y="5589723"/>
-            <a:ext cx="484872" cy="608497"/>
-          </a:xfrm>
-          <a:prstGeom prst="bentConnector2">
-            <a:avLst/>
-          </a:prstGeom>
-          <a:ln>
-            <a:tailEnd type="triangle"/>
-          </a:ln>
-        </p:spPr>
-        <p:style>
-          <a:lnRef idx="1">
-            <a:schemeClr val="dk1"/>
-          </a:lnRef>
-          <a:fillRef idx="0">
-            <a:schemeClr val="dk1"/>
-          </a:fillRef>
-          <a:effectRef idx="0">
-            <a:schemeClr val="dk1"/>
-          </a:effectRef>
-          <a:fontRef idx="minor">
-            <a:schemeClr val="tx1"/>
-          </a:fontRef>
-        </p:style>
-      </p:cxnSp>
-      <mc:AlternateContent xmlns:mc="http://schemas.openxmlformats.org/markup-compatibility/2006">
-        <mc:Choice xmlns:a14="http://schemas.microsoft.com/office/drawing/2010/main" Requires="a14">
-          <p:sp>
-            <p:nvSpPr>
-              <p:cNvPr id="177" name="テキスト ボックス 176"/>
-              <p:cNvSpPr txBox="1"/>
-              <p:nvPr/>
-            </p:nvSpPr>
-            <p:spPr>
-              <a:xfrm>
-                <a:off x="11053012" y="5988230"/>
-                <a:ext cx="300788" cy="276999"/>
-              </a:xfrm>
-              <a:prstGeom prst="rect">
-                <a:avLst/>
-              </a:prstGeom>
-              <a:noFill/>
-            </p:spPr>
-            <p:txBody>
-              <a:bodyPr wrap="none" lIns="0" tIns="0" rIns="0" bIns="0" rtlCol="0">
-                <a:spAutoFit/>
-              </a:bodyPr>
-              <a:lstStyle/>
-              <a:p>
-                <a14:m>
-                  <m:oMathPara xmlns:m="http://schemas.openxmlformats.org/officeDocument/2006/math">
-                    <m:oMathParaPr>
-                      <m:jc m:val="centerGroup"/>
-                    </m:oMathParaPr>
-                    <m:oMath xmlns:m="http://schemas.openxmlformats.org/officeDocument/2006/math">
-                      <m:sSub>
-                        <m:sSubPr>
-                          <m:ctrlPr>
-                            <a:rPr kumimoji="1" lang="en-US" altLang="ja-JP" b="0" i="1" smtClean="0">
-                              <a:latin typeface="Cambria Math" panose="02040503050406030204" pitchFamily="18" charset="0"/>
-                            </a:rPr>
-                          </m:ctrlPr>
-                        </m:sSubPr>
-                        <m:e>
-                          <m:r>
-                            <a:rPr kumimoji="1" lang="en-US" altLang="ja-JP" b="0" i="1" smtClean="0">
-                              <a:latin typeface="Cambria Math" panose="02040503050406030204" pitchFamily="18" charset="0"/>
-                            </a:rPr>
-                            <m:t>𝑢</m:t>
-                          </m:r>
-                        </m:e>
-                        <m:sub>
-                          <m:r>
-                            <a:rPr kumimoji="1" lang="en-US" altLang="ja-JP" b="0" i="1" smtClean="0">
-                              <a:latin typeface="Cambria Math" panose="02040503050406030204" pitchFamily="18" charset="0"/>
-                            </a:rPr>
-                            <m:t>1</m:t>
-                          </m:r>
-                        </m:sub>
-                      </m:sSub>
-                    </m:oMath>
-                  </m:oMathPara>
-                </a14:m>
-                <a:endParaRPr kumimoji="1" lang="ja-JP" altLang="en-US" dirty="0"/>
-              </a:p>
-            </p:txBody>
-          </p:sp>
-        </mc:Choice>
-        <mc:Fallback>
-          <p:sp>
-            <p:nvSpPr>
-              <p:cNvPr id="177" name="テキスト ボックス 176"/>
-              <p:cNvSpPr txBox="1">
-                <a:spLocks noRot="1" noChangeAspect="1" noMove="1" noResize="1" noEditPoints="1" noAdjustHandles="1" noChangeArrowheads="1" noChangeShapeType="1" noTextEdit="1"/>
-              </p:cNvSpPr>
-              <p:nvPr/>
-            </p:nvSpPr>
-            <p:spPr>
-              <a:xfrm>
-                <a:off x="11053012" y="5988230"/>
-                <a:ext cx="300788" cy="276999"/>
-              </a:xfrm>
-              <a:prstGeom prst="rect">
-                <a:avLst/>
-              </a:prstGeom>
-              <a:blipFill>
-                <a:blip r:embed="rId13"/>
-                <a:stretch>
-                  <a:fillRect l="-8000" r="-6000" b="-15217"/>
+                  <a:fillRect/>
                 </a:stretch>
               </a:blipFill>
             </p:spPr>
@@ -7487,319 +8054,13 @@
         <mc:Choice xmlns:a14="http://schemas.microsoft.com/office/drawing/2010/main" Requires="a14">
           <p:sp>
             <p:nvSpPr>
-              <p:cNvPr id="178" name="テキスト ボックス 177"/>
-              <p:cNvSpPr txBox="1"/>
-              <p:nvPr/>
-            </p:nvSpPr>
-            <p:spPr>
-              <a:xfrm>
-                <a:off x="7919660" y="5988230"/>
-                <a:ext cx="306109" cy="276999"/>
-              </a:xfrm>
-              <a:prstGeom prst="rect">
-                <a:avLst/>
-              </a:prstGeom>
-              <a:noFill/>
-            </p:spPr>
-            <p:txBody>
-              <a:bodyPr wrap="none" lIns="0" tIns="0" rIns="0" bIns="0" rtlCol="0">
-                <a:spAutoFit/>
-              </a:bodyPr>
-              <a:lstStyle/>
-              <a:p>
-                <a14:m>
-                  <m:oMathPara xmlns:m="http://schemas.openxmlformats.org/officeDocument/2006/math">
-                    <m:oMathParaPr>
-                      <m:jc m:val="centerGroup"/>
-                    </m:oMathParaPr>
-                    <m:oMath xmlns:m="http://schemas.openxmlformats.org/officeDocument/2006/math">
-                      <m:sSub>
-                        <m:sSubPr>
-                          <m:ctrlPr>
-                            <a:rPr kumimoji="1" lang="en-US" altLang="ja-JP" b="0" i="1" smtClean="0">
-                              <a:latin typeface="Cambria Math" panose="02040503050406030204" pitchFamily="18" charset="0"/>
-                            </a:rPr>
-                          </m:ctrlPr>
-                        </m:sSubPr>
-                        <m:e>
-                          <m:r>
-                            <a:rPr kumimoji="1" lang="en-US" altLang="ja-JP" b="0" i="1" smtClean="0">
-                              <a:latin typeface="Cambria Math" panose="02040503050406030204" pitchFamily="18" charset="0"/>
-                            </a:rPr>
-                            <m:t>𝑢</m:t>
-                          </m:r>
-                        </m:e>
-                        <m:sub>
-                          <m:r>
-                            <a:rPr kumimoji="1" lang="en-US" altLang="ja-JP" b="0" i="1" smtClean="0">
-                              <a:latin typeface="Cambria Math" panose="02040503050406030204" pitchFamily="18" charset="0"/>
-                            </a:rPr>
-                            <m:t>2</m:t>
-                          </m:r>
-                        </m:sub>
-                      </m:sSub>
-                    </m:oMath>
-                  </m:oMathPara>
-                </a14:m>
-                <a:endParaRPr kumimoji="1" lang="ja-JP" altLang="en-US" dirty="0"/>
-              </a:p>
-            </p:txBody>
-          </p:sp>
-        </mc:Choice>
-        <mc:Fallback>
-          <p:sp>
-            <p:nvSpPr>
-              <p:cNvPr id="178" name="テキスト ボックス 177"/>
-              <p:cNvSpPr txBox="1">
-                <a:spLocks noRot="1" noChangeAspect="1" noMove="1" noResize="1" noEditPoints="1" noAdjustHandles="1" noChangeArrowheads="1" noChangeShapeType="1" noTextEdit="1"/>
-              </p:cNvSpPr>
-              <p:nvPr/>
-            </p:nvSpPr>
-            <p:spPr>
-              <a:xfrm>
-                <a:off x="7919660" y="5988230"/>
-                <a:ext cx="306109" cy="276999"/>
-              </a:xfrm>
-              <a:prstGeom prst="rect">
-                <a:avLst/>
-              </a:prstGeom>
-              <a:blipFill>
-                <a:blip r:embed="rId14"/>
-                <a:stretch>
-                  <a:fillRect l="-10000" r="-6000" b="-15217"/>
-                </a:stretch>
-              </a:blipFill>
-            </p:spPr>
-            <p:txBody>
-              <a:bodyPr/>
-              <a:lstStyle/>
-              <a:p>
-                <a:r>
-                  <a:rPr lang="ja-JP" altLang="en-US">
-                    <a:noFill/>
-                  </a:rPr>
-                  <a:t> </a:t>
-                </a:r>
-              </a:p>
-            </p:txBody>
-          </p:sp>
-        </mc:Fallback>
-      </mc:AlternateContent>
-      <mc:AlternateContent xmlns:mc="http://schemas.openxmlformats.org/markup-compatibility/2006">
-        <mc:Choice xmlns:a14="http://schemas.microsoft.com/office/drawing/2010/main" Requires="a14">
-          <p:sp>
-            <p:nvSpPr>
-              <p:cNvPr id="179" name="テキスト ボックス 178"/>
-              <p:cNvSpPr txBox="1"/>
-              <p:nvPr/>
-            </p:nvSpPr>
-            <p:spPr>
-              <a:xfrm>
-                <a:off x="4294612" y="5988230"/>
-                <a:ext cx="306109" cy="276999"/>
-              </a:xfrm>
-              <a:prstGeom prst="rect">
-                <a:avLst/>
-              </a:prstGeom>
-              <a:noFill/>
-            </p:spPr>
-            <p:txBody>
-              <a:bodyPr wrap="none" lIns="0" tIns="0" rIns="0" bIns="0" rtlCol="0">
-                <a:spAutoFit/>
-              </a:bodyPr>
-              <a:lstStyle/>
-              <a:p>
-                <a14:m>
-                  <m:oMathPara xmlns:m="http://schemas.openxmlformats.org/officeDocument/2006/math">
-                    <m:oMathParaPr>
-                      <m:jc m:val="centerGroup"/>
-                    </m:oMathParaPr>
-                    <m:oMath xmlns:m="http://schemas.openxmlformats.org/officeDocument/2006/math">
-                      <m:sSub>
-                        <m:sSubPr>
-                          <m:ctrlPr>
-                            <a:rPr kumimoji="1" lang="en-US" altLang="ja-JP" b="0" i="1" smtClean="0">
-                              <a:latin typeface="Cambria Math" panose="02040503050406030204" pitchFamily="18" charset="0"/>
-                            </a:rPr>
-                          </m:ctrlPr>
-                        </m:sSubPr>
-                        <m:e>
-                          <m:r>
-                            <a:rPr kumimoji="1" lang="en-US" altLang="ja-JP" b="0" i="1" smtClean="0">
-                              <a:latin typeface="Cambria Math" panose="02040503050406030204" pitchFamily="18" charset="0"/>
-                            </a:rPr>
-                            <m:t>𝑢</m:t>
-                          </m:r>
-                        </m:e>
-                        <m:sub>
-                          <m:r>
-                            <a:rPr kumimoji="1" lang="en-US" altLang="ja-JP" b="0" i="1" smtClean="0">
-                              <a:latin typeface="Cambria Math" panose="02040503050406030204" pitchFamily="18" charset="0"/>
-                            </a:rPr>
-                            <m:t>3</m:t>
-                          </m:r>
-                        </m:sub>
-                      </m:sSub>
-                    </m:oMath>
-                  </m:oMathPara>
-                </a14:m>
-                <a:endParaRPr kumimoji="1" lang="ja-JP" altLang="en-US" dirty="0"/>
-              </a:p>
-            </p:txBody>
-          </p:sp>
-        </mc:Choice>
-        <mc:Fallback>
-          <p:sp>
-            <p:nvSpPr>
-              <p:cNvPr id="179" name="テキスト ボックス 178"/>
-              <p:cNvSpPr txBox="1">
-                <a:spLocks noRot="1" noChangeAspect="1" noMove="1" noResize="1" noEditPoints="1" noAdjustHandles="1" noChangeArrowheads="1" noChangeShapeType="1" noTextEdit="1"/>
-              </p:cNvSpPr>
-              <p:nvPr/>
-            </p:nvSpPr>
-            <p:spPr>
-              <a:xfrm>
-                <a:off x="4294612" y="5988230"/>
-                <a:ext cx="306109" cy="276999"/>
-              </a:xfrm>
-              <a:prstGeom prst="rect">
-                <a:avLst/>
-              </a:prstGeom>
-              <a:blipFill>
-                <a:blip r:embed="rId15"/>
-                <a:stretch>
-                  <a:fillRect l="-9804" r="-3922" b="-15217"/>
-                </a:stretch>
-              </a:blipFill>
-            </p:spPr>
-            <p:txBody>
-              <a:bodyPr/>
-              <a:lstStyle/>
-              <a:p>
-                <a:r>
-                  <a:rPr lang="ja-JP" altLang="en-US">
-                    <a:noFill/>
-                  </a:rPr>
-                  <a:t> </a:t>
-                </a:r>
-              </a:p>
-            </p:txBody>
-          </p:sp>
-        </mc:Fallback>
-      </mc:AlternateContent>
-      <mc:AlternateContent xmlns:mc="http://schemas.openxmlformats.org/markup-compatibility/2006">
-        <mc:Choice xmlns:a14="http://schemas.microsoft.com/office/drawing/2010/main" Requires="a14">
-          <p:sp>
-            <p:nvSpPr>
-              <p:cNvPr id="180" name="テキスト ボックス 179"/>
-              <p:cNvSpPr txBox="1"/>
-              <p:nvPr/>
-            </p:nvSpPr>
-            <p:spPr>
-              <a:xfrm>
-                <a:off x="4235771" y="1868072"/>
-                <a:ext cx="306109" cy="276999"/>
-              </a:xfrm>
-              <a:prstGeom prst="rect">
-                <a:avLst/>
-              </a:prstGeom>
-              <a:noFill/>
-            </p:spPr>
-            <p:txBody>
-              <a:bodyPr wrap="none" lIns="0" tIns="0" rIns="0" bIns="0" rtlCol="0">
-                <a:spAutoFit/>
-              </a:bodyPr>
-              <a:lstStyle/>
-              <a:p>
-                <a14:m>
-                  <m:oMathPara xmlns:m="http://schemas.openxmlformats.org/officeDocument/2006/math">
-                    <m:oMathParaPr>
-                      <m:jc m:val="centerGroup"/>
-                    </m:oMathParaPr>
-                    <m:oMath xmlns:m="http://schemas.openxmlformats.org/officeDocument/2006/math">
-                      <m:sSub>
-                        <m:sSubPr>
-                          <m:ctrlPr>
-                            <a:rPr kumimoji="1" lang="en-US" altLang="ja-JP" b="0" i="1" smtClean="0">
-                              <a:latin typeface="Cambria Math" panose="02040503050406030204" pitchFamily="18" charset="0"/>
-                            </a:rPr>
-                          </m:ctrlPr>
-                        </m:sSubPr>
-                        <m:e>
-                          <m:r>
-                            <a:rPr kumimoji="1" lang="en-US" altLang="ja-JP" b="0" i="1" smtClean="0">
-                              <a:latin typeface="Cambria Math" panose="02040503050406030204" pitchFamily="18" charset="0"/>
-                            </a:rPr>
-                            <m:t>𝑢</m:t>
-                          </m:r>
-                        </m:e>
-                        <m:sub>
-                          <m:r>
-                            <a:rPr kumimoji="1" lang="en-US" altLang="ja-JP" b="0" i="1" smtClean="0">
-                              <a:latin typeface="Cambria Math" panose="02040503050406030204" pitchFamily="18" charset="0"/>
-                            </a:rPr>
-                            <m:t>4</m:t>
-                          </m:r>
-                        </m:sub>
-                      </m:sSub>
-                    </m:oMath>
-                  </m:oMathPara>
-                </a14:m>
-                <a:endParaRPr kumimoji="1" lang="ja-JP" altLang="en-US" dirty="0"/>
-              </a:p>
-            </p:txBody>
-          </p:sp>
-        </mc:Choice>
-        <mc:Fallback>
-          <p:sp>
-            <p:nvSpPr>
-              <p:cNvPr id="180" name="テキスト ボックス 179"/>
-              <p:cNvSpPr txBox="1">
-                <a:spLocks noRot="1" noChangeAspect="1" noMove="1" noResize="1" noEditPoints="1" noAdjustHandles="1" noChangeArrowheads="1" noChangeShapeType="1" noTextEdit="1"/>
-              </p:cNvSpPr>
-              <p:nvPr/>
-            </p:nvSpPr>
-            <p:spPr>
-              <a:xfrm>
-                <a:off x="4235771" y="1868072"/>
-                <a:ext cx="306109" cy="276999"/>
-              </a:xfrm>
-              <a:prstGeom prst="rect">
-                <a:avLst/>
-              </a:prstGeom>
-              <a:blipFill>
-                <a:blip r:embed="rId16"/>
-                <a:stretch>
-                  <a:fillRect l="-10000" r="-4000" b="-15217"/>
-                </a:stretch>
-              </a:blipFill>
-            </p:spPr>
-            <p:txBody>
-              <a:bodyPr/>
-              <a:lstStyle/>
-              <a:p>
-                <a:r>
-                  <a:rPr lang="ja-JP" altLang="en-US">
-                    <a:noFill/>
-                  </a:rPr>
-                  <a:t> </a:t>
-                </a:r>
-              </a:p>
-            </p:txBody>
-          </p:sp>
-        </mc:Fallback>
-      </mc:AlternateContent>
-      <mc:AlternateContent xmlns:mc="http://schemas.openxmlformats.org/markup-compatibility/2006">
-        <mc:Choice xmlns:a14="http://schemas.microsoft.com/office/drawing/2010/main" Requires="a14">
-          <p:sp>
-            <p:nvSpPr>
-              <p:cNvPr id="181" name="正方形/長方形 180"/>
+              <p:cNvPr id="182" name="正方形/長方形 181"/>
               <p:cNvSpPr/>
               <p:nvPr/>
             </p:nvSpPr>
             <p:spPr>
               <a:xfrm>
-                <a:off x="3006697" y="2492572"/>
+                <a:off x="5953296" y="1880912"/>
                 <a:ext cx="1177280" cy="1177280"/>
               </a:xfrm>
               <a:prstGeom prst="rect">
@@ -7879,132 +8140,6 @@
         <mc:Fallback>
           <p:sp>
             <p:nvSpPr>
-              <p:cNvPr id="181" name="正方形/長方形 180"/>
-              <p:cNvSpPr>
-                <a:spLocks noRot="1" noChangeAspect="1" noMove="1" noResize="1" noEditPoints="1" noAdjustHandles="1" noChangeArrowheads="1" noChangeShapeType="1" noTextEdit="1"/>
-              </p:cNvSpPr>
-              <p:nvPr/>
-            </p:nvSpPr>
-            <p:spPr>
-              <a:xfrm>
-                <a:off x="3006697" y="2492572"/>
-                <a:ext cx="1177280" cy="1177280"/>
-              </a:xfrm>
-              <a:prstGeom prst="rect">
-                <a:avLst/>
-              </a:prstGeom>
-              <a:blipFill>
-                <a:blip r:embed="rId17"/>
-                <a:stretch>
-                  <a:fillRect/>
-                </a:stretch>
-              </a:blipFill>
-            </p:spPr>
-            <p:txBody>
-              <a:bodyPr/>
-              <a:lstStyle/>
-              <a:p>
-                <a:r>
-                  <a:rPr lang="ja-JP" altLang="en-US">
-                    <a:noFill/>
-                  </a:rPr>
-                  <a:t> </a:t>
-                </a:r>
-              </a:p>
-            </p:txBody>
-          </p:sp>
-        </mc:Fallback>
-      </mc:AlternateContent>
-      <mc:AlternateContent xmlns:mc="http://schemas.openxmlformats.org/markup-compatibility/2006">
-        <mc:Choice xmlns:a14="http://schemas.microsoft.com/office/drawing/2010/main" Requires="a14">
-          <p:sp>
-            <p:nvSpPr>
-              <p:cNvPr id="182" name="正方形/長方形 181"/>
-              <p:cNvSpPr/>
-              <p:nvPr/>
-            </p:nvSpPr>
-            <p:spPr>
-              <a:xfrm>
-                <a:off x="5953296" y="2492572"/>
-                <a:ext cx="1177280" cy="1177280"/>
-              </a:xfrm>
-              <a:prstGeom prst="rect">
-                <a:avLst/>
-              </a:prstGeom>
-              <a:solidFill>
-                <a:schemeClr val="bg1">
-                  <a:lumMod val="75000"/>
-                </a:schemeClr>
-              </a:solidFill>
-            </p:spPr>
-            <p:style>
-              <a:lnRef idx="2">
-                <a:schemeClr val="dk1"/>
-              </a:lnRef>
-              <a:fillRef idx="1">
-                <a:schemeClr val="lt1"/>
-              </a:fillRef>
-              <a:effectRef idx="0">
-                <a:schemeClr val="dk1"/>
-              </a:effectRef>
-              <a:fontRef idx="minor">
-                <a:schemeClr val="dk1"/>
-              </a:fontRef>
-            </p:style>
-            <p:txBody>
-              <a:bodyPr rtlCol="0" anchor="ctr"/>
-              <a:lstStyle/>
-              <a:p>
-                <a:pPr algn="ctr"/>
-                <a:r>
-                  <a:rPr kumimoji="1" lang="en-US" altLang="ja-JP" dirty="0" smtClean="0"/>
-                  <a:t>Mass:</a:t>
-                </a:r>
-              </a:p>
-              <a:p>
-                <a:pPr algn="ctr"/>
-                <a14:m>
-                  <m:oMathPara xmlns:m="http://schemas.openxmlformats.org/officeDocument/2006/math">
-                    <m:oMathParaPr>
-                      <m:jc m:val="centerGroup"/>
-                    </m:oMathParaPr>
-                    <m:oMath xmlns:m="http://schemas.openxmlformats.org/officeDocument/2006/math">
-                      <m:sSub>
-                        <m:sSubPr>
-                          <m:ctrlPr>
-                            <a:rPr kumimoji="1" lang="en-US" altLang="ja-JP" b="0" i="1" smtClean="0">
-                              <a:latin typeface="Cambria Math" panose="02040503050406030204" pitchFamily="18" charset="0"/>
-                            </a:rPr>
-                          </m:ctrlPr>
-                        </m:sSubPr>
-                        <m:e>
-                          <m:r>
-                            <a:rPr kumimoji="1" lang="en-US" altLang="ja-JP" b="0" i="1" smtClean="0">
-                              <a:latin typeface="Cambria Math" panose="02040503050406030204" pitchFamily="18" charset="0"/>
-                            </a:rPr>
-                            <m:t>𝑚</m:t>
-                          </m:r>
-                        </m:e>
-                        <m:sub>
-                          <m:r>
-                            <a:rPr kumimoji="1" lang="en-US" altLang="ja-JP" b="0" i="1" smtClean="0">
-                              <a:latin typeface="Cambria Math" panose="02040503050406030204" pitchFamily="18" charset="0"/>
-                            </a:rPr>
-                            <m:t>5</m:t>
-                          </m:r>
-                        </m:sub>
-                      </m:sSub>
-                    </m:oMath>
-                  </m:oMathPara>
-                </a14:m>
-                <a:endParaRPr kumimoji="1" lang="ja-JP" altLang="en-US" dirty="0"/>
-              </a:p>
-            </p:txBody>
-          </p:sp>
-        </mc:Choice>
-        <mc:Fallback>
-          <p:sp>
-            <p:nvSpPr>
               <p:cNvPr id="182" name="正方形/長方形 181"/>
               <p:cNvSpPr>
                 <a:spLocks noRot="1" noChangeAspect="1" noMove="1" noResize="1" noEditPoints="1" noAdjustHandles="1" noChangeArrowheads="1" noChangeShapeType="1" noTextEdit="1"/>
@@ -8013,7 +8148,7 @@
             </p:nvSpPr>
             <p:spPr>
               <a:xfrm>
-                <a:off x="5953296" y="2492572"/>
+                <a:off x="5953296" y="1880912"/>
                 <a:ext cx="1177280" cy="1177280"/>
               </a:xfrm>
               <a:prstGeom prst="rect">
@@ -8023,642 +8158,6 @@
                 <a:blip r:embed="rId18"/>
                 <a:stretch>
                   <a:fillRect/>
-                </a:stretch>
-              </a:blipFill>
-            </p:spPr>
-            <p:txBody>
-              <a:bodyPr/>
-              <a:lstStyle/>
-              <a:p>
-                <a:r>
-                  <a:rPr lang="ja-JP" altLang="en-US">
-                    <a:noFill/>
-                  </a:rPr>
-                  <a:t> </a:t>
-                </a:r>
-              </a:p>
-            </p:txBody>
-          </p:sp>
-        </mc:Fallback>
-      </mc:AlternateContent>
-      <p:grpSp>
-        <p:nvGrpSpPr>
-          <p:cNvPr id="183" name="グループ化 182"/>
-          <p:cNvGrpSpPr/>
-          <p:nvPr/>
-        </p:nvGrpSpPr>
-        <p:grpSpPr>
-          <a:xfrm>
-            <a:off x="4557115" y="2923861"/>
-            <a:ext cx="1085594" cy="354769"/>
-            <a:chOff x="6188364" y="1339273"/>
-            <a:chExt cx="1413163" cy="461818"/>
-          </a:xfrm>
-        </p:grpSpPr>
-        <p:cxnSp>
-          <p:nvCxnSpPr>
-            <p:cNvPr id="184" name="直線コネクタ 183"/>
-            <p:cNvCxnSpPr/>
-            <p:nvPr/>
-          </p:nvCxnSpPr>
-          <p:spPr>
-            <a:xfrm flipV="1">
-              <a:off x="6188364" y="1339273"/>
-              <a:ext cx="138545" cy="230910"/>
-            </a:xfrm>
-            <a:prstGeom prst="line">
-              <a:avLst/>
-            </a:prstGeom>
-          </p:spPr>
-          <p:style>
-            <a:lnRef idx="1">
-              <a:schemeClr val="dk1"/>
-            </a:lnRef>
-            <a:fillRef idx="0">
-              <a:schemeClr val="dk1"/>
-            </a:fillRef>
-            <a:effectRef idx="0">
-              <a:schemeClr val="dk1"/>
-            </a:effectRef>
-            <a:fontRef idx="minor">
-              <a:schemeClr val="tx1"/>
-            </a:fontRef>
-          </p:style>
-        </p:cxnSp>
-        <p:cxnSp>
-          <p:nvCxnSpPr>
-            <p:cNvPr id="185" name="直線コネクタ 184"/>
-            <p:cNvCxnSpPr/>
-            <p:nvPr/>
-          </p:nvCxnSpPr>
-          <p:spPr>
-            <a:xfrm>
-              <a:off x="6326909" y="1339273"/>
-              <a:ext cx="237303" cy="461818"/>
-            </a:xfrm>
-            <a:prstGeom prst="line">
-              <a:avLst/>
-            </a:prstGeom>
-          </p:spPr>
-          <p:style>
-            <a:lnRef idx="1">
-              <a:schemeClr val="dk1"/>
-            </a:lnRef>
-            <a:fillRef idx="0">
-              <a:schemeClr val="dk1"/>
-            </a:fillRef>
-            <a:effectRef idx="0">
-              <a:schemeClr val="dk1"/>
-            </a:effectRef>
-            <a:fontRef idx="minor">
-              <a:schemeClr val="tx1"/>
-            </a:fontRef>
-          </p:style>
-        </p:cxnSp>
-        <p:cxnSp>
-          <p:nvCxnSpPr>
-            <p:cNvPr id="186" name="直線コネクタ 185"/>
-            <p:cNvCxnSpPr/>
-            <p:nvPr/>
-          </p:nvCxnSpPr>
-          <p:spPr>
-            <a:xfrm flipV="1">
-              <a:off x="6564212" y="1339273"/>
-              <a:ext cx="233752" cy="461818"/>
-            </a:xfrm>
-            <a:prstGeom prst="line">
-              <a:avLst/>
-            </a:prstGeom>
-          </p:spPr>
-          <p:style>
-            <a:lnRef idx="1">
-              <a:schemeClr val="dk1"/>
-            </a:lnRef>
-            <a:fillRef idx="0">
-              <a:schemeClr val="dk1"/>
-            </a:fillRef>
-            <a:effectRef idx="0">
-              <a:schemeClr val="dk1"/>
-            </a:effectRef>
-            <a:fontRef idx="minor">
-              <a:schemeClr val="tx1"/>
-            </a:fontRef>
-          </p:style>
-        </p:cxnSp>
-        <p:cxnSp>
-          <p:nvCxnSpPr>
-            <p:cNvPr id="187" name="直線コネクタ 186"/>
-            <p:cNvCxnSpPr/>
-            <p:nvPr/>
-          </p:nvCxnSpPr>
-          <p:spPr>
-            <a:xfrm>
-              <a:off x="6797964" y="1339273"/>
-              <a:ext cx="230909" cy="461818"/>
-            </a:xfrm>
-            <a:prstGeom prst="line">
-              <a:avLst/>
-            </a:prstGeom>
-          </p:spPr>
-          <p:style>
-            <a:lnRef idx="1">
-              <a:schemeClr val="dk1"/>
-            </a:lnRef>
-            <a:fillRef idx="0">
-              <a:schemeClr val="dk1"/>
-            </a:fillRef>
-            <a:effectRef idx="0">
-              <a:schemeClr val="dk1"/>
-            </a:effectRef>
-            <a:fontRef idx="minor">
-              <a:schemeClr val="tx1"/>
-            </a:fontRef>
-          </p:style>
-        </p:cxnSp>
-        <p:cxnSp>
-          <p:nvCxnSpPr>
-            <p:cNvPr id="188" name="直線コネクタ 187"/>
-            <p:cNvCxnSpPr/>
-            <p:nvPr/>
-          </p:nvCxnSpPr>
-          <p:spPr>
-            <a:xfrm flipV="1">
-              <a:off x="7028873" y="1339273"/>
-              <a:ext cx="235527" cy="461818"/>
-            </a:xfrm>
-            <a:prstGeom prst="line">
-              <a:avLst/>
-            </a:prstGeom>
-          </p:spPr>
-          <p:style>
-            <a:lnRef idx="1">
-              <a:schemeClr val="dk1"/>
-            </a:lnRef>
-            <a:fillRef idx="0">
-              <a:schemeClr val="dk1"/>
-            </a:fillRef>
-            <a:effectRef idx="0">
-              <a:schemeClr val="dk1"/>
-            </a:effectRef>
-            <a:fontRef idx="minor">
-              <a:schemeClr val="tx1"/>
-            </a:fontRef>
-          </p:style>
-        </p:cxnSp>
-        <p:cxnSp>
-          <p:nvCxnSpPr>
-            <p:cNvPr id="189" name="直線コネクタ 188"/>
-            <p:cNvCxnSpPr/>
-            <p:nvPr/>
-          </p:nvCxnSpPr>
-          <p:spPr>
-            <a:xfrm>
-              <a:off x="7264400" y="1339850"/>
-              <a:ext cx="191907" cy="461241"/>
-            </a:xfrm>
-            <a:prstGeom prst="line">
-              <a:avLst/>
-            </a:prstGeom>
-          </p:spPr>
-          <p:style>
-            <a:lnRef idx="1">
-              <a:schemeClr val="dk1"/>
-            </a:lnRef>
-            <a:fillRef idx="0">
-              <a:schemeClr val="dk1"/>
-            </a:fillRef>
-            <a:effectRef idx="0">
-              <a:schemeClr val="dk1"/>
-            </a:effectRef>
-            <a:fontRef idx="minor">
-              <a:schemeClr val="tx1"/>
-            </a:fontRef>
-          </p:style>
-        </p:cxnSp>
-        <p:cxnSp>
-          <p:nvCxnSpPr>
-            <p:cNvPr id="190" name="直線コネクタ 189"/>
-            <p:cNvCxnSpPr/>
-            <p:nvPr/>
-          </p:nvCxnSpPr>
-          <p:spPr>
-            <a:xfrm flipV="1">
-              <a:off x="7456307" y="1570182"/>
-              <a:ext cx="145220" cy="230909"/>
-            </a:xfrm>
-            <a:prstGeom prst="line">
-              <a:avLst/>
-            </a:prstGeom>
-          </p:spPr>
-          <p:style>
-            <a:lnRef idx="1">
-              <a:schemeClr val="dk1"/>
-            </a:lnRef>
-            <a:fillRef idx="0">
-              <a:schemeClr val="dk1"/>
-            </a:fillRef>
-            <a:effectRef idx="0">
-              <a:schemeClr val="dk1"/>
-            </a:effectRef>
-            <a:fontRef idx="minor">
-              <a:schemeClr val="tx1"/>
-            </a:fontRef>
-          </p:style>
-        </p:cxnSp>
-      </p:grpSp>
-      <mc:AlternateContent xmlns:mc="http://schemas.openxmlformats.org/markup-compatibility/2006">
-        <mc:Choice xmlns:a14="http://schemas.microsoft.com/office/drawing/2010/main" Requires="a14">
-          <p:sp>
-            <p:nvSpPr>
-              <p:cNvPr id="202" name="テキスト ボックス 201"/>
-              <p:cNvSpPr txBox="1"/>
-              <p:nvPr/>
-            </p:nvSpPr>
-            <p:spPr>
-              <a:xfrm>
-                <a:off x="7409540" y="2528034"/>
-                <a:ext cx="299697" cy="276999"/>
-              </a:xfrm>
-              <a:prstGeom prst="rect">
-                <a:avLst/>
-              </a:prstGeom>
-              <a:noFill/>
-            </p:spPr>
-            <p:txBody>
-              <a:bodyPr wrap="none" lIns="0" tIns="0" rIns="0" bIns="0" rtlCol="0">
-                <a:spAutoFit/>
-              </a:bodyPr>
-              <a:lstStyle/>
-              <a:p>
-                <a14:m>
-                  <m:oMathPara xmlns:m="http://schemas.openxmlformats.org/officeDocument/2006/math">
-                    <m:oMathParaPr>
-                      <m:jc m:val="centerGroup"/>
-                    </m:oMathParaPr>
-                    <m:oMath xmlns:m="http://schemas.openxmlformats.org/officeDocument/2006/math">
-                      <m:sSub>
-                        <m:sSubPr>
-                          <m:ctrlPr>
-                            <a:rPr kumimoji="1" lang="en-US" altLang="ja-JP" b="0" i="1" smtClean="0">
-                              <a:latin typeface="Cambria Math" panose="02040503050406030204" pitchFamily="18" charset="0"/>
-                            </a:rPr>
-                          </m:ctrlPr>
-                        </m:sSubPr>
-                        <m:e>
-                          <m:r>
-                            <a:rPr kumimoji="1" lang="en-US" altLang="ja-JP" b="0" i="1" smtClean="0">
-                              <a:latin typeface="Cambria Math" panose="02040503050406030204" pitchFamily="18" charset="0"/>
-                            </a:rPr>
-                            <m:t>𝑘</m:t>
-                          </m:r>
-                        </m:e>
-                        <m:sub>
-                          <m:r>
-                            <a:rPr kumimoji="1" lang="en-US" altLang="ja-JP" b="0" i="1" smtClean="0">
-                              <a:latin typeface="Cambria Math" panose="02040503050406030204" pitchFamily="18" charset="0"/>
-                            </a:rPr>
-                            <m:t>5</m:t>
-                          </m:r>
-                        </m:sub>
-                      </m:sSub>
-                    </m:oMath>
-                  </m:oMathPara>
-                </a14:m>
-                <a:endParaRPr kumimoji="1" lang="ja-JP" altLang="en-US" dirty="0"/>
-              </a:p>
-            </p:txBody>
-          </p:sp>
-        </mc:Choice>
-        <mc:Fallback>
-          <p:sp>
-            <p:nvSpPr>
-              <p:cNvPr id="202" name="テキスト ボックス 201"/>
-              <p:cNvSpPr txBox="1">
-                <a:spLocks noRot="1" noChangeAspect="1" noMove="1" noResize="1" noEditPoints="1" noAdjustHandles="1" noChangeArrowheads="1" noChangeShapeType="1" noTextEdit="1"/>
-              </p:cNvSpPr>
-              <p:nvPr/>
-            </p:nvSpPr>
-            <p:spPr>
-              <a:xfrm>
-                <a:off x="7409540" y="2528034"/>
-                <a:ext cx="299697" cy="276999"/>
-              </a:xfrm>
-              <a:prstGeom prst="rect">
-                <a:avLst/>
-              </a:prstGeom>
-              <a:blipFill>
-                <a:blip r:embed="rId19"/>
-                <a:stretch>
-                  <a:fillRect l="-18000" r="-4000" b="-17778"/>
-                </a:stretch>
-              </a:blipFill>
-            </p:spPr>
-            <p:txBody>
-              <a:bodyPr/>
-              <a:lstStyle/>
-              <a:p>
-                <a:r>
-                  <a:rPr lang="ja-JP" altLang="en-US">
-                    <a:noFill/>
-                  </a:rPr>
-                  <a:t> </a:t>
-                </a:r>
-              </a:p>
-            </p:txBody>
-          </p:sp>
-        </mc:Fallback>
-      </mc:AlternateContent>
-      <p:cxnSp>
-        <p:nvCxnSpPr>
-          <p:cNvPr id="206" name="カギ線コネクタ 205"/>
-          <p:cNvCxnSpPr>
-            <a:stCxn id="124" idx="0"/>
-          </p:cNvCxnSpPr>
-          <p:nvPr/>
-        </p:nvCxnSpPr>
-        <p:spPr>
-          <a:xfrm rot="5400000" flipH="1" flipV="1">
-            <a:off x="10393710" y="1977818"/>
-            <a:ext cx="445790" cy="588640"/>
-          </a:xfrm>
-          <a:prstGeom prst="bentConnector2">
-            <a:avLst/>
-          </a:prstGeom>
-          <a:ln>
-            <a:tailEnd type="triangle"/>
-          </a:ln>
-        </p:spPr>
-        <p:style>
-          <a:lnRef idx="1">
-            <a:schemeClr val="dk1"/>
-          </a:lnRef>
-          <a:fillRef idx="0">
-            <a:schemeClr val="dk1"/>
-          </a:fillRef>
-          <a:effectRef idx="0">
-            <a:schemeClr val="dk1"/>
-          </a:effectRef>
-          <a:fontRef idx="minor">
-            <a:schemeClr val="tx1"/>
-          </a:fontRef>
-        </p:style>
-      </p:cxnSp>
-      <p:cxnSp>
-        <p:nvCxnSpPr>
-          <p:cNvPr id="208" name="カギ線コネクタ 207"/>
-          <p:cNvCxnSpPr>
-            <a:stCxn id="182" idx="0"/>
-          </p:cNvCxnSpPr>
-          <p:nvPr/>
-        </p:nvCxnSpPr>
-        <p:spPr>
-          <a:xfrm rot="5400000" flipH="1" flipV="1">
-            <a:off x="6615207" y="1977203"/>
-            <a:ext cx="442099" cy="588640"/>
-          </a:xfrm>
-          <a:prstGeom prst="bentConnector2">
-            <a:avLst/>
-          </a:prstGeom>
-          <a:ln>
-            <a:tailEnd type="triangle"/>
-          </a:ln>
-        </p:spPr>
-        <p:style>
-          <a:lnRef idx="1">
-            <a:schemeClr val="dk1"/>
-          </a:lnRef>
-          <a:fillRef idx="0">
-            <a:schemeClr val="dk1"/>
-          </a:fillRef>
-          <a:effectRef idx="0">
-            <a:schemeClr val="dk1"/>
-          </a:effectRef>
-          <a:fontRef idx="minor">
-            <a:schemeClr val="tx1"/>
-          </a:fontRef>
-        </p:style>
-      </p:cxnSp>
-      <p:cxnSp>
-        <p:nvCxnSpPr>
-          <p:cNvPr id="211" name="カギ線コネクタ 210"/>
-          <p:cNvCxnSpPr>
-            <a:stCxn id="181" idx="0"/>
-          </p:cNvCxnSpPr>
-          <p:nvPr/>
-        </p:nvCxnSpPr>
-        <p:spPr>
-          <a:xfrm rot="5400000" flipH="1" flipV="1">
-            <a:off x="3677921" y="1966660"/>
-            <a:ext cx="443329" cy="608497"/>
-          </a:xfrm>
-          <a:prstGeom prst="bentConnector2">
-            <a:avLst/>
-          </a:prstGeom>
-          <a:ln>
-            <a:tailEnd type="triangle"/>
-          </a:ln>
-        </p:spPr>
-        <p:style>
-          <a:lnRef idx="1">
-            <a:schemeClr val="dk1"/>
-          </a:lnRef>
-          <a:fillRef idx="0">
-            <a:schemeClr val="dk1"/>
-          </a:fillRef>
-          <a:effectRef idx="0">
-            <a:schemeClr val="dk1"/>
-          </a:effectRef>
-          <a:fontRef idx="minor">
-            <a:schemeClr val="tx1"/>
-          </a:fontRef>
-        </p:style>
-      </p:cxnSp>
-      <mc:AlternateContent xmlns:mc="http://schemas.openxmlformats.org/markup-compatibility/2006">
-        <mc:Choice xmlns:a14="http://schemas.microsoft.com/office/drawing/2010/main" Requires="a14">
-          <p:sp>
-            <p:nvSpPr>
-              <p:cNvPr id="212" name="テキスト ボックス 211"/>
-              <p:cNvSpPr txBox="1"/>
-              <p:nvPr/>
-            </p:nvSpPr>
-            <p:spPr>
-              <a:xfrm>
-                <a:off x="7169266" y="1868072"/>
-                <a:ext cx="306109" cy="276999"/>
-              </a:xfrm>
-              <a:prstGeom prst="rect">
-                <a:avLst/>
-              </a:prstGeom>
-              <a:noFill/>
-            </p:spPr>
-            <p:txBody>
-              <a:bodyPr wrap="none" lIns="0" tIns="0" rIns="0" bIns="0" rtlCol="0">
-                <a:spAutoFit/>
-              </a:bodyPr>
-              <a:lstStyle/>
-              <a:p>
-                <a14:m>
-                  <m:oMathPara xmlns:m="http://schemas.openxmlformats.org/officeDocument/2006/math">
-                    <m:oMathParaPr>
-                      <m:jc m:val="centerGroup"/>
-                    </m:oMathParaPr>
-                    <m:oMath xmlns:m="http://schemas.openxmlformats.org/officeDocument/2006/math">
-                      <m:sSub>
-                        <m:sSubPr>
-                          <m:ctrlPr>
-                            <a:rPr kumimoji="1" lang="en-US" altLang="ja-JP" b="0" i="1" smtClean="0">
-                              <a:latin typeface="Cambria Math" panose="02040503050406030204" pitchFamily="18" charset="0"/>
-                            </a:rPr>
-                          </m:ctrlPr>
-                        </m:sSubPr>
-                        <m:e>
-                          <m:r>
-                            <a:rPr kumimoji="1" lang="en-US" altLang="ja-JP" b="0" i="1" smtClean="0">
-                              <a:latin typeface="Cambria Math" panose="02040503050406030204" pitchFamily="18" charset="0"/>
-                            </a:rPr>
-                            <m:t>𝑢</m:t>
-                          </m:r>
-                        </m:e>
-                        <m:sub>
-                          <m:r>
-                            <a:rPr kumimoji="1" lang="en-US" altLang="ja-JP" b="0" i="1" smtClean="0">
-                              <a:latin typeface="Cambria Math" panose="02040503050406030204" pitchFamily="18" charset="0"/>
-                            </a:rPr>
-                            <m:t>5</m:t>
-                          </m:r>
-                        </m:sub>
-                      </m:sSub>
-                    </m:oMath>
-                  </m:oMathPara>
-                </a14:m>
-                <a:endParaRPr kumimoji="1" lang="ja-JP" altLang="en-US" dirty="0"/>
-              </a:p>
-            </p:txBody>
-          </p:sp>
-        </mc:Choice>
-        <mc:Fallback>
-          <p:sp>
-            <p:nvSpPr>
-              <p:cNvPr id="212" name="テキスト ボックス 211"/>
-              <p:cNvSpPr txBox="1">
-                <a:spLocks noRot="1" noChangeAspect="1" noMove="1" noResize="1" noEditPoints="1" noAdjustHandles="1" noChangeArrowheads="1" noChangeShapeType="1" noTextEdit="1"/>
-              </p:cNvSpPr>
-              <p:nvPr/>
-            </p:nvSpPr>
-            <p:spPr>
-              <a:xfrm>
-                <a:off x="7169266" y="1868072"/>
-                <a:ext cx="306109" cy="276999"/>
-              </a:xfrm>
-              <a:prstGeom prst="rect">
-                <a:avLst/>
-              </a:prstGeom>
-              <a:blipFill>
-                <a:blip r:embed="rId20"/>
-                <a:stretch>
-                  <a:fillRect l="-10000" r="-6000" b="-15217"/>
-                </a:stretch>
-              </a:blipFill>
-            </p:spPr>
-            <p:txBody>
-              <a:bodyPr/>
-              <a:lstStyle/>
-              <a:p>
-                <a:r>
-                  <a:rPr lang="ja-JP" altLang="en-US">
-                    <a:noFill/>
-                  </a:rPr>
-                  <a:t> </a:t>
-                </a:r>
-              </a:p>
-            </p:txBody>
-          </p:sp>
-        </mc:Fallback>
-      </mc:AlternateContent>
-      <mc:AlternateContent xmlns:mc="http://schemas.openxmlformats.org/markup-compatibility/2006">
-        <mc:Choice xmlns:a14="http://schemas.microsoft.com/office/drawing/2010/main" Requires="a14">
-          <p:sp>
-            <p:nvSpPr>
-              <p:cNvPr id="213" name="テキスト ボックス 212"/>
-              <p:cNvSpPr txBox="1"/>
-              <p:nvPr/>
-            </p:nvSpPr>
-            <p:spPr>
-              <a:xfrm>
-                <a:off x="10959279" y="1868072"/>
-                <a:ext cx="306109" cy="276999"/>
-              </a:xfrm>
-              <a:prstGeom prst="rect">
-                <a:avLst/>
-              </a:prstGeom>
-              <a:noFill/>
-            </p:spPr>
-            <p:txBody>
-              <a:bodyPr wrap="none" lIns="0" tIns="0" rIns="0" bIns="0" rtlCol="0">
-                <a:spAutoFit/>
-              </a:bodyPr>
-              <a:lstStyle/>
-              <a:p>
-                <a14:m>
-                  <m:oMathPara xmlns:m="http://schemas.openxmlformats.org/officeDocument/2006/math">
-                    <m:oMathParaPr>
-                      <m:jc m:val="centerGroup"/>
-                    </m:oMathParaPr>
-                    <m:oMath xmlns:m="http://schemas.openxmlformats.org/officeDocument/2006/math">
-                      <m:sSub>
-                        <m:sSubPr>
-                          <m:ctrlPr>
-                            <a:rPr kumimoji="1" lang="en-US" altLang="ja-JP" b="0" i="1" smtClean="0">
-                              <a:latin typeface="Cambria Math" panose="02040503050406030204" pitchFamily="18" charset="0"/>
-                            </a:rPr>
-                          </m:ctrlPr>
-                        </m:sSubPr>
-                        <m:e>
-                          <m:r>
-                            <a:rPr kumimoji="1" lang="en-US" altLang="ja-JP" b="0" i="1" smtClean="0">
-                              <a:latin typeface="Cambria Math" panose="02040503050406030204" pitchFamily="18" charset="0"/>
-                            </a:rPr>
-                            <m:t>𝑢</m:t>
-                          </m:r>
-                        </m:e>
-                        <m:sub>
-                          <m:r>
-                            <a:rPr kumimoji="1" lang="en-US" altLang="ja-JP" b="0" i="1" smtClean="0">
-                              <a:latin typeface="Cambria Math" panose="02040503050406030204" pitchFamily="18" charset="0"/>
-                            </a:rPr>
-                            <m:t>6</m:t>
-                          </m:r>
-                        </m:sub>
-                      </m:sSub>
-                    </m:oMath>
-                  </m:oMathPara>
-                </a14:m>
-                <a:endParaRPr kumimoji="1" lang="ja-JP" altLang="en-US" dirty="0"/>
-              </a:p>
-            </p:txBody>
-          </p:sp>
-        </mc:Choice>
-        <mc:Fallback>
-          <p:sp>
-            <p:nvSpPr>
-              <p:cNvPr id="213" name="テキスト ボックス 212"/>
-              <p:cNvSpPr txBox="1">
-                <a:spLocks noRot="1" noChangeAspect="1" noMove="1" noResize="1" noEditPoints="1" noAdjustHandles="1" noChangeArrowheads="1" noChangeShapeType="1" noTextEdit="1"/>
-              </p:cNvSpPr>
-              <p:nvPr/>
-            </p:nvSpPr>
-            <p:spPr>
-              <a:xfrm>
-                <a:off x="10959279" y="1868072"/>
-                <a:ext cx="306109" cy="276999"/>
-              </a:xfrm>
-              <a:prstGeom prst="rect">
-                <a:avLst/>
-              </a:prstGeom>
-              <a:blipFill>
-                <a:blip r:embed="rId21"/>
-                <a:stretch>
-                  <a:fillRect l="-10000" r="-4000" b="-15217"/>
                 </a:stretch>
               </a:blipFill>
             </p:spPr>

--- a/docs/system-model.pptx
+++ b/docs/system-model.pptx
@@ -245,7 +245,7 @@
           <a:p>
             <a:fld id="{036B04AF-5DAA-4C3F-8E33-C1EC64966171}" type="datetimeFigureOut">
               <a:rPr kumimoji="1" lang="ja-JP" altLang="en-US" smtClean="0"/>
-              <a:t>2019/10/9</a:t>
+              <a:t>2019/10/10</a:t>
             </a:fld>
             <a:endParaRPr kumimoji="1" lang="ja-JP" altLang="en-US"/>
           </a:p>
@@ -447,7 +447,7 @@
           <a:p>
             <a:fld id="{036B04AF-5DAA-4C3F-8E33-C1EC64966171}" type="datetimeFigureOut">
               <a:rPr kumimoji="1" lang="ja-JP" altLang="en-US" smtClean="0"/>
-              <a:t>2019/10/9</a:t>
+              <a:t>2019/10/10</a:t>
             </a:fld>
             <a:endParaRPr kumimoji="1" lang="ja-JP" altLang="en-US"/>
           </a:p>
@@ -659,7 +659,7 @@
           <a:p>
             <a:fld id="{036B04AF-5DAA-4C3F-8E33-C1EC64966171}" type="datetimeFigureOut">
               <a:rPr kumimoji="1" lang="ja-JP" altLang="en-US" smtClean="0"/>
-              <a:t>2019/10/9</a:t>
+              <a:t>2019/10/10</a:t>
             </a:fld>
             <a:endParaRPr kumimoji="1" lang="ja-JP" altLang="en-US"/>
           </a:p>
@@ -861,7 +861,7 @@
           <a:p>
             <a:fld id="{036B04AF-5DAA-4C3F-8E33-C1EC64966171}" type="datetimeFigureOut">
               <a:rPr kumimoji="1" lang="ja-JP" altLang="en-US" smtClean="0"/>
-              <a:t>2019/10/9</a:t>
+              <a:t>2019/10/10</a:t>
             </a:fld>
             <a:endParaRPr kumimoji="1" lang="ja-JP" altLang="en-US"/>
           </a:p>
@@ -1107,7 +1107,7 @@
           <a:p>
             <a:fld id="{036B04AF-5DAA-4C3F-8E33-C1EC64966171}" type="datetimeFigureOut">
               <a:rPr kumimoji="1" lang="ja-JP" altLang="en-US" smtClean="0"/>
-              <a:t>2019/10/9</a:t>
+              <a:t>2019/10/10</a:t>
             </a:fld>
             <a:endParaRPr kumimoji="1" lang="ja-JP" altLang="en-US"/>
           </a:p>
@@ -1403,7 +1403,7 @@
           <a:p>
             <a:fld id="{036B04AF-5DAA-4C3F-8E33-C1EC64966171}" type="datetimeFigureOut">
               <a:rPr kumimoji="1" lang="ja-JP" altLang="en-US" smtClean="0"/>
-              <a:t>2019/10/9</a:t>
+              <a:t>2019/10/10</a:t>
             </a:fld>
             <a:endParaRPr kumimoji="1" lang="ja-JP" altLang="en-US"/>
           </a:p>
@@ -1834,7 +1834,7 @@
           <a:p>
             <a:fld id="{036B04AF-5DAA-4C3F-8E33-C1EC64966171}" type="datetimeFigureOut">
               <a:rPr kumimoji="1" lang="ja-JP" altLang="en-US" smtClean="0"/>
-              <a:t>2019/10/9</a:t>
+              <a:t>2019/10/10</a:t>
             </a:fld>
             <a:endParaRPr kumimoji="1" lang="ja-JP" altLang="en-US"/>
           </a:p>
@@ -1952,7 +1952,7 @@
           <a:p>
             <a:fld id="{036B04AF-5DAA-4C3F-8E33-C1EC64966171}" type="datetimeFigureOut">
               <a:rPr kumimoji="1" lang="ja-JP" altLang="en-US" smtClean="0"/>
-              <a:t>2019/10/9</a:t>
+              <a:t>2019/10/10</a:t>
             </a:fld>
             <a:endParaRPr kumimoji="1" lang="ja-JP" altLang="en-US"/>
           </a:p>
@@ -2047,7 +2047,7 @@
           <a:p>
             <a:fld id="{036B04AF-5DAA-4C3F-8E33-C1EC64966171}" type="datetimeFigureOut">
               <a:rPr kumimoji="1" lang="ja-JP" altLang="en-US" smtClean="0"/>
-              <a:t>2019/10/9</a:t>
+              <a:t>2019/10/10</a:t>
             </a:fld>
             <a:endParaRPr kumimoji="1" lang="ja-JP" altLang="en-US"/>
           </a:p>
@@ -2356,7 +2356,7 @@
           <a:p>
             <a:fld id="{036B04AF-5DAA-4C3F-8E33-C1EC64966171}" type="datetimeFigureOut">
               <a:rPr kumimoji="1" lang="ja-JP" altLang="en-US" smtClean="0"/>
-              <a:t>2019/10/9</a:t>
+              <a:t>2019/10/10</a:t>
             </a:fld>
             <a:endParaRPr kumimoji="1" lang="ja-JP" altLang="en-US"/>
           </a:p>
@@ -2609,7 +2609,7 @@
           <a:p>
             <a:fld id="{036B04AF-5DAA-4C3F-8E33-C1EC64966171}" type="datetimeFigureOut">
               <a:rPr kumimoji="1" lang="ja-JP" altLang="en-US" smtClean="0"/>
-              <a:t>2019/10/9</a:t>
+              <a:t>2019/10/10</a:t>
             </a:fld>
             <a:endParaRPr kumimoji="1" lang="ja-JP" altLang="en-US"/>
           </a:p>
@@ -2854,7 +2854,7 @@
           <a:p>
             <a:fld id="{036B04AF-5DAA-4C3F-8E33-C1EC64966171}" type="datetimeFigureOut">
               <a:rPr kumimoji="1" lang="ja-JP" altLang="en-US" smtClean="0"/>
-              <a:t>2019/10/9</a:t>
+              <a:t>2019/10/10</a:t>
             </a:fld>
             <a:endParaRPr kumimoji="1" lang="ja-JP" altLang="en-US"/>
           </a:p>
@@ -3579,6 +3579,872 @@
           <a:chExt cx="0" cy="0"/>
         </a:xfrm>
       </p:grpSpPr>
+      <p:grpSp>
+        <p:nvGrpSpPr>
+          <p:cNvPr id="114" name="グループ化 113"/>
+          <p:cNvGrpSpPr/>
+          <p:nvPr/>
+        </p:nvGrpSpPr>
+        <p:grpSpPr>
+          <a:xfrm>
+            <a:off x="6598978" y="3195631"/>
+            <a:ext cx="965737" cy="315600"/>
+            <a:chOff x="6188364" y="1339273"/>
+            <a:chExt cx="1413163" cy="461818"/>
+          </a:xfrm>
+        </p:grpSpPr>
+        <p:cxnSp>
+          <p:nvCxnSpPr>
+            <p:cNvPr id="115" name="直線コネクタ 114"/>
+            <p:cNvCxnSpPr/>
+            <p:nvPr/>
+          </p:nvCxnSpPr>
+          <p:spPr>
+            <a:xfrm flipV="1">
+              <a:off x="6188364" y="1339273"/>
+              <a:ext cx="138545" cy="230910"/>
+            </a:xfrm>
+            <a:prstGeom prst="line">
+              <a:avLst/>
+            </a:prstGeom>
+          </p:spPr>
+          <p:style>
+            <a:lnRef idx="1">
+              <a:schemeClr val="dk1"/>
+            </a:lnRef>
+            <a:fillRef idx="0">
+              <a:schemeClr val="dk1"/>
+            </a:fillRef>
+            <a:effectRef idx="0">
+              <a:schemeClr val="dk1"/>
+            </a:effectRef>
+            <a:fontRef idx="minor">
+              <a:schemeClr val="tx1"/>
+            </a:fontRef>
+          </p:style>
+        </p:cxnSp>
+        <p:cxnSp>
+          <p:nvCxnSpPr>
+            <p:cNvPr id="116" name="直線コネクタ 115"/>
+            <p:cNvCxnSpPr/>
+            <p:nvPr/>
+          </p:nvCxnSpPr>
+          <p:spPr>
+            <a:xfrm>
+              <a:off x="6326909" y="1339273"/>
+              <a:ext cx="237303" cy="461818"/>
+            </a:xfrm>
+            <a:prstGeom prst="line">
+              <a:avLst/>
+            </a:prstGeom>
+          </p:spPr>
+          <p:style>
+            <a:lnRef idx="1">
+              <a:schemeClr val="dk1"/>
+            </a:lnRef>
+            <a:fillRef idx="0">
+              <a:schemeClr val="dk1"/>
+            </a:fillRef>
+            <a:effectRef idx="0">
+              <a:schemeClr val="dk1"/>
+            </a:effectRef>
+            <a:fontRef idx="minor">
+              <a:schemeClr val="tx1"/>
+            </a:fontRef>
+          </p:style>
+        </p:cxnSp>
+        <p:cxnSp>
+          <p:nvCxnSpPr>
+            <p:cNvPr id="117" name="直線コネクタ 116"/>
+            <p:cNvCxnSpPr/>
+            <p:nvPr/>
+          </p:nvCxnSpPr>
+          <p:spPr>
+            <a:xfrm flipV="1">
+              <a:off x="6564212" y="1339273"/>
+              <a:ext cx="233752" cy="461818"/>
+            </a:xfrm>
+            <a:prstGeom prst="line">
+              <a:avLst/>
+            </a:prstGeom>
+          </p:spPr>
+          <p:style>
+            <a:lnRef idx="1">
+              <a:schemeClr val="dk1"/>
+            </a:lnRef>
+            <a:fillRef idx="0">
+              <a:schemeClr val="dk1"/>
+            </a:fillRef>
+            <a:effectRef idx="0">
+              <a:schemeClr val="dk1"/>
+            </a:effectRef>
+            <a:fontRef idx="minor">
+              <a:schemeClr val="tx1"/>
+            </a:fontRef>
+          </p:style>
+        </p:cxnSp>
+        <p:cxnSp>
+          <p:nvCxnSpPr>
+            <p:cNvPr id="118" name="直線コネクタ 117"/>
+            <p:cNvCxnSpPr/>
+            <p:nvPr/>
+          </p:nvCxnSpPr>
+          <p:spPr>
+            <a:xfrm>
+              <a:off x="6797964" y="1339273"/>
+              <a:ext cx="230909" cy="461818"/>
+            </a:xfrm>
+            <a:prstGeom prst="line">
+              <a:avLst/>
+            </a:prstGeom>
+          </p:spPr>
+          <p:style>
+            <a:lnRef idx="1">
+              <a:schemeClr val="dk1"/>
+            </a:lnRef>
+            <a:fillRef idx="0">
+              <a:schemeClr val="dk1"/>
+            </a:fillRef>
+            <a:effectRef idx="0">
+              <a:schemeClr val="dk1"/>
+            </a:effectRef>
+            <a:fontRef idx="minor">
+              <a:schemeClr val="tx1"/>
+            </a:fontRef>
+          </p:style>
+        </p:cxnSp>
+        <p:cxnSp>
+          <p:nvCxnSpPr>
+            <p:cNvPr id="119" name="直線コネクタ 118"/>
+            <p:cNvCxnSpPr/>
+            <p:nvPr/>
+          </p:nvCxnSpPr>
+          <p:spPr>
+            <a:xfrm flipV="1">
+              <a:off x="7028873" y="1339273"/>
+              <a:ext cx="235527" cy="461818"/>
+            </a:xfrm>
+            <a:prstGeom prst="line">
+              <a:avLst/>
+            </a:prstGeom>
+          </p:spPr>
+          <p:style>
+            <a:lnRef idx="1">
+              <a:schemeClr val="dk1"/>
+            </a:lnRef>
+            <a:fillRef idx="0">
+              <a:schemeClr val="dk1"/>
+            </a:fillRef>
+            <a:effectRef idx="0">
+              <a:schemeClr val="dk1"/>
+            </a:effectRef>
+            <a:fontRef idx="minor">
+              <a:schemeClr val="tx1"/>
+            </a:fontRef>
+          </p:style>
+        </p:cxnSp>
+        <p:cxnSp>
+          <p:nvCxnSpPr>
+            <p:cNvPr id="120" name="直線コネクタ 119"/>
+            <p:cNvCxnSpPr/>
+            <p:nvPr/>
+          </p:nvCxnSpPr>
+          <p:spPr>
+            <a:xfrm>
+              <a:off x="7264400" y="1339850"/>
+              <a:ext cx="191907" cy="461241"/>
+            </a:xfrm>
+            <a:prstGeom prst="line">
+              <a:avLst/>
+            </a:prstGeom>
+          </p:spPr>
+          <p:style>
+            <a:lnRef idx="1">
+              <a:schemeClr val="dk1"/>
+            </a:lnRef>
+            <a:fillRef idx="0">
+              <a:schemeClr val="dk1"/>
+            </a:fillRef>
+            <a:effectRef idx="0">
+              <a:schemeClr val="dk1"/>
+            </a:effectRef>
+            <a:fontRef idx="minor">
+              <a:schemeClr val="tx1"/>
+            </a:fontRef>
+          </p:style>
+        </p:cxnSp>
+        <p:cxnSp>
+          <p:nvCxnSpPr>
+            <p:cNvPr id="121" name="直線コネクタ 120"/>
+            <p:cNvCxnSpPr/>
+            <p:nvPr/>
+          </p:nvCxnSpPr>
+          <p:spPr>
+            <a:xfrm flipV="1">
+              <a:off x="7456307" y="1570182"/>
+              <a:ext cx="145220" cy="230909"/>
+            </a:xfrm>
+            <a:prstGeom prst="line">
+              <a:avLst/>
+            </a:prstGeom>
+          </p:spPr>
+          <p:style>
+            <a:lnRef idx="1">
+              <a:schemeClr val="dk1"/>
+            </a:lnRef>
+            <a:fillRef idx="0">
+              <a:schemeClr val="dk1"/>
+            </a:fillRef>
+            <a:effectRef idx="0">
+              <a:schemeClr val="dk1"/>
+            </a:effectRef>
+            <a:fontRef idx="minor">
+              <a:schemeClr val="tx1"/>
+            </a:fontRef>
+          </p:style>
+        </p:cxnSp>
+      </p:grpSp>
+      <p:cxnSp>
+        <p:nvCxnSpPr>
+          <p:cNvPr id="122" name="直線コネクタ 121"/>
+          <p:cNvCxnSpPr/>
+          <p:nvPr/>
+        </p:nvCxnSpPr>
+        <p:spPr>
+          <a:xfrm>
+            <a:off x="7564716" y="3353431"/>
+            <a:ext cx="279898" cy="0"/>
+          </a:xfrm>
+          <a:prstGeom prst="line">
+            <a:avLst/>
+          </a:prstGeom>
+        </p:spPr>
+        <p:style>
+          <a:lnRef idx="1">
+            <a:schemeClr val="dk1"/>
+          </a:lnRef>
+          <a:fillRef idx="0">
+            <a:schemeClr val="dk1"/>
+          </a:fillRef>
+          <a:effectRef idx="0">
+            <a:schemeClr val="dk1"/>
+          </a:effectRef>
+          <a:fontRef idx="minor">
+            <a:schemeClr val="tx1"/>
+          </a:fontRef>
+        </p:style>
+      </p:cxnSp>
+      <p:grpSp>
+        <p:nvGrpSpPr>
+          <p:cNvPr id="123" name="グループ化 122"/>
+          <p:cNvGrpSpPr/>
+          <p:nvPr/>
+        </p:nvGrpSpPr>
+        <p:grpSpPr>
+          <a:xfrm>
+            <a:off x="6693659" y="3917468"/>
+            <a:ext cx="777856" cy="325463"/>
+            <a:chOff x="4281488" y="3876675"/>
+            <a:chExt cx="1138237" cy="476250"/>
+          </a:xfrm>
+        </p:grpSpPr>
+        <p:cxnSp>
+          <p:nvCxnSpPr>
+            <p:cNvPr id="125" name="直線コネクタ 124"/>
+            <p:cNvCxnSpPr/>
+            <p:nvPr/>
+          </p:nvCxnSpPr>
+          <p:spPr>
+            <a:xfrm>
+              <a:off x="4572000" y="3876675"/>
+              <a:ext cx="447675" cy="0"/>
+            </a:xfrm>
+            <a:prstGeom prst="line">
+              <a:avLst/>
+            </a:prstGeom>
+          </p:spPr>
+          <p:style>
+            <a:lnRef idx="1">
+              <a:schemeClr val="dk1"/>
+            </a:lnRef>
+            <a:fillRef idx="0">
+              <a:schemeClr val="dk1"/>
+            </a:fillRef>
+            <a:effectRef idx="0">
+              <a:schemeClr val="dk1"/>
+            </a:effectRef>
+            <a:fontRef idx="minor">
+              <a:schemeClr val="tx1"/>
+            </a:fontRef>
+          </p:style>
+        </p:cxnSp>
+        <p:cxnSp>
+          <p:nvCxnSpPr>
+            <p:cNvPr id="126" name="直線コネクタ 125"/>
+            <p:cNvCxnSpPr/>
+            <p:nvPr/>
+          </p:nvCxnSpPr>
+          <p:spPr>
+            <a:xfrm>
+              <a:off x="5019675" y="3876675"/>
+              <a:ext cx="0" cy="476250"/>
+            </a:xfrm>
+            <a:prstGeom prst="line">
+              <a:avLst/>
+            </a:prstGeom>
+          </p:spPr>
+          <p:style>
+            <a:lnRef idx="1">
+              <a:schemeClr val="dk1"/>
+            </a:lnRef>
+            <a:fillRef idx="0">
+              <a:schemeClr val="dk1"/>
+            </a:fillRef>
+            <a:effectRef idx="0">
+              <a:schemeClr val="dk1"/>
+            </a:effectRef>
+            <a:fontRef idx="minor">
+              <a:schemeClr val="tx1"/>
+            </a:fontRef>
+          </p:style>
+        </p:cxnSp>
+        <p:cxnSp>
+          <p:nvCxnSpPr>
+            <p:cNvPr id="127" name="直線コネクタ 126"/>
+            <p:cNvCxnSpPr/>
+            <p:nvPr/>
+          </p:nvCxnSpPr>
+          <p:spPr>
+            <a:xfrm flipH="1">
+              <a:off x="4572000" y="4352925"/>
+              <a:ext cx="447675" cy="0"/>
+            </a:xfrm>
+            <a:prstGeom prst="line">
+              <a:avLst/>
+            </a:prstGeom>
+          </p:spPr>
+          <p:style>
+            <a:lnRef idx="1">
+              <a:schemeClr val="dk1"/>
+            </a:lnRef>
+            <a:fillRef idx="0">
+              <a:schemeClr val="dk1"/>
+            </a:fillRef>
+            <a:effectRef idx="0">
+              <a:schemeClr val="dk1"/>
+            </a:effectRef>
+            <a:fontRef idx="minor">
+              <a:schemeClr val="tx1"/>
+            </a:fontRef>
+          </p:style>
+        </p:cxnSp>
+        <p:cxnSp>
+          <p:nvCxnSpPr>
+            <p:cNvPr id="157" name="直線コネクタ 156"/>
+            <p:cNvCxnSpPr/>
+            <p:nvPr/>
+          </p:nvCxnSpPr>
+          <p:spPr>
+            <a:xfrm>
+              <a:off x="5019675" y="4110038"/>
+              <a:ext cx="400050" cy="0"/>
+            </a:xfrm>
+            <a:prstGeom prst="line">
+              <a:avLst/>
+            </a:prstGeom>
+          </p:spPr>
+          <p:style>
+            <a:lnRef idx="1">
+              <a:schemeClr val="dk1"/>
+            </a:lnRef>
+            <a:fillRef idx="0">
+              <a:schemeClr val="dk1"/>
+            </a:fillRef>
+            <a:effectRef idx="0">
+              <a:schemeClr val="dk1"/>
+            </a:effectRef>
+            <a:fontRef idx="minor">
+              <a:schemeClr val="tx1"/>
+            </a:fontRef>
+          </p:style>
+        </p:cxnSp>
+        <p:cxnSp>
+          <p:nvCxnSpPr>
+            <p:cNvPr id="159" name="直線コネクタ 158"/>
+            <p:cNvCxnSpPr/>
+            <p:nvPr/>
+          </p:nvCxnSpPr>
+          <p:spPr>
+            <a:xfrm>
+              <a:off x="4781550" y="3981450"/>
+              <a:ext cx="0" cy="252413"/>
+            </a:xfrm>
+            <a:prstGeom prst="line">
+              <a:avLst/>
+            </a:prstGeom>
+          </p:spPr>
+          <p:style>
+            <a:lnRef idx="1">
+              <a:schemeClr val="dk1"/>
+            </a:lnRef>
+            <a:fillRef idx="0">
+              <a:schemeClr val="dk1"/>
+            </a:fillRef>
+            <a:effectRef idx="0">
+              <a:schemeClr val="dk1"/>
+            </a:effectRef>
+            <a:fontRef idx="minor">
+              <a:schemeClr val="tx1"/>
+            </a:fontRef>
+          </p:style>
+        </p:cxnSp>
+        <p:cxnSp>
+          <p:nvCxnSpPr>
+            <p:cNvPr id="180" name="直線コネクタ 179"/>
+            <p:cNvCxnSpPr/>
+            <p:nvPr/>
+          </p:nvCxnSpPr>
+          <p:spPr>
+            <a:xfrm flipH="1">
+              <a:off x="4281488" y="4110038"/>
+              <a:ext cx="504825" cy="0"/>
+            </a:xfrm>
+            <a:prstGeom prst="line">
+              <a:avLst/>
+            </a:prstGeom>
+          </p:spPr>
+          <p:style>
+            <a:lnRef idx="1">
+              <a:schemeClr val="dk1"/>
+            </a:lnRef>
+            <a:fillRef idx="0">
+              <a:schemeClr val="dk1"/>
+            </a:fillRef>
+            <a:effectRef idx="0">
+              <a:schemeClr val="dk1"/>
+            </a:effectRef>
+            <a:fontRef idx="minor">
+              <a:schemeClr val="tx1"/>
+            </a:fontRef>
+          </p:style>
+        </p:cxnSp>
+      </p:grpSp>
+      <p:cxnSp>
+        <p:nvCxnSpPr>
+          <p:cNvPr id="181" name="直線コネクタ 180"/>
+          <p:cNvCxnSpPr/>
+          <p:nvPr/>
+        </p:nvCxnSpPr>
+        <p:spPr>
+          <a:xfrm>
+            <a:off x="7471514" y="4076945"/>
+            <a:ext cx="373099" cy="0"/>
+          </a:xfrm>
+          <a:prstGeom prst="line">
+            <a:avLst/>
+          </a:prstGeom>
+        </p:spPr>
+        <p:style>
+          <a:lnRef idx="1">
+            <a:schemeClr val="dk1"/>
+          </a:lnRef>
+          <a:fillRef idx="0">
+            <a:schemeClr val="dk1"/>
+          </a:fillRef>
+          <a:effectRef idx="0">
+            <a:schemeClr val="dk1"/>
+          </a:effectRef>
+          <a:fontRef idx="minor">
+            <a:schemeClr val="tx1"/>
+          </a:fontRef>
+        </p:style>
+      </p:cxnSp>
+      <p:cxnSp>
+        <p:nvCxnSpPr>
+          <p:cNvPr id="192" name="直線コネクタ 191"/>
+          <p:cNvCxnSpPr/>
+          <p:nvPr/>
+        </p:nvCxnSpPr>
+        <p:spPr>
+          <a:xfrm flipH="1">
+            <a:off x="6340185" y="3353431"/>
+            <a:ext cx="258793" cy="0"/>
+          </a:xfrm>
+          <a:prstGeom prst="line">
+            <a:avLst/>
+          </a:prstGeom>
+        </p:spPr>
+        <p:style>
+          <a:lnRef idx="1">
+            <a:schemeClr val="dk1"/>
+          </a:lnRef>
+          <a:fillRef idx="0">
+            <a:schemeClr val="dk1"/>
+          </a:fillRef>
+          <a:effectRef idx="0">
+            <a:schemeClr val="dk1"/>
+          </a:effectRef>
+          <a:fontRef idx="minor">
+            <a:schemeClr val="tx1"/>
+          </a:fontRef>
+        </p:style>
+      </p:cxnSp>
+      <p:cxnSp>
+        <p:nvCxnSpPr>
+          <p:cNvPr id="193" name="直線コネクタ 192"/>
+          <p:cNvCxnSpPr/>
+          <p:nvPr/>
+        </p:nvCxnSpPr>
+        <p:spPr>
+          <a:xfrm>
+            <a:off x="6340185" y="3353431"/>
+            <a:ext cx="0" cy="723513"/>
+          </a:xfrm>
+          <a:prstGeom prst="line">
+            <a:avLst/>
+          </a:prstGeom>
+        </p:spPr>
+        <p:style>
+          <a:lnRef idx="1">
+            <a:schemeClr val="dk1"/>
+          </a:lnRef>
+          <a:fillRef idx="0">
+            <a:schemeClr val="dk1"/>
+          </a:fillRef>
+          <a:effectRef idx="0">
+            <a:schemeClr val="dk1"/>
+          </a:effectRef>
+          <a:fontRef idx="minor">
+            <a:schemeClr val="tx1"/>
+          </a:fontRef>
+        </p:style>
+      </p:cxnSp>
+      <p:cxnSp>
+        <p:nvCxnSpPr>
+          <p:cNvPr id="194" name="直線コネクタ 193"/>
+          <p:cNvCxnSpPr/>
+          <p:nvPr/>
+        </p:nvCxnSpPr>
+        <p:spPr>
+          <a:xfrm flipH="1">
+            <a:off x="6340185" y="4076945"/>
+            <a:ext cx="353473" cy="0"/>
+          </a:xfrm>
+          <a:prstGeom prst="line">
+            <a:avLst/>
+          </a:prstGeom>
+        </p:spPr>
+        <p:style>
+          <a:lnRef idx="1">
+            <a:schemeClr val="dk1"/>
+          </a:lnRef>
+          <a:fillRef idx="0">
+            <a:schemeClr val="dk1"/>
+          </a:fillRef>
+          <a:effectRef idx="0">
+            <a:schemeClr val="dk1"/>
+          </a:effectRef>
+          <a:fontRef idx="minor">
+            <a:schemeClr val="tx1"/>
+          </a:fontRef>
+        </p:style>
+      </p:cxnSp>
+      <p:cxnSp>
+        <p:nvCxnSpPr>
+          <p:cNvPr id="195" name="直線コネクタ 194"/>
+          <p:cNvCxnSpPr/>
+          <p:nvPr/>
+        </p:nvCxnSpPr>
+        <p:spPr>
+          <a:xfrm flipH="1" flipV="1">
+            <a:off x="5750802" y="3712427"/>
+            <a:ext cx="589383" cy="1930"/>
+          </a:xfrm>
+          <a:prstGeom prst="line">
+            <a:avLst/>
+          </a:prstGeom>
+        </p:spPr>
+        <p:style>
+          <a:lnRef idx="1">
+            <a:schemeClr val="dk1"/>
+          </a:lnRef>
+          <a:fillRef idx="0">
+            <a:schemeClr val="dk1"/>
+          </a:fillRef>
+          <a:effectRef idx="0">
+            <a:schemeClr val="dk1"/>
+          </a:effectRef>
+          <a:fontRef idx="minor">
+            <a:schemeClr val="tx1"/>
+          </a:fontRef>
+        </p:style>
+      </p:cxnSp>
+      <p:cxnSp>
+        <p:nvCxnSpPr>
+          <p:cNvPr id="197" name="直線コネクタ 196"/>
+          <p:cNvCxnSpPr/>
+          <p:nvPr/>
+        </p:nvCxnSpPr>
+        <p:spPr>
+          <a:xfrm>
+            <a:off x="7844613" y="3353431"/>
+            <a:ext cx="0" cy="721887"/>
+          </a:xfrm>
+          <a:prstGeom prst="line">
+            <a:avLst/>
+          </a:prstGeom>
+        </p:spPr>
+        <p:style>
+          <a:lnRef idx="1">
+            <a:schemeClr val="dk1"/>
+          </a:lnRef>
+          <a:fillRef idx="0">
+            <a:schemeClr val="dk1"/>
+          </a:fillRef>
+          <a:effectRef idx="0">
+            <a:schemeClr val="dk1"/>
+          </a:effectRef>
+          <a:fontRef idx="minor">
+            <a:schemeClr val="tx1"/>
+          </a:fontRef>
+        </p:style>
+      </p:cxnSp>
+      <p:cxnSp>
+        <p:nvCxnSpPr>
+          <p:cNvPr id="198" name="直線コネクタ 197"/>
+          <p:cNvCxnSpPr/>
+          <p:nvPr/>
+        </p:nvCxnSpPr>
+        <p:spPr>
+          <a:xfrm>
+            <a:off x="7844613" y="3719281"/>
+            <a:ext cx="1525840" cy="0"/>
+          </a:xfrm>
+          <a:prstGeom prst="line">
+            <a:avLst/>
+          </a:prstGeom>
+        </p:spPr>
+        <p:style>
+          <a:lnRef idx="1">
+            <a:schemeClr val="dk1"/>
+          </a:lnRef>
+          <a:fillRef idx="0">
+            <a:schemeClr val="dk1"/>
+          </a:fillRef>
+          <a:effectRef idx="0">
+            <a:schemeClr val="dk1"/>
+          </a:effectRef>
+          <a:fontRef idx="minor">
+            <a:schemeClr val="tx1"/>
+          </a:fontRef>
+        </p:style>
+      </p:cxnSp>
+      <mc:AlternateContent xmlns:mc="http://schemas.openxmlformats.org/markup-compatibility/2006">
+        <mc:Choice xmlns:a14="http://schemas.microsoft.com/office/drawing/2010/main" Requires="a14">
+          <p:sp>
+            <p:nvSpPr>
+              <p:cNvPr id="199" name="テキスト ボックス 198"/>
+              <p:cNvSpPr txBox="1"/>
+              <p:nvPr/>
+            </p:nvSpPr>
+            <p:spPr>
+              <a:xfrm>
+                <a:off x="6917607" y="2853265"/>
+                <a:ext cx="239835" cy="221671"/>
+              </a:xfrm>
+              <a:prstGeom prst="rect">
+                <a:avLst/>
+              </a:prstGeom>
+              <a:noFill/>
+            </p:spPr>
+            <p:txBody>
+              <a:bodyPr wrap="none" lIns="0" tIns="0" rIns="0" bIns="0" rtlCol="0">
+                <a:spAutoFit/>
+              </a:bodyPr>
+              <a:lstStyle/>
+              <a:p>
+                <a:pPr/>
+                <a14:m>
+                  <m:oMathPara xmlns:m="http://schemas.openxmlformats.org/officeDocument/2006/math">
+                    <m:oMathParaPr>
+                      <m:jc m:val="centerGroup"/>
+                    </m:oMathParaPr>
+                    <m:oMath xmlns:m="http://schemas.openxmlformats.org/officeDocument/2006/math">
+                      <m:sSub>
+                        <m:sSubPr>
+                          <m:ctrlPr>
+                            <a:rPr kumimoji="1" lang="en-US" altLang="ja-JP" b="0" i="1" smtClean="0">
+                              <a:latin typeface="Cambria Math" panose="02040503050406030204" pitchFamily="18" charset="0"/>
+                            </a:rPr>
+                          </m:ctrlPr>
+                        </m:sSubPr>
+                        <m:e>
+                          <m:r>
+                            <a:rPr kumimoji="1" lang="en-US" altLang="ja-JP" b="0" i="1" smtClean="0">
+                              <a:latin typeface="Cambria Math" panose="02040503050406030204" pitchFamily="18" charset="0"/>
+                            </a:rPr>
+                            <m:t>𝑘</m:t>
+                          </m:r>
+                        </m:e>
+                        <m:sub>
+                          <m:r>
+                            <a:rPr kumimoji="1" lang="en-US" altLang="ja-JP" b="0" i="1" smtClean="0">
+                              <a:latin typeface="Cambria Math" panose="02040503050406030204" pitchFamily="18" charset="0"/>
+                            </a:rPr>
+                            <m:t>2</m:t>
+                          </m:r>
+                        </m:sub>
+                      </m:sSub>
+                    </m:oMath>
+                  </m:oMathPara>
+                </a14:m>
+                <a:endParaRPr kumimoji="1" lang="ja-JP" altLang="en-US" dirty="0"/>
+              </a:p>
+            </p:txBody>
+          </p:sp>
+        </mc:Choice>
+        <mc:Fallback>
+          <p:sp>
+            <p:nvSpPr>
+              <p:cNvPr id="199" name="テキスト ボックス 198"/>
+              <p:cNvSpPr txBox="1">
+                <a:spLocks noRot="1" noChangeAspect="1" noMove="1" noResize="1" noEditPoints="1" noAdjustHandles="1" noChangeArrowheads="1" noChangeShapeType="1" noTextEdit="1"/>
+              </p:cNvSpPr>
+              <p:nvPr/>
+            </p:nvSpPr>
+            <p:spPr>
+              <a:xfrm>
+                <a:off x="6917607" y="2853265"/>
+                <a:ext cx="239835" cy="221671"/>
+              </a:xfrm>
+              <a:prstGeom prst="rect">
+                <a:avLst/>
+              </a:prstGeom>
+              <a:blipFill>
+                <a:blip r:embed="rId2"/>
+                <a:stretch>
+                  <a:fillRect l="-33333" r="-20513" b="-47222"/>
+                </a:stretch>
+              </a:blipFill>
+            </p:spPr>
+            <p:txBody>
+              <a:bodyPr/>
+              <a:lstStyle/>
+              <a:p>
+                <a:r>
+                  <a:rPr lang="ja-JP" altLang="en-US">
+                    <a:noFill/>
+                  </a:rPr>
+                  <a:t> </a:t>
+                </a:r>
+              </a:p>
+            </p:txBody>
+          </p:sp>
+        </mc:Fallback>
+      </mc:AlternateContent>
+      <mc:AlternateContent xmlns:mc="http://schemas.openxmlformats.org/markup-compatibility/2006">
+        <mc:Choice xmlns:a14="http://schemas.microsoft.com/office/drawing/2010/main" Requires="a14">
+          <p:sp>
+            <p:nvSpPr>
+              <p:cNvPr id="201" name="テキスト ボックス 200"/>
+              <p:cNvSpPr txBox="1"/>
+              <p:nvPr/>
+            </p:nvSpPr>
+            <p:spPr>
+              <a:xfrm>
+                <a:off x="6933536" y="4320781"/>
+                <a:ext cx="243050" cy="246416"/>
+              </a:xfrm>
+              <a:prstGeom prst="rect">
+                <a:avLst/>
+              </a:prstGeom>
+              <a:noFill/>
+            </p:spPr>
+            <p:txBody>
+              <a:bodyPr wrap="none" lIns="0" tIns="0" rIns="0" bIns="0" rtlCol="0">
+                <a:spAutoFit/>
+              </a:bodyPr>
+              <a:lstStyle/>
+              <a:p>
+                <a:pPr/>
+                <a14:m>
+                  <m:oMathPara xmlns:m="http://schemas.openxmlformats.org/officeDocument/2006/math">
+                    <m:oMathParaPr>
+                      <m:jc m:val="centerGroup"/>
+                    </m:oMathParaPr>
+                    <m:oMath xmlns:m="http://schemas.openxmlformats.org/officeDocument/2006/math">
+                      <m:sSub>
+                        <m:sSubPr>
+                          <m:ctrlPr>
+                            <a:rPr kumimoji="1" lang="en-US" altLang="ja-JP" b="0" i="1" smtClean="0">
+                              <a:latin typeface="Cambria Math" panose="02040503050406030204" pitchFamily="18" charset="0"/>
+                            </a:rPr>
+                          </m:ctrlPr>
+                        </m:sSubPr>
+                        <m:e>
+                          <m:r>
+                            <a:rPr kumimoji="1" lang="en-US" altLang="ja-JP" b="0" i="1" smtClean="0">
+                              <a:latin typeface="Cambria Math" panose="02040503050406030204" pitchFamily="18" charset="0"/>
+                            </a:rPr>
+                            <m:t>𝑐</m:t>
+                          </m:r>
+                        </m:e>
+                        <m:sub>
+                          <m:r>
+                            <a:rPr kumimoji="1" lang="en-US" altLang="ja-JP" b="0" i="1" smtClean="0">
+                              <a:latin typeface="Cambria Math" panose="02040503050406030204" pitchFamily="18" charset="0"/>
+                            </a:rPr>
+                            <m:t>2</m:t>
+                          </m:r>
+                        </m:sub>
+                      </m:sSub>
+                    </m:oMath>
+                  </m:oMathPara>
+                </a14:m>
+                <a:endParaRPr kumimoji="1" lang="ja-JP" altLang="en-US" dirty="0"/>
+              </a:p>
+            </p:txBody>
+          </p:sp>
+        </mc:Choice>
+        <mc:Fallback>
+          <p:sp>
+            <p:nvSpPr>
+              <p:cNvPr id="201" name="テキスト ボックス 200"/>
+              <p:cNvSpPr txBox="1">
+                <a:spLocks noRot="1" noChangeAspect="1" noMove="1" noResize="1" noEditPoints="1" noAdjustHandles="1" noChangeArrowheads="1" noChangeShapeType="1" noTextEdit="1"/>
+              </p:cNvSpPr>
+              <p:nvPr/>
+            </p:nvSpPr>
+            <p:spPr>
+              <a:xfrm>
+                <a:off x="6933536" y="4320781"/>
+                <a:ext cx="243050" cy="246416"/>
+              </a:xfrm>
+              <a:prstGeom prst="rect">
+                <a:avLst/>
+              </a:prstGeom>
+              <a:blipFill>
+                <a:blip r:embed="rId3"/>
+                <a:stretch>
+                  <a:fillRect l="-17500" r="-12500" b="-30000"/>
+                </a:stretch>
+              </a:blipFill>
+            </p:spPr>
+            <p:txBody>
+              <a:bodyPr/>
+              <a:lstStyle/>
+              <a:p>
+                <a:r>
+                  <a:rPr lang="ja-JP" altLang="en-US">
+                    <a:noFill/>
+                  </a:rPr>
+                  <a:t> </a:t>
+                </a:r>
+              </a:p>
+            </p:txBody>
+          </p:sp>
+        </mc:Fallback>
+      </mc:AlternateContent>
       <p:cxnSp>
         <p:nvCxnSpPr>
           <p:cNvPr id="200" name="直線コネクタ 199"/>
@@ -3587,8 +4453,8 @@
         </p:nvCxnSpPr>
         <p:spPr>
           <a:xfrm>
-            <a:off x="5642709" y="2489585"/>
-            <a:ext cx="620937" cy="0"/>
+            <a:off x="4120077" y="1623673"/>
+            <a:ext cx="552381" cy="0"/>
           </a:xfrm>
           <a:prstGeom prst="line">
             <a:avLst/>
@@ -3617,8 +4483,8 @@
         </p:nvCxnSpPr>
         <p:spPr>
           <a:xfrm>
-            <a:off x="2638195" y="2489585"/>
-            <a:ext cx="1918920" cy="0"/>
+            <a:off x="1619259" y="1623673"/>
+            <a:ext cx="1548771" cy="0"/>
           </a:xfrm>
           <a:prstGeom prst="line">
             <a:avLst/>
@@ -3647,8 +4513,8 @@
         </p:nvGrpSpPr>
         <p:grpSpPr>
           <a:xfrm>
-            <a:off x="4863416" y="3862596"/>
-            <a:ext cx="1085594" cy="354769"/>
+            <a:off x="3426823" y="3195631"/>
+            <a:ext cx="965737" cy="315600"/>
             <a:chOff x="6188364" y="1339273"/>
             <a:chExt cx="1413163" cy="461818"/>
           </a:xfrm>
@@ -3872,8 +4738,8 @@
         </p:nvCxnSpPr>
         <p:spPr>
           <a:xfrm>
-            <a:off x="5949011" y="4039981"/>
-            <a:ext cx="314636" cy="0"/>
+            <a:off x="4392561" y="3353431"/>
+            <a:ext cx="279898" cy="0"/>
           </a:xfrm>
           <a:prstGeom prst="line">
             <a:avLst/>
@@ -3902,8 +4768,8 @@
         </p:nvGrpSpPr>
         <p:grpSpPr>
           <a:xfrm>
-            <a:off x="4969847" y="4674020"/>
-            <a:ext cx="874395" cy="365856"/>
+            <a:off x="3521504" y="3917468"/>
+            <a:ext cx="777856" cy="325463"/>
             <a:chOff x="4281488" y="3876675"/>
             <a:chExt cx="1138237" cy="476250"/>
           </a:xfrm>
@@ -4097,8 +4963,8 @@
         </p:nvCxnSpPr>
         <p:spPr>
           <a:xfrm>
-            <a:off x="5844242" y="4853290"/>
-            <a:ext cx="419404" cy="0"/>
+            <a:off x="4299359" y="4076945"/>
+            <a:ext cx="373099" cy="0"/>
           </a:xfrm>
           <a:prstGeom prst="line">
             <a:avLst/>
@@ -4129,8 +4995,8 @@
             </p:nvSpPr>
             <p:spPr>
               <a:xfrm>
-                <a:off x="9784954" y="3862596"/>
-                <a:ext cx="1177280" cy="1177280"/>
+                <a:off x="10513849" y="3195631"/>
+                <a:ext cx="1047300" cy="1047300"/>
               </a:xfrm>
               <a:prstGeom prst="rect">
                 <a:avLst/>
@@ -4217,14 +5083,14 @@
             </p:nvSpPr>
             <p:spPr>
               <a:xfrm>
-                <a:off x="9784954" y="3862596"/>
-                <a:ext cx="1177280" cy="1177280"/>
+                <a:off x="10513849" y="3195631"/>
+                <a:ext cx="1047300" cy="1047300"/>
               </a:xfrm>
               <a:prstGeom prst="rect">
                 <a:avLst/>
               </a:prstGeom>
               <a:blipFill>
-                <a:blip r:embed="rId2"/>
+                <a:blip r:embed="rId4"/>
                 <a:stretch>
                   <a:fillRect/>
                 </a:stretch>
@@ -4253,8 +5119,8 @@
         </p:nvCxnSpPr>
         <p:spPr>
           <a:xfrm flipH="1">
-            <a:off x="4572504" y="4039981"/>
-            <a:ext cx="290912" cy="0"/>
+            <a:off x="3168030" y="3353431"/>
+            <a:ext cx="258793" cy="0"/>
           </a:xfrm>
           <a:prstGeom prst="line">
             <a:avLst/>
@@ -4283,8 +5149,8 @@
         </p:nvCxnSpPr>
         <p:spPr>
           <a:xfrm>
-            <a:off x="4572504" y="4039981"/>
-            <a:ext cx="0" cy="813308"/>
+            <a:off x="3168030" y="3353431"/>
+            <a:ext cx="0" cy="723513"/>
           </a:xfrm>
           <a:prstGeom prst="line">
             <a:avLst/>
@@ -4313,8 +5179,8 @@
         </p:nvCxnSpPr>
         <p:spPr>
           <a:xfrm flipH="1">
-            <a:off x="4572504" y="4853290"/>
-            <a:ext cx="397342" cy="0"/>
+            <a:off x="3168030" y="4076945"/>
+            <a:ext cx="353473" cy="0"/>
           </a:xfrm>
           <a:prstGeom prst="line">
             <a:avLst/>
@@ -4343,8 +5209,8 @@
         </p:nvCxnSpPr>
         <p:spPr>
           <a:xfrm flipH="1" flipV="1">
-            <a:off x="3909973" y="4443531"/>
-            <a:ext cx="662531" cy="2169"/>
+            <a:off x="2578647" y="3719281"/>
+            <a:ext cx="589383" cy="1930"/>
           </a:xfrm>
           <a:prstGeom prst="line">
             <a:avLst/>
@@ -4373,8 +5239,8 @@
         </p:nvCxnSpPr>
         <p:spPr>
           <a:xfrm flipV="1">
-            <a:off x="3909973" y="4035942"/>
-            <a:ext cx="0" cy="415294"/>
+            <a:off x="2578647" y="2999301"/>
+            <a:ext cx="0" cy="369443"/>
           </a:xfrm>
           <a:prstGeom prst="line">
             <a:avLst/>
@@ -4403,8 +5269,8 @@
         </p:nvCxnSpPr>
         <p:spPr>
           <a:xfrm>
-            <a:off x="3583653" y="2489585"/>
-            <a:ext cx="513751" cy="0"/>
+            <a:off x="2288355" y="1623673"/>
+            <a:ext cx="457029" cy="0"/>
           </a:xfrm>
           <a:prstGeom prst="line">
             <a:avLst/>
@@ -4433,8 +5299,8 @@
         </p:nvCxnSpPr>
         <p:spPr>
           <a:xfrm flipH="1">
-            <a:off x="3132432" y="2489585"/>
-            <a:ext cx="451221" cy="0"/>
+            <a:off x="1886952" y="1623673"/>
+            <a:ext cx="401403" cy="0"/>
           </a:xfrm>
           <a:prstGeom prst="line">
             <a:avLst/>
@@ -4463,8 +5329,8 @@
         </p:nvGrpSpPr>
         <p:grpSpPr>
           <a:xfrm>
-            <a:off x="1552601" y="2312201"/>
-            <a:ext cx="1085594" cy="354769"/>
+            <a:off x="653523" y="1465873"/>
+            <a:ext cx="965737" cy="315600"/>
             <a:chOff x="6188364" y="1339273"/>
             <a:chExt cx="1413163" cy="461818"/>
           </a:xfrm>
@@ -4688,8 +5554,8 @@
         </p:nvCxnSpPr>
         <p:spPr>
           <a:xfrm flipH="1">
-            <a:off x="1020666" y="2489585"/>
-            <a:ext cx="531935" cy="0"/>
+            <a:off x="469895" y="1623673"/>
+            <a:ext cx="183628" cy="0"/>
           </a:xfrm>
           <a:prstGeom prst="line">
             <a:avLst/>
@@ -4718,8 +5584,8 @@
         </p:nvGrpSpPr>
         <p:grpSpPr>
           <a:xfrm>
-            <a:off x="735749" y="1819672"/>
-            <a:ext cx="271842" cy="1417303"/>
+            <a:off x="228066" y="1027723"/>
+            <a:ext cx="241829" cy="1260823"/>
             <a:chOff x="3262313" y="2238375"/>
             <a:chExt cx="353868" cy="1844963"/>
           </a:xfrm>
@@ -5003,8 +5869,8 @@
         </p:nvCxnSpPr>
         <p:spPr>
           <a:xfrm>
-            <a:off x="6263646" y="4039981"/>
-            <a:ext cx="0" cy="811480"/>
+            <a:off x="4672458" y="3353431"/>
+            <a:ext cx="0" cy="721887"/>
           </a:xfrm>
           <a:prstGeom prst="line">
             <a:avLst/>
@@ -5035,8 +5901,8 @@
         </p:nvCxnSpPr>
         <p:spPr>
           <a:xfrm>
-            <a:off x="6263646" y="4451236"/>
-            <a:ext cx="387956" cy="0"/>
+            <a:off x="4672458" y="3719281"/>
+            <a:ext cx="345123" cy="0"/>
           </a:xfrm>
           <a:prstGeom prst="line">
             <a:avLst/>
@@ -5065,8 +5931,8 @@
         </p:nvGrpSpPr>
         <p:grpSpPr>
           <a:xfrm>
-            <a:off x="8277738" y="4273851"/>
-            <a:ext cx="1085594" cy="354769"/>
+            <a:off x="9370453" y="3561481"/>
+            <a:ext cx="965737" cy="315600"/>
             <a:chOff x="6188364" y="1339273"/>
             <a:chExt cx="1413163" cy="461818"/>
           </a:xfrm>
@@ -5292,8 +6158,8 @@
         </p:nvCxnSpPr>
         <p:spPr>
           <a:xfrm>
-            <a:off x="9363331" y="4443531"/>
-            <a:ext cx="421623" cy="7705"/>
+            <a:off x="10332626" y="3719281"/>
+            <a:ext cx="181223" cy="0"/>
           </a:xfrm>
           <a:prstGeom prst="line">
             <a:avLst/>
@@ -5324,8 +6190,8 @@
             </p:nvSpPr>
             <p:spPr>
               <a:xfrm>
-                <a:off x="6651602" y="3862596"/>
-                <a:ext cx="1177280" cy="1177280"/>
+                <a:off x="5017581" y="3195631"/>
+                <a:ext cx="1047300" cy="1047300"/>
               </a:xfrm>
               <a:prstGeom prst="rect">
                 <a:avLst/>
@@ -5386,10 +6252,10 @@
                         </m:e>
                         <m:sub>
                           <m:r>
-                            <a:rPr kumimoji="1" lang="en-US" altLang="ja-JP" b="0" i="1" smtClean="0">
+                            <a:rPr lang="en-US" altLang="ja-JP" i="1">
                               <a:latin typeface="Cambria Math" panose="02040503050406030204" pitchFamily="18" charset="0"/>
                             </a:rPr>
-                            <m:t>2</m:t>
+                            <m:t>3</m:t>
                           </m:r>
                         </m:sub>
                       </m:sSub>
@@ -5412,14 +6278,14 @@
             </p:nvSpPr>
             <p:spPr>
               <a:xfrm>
-                <a:off x="6651602" y="3862596"/>
-                <a:ext cx="1177280" cy="1177280"/>
+                <a:off x="5017581" y="3195631"/>
+                <a:ext cx="1047300" cy="1047300"/>
               </a:xfrm>
               <a:prstGeom prst="rect">
                 <a:avLst/>
               </a:prstGeom>
               <a:blipFill>
-                <a:blip r:embed="rId3"/>
+                <a:blip r:embed="rId5"/>
                 <a:stretch>
                   <a:fillRect/>
                 </a:stretch>
@@ -5442,36 +6308,6 @@
       </mc:AlternateContent>
       <p:cxnSp>
         <p:nvCxnSpPr>
-          <p:cNvPr id="147" name="直線コネクタ 146"/>
-          <p:cNvCxnSpPr/>
-          <p:nvPr/>
-        </p:nvCxnSpPr>
-        <p:spPr>
-          <a:xfrm>
-            <a:off x="7806990" y="4451236"/>
-            <a:ext cx="470747" cy="0"/>
-          </a:xfrm>
-          <a:prstGeom prst="line">
-            <a:avLst/>
-          </a:prstGeom>
-        </p:spPr>
-        <p:style>
-          <a:lnRef idx="1">
-            <a:schemeClr val="dk1"/>
-          </a:lnRef>
-          <a:fillRef idx="0">
-            <a:schemeClr val="dk1"/>
-          </a:fillRef>
-          <a:effectRef idx="0">
-            <a:schemeClr val="dk1"/>
-          </a:effectRef>
-          <a:fontRef idx="minor">
-            <a:schemeClr val="tx1"/>
-          </a:fontRef>
-        </p:style>
-      </p:cxnSp>
-      <p:cxnSp>
-        <p:nvCxnSpPr>
           <p:cNvPr id="152" name="直線コネクタ 151"/>
           <p:cNvCxnSpPr>
             <a:stCxn id="149" idx="0"/>
@@ -5480,8 +6316,8 @@
         </p:nvCxnSpPr>
         <p:spPr>
           <a:xfrm flipH="1">
-            <a:off x="3583653" y="1880912"/>
-            <a:ext cx="11684" cy="594176"/>
+            <a:off x="2288355" y="1082201"/>
+            <a:ext cx="10394" cy="528576"/>
           </a:xfrm>
           <a:prstGeom prst="line">
             <a:avLst/>
@@ -5512,8 +6348,8 @@
             </p:nvSpPr>
             <p:spPr>
               <a:xfrm>
-                <a:off x="8749070" y="3879491"/>
-                <a:ext cx="264814" cy="249182"/>
+                <a:off x="9789747" y="3210661"/>
+                <a:ext cx="235577" cy="221671"/>
               </a:xfrm>
               <a:prstGeom prst="rect">
                 <a:avLst/>
@@ -5577,16 +6413,16 @@
             </p:nvSpPr>
             <p:spPr>
               <a:xfrm>
-                <a:off x="8749070" y="3879491"/>
-                <a:ext cx="264814" cy="249182"/>
+                <a:off x="9789747" y="3210661"/>
+                <a:ext cx="235577" cy="221671"/>
               </a:xfrm>
               <a:prstGeom prst="rect">
                 <a:avLst/>
               </a:prstGeom>
               <a:blipFill>
-                <a:blip r:embed="rId4"/>
+                <a:blip r:embed="rId6"/>
                 <a:stretch>
-                  <a:fillRect l="-25000" r="-11364" b="-29268"/>
+                  <a:fillRect l="-33333" r="-17949" b="-44444"/>
                 </a:stretch>
               </a:blipFill>
             </p:spPr>
@@ -5615,8 +6451,8 @@
             </p:nvSpPr>
             <p:spPr>
               <a:xfrm>
-                <a:off x="5221589" y="3477739"/>
-                <a:ext cx="269601" cy="249182"/>
+                <a:off x="3745452" y="2853265"/>
+                <a:ext cx="299697" cy="276999"/>
               </a:xfrm>
               <a:prstGeom prst="rect">
                 <a:avLst/>
@@ -5654,10 +6490,10 @@
                         </m:e>
                         <m:sub>
                           <m:r>
-                            <a:rPr kumimoji="1" lang="en-US" altLang="ja-JP" b="0" i="1" smtClean="0">
+                            <a:rPr lang="en-US" altLang="ja-JP" i="1">
                               <a:latin typeface="Cambria Math" panose="02040503050406030204" pitchFamily="18" charset="0"/>
                             </a:rPr>
-                            <m:t>2</m:t>
+                            <m:t>3</m:t>
                           </m:r>
                         </m:sub>
                       </m:sSub>
@@ -5680,16 +6516,16 @@
             </p:nvSpPr>
             <p:spPr>
               <a:xfrm>
-                <a:off x="5221589" y="3477739"/>
-                <a:ext cx="269601" cy="249182"/>
+                <a:off x="3745452" y="2853265"/>
+                <a:ext cx="299697" cy="276999"/>
               </a:xfrm>
               <a:prstGeom prst="rect">
                 <a:avLst/>
               </a:prstGeom>
               <a:blipFill>
-                <a:blip r:embed="rId5"/>
+                <a:blip r:embed="rId7"/>
                 <a:stretch>
-                  <a:fillRect l="-25000" r="-11364" b="-29268"/>
+                  <a:fillRect l="-18000" r="-4000" b="-17778"/>
                 </a:stretch>
               </a:blipFill>
             </p:spPr>
@@ -5718,111 +6554,8 @@
             </p:nvSpPr>
             <p:spPr>
               <a:xfrm>
-                <a:off x="1892431" y="1936165"/>
-                <a:ext cx="269601" cy="249182"/>
-              </a:xfrm>
-              <a:prstGeom prst="rect">
-                <a:avLst/>
-              </a:prstGeom>
-              <a:noFill/>
-            </p:spPr>
-            <p:txBody>
-              <a:bodyPr wrap="none" lIns="0" tIns="0" rIns="0" bIns="0" rtlCol="0">
-                <a:spAutoFit/>
-              </a:bodyPr>
-              <a:lstStyle/>
-              <a:p>
-                <a:pPr/>
-                <a14:m>
-                  <m:oMathPara xmlns:m="http://schemas.openxmlformats.org/officeDocument/2006/math">
-                    <m:oMathParaPr>
-                      <m:jc m:val="centerGroup"/>
-                    </m:oMathParaPr>
-                    <m:oMath xmlns:m="http://schemas.openxmlformats.org/officeDocument/2006/math">
-                      <m:sSub>
-                        <m:sSubPr>
-                          <m:ctrlPr>
-                            <a:rPr kumimoji="1" lang="en-US" altLang="ja-JP" b="0" i="1" smtClean="0">
-                              <a:latin typeface="Cambria Math" panose="02040503050406030204" pitchFamily="18" charset="0"/>
-                            </a:rPr>
-                          </m:ctrlPr>
-                        </m:sSubPr>
-                        <m:e>
-                          <m:r>
-                            <a:rPr kumimoji="1" lang="en-US" altLang="ja-JP" b="0" i="1" smtClean="0">
-                              <a:latin typeface="Cambria Math" panose="02040503050406030204" pitchFamily="18" charset="0"/>
-                            </a:rPr>
-                            <m:t>𝑘</m:t>
-                          </m:r>
-                        </m:e>
-                        <m:sub>
-                          <m:r>
-                            <a:rPr kumimoji="1" lang="en-US" altLang="ja-JP" b="0" i="1" smtClean="0">
-                              <a:latin typeface="Cambria Math" panose="02040503050406030204" pitchFamily="18" charset="0"/>
-                            </a:rPr>
-                            <m:t>3</m:t>
-                          </m:r>
-                        </m:sub>
-                      </m:sSub>
-                    </m:oMath>
-                  </m:oMathPara>
-                </a14:m>
-                <a:endParaRPr kumimoji="1" lang="ja-JP" altLang="en-US" dirty="0"/>
-              </a:p>
-            </p:txBody>
-          </p:sp>
-        </mc:Choice>
-        <mc:Fallback>
-          <p:sp>
-            <p:nvSpPr>
-              <p:cNvPr id="155" name="テキスト ボックス 154"/>
-              <p:cNvSpPr txBox="1">
-                <a:spLocks noRot="1" noChangeAspect="1" noMove="1" noResize="1" noEditPoints="1" noAdjustHandles="1" noChangeArrowheads="1" noChangeShapeType="1" noTextEdit="1"/>
-              </p:cNvSpPr>
-              <p:nvPr/>
-            </p:nvSpPr>
-            <p:spPr>
-              <a:xfrm>
-                <a:off x="1892431" y="1936165"/>
-                <a:ext cx="269601" cy="249182"/>
-              </a:xfrm>
-              <a:prstGeom prst="rect">
-                <a:avLst/>
-              </a:prstGeom>
-              <a:blipFill>
-                <a:blip r:embed="rId6"/>
-                <a:stretch>
-                  <a:fillRect l="-24444" r="-11111" b="-30000"/>
-                </a:stretch>
-              </a:blipFill>
-            </p:spPr>
-            <p:txBody>
-              <a:bodyPr/>
-              <a:lstStyle/>
-              <a:p>
-                <a:r>
-                  <a:rPr lang="ja-JP" altLang="en-US">
-                    <a:noFill/>
-                  </a:rPr>
-                  <a:t> </a:t>
-                </a:r>
-              </a:p>
-            </p:txBody>
-          </p:sp>
-        </mc:Fallback>
-      </mc:AlternateContent>
-      <mc:AlternateContent xmlns:mc="http://schemas.openxmlformats.org/markup-compatibility/2006">
-        <mc:Choice xmlns:a14="http://schemas.microsoft.com/office/drawing/2010/main" Requires="a14">
-          <p:sp>
-            <p:nvSpPr>
-              <p:cNvPr id="156" name="テキスト ボックス 155"/>
-              <p:cNvSpPr txBox="1"/>
-              <p:nvPr/>
-            </p:nvSpPr>
-            <p:spPr>
-              <a:xfrm>
-                <a:off x="4980814" y="1916374"/>
-                <a:ext cx="269601" cy="249182"/>
+                <a:off x="955833" y="1131354"/>
+                <a:ext cx="299697" cy="276999"/>
               </a:xfrm>
               <a:prstGeom prst="rect">
                 <a:avLst/>
@@ -5878,6 +6611,109 @@
         <mc:Fallback>
           <p:sp>
             <p:nvSpPr>
+              <p:cNvPr id="155" name="テキスト ボックス 154"/>
+              <p:cNvSpPr txBox="1">
+                <a:spLocks noRot="1" noChangeAspect="1" noMove="1" noResize="1" noEditPoints="1" noAdjustHandles="1" noChangeArrowheads="1" noChangeShapeType="1" noTextEdit="1"/>
+              </p:cNvSpPr>
+              <p:nvPr/>
+            </p:nvSpPr>
+            <p:spPr>
+              <a:xfrm>
+                <a:off x="955833" y="1131354"/>
+                <a:ext cx="299697" cy="276999"/>
+              </a:xfrm>
+              <a:prstGeom prst="rect">
+                <a:avLst/>
+              </a:prstGeom>
+              <a:blipFill>
+                <a:blip r:embed="rId8"/>
+                <a:stretch>
+                  <a:fillRect l="-18367" r="-4082" b="-15556"/>
+                </a:stretch>
+              </a:blipFill>
+            </p:spPr>
+            <p:txBody>
+              <a:bodyPr/>
+              <a:lstStyle/>
+              <a:p>
+                <a:r>
+                  <a:rPr lang="ja-JP" altLang="en-US">
+                    <a:noFill/>
+                  </a:rPr>
+                  <a:t> </a:t>
+                </a:r>
+              </a:p>
+            </p:txBody>
+          </p:sp>
+        </mc:Fallback>
+      </mc:AlternateContent>
+      <mc:AlternateContent xmlns:mc="http://schemas.openxmlformats.org/markup-compatibility/2006">
+        <mc:Choice xmlns:a14="http://schemas.microsoft.com/office/drawing/2010/main" Requires="a14">
+          <p:sp>
+            <p:nvSpPr>
+              <p:cNvPr id="156" name="テキスト ボックス 155"/>
+              <p:cNvSpPr txBox="1"/>
+              <p:nvPr/>
+            </p:nvSpPr>
+            <p:spPr>
+              <a:xfrm>
+                <a:off x="3531260" y="1113749"/>
+                <a:ext cx="299697" cy="276999"/>
+              </a:xfrm>
+              <a:prstGeom prst="rect">
+                <a:avLst/>
+              </a:prstGeom>
+              <a:noFill/>
+            </p:spPr>
+            <p:txBody>
+              <a:bodyPr wrap="none" lIns="0" tIns="0" rIns="0" bIns="0" rtlCol="0">
+                <a:spAutoFit/>
+              </a:bodyPr>
+              <a:lstStyle/>
+              <a:p>
+                <a:pPr/>
+                <a14:m>
+                  <m:oMathPara xmlns:m="http://schemas.openxmlformats.org/officeDocument/2006/math">
+                    <m:oMathParaPr>
+                      <m:jc m:val="centerGroup"/>
+                    </m:oMathParaPr>
+                    <m:oMath xmlns:m="http://schemas.openxmlformats.org/officeDocument/2006/math">
+                      <m:sSub>
+                        <m:sSubPr>
+                          <m:ctrlPr>
+                            <a:rPr kumimoji="1" lang="en-US" altLang="ja-JP" b="0" i="1" smtClean="0">
+                              <a:latin typeface="Cambria Math" panose="02040503050406030204" pitchFamily="18" charset="0"/>
+                            </a:rPr>
+                          </m:ctrlPr>
+                        </m:sSubPr>
+                        <m:e>
+                          <m:r>
+                            <a:rPr kumimoji="1" lang="en-US" altLang="ja-JP" b="0" i="1" smtClean="0">
+                              <a:latin typeface="Cambria Math" panose="02040503050406030204" pitchFamily="18" charset="0"/>
+                            </a:rPr>
+                            <m:t>𝑘</m:t>
+                          </m:r>
+                        </m:e>
+                        <m:sub>
+                          <m:r>
+                            <a:rPr kumimoji="1" lang="en-US" altLang="ja-JP" b="0" i="1" smtClean="0">
+                              <a:latin typeface="Cambria Math" panose="02040503050406030204" pitchFamily="18" charset="0"/>
+                            </a:rPr>
+                            <m:t>5</m:t>
+                          </m:r>
+                        </m:sub>
+                      </m:sSub>
+                    </m:oMath>
+                  </m:oMathPara>
+                </a14:m>
+                <a:endParaRPr kumimoji="1" lang="ja-JP" altLang="en-US" dirty="0"/>
+              </a:p>
+            </p:txBody>
+          </p:sp>
+        </mc:Choice>
+        <mc:Fallback>
+          <p:sp>
+            <p:nvSpPr>
               <p:cNvPr id="156" name="テキスト ボックス 155"/>
               <p:cNvSpPr txBox="1">
                 <a:spLocks noRot="1" noChangeAspect="1" noMove="1" noResize="1" noEditPoints="1" noAdjustHandles="1" noChangeArrowheads="1" noChangeShapeType="1" noTextEdit="1"/>
@@ -5886,16 +6722,16 @@
             </p:nvSpPr>
             <p:spPr>
               <a:xfrm>
-                <a:off x="4980814" y="1916374"/>
-                <a:ext cx="269601" cy="249182"/>
+                <a:off x="3531260" y="1113749"/>
+                <a:ext cx="299697" cy="276999"/>
               </a:xfrm>
               <a:prstGeom prst="rect">
                 <a:avLst/>
               </a:prstGeom>
               <a:blipFill>
-                <a:blip r:embed="rId7"/>
+                <a:blip r:embed="rId9"/>
                 <a:stretch>
-                  <a:fillRect l="-25000" r="-13636" b="-29268"/>
+                  <a:fillRect l="-18367" r="-6122" b="-17778"/>
                 </a:stretch>
               </a:blipFill>
             </p:spPr>
@@ -5924,8 +6760,8 @@
             </p:nvSpPr>
             <p:spPr>
               <a:xfrm>
-                <a:off x="5239495" y="5127388"/>
-                <a:ext cx="273215" cy="276999"/>
+                <a:off x="3761381" y="4320781"/>
+                <a:ext cx="273216" cy="276999"/>
               </a:xfrm>
               <a:prstGeom prst="rect">
                 <a:avLst/>
@@ -5966,7 +6802,7 @@
                             <a:rPr kumimoji="1" lang="en-US" altLang="ja-JP" b="0" i="1" smtClean="0">
                               <a:latin typeface="Cambria Math" panose="02040503050406030204" pitchFamily="18" charset="0"/>
                             </a:rPr>
-                            <m:t>2</m:t>
+                            <m:t>3</m:t>
                           </m:r>
                         </m:sub>
                       </m:sSub>
@@ -5989,16 +6825,16 @@
             </p:nvSpPr>
             <p:spPr>
               <a:xfrm>
-                <a:off x="5239495" y="5127388"/>
-                <a:ext cx="273215" cy="276999"/>
+                <a:off x="3761381" y="4320781"/>
+                <a:ext cx="273216" cy="276999"/>
               </a:xfrm>
               <a:prstGeom prst="rect">
                 <a:avLst/>
               </a:prstGeom>
               <a:blipFill>
-                <a:blip r:embed="rId8"/>
+                <a:blip r:embed="rId10"/>
                 <a:stretch>
-                  <a:fillRect l="-8889" r="-6667" b="-15217"/>
+                  <a:fillRect l="-8889" r="-6667" b="-15556"/>
                 </a:stretch>
               </a:blipFill>
             </p:spPr>
@@ -6027,43 +6863,8 @@
         </p:nvCxnSpPr>
         <p:spPr>
           <a:xfrm rot="16200000" flipH="1">
-            <a:off x="10425478" y="4987992"/>
-            <a:ext cx="484872" cy="588640"/>
-          </a:xfrm>
-          <a:prstGeom prst="bentConnector2">
-            <a:avLst/>
-          </a:prstGeom>
-          <a:ln>
-            <a:tailEnd type="triangle"/>
-          </a:ln>
-        </p:spPr>
-        <p:style>
-          <a:lnRef idx="1">
-            <a:schemeClr val="dk1"/>
-          </a:lnRef>
-          <a:fillRef idx="0">
-            <a:schemeClr val="dk1"/>
-          </a:fillRef>
-          <a:effectRef idx="0">
-            <a:schemeClr val="dk1"/>
-          </a:effectRef>
-          <a:fontRef idx="minor">
-            <a:schemeClr val="tx1"/>
-          </a:fontRef>
-        </p:style>
-      </p:cxnSp>
-      <p:cxnSp>
-        <p:nvCxnSpPr>
-          <p:cNvPr id="166" name="カギ線コネクタ 165"/>
-          <p:cNvCxnSpPr>
-            <a:stCxn id="145" idx="2"/>
-          </p:cNvCxnSpPr>
-          <p:nvPr/>
-        </p:nvCxnSpPr>
-        <p:spPr>
-          <a:xfrm rot="16200000" flipH="1">
-            <a:off x="7292126" y="4987992"/>
-            <a:ext cx="484872" cy="588640"/>
+            <a:off x="11083654" y="4196775"/>
+            <a:ext cx="431339" cy="523650"/>
           </a:xfrm>
           <a:prstGeom prst="bentConnector2">
             <a:avLst/>
@@ -6097,8 +6898,8 @@
         </p:nvCxnSpPr>
         <p:spPr>
           <a:xfrm rot="16200000" flipH="1">
-            <a:off x="3657149" y="4978064"/>
-            <a:ext cx="484872" cy="608496"/>
+            <a:off x="2344904" y="4196774"/>
+            <a:ext cx="431343" cy="523652"/>
           </a:xfrm>
           <a:prstGeom prst="bentConnector2">
             <a:avLst/>
@@ -6132,8 +6933,8 @@
             </p:nvSpPr>
             <p:spPr>
               <a:xfrm>
-                <a:off x="11053012" y="5376570"/>
-                <a:ext cx="300788" cy="276999"/>
+                <a:off x="11641904" y="4542452"/>
+                <a:ext cx="267579" cy="246416"/>
               </a:xfrm>
               <a:prstGeom prst="rect">
                 <a:avLst/>
@@ -6197,16 +6998,16 @@
             </p:nvSpPr>
             <p:spPr>
               <a:xfrm>
-                <a:off x="11053012" y="5376570"/>
-                <a:ext cx="300788" cy="276999"/>
+                <a:off x="11641904" y="4542452"/>
+                <a:ext cx="267579" cy="246416"/>
               </a:xfrm>
               <a:prstGeom prst="rect">
                 <a:avLst/>
               </a:prstGeom>
               <a:blipFill>
-                <a:blip r:embed="rId9"/>
+                <a:blip r:embed="rId11"/>
                 <a:stretch>
-                  <a:fillRect l="-8000" r="-6000" b="-15556"/>
+                  <a:fillRect l="-15909" r="-11364" b="-29268"/>
                 </a:stretch>
               </a:blipFill>
             </p:spPr>
@@ -6235,7 +7036,7 @@
             </p:nvSpPr>
             <p:spPr>
               <a:xfrm>
-                <a:off x="7919660" y="5376570"/>
+                <a:off x="6123052" y="2581060"/>
                 <a:ext cx="306109" cy="276999"/>
               </a:xfrm>
               <a:prstGeom prst="rect">
@@ -6274,10 +7075,10 @@
                         </m:e>
                         <m:sub>
                           <m:r>
-                            <a:rPr kumimoji="1" lang="en-US" altLang="ja-JP" b="0" i="1" smtClean="0">
+                            <a:rPr lang="en-US" altLang="ja-JP" i="1">
                               <a:latin typeface="Cambria Math" panose="02040503050406030204" pitchFamily="18" charset="0"/>
                             </a:rPr>
-                            <m:t>2</m:t>
+                            <m:t>3</m:t>
                           </m:r>
                         </m:sub>
                       </m:sSub>
@@ -6300,16 +7101,16 @@
             </p:nvSpPr>
             <p:spPr>
               <a:xfrm>
-                <a:off x="7919660" y="5376570"/>
+                <a:off x="6123052" y="2581060"/>
                 <a:ext cx="306109" cy="276999"/>
               </a:xfrm>
               <a:prstGeom prst="rect">
                 <a:avLst/>
               </a:prstGeom>
               <a:blipFill>
-                <a:blip r:embed="rId10"/>
+                <a:blip r:embed="rId12"/>
                 <a:stretch>
-                  <a:fillRect l="-10000" r="-6000" b="-15556"/>
+                  <a:fillRect l="-9804" r="-3922" b="-15217"/>
                 </a:stretch>
               </a:blipFill>
             </p:spPr>
@@ -6338,7 +7139,405 @@
             </p:nvSpPr>
             <p:spPr>
               <a:xfrm>
-                <a:off x="4294612" y="5376570"/>
+                <a:off x="2920819" y="4552963"/>
+                <a:ext cx="306109" cy="276999"/>
+              </a:xfrm>
+              <a:prstGeom prst="rect">
+                <a:avLst/>
+              </a:prstGeom>
+              <a:noFill/>
+            </p:spPr>
+            <p:txBody>
+              <a:bodyPr wrap="square" lIns="0" tIns="0" rIns="0" bIns="0" rtlCol="0">
+                <a:spAutoFit/>
+              </a:bodyPr>
+              <a:lstStyle/>
+              <a:p>
+                <a:pPr/>
+                <a14:m>
+                  <m:oMathPara xmlns:m="http://schemas.openxmlformats.org/officeDocument/2006/math">
+                    <m:oMathParaPr>
+                      <m:jc m:val="centerGroup"/>
+                    </m:oMathParaPr>
+                    <m:oMath xmlns:m="http://schemas.openxmlformats.org/officeDocument/2006/math">
+                      <m:sSub>
+                        <m:sSubPr>
+                          <m:ctrlPr>
+                            <a:rPr kumimoji="1" lang="en-US" altLang="ja-JP" b="0" i="1" smtClean="0">
+                              <a:latin typeface="Cambria Math" panose="02040503050406030204" pitchFamily="18" charset="0"/>
+                            </a:rPr>
+                          </m:ctrlPr>
+                        </m:sSubPr>
+                        <m:e>
+                          <m:r>
+                            <a:rPr kumimoji="1" lang="en-US" altLang="ja-JP" b="0" i="1" smtClean="0">
+                              <a:latin typeface="Cambria Math" panose="02040503050406030204" pitchFamily="18" charset="0"/>
+                            </a:rPr>
+                            <m:t>𝑢</m:t>
+                          </m:r>
+                        </m:e>
+                        <m:sub>
+                          <m:r>
+                            <a:rPr lang="en-US" altLang="ja-JP" i="1">
+                              <a:latin typeface="Cambria Math" panose="02040503050406030204" pitchFamily="18" charset="0"/>
+                            </a:rPr>
+                            <m:t>4</m:t>
+                          </m:r>
+                        </m:sub>
+                      </m:sSub>
+                    </m:oMath>
+                  </m:oMathPara>
+                </a14:m>
+                <a:endParaRPr kumimoji="1" lang="ja-JP" altLang="en-US" dirty="0"/>
+              </a:p>
+            </p:txBody>
+          </p:sp>
+        </mc:Choice>
+        <mc:Fallback>
+          <p:sp>
+            <p:nvSpPr>
+              <p:cNvPr id="179" name="テキスト ボックス 178"/>
+              <p:cNvSpPr txBox="1">
+                <a:spLocks noRot="1" noChangeAspect="1" noMove="1" noResize="1" noEditPoints="1" noAdjustHandles="1" noChangeArrowheads="1" noChangeShapeType="1" noTextEdit="1"/>
+              </p:cNvSpPr>
+              <p:nvPr/>
+            </p:nvSpPr>
+            <p:spPr>
+              <a:xfrm>
+                <a:off x="2920819" y="4552963"/>
+                <a:ext cx="306109" cy="276999"/>
+              </a:xfrm>
+              <a:prstGeom prst="rect">
+                <a:avLst/>
+              </a:prstGeom>
+              <a:blipFill>
+                <a:blip r:embed="rId13"/>
+                <a:stretch>
+                  <a:fillRect l="-10000" r="-6000" b="-15556"/>
+                </a:stretch>
+              </a:blipFill>
+            </p:spPr>
+            <p:txBody>
+              <a:bodyPr/>
+              <a:lstStyle/>
+              <a:p>
+                <a:r>
+                  <a:rPr lang="ja-JP" altLang="en-US">
+                    <a:noFill/>
+                  </a:rPr>
+                  <a:t> </a:t>
+                </a:r>
+              </a:p>
+            </p:txBody>
+          </p:sp>
+        </mc:Fallback>
+      </mc:AlternateContent>
+      <p:grpSp>
+        <p:nvGrpSpPr>
+          <p:cNvPr id="183" name="グループ化 182"/>
+          <p:cNvGrpSpPr/>
+          <p:nvPr/>
+        </p:nvGrpSpPr>
+        <p:grpSpPr>
+          <a:xfrm>
+            <a:off x="3154340" y="1465873"/>
+            <a:ext cx="965737" cy="315600"/>
+            <a:chOff x="6188364" y="1339273"/>
+            <a:chExt cx="1413163" cy="461818"/>
+          </a:xfrm>
+        </p:grpSpPr>
+        <p:cxnSp>
+          <p:nvCxnSpPr>
+            <p:cNvPr id="184" name="直線コネクタ 183"/>
+            <p:cNvCxnSpPr/>
+            <p:nvPr/>
+          </p:nvCxnSpPr>
+          <p:spPr>
+            <a:xfrm flipV="1">
+              <a:off x="6188364" y="1339273"/>
+              <a:ext cx="138545" cy="230910"/>
+            </a:xfrm>
+            <a:prstGeom prst="line">
+              <a:avLst/>
+            </a:prstGeom>
+          </p:spPr>
+          <p:style>
+            <a:lnRef idx="1">
+              <a:schemeClr val="dk1"/>
+            </a:lnRef>
+            <a:fillRef idx="0">
+              <a:schemeClr val="dk1"/>
+            </a:fillRef>
+            <a:effectRef idx="0">
+              <a:schemeClr val="dk1"/>
+            </a:effectRef>
+            <a:fontRef idx="minor">
+              <a:schemeClr val="tx1"/>
+            </a:fontRef>
+          </p:style>
+        </p:cxnSp>
+        <p:cxnSp>
+          <p:nvCxnSpPr>
+            <p:cNvPr id="185" name="直線コネクタ 184"/>
+            <p:cNvCxnSpPr/>
+            <p:nvPr/>
+          </p:nvCxnSpPr>
+          <p:spPr>
+            <a:xfrm>
+              <a:off x="6326909" y="1339273"/>
+              <a:ext cx="237303" cy="461818"/>
+            </a:xfrm>
+            <a:prstGeom prst="line">
+              <a:avLst/>
+            </a:prstGeom>
+          </p:spPr>
+          <p:style>
+            <a:lnRef idx="1">
+              <a:schemeClr val="dk1"/>
+            </a:lnRef>
+            <a:fillRef idx="0">
+              <a:schemeClr val="dk1"/>
+            </a:fillRef>
+            <a:effectRef idx="0">
+              <a:schemeClr val="dk1"/>
+            </a:effectRef>
+            <a:fontRef idx="minor">
+              <a:schemeClr val="tx1"/>
+            </a:fontRef>
+          </p:style>
+        </p:cxnSp>
+        <p:cxnSp>
+          <p:nvCxnSpPr>
+            <p:cNvPr id="186" name="直線コネクタ 185"/>
+            <p:cNvCxnSpPr/>
+            <p:nvPr/>
+          </p:nvCxnSpPr>
+          <p:spPr>
+            <a:xfrm flipV="1">
+              <a:off x="6564212" y="1339273"/>
+              <a:ext cx="233752" cy="461818"/>
+            </a:xfrm>
+            <a:prstGeom prst="line">
+              <a:avLst/>
+            </a:prstGeom>
+          </p:spPr>
+          <p:style>
+            <a:lnRef idx="1">
+              <a:schemeClr val="dk1"/>
+            </a:lnRef>
+            <a:fillRef idx="0">
+              <a:schemeClr val="dk1"/>
+            </a:fillRef>
+            <a:effectRef idx="0">
+              <a:schemeClr val="dk1"/>
+            </a:effectRef>
+            <a:fontRef idx="minor">
+              <a:schemeClr val="tx1"/>
+            </a:fontRef>
+          </p:style>
+        </p:cxnSp>
+        <p:cxnSp>
+          <p:nvCxnSpPr>
+            <p:cNvPr id="187" name="直線コネクタ 186"/>
+            <p:cNvCxnSpPr/>
+            <p:nvPr/>
+          </p:nvCxnSpPr>
+          <p:spPr>
+            <a:xfrm>
+              <a:off x="6797964" y="1339273"/>
+              <a:ext cx="230909" cy="461818"/>
+            </a:xfrm>
+            <a:prstGeom prst="line">
+              <a:avLst/>
+            </a:prstGeom>
+          </p:spPr>
+          <p:style>
+            <a:lnRef idx="1">
+              <a:schemeClr val="dk1"/>
+            </a:lnRef>
+            <a:fillRef idx="0">
+              <a:schemeClr val="dk1"/>
+            </a:fillRef>
+            <a:effectRef idx="0">
+              <a:schemeClr val="dk1"/>
+            </a:effectRef>
+            <a:fontRef idx="minor">
+              <a:schemeClr val="tx1"/>
+            </a:fontRef>
+          </p:style>
+        </p:cxnSp>
+        <p:cxnSp>
+          <p:nvCxnSpPr>
+            <p:cNvPr id="188" name="直線コネクタ 187"/>
+            <p:cNvCxnSpPr/>
+            <p:nvPr/>
+          </p:nvCxnSpPr>
+          <p:spPr>
+            <a:xfrm flipV="1">
+              <a:off x="7028873" y="1339273"/>
+              <a:ext cx="235527" cy="461818"/>
+            </a:xfrm>
+            <a:prstGeom prst="line">
+              <a:avLst/>
+            </a:prstGeom>
+          </p:spPr>
+          <p:style>
+            <a:lnRef idx="1">
+              <a:schemeClr val="dk1"/>
+            </a:lnRef>
+            <a:fillRef idx="0">
+              <a:schemeClr val="dk1"/>
+            </a:fillRef>
+            <a:effectRef idx="0">
+              <a:schemeClr val="dk1"/>
+            </a:effectRef>
+            <a:fontRef idx="minor">
+              <a:schemeClr val="tx1"/>
+            </a:fontRef>
+          </p:style>
+        </p:cxnSp>
+        <p:cxnSp>
+          <p:nvCxnSpPr>
+            <p:cNvPr id="189" name="直線コネクタ 188"/>
+            <p:cNvCxnSpPr/>
+            <p:nvPr/>
+          </p:nvCxnSpPr>
+          <p:spPr>
+            <a:xfrm>
+              <a:off x="7264400" y="1339850"/>
+              <a:ext cx="191907" cy="461241"/>
+            </a:xfrm>
+            <a:prstGeom prst="line">
+              <a:avLst/>
+            </a:prstGeom>
+          </p:spPr>
+          <p:style>
+            <a:lnRef idx="1">
+              <a:schemeClr val="dk1"/>
+            </a:lnRef>
+            <a:fillRef idx="0">
+              <a:schemeClr val="dk1"/>
+            </a:fillRef>
+            <a:effectRef idx="0">
+              <a:schemeClr val="dk1"/>
+            </a:effectRef>
+            <a:fontRef idx="minor">
+              <a:schemeClr val="tx1"/>
+            </a:fontRef>
+          </p:style>
+        </p:cxnSp>
+        <p:cxnSp>
+          <p:nvCxnSpPr>
+            <p:cNvPr id="190" name="直線コネクタ 189"/>
+            <p:cNvCxnSpPr/>
+            <p:nvPr/>
+          </p:nvCxnSpPr>
+          <p:spPr>
+            <a:xfrm flipV="1">
+              <a:off x="7456307" y="1570182"/>
+              <a:ext cx="145220" cy="230909"/>
+            </a:xfrm>
+            <a:prstGeom prst="line">
+              <a:avLst/>
+            </a:prstGeom>
+          </p:spPr>
+          <p:style>
+            <a:lnRef idx="1">
+              <a:schemeClr val="dk1"/>
+            </a:lnRef>
+            <a:fillRef idx="0">
+              <a:schemeClr val="dk1"/>
+            </a:fillRef>
+            <a:effectRef idx="0">
+              <a:schemeClr val="dk1"/>
+            </a:effectRef>
+            <a:fontRef idx="minor">
+              <a:schemeClr val="tx1"/>
+            </a:fontRef>
+          </p:style>
+        </p:cxnSp>
+      </p:grpSp>
+      <p:cxnSp>
+        <p:nvCxnSpPr>
+          <p:cNvPr id="206" name="カギ線コネクタ 205"/>
+          <p:cNvCxnSpPr>
+            <a:stCxn id="124" idx="0"/>
+          </p:cNvCxnSpPr>
+          <p:nvPr/>
+        </p:nvCxnSpPr>
+        <p:spPr>
+          <a:xfrm rot="5400000" flipH="1" flipV="1">
+            <a:off x="8346534" y="624280"/>
+            <a:ext cx="396572" cy="523650"/>
+          </a:xfrm>
+          <a:prstGeom prst="bentConnector2">
+            <a:avLst/>
+          </a:prstGeom>
+          <a:ln>
+            <a:tailEnd type="triangle"/>
+          </a:ln>
+        </p:spPr>
+        <p:style>
+          <a:lnRef idx="1">
+            <a:schemeClr val="dk1"/>
+          </a:lnRef>
+          <a:fillRef idx="0">
+            <a:schemeClr val="dk1"/>
+          </a:fillRef>
+          <a:effectRef idx="0">
+            <a:schemeClr val="dk1"/>
+          </a:effectRef>
+          <a:fontRef idx="minor">
+            <a:schemeClr val="tx1"/>
+          </a:fontRef>
+        </p:style>
+      </p:cxnSp>
+      <p:cxnSp>
+        <p:nvCxnSpPr>
+          <p:cNvPr id="208" name="カギ線コネクタ 207"/>
+          <p:cNvCxnSpPr>
+            <a:stCxn id="182" idx="0"/>
+          </p:cNvCxnSpPr>
+          <p:nvPr/>
+        </p:nvCxnSpPr>
+        <p:spPr>
+          <a:xfrm rot="5400000" flipH="1" flipV="1">
+            <a:off x="4985204" y="623733"/>
+            <a:ext cx="393288" cy="523650"/>
+          </a:xfrm>
+          <a:prstGeom prst="bentConnector2">
+            <a:avLst/>
+          </a:prstGeom>
+          <a:ln>
+            <a:tailEnd type="triangle"/>
+          </a:ln>
+        </p:spPr>
+        <p:style>
+          <a:lnRef idx="1">
+            <a:schemeClr val="dk1"/>
+          </a:lnRef>
+          <a:fillRef idx="0">
+            <a:schemeClr val="dk1"/>
+          </a:fillRef>
+          <a:effectRef idx="0">
+            <a:schemeClr val="dk1"/>
+          </a:effectRef>
+          <a:fontRef idx="minor">
+            <a:schemeClr val="tx1"/>
+          </a:fontRef>
+        </p:style>
+      </p:cxnSp>
+      <mc:AlternateContent xmlns:mc="http://schemas.openxmlformats.org/markup-compatibility/2006">
+        <mc:Choice xmlns:a14="http://schemas.microsoft.com/office/drawing/2010/main" Requires="a14">
+          <p:sp>
+            <p:nvSpPr>
+              <p:cNvPr id="212" name="テキスト ボックス 211"/>
+              <p:cNvSpPr txBox="1"/>
+              <p:nvPr/>
+            </p:nvSpPr>
+            <p:spPr>
+              <a:xfrm>
+                <a:off x="5478091" y="526651"/>
                 <a:ext cx="306109" cy="276999"/>
               </a:xfrm>
               <a:prstGeom prst="rect">
@@ -6377,10 +7576,10 @@
                         </m:e>
                         <m:sub>
                           <m:r>
-                            <a:rPr kumimoji="1" lang="en-US" altLang="ja-JP" b="0" i="1" smtClean="0">
+                            <a:rPr lang="en-US" altLang="ja-JP" i="1">
                               <a:latin typeface="Cambria Math" panose="02040503050406030204" pitchFamily="18" charset="0"/>
                             </a:rPr>
-                            <m:t>3</m:t>
+                            <m:t>5</m:t>
                           </m:r>
                         </m:sub>
                       </m:sSub>
@@ -6395,7 +7594,7 @@
         <mc:Fallback>
           <p:sp>
             <p:nvSpPr>
-              <p:cNvPr id="179" name="テキスト ボックス 178"/>
+              <p:cNvPr id="212" name="テキスト ボックス 211"/>
               <p:cNvSpPr txBox="1">
                 <a:spLocks noRot="1" noChangeAspect="1" noMove="1" noResize="1" noEditPoints="1" noAdjustHandles="1" noChangeArrowheads="1" noChangeShapeType="1" noTextEdit="1"/>
               </p:cNvSpPr>
@@ -6403,16 +7602,16 @@
             </p:nvSpPr>
             <p:spPr>
               <a:xfrm>
-                <a:off x="4294612" y="5376570"/>
+                <a:off x="5478091" y="526651"/>
                 <a:ext cx="306109" cy="276999"/>
               </a:xfrm>
               <a:prstGeom prst="rect">
                 <a:avLst/>
               </a:prstGeom>
               <a:blipFill>
-                <a:blip r:embed="rId11"/>
+                <a:blip r:embed="rId14"/>
                 <a:stretch>
-                  <a:fillRect l="-9804" r="-3922" b="-15556"/>
+                  <a:fillRect l="-10000" r="-6000" b="-15217"/>
                 </a:stretch>
               </a:blipFill>
             </p:spPr>
@@ -6431,312 +7630,17 @@
           </p:sp>
         </mc:Fallback>
       </mc:AlternateContent>
-      <p:grpSp>
-        <p:nvGrpSpPr>
-          <p:cNvPr id="183" name="グループ化 182"/>
-          <p:cNvGrpSpPr/>
-          <p:nvPr/>
-        </p:nvGrpSpPr>
-        <p:grpSpPr>
-          <a:xfrm>
-            <a:off x="4557115" y="2312201"/>
-            <a:ext cx="1085594" cy="354769"/>
-            <a:chOff x="6188364" y="1339273"/>
-            <a:chExt cx="1413163" cy="461818"/>
-          </a:xfrm>
-        </p:grpSpPr>
-        <p:cxnSp>
-          <p:nvCxnSpPr>
-            <p:cNvPr id="184" name="直線コネクタ 183"/>
-            <p:cNvCxnSpPr/>
-            <p:nvPr/>
-          </p:nvCxnSpPr>
-          <p:spPr>
-            <a:xfrm flipV="1">
-              <a:off x="6188364" y="1339273"/>
-              <a:ext cx="138545" cy="230910"/>
-            </a:xfrm>
-            <a:prstGeom prst="line">
-              <a:avLst/>
-            </a:prstGeom>
-          </p:spPr>
-          <p:style>
-            <a:lnRef idx="1">
-              <a:schemeClr val="dk1"/>
-            </a:lnRef>
-            <a:fillRef idx="0">
-              <a:schemeClr val="dk1"/>
-            </a:fillRef>
-            <a:effectRef idx="0">
-              <a:schemeClr val="dk1"/>
-            </a:effectRef>
-            <a:fontRef idx="minor">
-              <a:schemeClr val="tx1"/>
-            </a:fontRef>
-          </p:style>
-        </p:cxnSp>
-        <p:cxnSp>
-          <p:nvCxnSpPr>
-            <p:cNvPr id="185" name="直線コネクタ 184"/>
-            <p:cNvCxnSpPr/>
-            <p:nvPr/>
-          </p:nvCxnSpPr>
-          <p:spPr>
-            <a:xfrm>
-              <a:off x="6326909" y="1339273"/>
-              <a:ext cx="237303" cy="461818"/>
-            </a:xfrm>
-            <a:prstGeom prst="line">
-              <a:avLst/>
-            </a:prstGeom>
-          </p:spPr>
-          <p:style>
-            <a:lnRef idx="1">
-              <a:schemeClr val="dk1"/>
-            </a:lnRef>
-            <a:fillRef idx="0">
-              <a:schemeClr val="dk1"/>
-            </a:fillRef>
-            <a:effectRef idx="0">
-              <a:schemeClr val="dk1"/>
-            </a:effectRef>
-            <a:fontRef idx="minor">
-              <a:schemeClr val="tx1"/>
-            </a:fontRef>
-          </p:style>
-        </p:cxnSp>
-        <p:cxnSp>
-          <p:nvCxnSpPr>
-            <p:cNvPr id="186" name="直線コネクタ 185"/>
-            <p:cNvCxnSpPr/>
-            <p:nvPr/>
-          </p:nvCxnSpPr>
-          <p:spPr>
-            <a:xfrm flipV="1">
-              <a:off x="6564212" y="1339273"/>
-              <a:ext cx="233752" cy="461818"/>
-            </a:xfrm>
-            <a:prstGeom prst="line">
-              <a:avLst/>
-            </a:prstGeom>
-          </p:spPr>
-          <p:style>
-            <a:lnRef idx="1">
-              <a:schemeClr val="dk1"/>
-            </a:lnRef>
-            <a:fillRef idx="0">
-              <a:schemeClr val="dk1"/>
-            </a:fillRef>
-            <a:effectRef idx="0">
-              <a:schemeClr val="dk1"/>
-            </a:effectRef>
-            <a:fontRef idx="minor">
-              <a:schemeClr val="tx1"/>
-            </a:fontRef>
-          </p:style>
-        </p:cxnSp>
-        <p:cxnSp>
-          <p:nvCxnSpPr>
-            <p:cNvPr id="187" name="直線コネクタ 186"/>
-            <p:cNvCxnSpPr/>
-            <p:nvPr/>
-          </p:nvCxnSpPr>
-          <p:spPr>
-            <a:xfrm>
-              <a:off x="6797964" y="1339273"/>
-              <a:ext cx="230909" cy="461818"/>
-            </a:xfrm>
-            <a:prstGeom prst="line">
-              <a:avLst/>
-            </a:prstGeom>
-          </p:spPr>
-          <p:style>
-            <a:lnRef idx="1">
-              <a:schemeClr val="dk1"/>
-            </a:lnRef>
-            <a:fillRef idx="0">
-              <a:schemeClr val="dk1"/>
-            </a:fillRef>
-            <a:effectRef idx="0">
-              <a:schemeClr val="dk1"/>
-            </a:effectRef>
-            <a:fontRef idx="minor">
-              <a:schemeClr val="tx1"/>
-            </a:fontRef>
-          </p:style>
-        </p:cxnSp>
-        <p:cxnSp>
-          <p:nvCxnSpPr>
-            <p:cNvPr id="188" name="直線コネクタ 187"/>
-            <p:cNvCxnSpPr/>
-            <p:nvPr/>
-          </p:nvCxnSpPr>
-          <p:spPr>
-            <a:xfrm flipV="1">
-              <a:off x="7028873" y="1339273"/>
-              <a:ext cx="235527" cy="461818"/>
-            </a:xfrm>
-            <a:prstGeom prst="line">
-              <a:avLst/>
-            </a:prstGeom>
-          </p:spPr>
-          <p:style>
-            <a:lnRef idx="1">
-              <a:schemeClr val="dk1"/>
-            </a:lnRef>
-            <a:fillRef idx="0">
-              <a:schemeClr val="dk1"/>
-            </a:fillRef>
-            <a:effectRef idx="0">
-              <a:schemeClr val="dk1"/>
-            </a:effectRef>
-            <a:fontRef idx="minor">
-              <a:schemeClr val="tx1"/>
-            </a:fontRef>
-          </p:style>
-        </p:cxnSp>
-        <p:cxnSp>
-          <p:nvCxnSpPr>
-            <p:cNvPr id="189" name="直線コネクタ 188"/>
-            <p:cNvCxnSpPr/>
-            <p:nvPr/>
-          </p:nvCxnSpPr>
-          <p:spPr>
-            <a:xfrm>
-              <a:off x="7264400" y="1339850"/>
-              <a:ext cx="191907" cy="461241"/>
-            </a:xfrm>
-            <a:prstGeom prst="line">
-              <a:avLst/>
-            </a:prstGeom>
-          </p:spPr>
-          <p:style>
-            <a:lnRef idx="1">
-              <a:schemeClr val="dk1"/>
-            </a:lnRef>
-            <a:fillRef idx="0">
-              <a:schemeClr val="dk1"/>
-            </a:fillRef>
-            <a:effectRef idx="0">
-              <a:schemeClr val="dk1"/>
-            </a:effectRef>
-            <a:fontRef idx="minor">
-              <a:schemeClr val="tx1"/>
-            </a:fontRef>
-          </p:style>
-        </p:cxnSp>
-        <p:cxnSp>
-          <p:nvCxnSpPr>
-            <p:cNvPr id="190" name="直線コネクタ 189"/>
-            <p:cNvCxnSpPr/>
-            <p:nvPr/>
-          </p:nvCxnSpPr>
-          <p:spPr>
-            <a:xfrm flipV="1">
-              <a:off x="7456307" y="1570182"/>
-              <a:ext cx="145220" cy="230909"/>
-            </a:xfrm>
-            <a:prstGeom prst="line">
-              <a:avLst/>
-            </a:prstGeom>
-          </p:spPr>
-          <p:style>
-            <a:lnRef idx="1">
-              <a:schemeClr val="dk1"/>
-            </a:lnRef>
-            <a:fillRef idx="0">
-              <a:schemeClr val="dk1"/>
-            </a:fillRef>
-            <a:effectRef idx="0">
-              <a:schemeClr val="dk1"/>
-            </a:effectRef>
-            <a:fontRef idx="minor">
-              <a:schemeClr val="tx1"/>
-            </a:fontRef>
-          </p:style>
-        </p:cxnSp>
-      </p:grpSp>
-      <p:cxnSp>
-        <p:nvCxnSpPr>
-          <p:cNvPr id="206" name="カギ線コネクタ 205"/>
-          <p:cNvCxnSpPr>
-            <a:stCxn id="124" idx="0"/>
-          </p:cNvCxnSpPr>
-          <p:nvPr/>
-        </p:nvCxnSpPr>
-        <p:spPr>
-          <a:xfrm rot="5400000" flipH="1" flipV="1">
-            <a:off x="10393710" y="1366158"/>
-            <a:ext cx="445790" cy="588640"/>
-          </a:xfrm>
-          <a:prstGeom prst="bentConnector2">
-            <a:avLst/>
-          </a:prstGeom>
-          <a:ln>
-            <a:tailEnd type="triangle"/>
-          </a:ln>
-        </p:spPr>
-        <p:style>
-          <a:lnRef idx="1">
-            <a:schemeClr val="dk1"/>
-          </a:lnRef>
-          <a:fillRef idx="0">
-            <a:schemeClr val="dk1"/>
-          </a:fillRef>
-          <a:effectRef idx="0">
-            <a:schemeClr val="dk1"/>
-          </a:effectRef>
-          <a:fontRef idx="minor">
-            <a:schemeClr val="tx1"/>
-          </a:fontRef>
-        </p:style>
-      </p:cxnSp>
-      <p:cxnSp>
-        <p:nvCxnSpPr>
-          <p:cNvPr id="208" name="カギ線コネクタ 207"/>
-          <p:cNvCxnSpPr>
-            <a:stCxn id="182" idx="0"/>
-          </p:cNvCxnSpPr>
-          <p:nvPr/>
-        </p:nvCxnSpPr>
-        <p:spPr>
-          <a:xfrm rot="5400000" flipH="1" flipV="1">
-            <a:off x="6615207" y="1365543"/>
-            <a:ext cx="442099" cy="588640"/>
-          </a:xfrm>
-          <a:prstGeom prst="bentConnector2">
-            <a:avLst/>
-          </a:prstGeom>
-          <a:ln>
-            <a:tailEnd type="triangle"/>
-          </a:ln>
-        </p:spPr>
-        <p:style>
-          <a:lnRef idx="1">
-            <a:schemeClr val="dk1"/>
-          </a:lnRef>
-          <a:fillRef idx="0">
-            <a:schemeClr val="dk1"/>
-          </a:fillRef>
-          <a:effectRef idx="0">
-            <a:schemeClr val="dk1"/>
-          </a:effectRef>
-          <a:fontRef idx="minor">
-            <a:schemeClr val="tx1"/>
-          </a:fontRef>
-        </p:style>
-      </p:cxnSp>
       <mc:AlternateContent xmlns:mc="http://schemas.openxmlformats.org/markup-compatibility/2006">
         <mc:Choice xmlns:a14="http://schemas.microsoft.com/office/drawing/2010/main" Requires="a14">
           <p:sp>
             <p:nvSpPr>
-              <p:cNvPr id="212" name="テキスト ボックス 211"/>
+              <p:cNvPr id="213" name="テキスト ボックス 212"/>
               <p:cNvSpPr txBox="1"/>
               <p:nvPr/>
             </p:nvSpPr>
             <p:spPr>
               <a:xfrm>
-                <a:off x="7169266" y="1256412"/>
+                <a:off x="8849660" y="526651"/>
                 <a:ext cx="306109" cy="276999"/>
               </a:xfrm>
               <a:prstGeom prst="rect">
@@ -6775,113 +7679,10 @@
                         </m:e>
                         <m:sub>
                           <m:r>
-                            <a:rPr kumimoji="1" lang="en-US" altLang="ja-JP" b="0" i="1" smtClean="0">
+                            <a:rPr lang="en-US" altLang="ja-JP" i="1">
                               <a:latin typeface="Cambria Math" panose="02040503050406030204" pitchFamily="18" charset="0"/>
                             </a:rPr>
-                            <m:t>4</m:t>
-                          </m:r>
-                        </m:sub>
-                      </m:sSub>
-                    </m:oMath>
-                  </m:oMathPara>
-                </a14:m>
-                <a:endParaRPr kumimoji="1" lang="ja-JP" altLang="en-US" dirty="0"/>
-              </a:p>
-            </p:txBody>
-          </p:sp>
-        </mc:Choice>
-        <mc:Fallback>
-          <p:sp>
-            <p:nvSpPr>
-              <p:cNvPr id="212" name="テキスト ボックス 211"/>
-              <p:cNvSpPr txBox="1">
-                <a:spLocks noRot="1" noChangeAspect="1" noMove="1" noResize="1" noEditPoints="1" noAdjustHandles="1" noChangeArrowheads="1" noChangeShapeType="1" noTextEdit="1"/>
-              </p:cNvSpPr>
-              <p:nvPr/>
-            </p:nvSpPr>
-            <p:spPr>
-              <a:xfrm>
-                <a:off x="7169266" y="1256412"/>
-                <a:ext cx="306109" cy="276999"/>
-              </a:xfrm>
-              <a:prstGeom prst="rect">
-                <a:avLst/>
-              </a:prstGeom>
-              <a:blipFill>
-                <a:blip r:embed="rId12"/>
-                <a:stretch>
-                  <a:fillRect l="-10000" r="-6000" b="-15217"/>
-                </a:stretch>
-              </a:blipFill>
-            </p:spPr>
-            <p:txBody>
-              <a:bodyPr/>
-              <a:lstStyle/>
-              <a:p>
-                <a:r>
-                  <a:rPr lang="ja-JP" altLang="en-US">
-                    <a:noFill/>
-                  </a:rPr>
-                  <a:t> </a:t>
-                </a:r>
-              </a:p>
-            </p:txBody>
-          </p:sp>
-        </mc:Fallback>
-      </mc:AlternateContent>
-      <mc:AlternateContent xmlns:mc="http://schemas.openxmlformats.org/markup-compatibility/2006">
-        <mc:Choice xmlns:a14="http://schemas.microsoft.com/office/drawing/2010/main" Requires="a14">
-          <p:sp>
-            <p:nvSpPr>
-              <p:cNvPr id="213" name="テキスト ボックス 212"/>
-              <p:cNvSpPr txBox="1"/>
-              <p:nvPr/>
-            </p:nvSpPr>
-            <p:spPr>
-              <a:xfrm>
-                <a:off x="10959279" y="1256412"/>
-                <a:ext cx="306109" cy="276999"/>
-              </a:xfrm>
-              <a:prstGeom prst="rect">
-                <a:avLst/>
-              </a:prstGeom>
-              <a:noFill/>
-            </p:spPr>
-            <p:txBody>
-              <a:bodyPr wrap="none" lIns="0" tIns="0" rIns="0" bIns="0" rtlCol="0">
-                <a:spAutoFit/>
-              </a:bodyPr>
-              <a:lstStyle/>
-              <a:p>
-                <a:pPr/>
-                <a14:m>
-                  <m:oMathPara xmlns:m="http://schemas.openxmlformats.org/officeDocument/2006/math">
-                    <m:oMathParaPr>
-                      <m:jc m:val="centerGroup"/>
-                    </m:oMathParaPr>
-                    <m:oMath xmlns:m="http://schemas.openxmlformats.org/officeDocument/2006/math">
-                      <m:sSub>
-                        <m:sSubPr>
-                          <m:ctrlPr>
-                            <a:rPr kumimoji="1" lang="en-US" altLang="ja-JP" b="0" i="1" smtClean="0">
-                              <a:latin typeface="Cambria Math" panose="02040503050406030204" pitchFamily="18" charset="0"/>
-                            </a:rPr>
-                          </m:ctrlPr>
-                        </m:sSubPr>
-                        <m:e>
-                          <m:r>
-                            <a:rPr kumimoji="1" lang="en-US" altLang="ja-JP" b="0" i="1" smtClean="0">
-                              <a:latin typeface="Cambria Math" panose="02040503050406030204" pitchFamily="18" charset="0"/>
-                            </a:rPr>
-                            <m:t>𝑢</m:t>
-                          </m:r>
-                        </m:e>
-                        <m:sub>
-                          <m:r>
-                            <a:rPr kumimoji="1" lang="en-US" altLang="ja-JP" b="0" i="1" smtClean="0">
-                              <a:latin typeface="Cambria Math" panose="02040503050406030204" pitchFamily="18" charset="0"/>
-                            </a:rPr>
-                            <m:t>5</m:t>
+                            <m:t>6</m:t>
                           </m:r>
                         </m:sub>
                       </m:sSub>
@@ -6904,16 +7705,16 @@
             </p:nvSpPr>
             <p:spPr>
               <a:xfrm>
-                <a:off x="10959279" y="1256412"/>
+                <a:off x="8849660" y="526651"/>
                 <a:ext cx="306109" cy="276999"/>
               </a:xfrm>
               <a:prstGeom prst="rect">
                 <a:avLst/>
               </a:prstGeom>
               <a:blipFill>
-                <a:blip r:embed="rId13"/>
+                <a:blip r:embed="rId15"/>
                 <a:stretch>
-                  <a:fillRect l="-10000" r="-6000" b="-15217"/>
+                  <a:fillRect l="-10000" r="-4000" b="-15217"/>
                 </a:stretch>
               </a:blipFill>
             </p:spPr>
@@ -6942,8 +7743,8 @@
             </p:nvSpPr>
             <p:spPr>
               <a:xfrm>
-                <a:off x="3006697" y="1880912"/>
-                <a:ext cx="1177280" cy="3158964"/>
+                <a:off x="1775099" y="1082201"/>
+                <a:ext cx="1047300" cy="3160728"/>
               </a:xfrm>
               <a:prstGeom prst="rect">
                 <a:avLst/>
@@ -7004,10 +7805,10 @@
                         </m:e>
                         <m:sub>
                           <m:r>
-                            <a:rPr kumimoji="1" lang="en-US" altLang="ja-JP" b="0" i="1" smtClean="0">
+                            <a:rPr lang="en-US" altLang="ja-JP" i="1">
                               <a:latin typeface="Cambria Math" panose="02040503050406030204" pitchFamily="18" charset="0"/>
                             </a:rPr>
-                            <m:t>3</m:t>
+                            <m:t>4</m:t>
                           </m:r>
                         </m:sub>
                       </m:sSub>
@@ -7030,14 +7831,14 @@
             </p:nvSpPr>
             <p:spPr>
               <a:xfrm>
-                <a:off x="3006697" y="1880912"/>
-                <a:ext cx="1177280" cy="3158964"/>
+                <a:off x="1775099" y="1082201"/>
+                <a:ext cx="1047300" cy="3160728"/>
               </a:xfrm>
               <a:prstGeom prst="rect">
                 <a:avLst/>
               </a:prstGeom>
               <a:blipFill>
-                <a:blip r:embed="rId14"/>
+                <a:blip r:embed="rId16"/>
                 <a:stretch>
                   <a:fillRect/>
                 </a:stretch>
@@ -7066,8 +7867,8 @@
         </p:nvGrpSpPr>
         <p:grpSpPr>
           <a:xfrm>
-            <a:off x="7861477" y="1885678"/>
-            <a:ext cx="1085594" cy="354769"/>
+            <a:off x="6093877" y="1086442"/>
+            <a:ext cx="965737" cy="315600"/>
             <a:chOff x="6188364" y="1339273"/>
             <a:chExt cx="1413163" cy="461818"/>
           </a:xfrm>
@@ -7291,8 +8092,8 @@
         </p:nvCxnSpPr>
         <p:spPr>
           <a:xfrm>
-            <a:off x="8947072" y="2063063"/>
-            <a:ext cx="314636" cy="0"/>
+            <a:off x="7059615" y="1244242"/>
+            <a:ext cx="279898" cy="0"/>
           </a:xfrm>
           <a:prstGeom prst="line">
             <a:avLst/>
@@ -7321,8 +8122,8 @@
         </p:nvGrpSpPr>
         <p:grpSpPr>
           <a:xfrm>
-            <a:off x="7967908" y="2697102"/>
-            <a:ext cx="874395" cy="365856"/>
+            <a:off x="6188557" y="1808279"/>
+            <a:ext cx="777856" cy="325463"/>
             <a:chOff x="4281488" y="3876675"/>
             <a:chExt cx="1138237" cy="476250"/>
           </a:xfrm>
@@ -7516,8 +8317,8 @@
         </p:nvCxnSpPr>
         <p:spPr>
           <a:xfrm>
-            <a:off x="8842303" y="2876372"/>
-            <a:ext cx="419404" cy="0"/>
+            <a:off x="6966413" y="1967756"/>
+            <a:ext cx="373099" cy="0"/>
           </a:xfrm>
           <a:prstGeom prst="line">
             <a:avLst/>
@@ -7546,8 +8347,8 @@
         </p:nvCxnSpPr>
         <p:spPr>
           <a:xfrm flipH="1">
-            <a:off x="7570565" y="2063063"/>
-            <a:ext cx="290912" cy="0"/>
+            <a:off x="5835084" y="1244242"/>
+            <a:ext cx="258793" cy="0"/>
           </a:xfrm>
           <a:prstGeom prst="line">
             <a:avLst/>
@@ -7576,8 +8377,8 @@
         </p:nvCxnSpPr>
         <p:spPr>
           <a:xfrm>
-            <a:off x="7570565" y="2063063"/>
-            <a:ext cx="0" cy="813308"/>
+            <a:off x="5835084" y="1244242"/>
+            <a:ext cx="0" cy="723513"/>
           </a:xfrm>
           <a:prstGeom prst="line">
             <a:avLst/>
@@ -7606,8 +8407,8 @@
         </p:nvCxnSpPr>
         <p:spPr>
           <a:xfrm flipH="1">
-            <a:off x="7570565" y="2876372"/>
-            <a:ext cx="397342" cy="0"/>
+            <a:off x="5835084" y="1967756"/>
+            <a:ext cx="353473" cy="0"/>
           </a:xfrm>
           <a:prstGeom prst="line">
             <a:avLst/>
@@ -7636,8 +8437,8 @@
         </p:nvCxnSpPr>
         <p:spPr>
           <a:xfrm flipH="1" flipV="1">
-            <a:off x="6908034" y="2466613"/>
-            <a:ext cx="662531" cy="2169"/>
+            <a:off x="5245701" y="1603237"/>
+            <a:ext cx="589383" cy="1930"/>
           </a:xfrm>
           <a:prstGeom prst="line">
             <a:avLst/>
@@ -7666,8 +8467,8 @@
         </p:nvCxnSpPr>
         <p:spPr>
           <a:xfrm>
-            <a:off x="9261707" y="2063063"/>
-            <a:ext cx="0" cy="811480"/>
+            <a:off x="7339512" y="1244242"/>
+            <a:ext cx="0" cy="721887"/>
           </a:xfrm>
           <a:prstGeom prst="line">
             <a:avLst/>
@@ -7696,8 +8497,8 @@
         </p:nvCxnSpPr>
         <p:spPr>
           <a:xfrm>
-            <a:off x="9261707" y="2474318"/>
-            <a:ext cx="728731" cy="0"/>
+            <a:off x="7339512" y="1610092"/>
+            <a:ext cx="648274" cy="0"/>
           </a:xfrm>
           <a:prstGeom prst="line">
             <a:avLst/>
@@ -7728,7 +8529,7 @@
             </p:nvSpPr>
             <p:spPr>
               <a:xfrm>
-                <a:off x="8219650" y="1500821"/>
+                <a:off x="6412505" y="744076"/>
                 <a:ext cx="299697" cy="276999"/>
               </a:xfrm>
               <a:prstGeom prst="rect">
@@ -7770,7 +8571,7 @@
                             <a:rPr kumimoji="1" lang="en-US" altLang="ja-JP" b="0" i="1" smtClean="0">
                               <a:latin typeface="Cambria Math" panose="02040503050406030204" pitchFamily="18" charset="0"/>
                             </a:rPr>
-                            <m:t>5</m:t>
+                            <m:t>6</m:t>
                           </m:r>
                         </m:sub>
                       </m:sSub>
@@ -7793,16 +8594,16 @@
             </p:nvSpPr>
             <p:spPr>
               <a:xfrm>
-                <a:off x="8219650" y="1500821"/>
+                <a:off x="6412505" y="744076"/>
                 <a:ext cx="299697" cy="276999"/>
               </a:xfrm>
               <a:prstGeom prst="rect">
                 <a:avLst/>
               </a:prstGeom>
               <a:blipFill>
-                <a:blip r:embed="rId15"/>
+                <a:blip r:embed="rId17"/>
                 <a:stretch>
-                  <a:fillRect l="-18000" r="-4000" b="-15217"/>
+                  <a:fillRect l="-18367" r="-4082" b="-17778"/>
                 </a:stretch>
               </a:blipFill>
             </p:spPr>
@@ -7831,8 +8632,8 @@
             </p:nvSpPr>
             <p:spPr>
               <a:xfrm>
-                <a:off x="8237556" y="3150470"/>
-                <a:ext cx="273215" cy="276999"/>
+                <a:off x="6428434" y="2211592"/>
+                <a:ext cx="273216" cy="276999"/>
               </a:xfrm>
               <a:prstGeom prst="rect">
                 <a:avLst/>
@@ -7873,7 +8674,7 @@
                             <a:rPr kumimoji="1" lang="en-US" altLang="ja-JP" b="0" i="1" smtClean="0">
                               <a:latin typeface="Cambria Math" panose="02040503050406030204" pitchFamily="18" charset="0"/>
                             </a:rPr>
-                            <m:t>5</m:t>
+                            <m:t>6</m:t>
                           </m:r>
                         </m:sub>
                       </m:sSub>
@@ -7896,16 +8697,16 @@
             </p:nvSpPr>
             <p:spPr>
               <a:xfrm>
-                <a:off x="8237556" y="3150470"/>
-                <a:ext cx="273215" cy="276999"/>
+                <a:off x="6428434" y="2211592"/>
+                <a:ext cx="273216" cy="276999"/>
               </a:xfrm>
               <a:prstGeom prst="rect">
                 <a:avLst/>
               </a:prstGeom>
               <a:blipFill>
-                <a:blip r:embed="rId16"/>
+                <a:blip r:embed="rId18"/>
                 <a:stretch>
-                  <a:fillRect l="-8889" r="-6667" b="-17778"/>
+                  <a:fillRect l="-9091" r="-6818" b="-15556"/>
                 </a:stretch>
               </a:blipFill>
             </p:spPr>
@@ -7934,8 +8735,8 @@
             </p:nvSpPr>
             <p:spPr>
               <a:xfrm>
-                <a:off x="9733645" y="1883373"/>
-                <a:ext cx="1177280" cy="1177280"/>
+                <a:off x="7759345" y="1084391"/>
+                <a:ext cx="1047300" cy="1047300"/>
               </a:xfrm>
               <a:prstGeom prst="rect">
                 <a:avLst/>
@@ -7996,10 +8797,10 @@
                         </m:e>
                         <m:sub>
                           <m:r>
-                            <a:rPr kumimoji="1" lang="en-US" altLang="ja-JP" b="0" i="1" smtClean="0">
+                            <a:rPr lang="en-US" altLang="ja-JP" i="1">
                               <a:latin typeface="Cambria Math" panose="02040503050406030204" pitchFamily="18" charset="0"/>
                             </a:rPr>
-                            <m:t>5</m:t>
+                            <m:t>6</m:t>
                           </m:r>
                         </m:sub>
                       </m:sSub>
@@ -8022,14 +8823,14 @@
             </p:nvSpPr>
             <p:spPr>
               <a:xfrm>
-                <a:off x="9733645" y="1883373"/>
-                <a:ext cx="1177280" cy="1177280"/>
+                <a:off x="7759345" y="1084391"/>
+                <a:ext cx="1047300" cy="1047300"/>
               </a:xfrm>
               <a:prstGeom prst="rect">
                 <a:avLst/>
               </a:prstGeom>
               <a:blipFill>
-                <a:blip r:embed="rId17"/>
+                <a:blip r:embed="rId19"/>
                 <a:stretch>
                   <a:fillRect/>
                 </a:stretch>
@@ -8060,8 +8861,8 @@
             </p:nvSpPr>
             <p:spPr>
               <a:xfrm>
-                <a:off x="5953296" y="1880912"/>
-                <a:ext cx="1177280" cy="1177280"/>
+                <a:off x="4396373" y="1082202"/>
+                <a:ext cx="1047300" cy="1047300"/>
               </a:xfrm>
               <a:prstGeom prst="rect">
                 <a:avLst/>
@@ -8122,10 +8923,10 @@
                         </m:e>
                         <m:sub>
                           <m:r>
-                            <a:rPr kumimoji="1" lang="en-US" altLang="ja-JP" b="0" i="1" smtClean="0">
+                            <a:rPr lang="en-US" altLang="ja-JP" i="1">
                               <a:latin typeface="Cambria Math" panose="02040503050406030204" pitchFamily="18" charset="0"/>
                             </a:rPr>
-                            <m:t>4</m:t>
+                            <m:t>5</m:t>
                           </m:r>
                         </m:sub>
                       </m:sSub>
@@ -8148,16 +8949,1043 @@
             </p:nvSpPr>
             <p:spPr>
               <a:xfrm>
-                <a:off x="5953296" y="1880912"/>
-                <a:ext cx="1177280" cy="1177280"/>
+                <a:off x="4396373" y="1082202"/>
+                <a:ext cx="1047300" cy="1047300"/>
               </a:xfrm>
               <a:prstGeom prst="rect">
                 <a:avLst/>
               </a:prstGeom>
               <a:blipFill>
-                <a:blip r:embed="rId18"/>
+                <a:blip r:embed="rId20"/>
                 <a:stretch>
                   <a:fillRect/>
+                </a:stretch>
+              </a:blipFill>
+            </p:spPr>
+            <p:txBody>
+              <a:bodyPr/>
+              <a:lstStyle/>
+              <a:p>
+                <a:r>
+                  <a:rPr lang="ja-JP" altLang="en-US">
+                    <a:noFill/>
+                  </a:rPr>
+                  <a:t> </a:t>
+                </a:r>
+              </a:p>
+            </p:txBody>
+          </p:sp>
+        </mc:Fallback>
+      </mc:AlternateContent>
+      <mc:AlternateContent xmlns:mc="http://schemas.openxmlformats.org/markup-compatibility/2006">
+        <mc:Choice xmlns:a14="http://schemas.microsoft.com/office/drawing/2010/main" Requires="a14">
+          <p:sp>
+            <p:nvSpPr>
+              <p:cNvPr id="202" name="正方形/長方形 201"/>
+              <p:cNvSpPr/>
+              <p:nvPr/>
+            </p:nvSpPr>
+            <p:spPr>
+              <a:xfrm>
+                <a:off x="8087120" y="3195631"/>
+                <a:ext cx="1047300" cy="1047300"/>
+              </a:xfrm>
+              <a:prstGeom prst="rect">
+                <a:avLst/>
+              </a:prstGeom>
+              <a:solidFill>
+                <a:schemeClr val="bg1">
+                  <a:lumMod val="75000"/>
+                </a:schemeClr>
+              </a:solidFill>
+            </p:spPr>
+            <p:style>
+              <a:lnRef idx="2">
+                <a:schemeClr val="dk1"/>
+              </a:lnRef>
+              <a:fillRef idx="1">
+                <a:schemeClr val="lt1"/>
+              </a:fillRef>
+              <a:effectRef idx="0">
+                <a:schemeClr val="dk1"/>
+              </a:effectRef>
+              <a:fontRef idx="minor">
+                <a:schemeClr val="dk1"/>
+              </a:fontRef>
+            </p:style>
+            <p:txBody>
+              <a:bodyPr rtlCol="0" anchor="ctr"/>
+              <a:lstStyle/>
+              <a:p>
+                <a:pPr algn="ctr"/>
+                <a:r>
+                  <a:rPr kumimoji="1" lang="en-US" altLang="ja-JP" dirty="0" smtClean="0"/>
+                  <a:t>Mass:</a:t>
+                </a:r>
+              </a:p>
+              <a:p>
+                <a:pPr algn="ctr"/>
+                <a14:m>
+                  <m:oMathPara xmlns:m="http://schemas.openxmlformats.org/officeDocument/2006/math">
+                    <m:oMathParaPr>
+                      <m:jc m:val="centerGroup"/>
+                    </m:oMathParaPr>
+                    <m:oMath xmlns:m="http://schemas.openxmlformats.org/officeDocument/2006/math">
+                      <m:sSub>
+                        <m:sSubPr>
+                          <m:ctrlPr>
+                            <a:rPr kumimoji="1" lang="en-US" altLang="ja-JP" b="0" i="1" smtClean="0">
+                              <a:latin typeface="Cambria Math" panose="02040503050406030204" pitchFamily="18" charset="0"/>
+                            </a:rPr>
+                          </m:ctrlPr>
+                        </m:sSubPr>
+                        <m:e>
+                          <m:r>
+                            <a:rPr kumimoji="1" lang="en-US" altLang="ja-JP" b="0" i="1" smtClean="0">
+                              <a:latin typeface="Cambria Math" panose="02040503050406030204" pitchFamily="18" charset="0"/>
+                            </a:rPr>
+                            <m:t>𝑚</m:t>
+                          </m:r>
+                        </m:e>
+                        <m:sub>
+                          <m:r>
+                            <a:rPr lang="en-US" altLang="ja-JP" i="1">
+                              <a:latin typeface="Cambria Math" panose="02040503050406030204" pitchFamily="18" charset="0"/>
+                            </a:rPr>
+                            <m:t>2</m:t>
+                          </m:r>
+                        </m:sub>
+                      </m:sSub>
+                    </m:oMath>
+                  </m:oMathPara>
+                </a14:m>
+                <a:endParaRPr kumimoji="1" lang="ja-JP" altLang="en-US" dirty="0"/>
+              </a:p>
+            </p:txBody>
+          </p:sp>
+        </mc:Choice>
+        <mc:Fallback>
+          <p:sp>
+            <p:nvSpPr>
+              <p:cNvPr id="202" name="正方形/長方形 201"/>
+              <p:cNvSpPr>
+                <a:spLocks noRot="1" noChangeAspect="1" noMove="1" noResize="1" noEditPoints="1" noAdjustHandles="1" noChangeArrowheads="1" noChangeShapeType="1" noTextEdit="1"/>
+              </p:cNvSpPr>
+              <p:nvPr/>
+            </p:nvSpPr>
+            <p:spPr>
+              <a:xfrm>
+                <a:off x="8087120" y="3195631"/>
+                <a:ext cx="1047300" cy="1047300"/>
+              </a:xfrm>
+              <a:prstGeom prst="rect">
+                <a:avLst/>
+              </a:prstGeom>
+              <a:blipFill>
+                <a:blip r:embed="rId21"/>
+                <a:stretch>
+                  <a:fillRect/>
+                </a:stretch>
+              </a:blipFill>
+            </p:spPr>
+            <p:txBody>
+              <a:bodyPr/>
+              <a:lstStyle/>
+              <a:p>
+                <a:r>
+                  <a:rPr lang="ja-JP" altLang="en-US">
+                    <a:noFill/>
+                  </a:rPr>
+                  <a:t> </a:t>
+                </a:r>
+              </a:p>
+            </p:txBody>
+          </p:sp>
+        </mc:Fallback>
+      </mc:AlternateContent>
+      <mc:AlternateContent xmlns:mc="http://schemas.openxmlformats.org/markup-compatibility/2006">
+        <mc:Choice xmlns:a14="http://schemas.microsoft.com/office/drawing/2010/main" Requires="a14">
+          <p:sp>
+            <p:nvSpPr>
+              <p:cNvPr id="203" name="正方形/長方形 202"/>
+              <p:cNvSpPr/>
+              <p:nvPr/>
+            </p:nvSpPr>
+            <p:spPr>
+              <a:xfrm>
+                <a:off x="5017581" y="5020786"/>
+                <a:ext cx="1047300" cy="1047300"/>
+              </a:xfrm>
+              <a:prstGeom prst="rect">
+                <a:avLst/>
+              </a:prstGeom>
+              <a:solidFill>
+                <a:schemeClr val="bg1">
+                  <a:lumMod val="75000"/>
+                </a:schemeClr>
+              </a:solidFill>
+            </p:spPr>
+            <p:style>
+              <a:lnRef idx="2">
+                <a:schemeClr val="dk1"/>
+              </a:lnRef>
+              <a:fillRef idx="1">
+                <a:schemeClr val="lt1"/>
+              </a:fillRef>
+              <a:effectRef idx="0">
+                <a:schemeClr val="dk1"/>
+              </a:effectRef>
+              <a:fontRef idx="minor">
+                <a:schemeClr val="dk1"/>
+              </a:fontRef>
+            </p:style>
+            <p:txBody>
+              <a:bodyPr rtlCol="0" anchor="ctr"/>
+              <a:lstStyle/>
+              <a:p>
+                <a:pPr algn="ctr"/>
+                <a:r>
+                  <a:rPr kumimoji="1" lang="en-US" altLang="ja-JP" dirty="0" smtClean="0"/>
+                  <a:t>Mass:</a:t>
+                </a:r>
+              </a:p>
+              <a:p>
+                <a:pPr algn="ctr"/>
+                <a14:m>
+                  <m:oMathPara xmlns:m="http://schemas.openxmlformats.org/officeDocument/2006/math">
+                    <m:oMathParaPr>
+                      <m:jc m:val="centerGroup"/>
+                    </m:oMathParaPr>
+                    <m:oMath xmlns:m="http://schemas.openxmlformats.org/officeDocument/2006/math">
+                      <m:sSub>
+                        <m:sSubPr>
+                          <m:ctrlPr>
+                            <a:rPr kumimoji="1" lang="en-US" altLang="ja-JP" b="0" i="1" smtClean="0">
+                              <a:latin typeface="Cambria Math" panose="02040503050406030204" pitchFamily="18" charset="0"/>
+                            </a:rPr>
+                          </m:ctrlPr>
+                        </m:sSubPr>
+                        <m:e>
+                          <m:r>
+                            <a:rPr kumimoji="1" lang="en-US" altLang="ja-JP" b="0" i="1" smtClean="0">
+                              <a:latin typeface="Cambria Math" panose="02040503050406030204" pitchFamily="18" charset="0"/>
+                            </a:rPr>
+                            <m:t>𝑚</m:t>
+                          </m:r>
+                        </m:e>
+                        <m:sub>
+                          <m:r>
+                            <a:rPr lang="en-US" altLang="ja-JP" i="1">
+                              <a:latin typeface="Cambria Math" panose="02040503050406030204" pitchFamily="18" charset="0"/>
+                            </a:rPr>
+                            <m:t>7</m:t>
+                          </m:r>
+                        </m:sub>
+                      </m:sSub>
+                    </m:oMath>
+                  </m:oMathPara>
+                </a14:m>
+                <a:endParaRPr kumimoji="1" lang="ja-JP" altLang="en-US" dirty="0"/>
+              </a:p>
+            </p:txBody>
+          </p:sp>
+        </mc:Choice>
+        <mc:Fallback>
+          <p:sp>
+            <p:nvSpPr>
+              <p:cNvPr id="203" name="正方形/長方形 202"/>
+              <p:cNvSpPr>
+                <a:spLocks noRot="1" noChangeAspect="1" noMove="1" noResize="1" noEditPoints="1" noAdjustHandles="1" noChangeArrowheads="1" noChangeShapeType="1" noTextEdit="1"/>
+              </p:cNvSpPr>
+              <p:nvPr/>
+            </p:nvSpPr>
+            <p:spPr>
+              <a:xfrm>
+                <a:off x="5017581" y="5020786"/>
+                <a:ext cx="1047300" cy="1047300"/>
+              </a:xfrm>
+              <a:prstGeom prst="rect">
+                <a:avLst/>
+              </a:prstGeom>
+              <a:blipFill>
+                <a:blip r:embed="rId22"/>
+                <a:stretch>
+                  <a:fillRect/>
+                </a:stretch>
+              </a:blipFill>
+            </p:spPr>
+            <p:txBody>
+              <a:bodyPr/>
+              <a:lstStyle/>
+              <a:p>
+                <a:r>
+                  <a:rPr lang="ja-JP" altLang="en-US">
+                    <a:noFill/>
+                  </a:rPr>
+                  <a:t> </a:t>
+                </a:r>
+              </a:p>
+            </p:txBody>
+          </p:sp>
+        </mc:Fallback>
+      </mc:AlternateContent>
+      <p:grpSp>
+        <p:nvGrpSpPr>
+          <p:cNvPr id="204" name="グループ化 203"/>
+          <p:cNvGrpSpPr/>
+          <p:nvPr/>
+        </p:nvGrpSpPr>
+        <p:grpSpPr>
+          <a:xfrm rot="16200000">
+            <a:off x="5152499" y="4469126"/>
+            <a:ext cx="777856" cy="325463"/>
+            <a:chOff x="4281488" y="3876675"/>
+            <a:chExt cx="1138237" cy="476250"/>
+          </a:xfrm>
+        </p:grpSpPr>
+        <p:cxnSp>
+          <p:nvCxnSpPr>
+            <p:cNvPr id="205" name="直線コネクタ 204"/>
+            <p:cNvCxnSpPr/>
+            <p:nvPr/>
+          </p:nvCxnSpPr>
+          <p:spPr>
+            <a:xfrm>
+              <a:off x="4572000" y="3876675"/>
+              <a:ext cx="447675" cy="0"/>
+            </a:xfrm>
+            <a:prstGeom prst="line">
+              <a:avLst/>
+            </a:prstGeom>
+          </p:spPr>
+          <p:style>
+            <a:lnRef idx="1">
+              <a:schemeClr val="dk1"/>
+            </a:lnRef>
+            <a:fillRef idx="0">
+              <a:schemeClr val="dk1"/>
+            </a:fillRef>
+            <a:effectRef idx="0">
+              <a:schemeClr val="dk1"/>
+            </a:effectRef>
+            <a:fontRef idx="minor">
+              <a:schemeClr val="tx1"/>
+            </a:fontRef>
+          </p:style>
+        </p:cxnSp>
+        <p:cxnSp>
+          <p:nvCxnSpPr>
+            <p:cNvPr id="207" name="直線コネクタ 206"/>
+            <p:cNvCxnSpPr/>
+            <p:nvPr/>
+          </p:nvCxnSpPr>
+          <p:spPr>
+            <a:xfrm>
+              <a:off x="5019675" y="3876675"/>
+              <a:ext cx="0" cy="476250"/>
+            </a:xfrm>
+            <a:prstGeom prst="line">
+              <a:avLst/>
+            </a:prstGeom>
+          </p:spPr>
+          <p:style>
+            <a:lnRef idx="1">
+              <a:schemeClr val="dk1"/>
+            </a:lnRef>
+            <a:fillRef idx="0">
+              <a:schemeClr val="dk1"/>
+            </a:fillRef>
+            <a:effectRef idx="0">
+              <a:schemeClr val="dk1"/>
+            </a:effectRef>
+            <a:fontRef idx="minor">
+              <a:schemeClr val="tx1"/>
+            </a:fontRef>
+          </p:style>
+        </p:cxnSp>
+        <p:cxnSp>
+          <p:nvCxnSpPr>
+            <p:cNvPr id="209" name="直線コネクタ 208"/>
+            <p:cNvCxnSpPr/>
+            <p:nvPr/>
+          </p:nvCxnSpPr>
+          <p:spPr>
+            <a:xfrm flipH="1">
+              <a:off x="4572000" y="4352925"/>
+              <a:ext cx="447675" cy="0"/>
+            </a:xfrm>
+            <a:prstGeom prst="line">
+              <a:avLst/>
+            </a:prstGeom>
+          </p:spPr>
+          <p:style>
+            <a:lnRef idx="1">
+              <a:schemeClr val="dk1"/>
+            </a:lnRef>
+            <a:fillRef idx="0">
+              <a:schemeClr val="dk1"/>
+            </a:fillRef>
+            <a:effectRef idx="0">
+              <a:schemeClr val="dk1"/>
+            </a:effectRef>
+            <a:fontRef idx="minor">
+              <a:schemeClr val="tx1"/>
+            </a:fontRef>
+          </p:style>
+        </p:cxnSp>
+        <p:cxnSp>
+          <p:nvCxnSpPr>
+            <p:cNvPr id="210" name="直線コネクタ 209"/>
+            <p:cNvCxnSpPr/>
+            <p:nvPr/>
+          </p:nvCxnSpPr>
+          <p:spPr>
+            <a:xfrm>
+              <a:off x="5019675" y="4110038"/>
+              <a:ext cx="400050" cy="0"/>
+            </a:xfrm>
+            <a:prstGeom prst="line">
+              <a:avLst/>
+            </a:prstGeom>
+          </p:spPr>
+          <p:style>
+            <a:lnRef idx="1">
+              <a:schemeClr val="dk1"/>
+            </a:lnRef>
+            <a:fillRef idx="0">
+              <a:schemeClr val="dk1"/>
+            </a:fillRef>
+            <a:effectRef idx="0">
+              <a:schemeClr val="dk1"/>
+            </a:effectRef>
+            <a:fontRef idx="minor">
+              <a:schemeClr val="tx1"/>
+            </a:fontRef>
+          </p:style>
+        </p:cxnSp>
+        <p:cxnSp>
+          <p:nvCxnSpPr>
+            <p:cNvPr id="211" name="直線コネクタ 210"/>
+            <p:cNvCxnSpPr/>
+            <p:nvPr/>
+          </p:nvCxnSpPr>
+          <p:spPr>
+            <a:xfrm>
+              <a:off x="4781550" y="3981450"/>
+              <a:ext cx="0" cy="252413"/>
+            </a:xfrm>
+            <a:prstGeom prst="line">
+              <a:avLst/>
+            </a:prstGeom>
+          </p:spPr>
+          <p:style>
+            <a:lnRef idx="1">
+              <a:schemeClr val="dk1"/>
+            </a:lnRef>
+            <a:fillRef idx="0">
+              <a:schemeClr val="dk1"/>
+            </a:fillRef>
+            <a:effectRef idx="0">
+              <a:schemeClr val="dk1"/>
+            </a:effectRef>
+            <a:fontRef idx="minor">
+              <a:schemeClr val="tx1"/>
+            </a:fontRef>
+          </p:style>
+        </p:cxnSp>
+        <p:cxnSp>
+          <p:nvCxnSpPr>
+            <p:cNvPr id="214" name="直線コネクタ 213"/>
+            <p:cNvCxnSpPr/>
+            <p:nvPr/>
+          </p:nvCxnSpPr>
+          <p:spPr>
+            <a:xfrm flipH="1">
+              <a:off x="4281488" y="4110038"/>
+              <a:ext cx="504825" cy="0"/>
+            </a:xfrm>
+            <a:prstGeom prst="line">
+              <a:avLst/>
+            </a:prstGeom>
+          </p:spPr>
+          <p:style>
+            <a:lnRef idx="1">
+              <a:schemeClr val="dk1"/>
+            </a:lnRef>
+            <a:fillRef idx="0">
+              <a:schemeClr val="dk1"/>
+            </a:fillRef>
+            <a:effectRef idx="0">
+              <a:schemeClr val="dk1"/>
+            </a:effectRef>
+            <a:fontRef idx="minor">
+              <a:schemeClr val="tx1"/>
+            </a:fontRef>
+          </p:style>
+        </p:cxnSp>
+      </p:grpSp>
+      <p:cxnSp>
+        <p:nvCxnSpPr>
+          <p:cNvPr id="40" name="カギ線コネクタ 39"/>
+          <p:cNvCxnSpPr>
+            <a:stCxn id="202" idx="2"/>
+          </p:cNvCxnSpPr>
+          <p:nvPr/>
+        </p:nvCxnSpPr>
+        <p:spPr>
+          <a:xfrm rot="16200000" flipH="1">
+            <a:off x="8661231" y="4192470"/>
+            <a:ext cx="422729" cy="523650"/>
+          </a:xfrm>
+          <a:prstGeom prst="bentConnector2">
+            <a:avLst/>
+          </a:prstGeom>
+          <a:ln>
+            <a:tailEnd type="triangle"/>
+          </a:ln>
+        </p:spPr>
+        <p:style>
+          <a:lnRef idx="1">
+            <a:schemeClr val="dk1"/>
+          </a:lnRef>
+          <a:fillRef idx="0">
+            <a:schemeClr val="dk1"/>
+          </a:fillRef>
+          <a:effectRef idx="0">
+            <a:schemeClr val="dk1"/>
+          </a:effectRef>
+          <a:fontRef idx="minor">
+            <a:schemeClr val="tx1"/>
+          </a:fontRef>
+        </p:style>
+      </p:cxnSp>
+      <p:cxnSp>
+        <p:nvCxnSpPr>
+          <p:cNvPr id="42" name="カギ線コネクタ 41"/>
+          <p:cNvCxnSpPr>
+            <a:stCxn id="145" idx="0"/>
+          </p:cNvCxnSpPr>
+          <p:nvPr/>
+        </p:nvCxnSpPr>
+        <p:spPr>
+          <a:xfrm rot="5400000" flipH="1" flipV="1">
+            <a:off x="5608949" y="2710703"/>
+            <a:ext cx="417211" cy="552646"/>
+          </a:xfrm>
+          <a:prstGeom prst="bentConnector2">
+            <a:avLst/>
+          </a:prstGeom>
+          <a:ln>
+            <a:tailEnd type="triangle"/>
+          </a:ln>
+        </p:spPr>
+        <p:style>
+          <a:lnRef idx="1">
+            <a:schemeClr val="dk1"/>
+          </a:lnRef>
+          <a:fillRef idx="0">
+            <a:schemeClr val="dk1"/>
+          </a:fillRef>
+          <a:effectRef idx="0">
+            <a:schemeClr val="dk1"/>
+          </a:effectRef>
+          <a:fontRef idx="minor">
+            <a:schemeClr val="tx1"/>
+          </a:fontRef>
+        </p:style>
+      </p:cxnSp>
+      <p:cxnSp>
+        <p:nvCxnSpPr>
+          <p:cNvPr id="44" name="カギ線コネクタ 43"/>
+          <p:cNvCxnSpPr>
+            <a:stCxn id="203" idx="3"/>
+          </p:cNvCxnSpPr>
+          <p:nvPr/>
+        </p:nvCxnSpPr>
+        <p:spPr>
+          <a:xfrm>
+            <a:off x="6064881" y="5544436"/>
+            <a:ext cx="465412" cy="523650"/>
+          </a:xfrm>
+          <a:prstGeom prst="bentConnector2">
+            <a:avLst/>
+          </a:prstGeom>
+          <a:ln>
+            <a:tailEnd type="triangle"/>
+          </a:ln>
+        </p:spPr>
+        <p:style>
+          <a:lnRef idx="1">
+            <a:schemeClr val="dk1"/>
+          </a:lnRef>
+          <a:fillRef idx="0">
+            <a:schemeClr val="dk1"/>
+          </a:fillRef>
+          <a:effectRef idx="0">
+            <a:schemeClr val="dk1"/>
+          </a:effectRef>
+          <a:fontRef idx="minor">
+            <a:schemeClr val="tx1"/>
+          </a:fontRef>
+        </p:style>
+      </p:cxnSp>
+      <mc:AlternateContent xmlns:mc="http://schemas.openxmlformats.org/markup-compatibility/2006">
+        <mc:Choice xmlns:a14="http://schemas.microsoft.com/office/drawing/2010/main" Requires="a14">
+          <p:sp>
+            <p:nvSpPr>
+              <p:cNvPr id="215" name="テキスト ボックス 214"/>
+              <p:cNvSpPr txBox="1"/>
+              <p:nvPr/>
+            </p:nvSpPr>
+            <p:spPr>
+              <a:xfrm>
+                <a:off x="9235618" y="4516318"/>
+                <a:ext cx="306109" cy="276999"/>
+              </a:xfrm>
+              <a:prstGeom prst="rect">
+                <a:avLst/>
+              </a:prstGeom>
+              <a:noFill/>
+            </p:spPr>
+            <p:txBody>
+              <a:bodyPr wrap="none" lIns="0" tIns="0" rIns="0" bIns="0" rtlCol="0">
+                <a:spAutoFit/>
+              </a:bodyPr>
+              <a:lstStyle/>
+              <a:p>
+                <a:pPr/>
+                <a14:m>
+                  <m:oMathPara xmlns:m="http://schemas.openxmlformats.org/officeDocument/2006/math">
+                    <m:oMathParaPr>
+                      <m:jc m:val="centerGroup"/>
+                    </m:oMathParaPr>
+                    <m:oMath xmlns:m="http://schemas.openxmlformats.org/officeDocument/2006/math">
+                      <m:sSub>
+                        <m:sSubPr>
+                          <m:ctrlPr>
+                            <a:rPr kumimoji="1" lang="en-US" altLang="ja-JP" b="0" i="1" smtClean="0">
+                              <a:latin typeface="Cambria Math" panose="02040503050406030204" pitchFamily="18" charset="0"/>
+                            </a:rPr>
+                          </m:ctrlPr>
+                        </m:sSubPr>
+                        <m:e>
+                          <m:r>
+                            <a:rPr kumimoji="1" lang="en-US" altLang="ja-JP" b="0" i="1" smtClean="0">
+                              <a:latin typeface="Cambria Math" panose="02040503050406030204" pitchFamily="18" charset="0"/>
+                            </a:rPr>
+                            <m:t>𝑢</m:t>
+                          </m:r>
+                        </m:e>
+                        <m:sub>
+                          <m:r>
+                            <a:rPr lang="en-US" altLang="ja-JP" i="1">
+                              <a:latin typeface="Cambria Math" panose="02040503050406030204" pitchFamily="18" charset="0"/>
+                            </a:rPr>
+                            <m:t>2</m:t>
+                          </m:r>
+                        </m:sub>
+                      </m:sSub>
+                    </m:oMath>
+                  </m:oMathPara>
+                </a14:m>
+                <a:endParaRPr kumimoji="1" lang="ja-JP" altLang="en-US" dirty="0"/>
+              </a:p>
+            </p:txBody>
+          </p:sp>
+        </mc:Choice>
+        <mc:Fallback>
+          <p:sp>
+            <p:nvSpPr>
+              <p:cNvPr id="215" name="テキスト ボックス 214"/>
+              <p:cNvSpPr txBox="1">
+                <a:spLocks noRot="1" noChangeAspect="1" noMove="1" noResize="1" noEditPoints="1" noAdjustHandles="1" noChangeArrowheads="1" noChangeShapeType="1" noTextEdit="1"/>
+              </p:cNvSpPr>
+              <p:nvPr/>
+            </p:nvSpPr>
+            <p:spPr>
+              <a:xfrm>
+                <a:off x="9235618" y="4516318"/>
+                <a:ext cx="306109" cy="276999"/>
+              </a:xfrm>
+              <a:prstGeom prst="rect">
+                <a:avLst/>
+              </a:prstGeom>
+              <a:blipFill>
+                <a:blip r:embed="rId23"/>
+                <a:stretch>
+                  <a:fillRect l="-10000" r="-6000" b="-15556"/>
+                </a:stretch>
+              </a:blipFill>
+            </p:spPr>
+            <p:txBody>
+              <a:bodyPr/>
+              <a:lstStyle/>
+              <a:p>
+                <a:r>
+                  <a:rPr lang="ja-JP" altLang="en-US">
+                    <a:noFill/>
+                  </a:rPr>
+                  <a:t> </a:t>
+                </a:r>
+              </a:p>
+            </p:txBody>
+          </p:sp>
+        </mc:Fallback>
+      </mc:AlternateContent>
+      <mc:AlternateContent xmlns:mc="http://schemas.openxmlformats.org/markup-compatibility/2006">
+        <mc:Choice xmlns:a14="http://schemas.microsoft.com/office/drawing/2010/main" Requires="a14">
+          <p:sp>
+            <p:nvSpPr>
+              <p:cNvPr id="216" name="テキスト ボックス 215"/>
+              <p:cNvSpPr txBox="1"/>
+              <p:nvPr/>
+            </p:nvSpPr>
+            <p:spPr>
+              <a:xfrm>
+                <a:off x="6493263" y="6073709"/>
+                <a:ext cx="306109" cy="276999"/>
+              </a:xfrm>
+              <a:prstGeom prst="rect">
+                <a:avLst/>
+              </a:prstGeom>
+              <a:noFill/>
+            </p:spPr>
+            <p:txBody>
+              <a:bodyPr wrap="none" lIns="0" tIns="0" rIns="0" bIns="0" rtlCol="0">
+                <a:spAutoFit/>
+              </a:bodyPr>
+              <a:lstStyle/>
+              <a:p>
+                <a:pPr/>
+                <a14:m>
+                  <m:oMathPara xmlns:m="http://schemas.openxmlformats.org/officeDocument/2006/math">
+                    <m:oMathParaPr>
+                      <m:jc m:val="centerGroup"/>
+                    </m:oMathParaPr>
+                    <m:oMath xmlns:m="http://schemas.openxmlformats.org/officeDocument/2006/math">
+                      <m:sSub>
+                        <m:sSubPr>
+                          <m:ctrlPr>
+                            <a:rPr kumimoji="1" lang="en-US" altLang="ja-JP" b="0" i="1" smtClean="0">
+                              <a:latin typeface="Cambria Math" panose="02040503050406030204" pitchFamily="18" charset="0"/>
+                            </a:rPr>
+                          </m:ctrlPr>
+                        </m:sSubPr>
+                        <m:e>
+                          <m:r>
+                            <a:rPr kumimoji="1" lang="en-US" altLang="ja-JP" b="0" i="1" smtClean="0">
+                              <a:latin typeface="Cambria Math" panose="02040503050406030204" pitchFamily="18" charset="0"/>
+                            </a:rPr>
+                            <m:t>𝑢</m:t>
+                          </m:r>
+                        </m:e>
+                        <m:sub>
+                          <m:r>
+                            <a:rPr lang="en-US" altLang="ja-JP" i="1">
+                              <a:latin typeface="Cambria Math" panose="02040503050406030204" pitchFamily="18" charset="0"/>
+                            </a:rPr>
+                            <m:t>7</m:t>
+                          </m:r>
+                        </m:sub>
+                      </m:sSub>
+                    </m:oMath>
+                  </m:oMathPara>
+                </a14:m>
+                <a:endParaRPr kumimoji="1" lang="ja-JP" altLang="en-US" dirty="0"/>
+              </a:p>
+            </p:txBody>
+          </p:sp>
+        </mc:Choice>
+        <mc:Fallback>
+          <p:sp>
+            <p:nvSpPr>
+              <p:cNvPr id="216" name="テキスト ボックス 215"/>
+              <p:cNvSpPr txBox="1">
+                <a:spLocks noRot="1" noChangeAspect="1" noMove="1" noResize="1" noEditPoints="1" noAdjustHandles="1" noChangeArrowheads="1" noChangeShapeType="1" noTextEdit="1"/>
+              </p:cNvSpPr>
+              <p:nvPr/>
+            </p:nvSpPr>
+            <p:spPr>
+              <a:xfrm>
+                <a:off x="6493263" y="6073709"/>
+                <a:ext cx="306109" cy="276999"/>
+              </a:xfrm>
+              <a:prstGeom prst="rect">
+                <a:avLst/>
+              </a:prstGeom>
+              <a:blipFill>
+                <a:blip r:embed="rId24"/>
+                <a:stretch>
+                  <a:fillRect l="-10000" r="-6000" b="-15217"/>
+                </a:stretch>
+              </a:blipFill>
+            </p:spPr>
+            <p:txBody>
+              <a:bodyPr/>
+              <a:lstStyle/>
+              <a:p>
+                <a:r>
+                  <a:rPr lang="ja-JP" altLang="en-US">
+                    <a:noFill/>
+                  </a:rPr>
+                  <a:t> </a:t>
+                </a:r>
+              </a:p>
+            </p:txBody>
+          </p:sp>
+        </mc:Fallback>
+      </mc:AlternateContent>
+      <mc:AlternateContent xmlns:mc="http://schemas.openxmlformats.org/markup-compatibility/2006">
+        <mc:Choice xmlns:a14="http://schemas.microsoft.com/office/drawing/2010/main" Requires="a14">
+          <p:sp>
+            <p:nvSpPr>
+              <p:cNvPr id="217" name="テキスト ボックス 216"/>
+              <p:cNvSpPr txBox="1"/>
+              <p:nvPr/>
+            </p:nvSpPr>
+            <p:spPr>
+              <a:xfrm>
+                <a:off x="5839624" y="4549638"/>
+                <a:ext cx="273216" cy="276999"/>
+              </a:xfrm>
+              <a:prstGeom prst="rect">
+                <a:avLst/>
+              </a:prstGeom>
+              <a:noFill/>
+            </p:spPr>
+            <p:txBody>
+              <a:bodyPr wrap="none" lIns="0" tIns="0" rIns="0" bIns="0" rtlCol="0">
+                <a:spAutoFit/>
+              </a:bodyPr>
+              <a:lstStyle/>
+              <a:p>
+                <a:pPr/>
+                <a14:m>
+                  <m:oMathPara xmlns:m="http://schemas.openxmlformats.org/officeDocument/2006/math">
+                    <m:oMathParaPr>
+                      <m:jc m:val="centerGroup"/>
+                    </m:oMathParaPr>
+                    <m:oMath xmlns:m="http://schemas.openxmlformats.org/officeDocument/2006/math">
+                      <m:sSub>
+                        <m:sSubPr>
+                          <m:ctrlPr>
+                            <a:rPr kumimoji="1" lang="en-US" altLang="ja-JP" b="0" i="1" smtClean="0">
+                              <a:latin typeface="Cambria Math" panose="02040503050406030204" pitchFamily="18" charset="0"/>
+                            </a:rPr>
+                          </m:ctrlPr>
+                        </m:sSubPr>
+                        <m:e>
+                          <m:r>
+                            <a:rPr kumimoji="1" lang="en-US" altLang="ja-JP" b="0" i="1" smtClean="0">
+                              <a:latin typeface="Cambria Math" panose="02040503050406030204" pitchFamily="18" charset="0"/>
+                            </a:rPr>
+                            <m:t>𝑐</m:t>
+                          </m:r>
+                        </m:e>
+                        <m:sub>
+                          <m:r>
+                            <a:rPr kumimoji="1" lang="en-US" altLang="ja-JP" b="0" i="1" smtClean="0">
+                              <a:latin typeface="Cambria Math" panose="02040503050406030204" pitchFamily="18" charset="0"/>
+                            </a:rPr>
+                            <m:t>7</m:t>
+                          </m:r>
+                        </m:sub>
+                      </m:sSub>
+                    </m:oMath>
+                  </m:oMathPara>
+                </a14:m>
+                <a:endParaRPr kumimoji="1" lang="ja-JP" altLang="en-US" dirty="0"/>
+              </a:p>
+            </p:txBody>
+          </p:sp>
+        </mc:Choice>
+        <mc:Fallback>
+          <p:sp>
+            <p:nvSpPr>
+              <p:cNvPr id="217" name="テキスト ボックス 216"/>
+              <p:cNvSpPr txBox="1">
+                <a:spLocks noRot="1" noChangeAspect="1" noMove="1" noResize="1" noEditPoints="1" noAdjustHandles="1" noChangeArrowheads="1" noChangeShapeType="1" noTextEdit="1"/>
+              </p:cNvSpPr>
+              <p:nvPr/>
+            </p:nvSpPr>
+            <p:spPr>
+              <a:xfrm>
+                <a:off x="5839624" y="4549638"/>
+                <a:ext cx="273216" cy="276999"/>
+              </a:xfrm>
+              <a:prstGeom prst="rect">
+                <a:avLst/>
+              </a:prstGeom>
+              <a:blipFill>
+                <a:blip r:embed="rId25"/>
+                <a:stretch>
+                  <a:fillRect l="-8889" r="-4444" b="-15217"/>
+                </a:stretch>
+              </a:blipFill>
+            </p:spPr>
+            <p:txBody>
+              <a:bodyPr/>
+              <a:lstStyle/>
+              <a:p>
+                <a:r>
+                  <a:rPr lang="ja-JP" altLang="en-US">
+                    <a:noFill/>
+                  </a:rPr>
+                  <a:t> </a:t>
+                </a:r>
+              </a:p>
+            </p:txBody>
+          </p:sp>
+        </mc:Fallback>
+      </mc:AlternateContent>
+      <p:cxnSp>
+        <p:nvCxnSpPr>
+          <p:cNvPr id="80" name="直線コネクタ 79"/>
+          <p:cNvCxnSpPr/>
+          <p:nvPr/>
+        </p:nvCxnSpPr>
+        <p:spPr>
+          <a:xfrm flipH="1">
+            <a:off x="4532511" y="5020786"/>
+            <a:ext cx="387512" cy="0"/>
+          </a:xfrm>
+          <a:prstGeom prst="line">
+            <a:avLst/>
+          </a:prstGeom>
+        </p:spPr>
+        <p:style>
+          <a:lnRef idx="1">
+            <a:schemeClr val="dk1"/>
+          </a:lnRef>
+          <a:fillRef idx="0">
+            <a:schemeClr val="dk1"/>
+          </a:fillRef>
+          <a:effectRef idx="0">
+            <a:schemeClr val="dk1"/>
+          </a:effectRef>
+          <a:fontRef idx="minor">
+            <a:schemeClr val="tx1"/>
+          </a:fontRef>
+        </p:style>
+      </p:cxnSp>
+      <p:cxnSp>
+        <p:nvCxnSpPr>
+          <p:cNvPr id="82" name="直線矢印コネクタ 81"/>
+          <p:cNvCxnSpPr/>
+          <p:nvPr/>
+        </p:nvCxnSpPr>
+        <p:spPr>
+          <a:xfrm flipV="1">
+            <a:off x="4688764" y="4516318"/>
+            <a:ext cx="0" cy="504468"/>
+          </a:xfrm>
+          <a:prstGeom prst="straightConnector1">
+            <a:avLst/>
+          </a:prstGeom>
+          <a:ln>
+            <a:tailEnd type="triangle"/>
+          </a:ln>
+        </p:spPr>
+        <p:style>
+          <a:lnRef idx="1">
+            <a:schemeClr val="dk1"/>
+          </a:lnRef>
+          <a:fillRef idx="0">
+            <a:schemeClr val="dk1"/>
+          </a:fillRef>
+          <a:effectRef idx="0">
+            <a:schemeClr val="dk1"/>
+          </a:effectRef>
+          <a:fontRef idx="minor">
+            <a:schemeClr val="tx1"/>
+          </a:fontRef>
+        </p:style>
+      </p:cxnSp>
+      <mc:AlternateContent xmlns:mc="http://schemas.openxmlformats.org/markup-compatibility/2006">
+        <mc:Choice xmlns:a14="http://schemas.microsoft.com/office/drawing/2010/main" Requires="a14">
+          <p:sp>
+            <p:nvSpPr>
+              <p:cNvPr id="219" name="テキスト ボックス 218"/>
+              <p:cNvSpPr txBox="1"/>
+              <p:nvPr/>
+            </p:nvSpPr>
+            <p:spPr>
+              <a:xfrm>
+                <a:off x="4572421" y="4225727"/>
+                <a:ext cx="306109" cy="276999"/>
+              </a:xfrm>
+              <a:prstGeom prst="rect">
+                <a:avLst/>
+              </a:prstGeom>
+              <a:noFill/>
+            </p:spPr>
+            <p:txBody>
+              <a:bodyPr wrap="square" lIns="0" tIns="0" rIns="0" bIns="0" rtlCol="0">
+                <a:spAutoFit/>
+              </a:bodyPr>
+              <a:lstStyle/>
+              <a:p>
+                <a:pPr/>
+                <a14:m>
+                  <m:oMathPara xmlns:m="http://schemas.openxmlformats.org/officeDocument/2006/math">
+                    <m:oMathParaPr>
+                      <m:jc m:val="centerGroup"/>
+                    </m:oMathParaPr>
+                    <m:oMath xmlns:m="http://schemas.openxmlformats.org/officeDocument/2006/math">
+                      <m:sSub>
+                        <m:sSubPr>
+                          <m:ctrlPr>
+                            <a:rPr kumimoji="1" lang="en-US" altLang="ja-JP" b="0" i="1" smtClean="0">
+                              <a:latin typeface="Cambria Math" panose="02040503050406030204" pitchFamily="18" charset="0"/>
+                            </a:rPr>
+                          </m:ctrlPr>
+                        </m:sSubPr>
+                        <m:e>
+                          <m:r>
+                            <a:rPr kumimoji="1" lang="en-US" altLang="ja-JP" b="0" i="1" smtClean="0">
+                              <a:latin typeface="Cambria Math" panose="02040503050406030204" pitchFamily="18" charset="0"/>
+                            </a:rPr>
+                            <m:t>𝑣</m:t>
+                          </m:r>
+                        </m:e>
+                        <m:sub>
+                          <m:r>
+                            <a:rPr kumimoji="1" lang="en-US" altLang="ja-JP" b="0" i="1" smtClean="0">
+                              <a:latin typeface="Cambria Math" panose="02040503050406030204" pitchFamily="18" charset="0"/>
+                            </a:rPr>
+                            <m:t>0</m:t>
+                          </m:r>
+                        </m:sub>
+                      </m:sSub>
+                    </m:oMath>
+                  </m:oMathPara>
+                </a14:m>
+                <a:endParaRPr kumimoji="1" lang="ja-JP" altLang="en-US" dirty="0"/>
+              </a:p>
+            </p:txBody>
+          </p:sp>
+        </mc:Choice>
+        <mc:Fallback>
+          <p:sp>
+            <p:nvSpPr>
+              <p:cNvPr id="219" name="テキスト ボックス 218"/>
+              <p:cNvSpPr txBox="1">
+                <a:spLocks noRot="1" noChangeAspect="1" noMove="1" noResize="1" noEditPoints="1" noAdjustHandles="1" noChangeArrowheads="1" noChangeShapeType="1" noTextEdit="1"/>
+              </p:cNvSpPr>
+              <p:nvPr/>
+            </p:nvSpPr>
+            <p:spPr>
+              <a:xfrm>
+                <a:off x="4572421" y="4225727"/>
+                <a:ext cx="306109" cy="276999"/>
+              </a:xfrm>
+              <a:prstGeom prst="rect">
+                <a:avLst/>
+              </a:prstGeom>
+              <a:blipFill>
+                <a:blip r:embed="rId26"/>
+                <a:stretch>
+                  <a:fillRect l="-8000" r="-6000" b="-15217"/>
                 </a:stretch>
               </a:blipFill>
             </p:spPr>

--- a/docs/system-model.pptx
+++ b/docs/system-model.pptx
@@ -245,7 +245,7 @@
           <a:p>
             <a:fld id="{036B04AF-5DAA-4C3F-8E33-C1EC64966171}" type="datetimeFigureOut">
               <a:rPr kumimoji="1" lang="ja-JP" altLang="en-US" smtClean="0"/>
-              <a:t>2019/10/10</a:t>
+              <a:t>2019/10/11</a:t>
             </a:fld>
             <a:endParaRPr kumimoji="1" lang="ja-JP" altLang="en-US"/>
           </a:p>
@@ -447,7 +447,7 @@
           <a:p>
             <a:fld id="{036B04AF-5DAA-4C3F-8E33-C1EC64966171}" type="datetimeFigureOut">
               <a:rPr kumimoji="1" lang="ja-JP" altLang="en-US" smtClean="0"/>
-              <a:t>2019/10/10</a:t>
+              <a:t>2019/10/11</a:t>
             </a:fld>
             <a:endParaRPr kumimoji="1" lang="ja-JP" altLang="en-US"/>
           </a:p>
@@ -659,7 +659,7 @@
           <a:p>
             <a:fld id="{036B04AF-5DAA-4C3F-8E33-C1EC64966171}" type="datetimeFigureOut">
               <a:rPr kumimoji="1" lang="ja-JP" altLang="en-US" smtClean="0"/>
-              <a:t>2019/10/10</a:t>
+              <a:t>2019/10/11</a:t>
             </a:fld>
             <a:endParaRPr kumimoji="1" lang="ja-JP" altLang="en-US"/>
           </a:p>
@@ -861,7 +861,7 @@
           <a:p>
             <a:fld id="{036B04AF-5DAA-4C3F-8E33-C1EC64966171}" type="datetimeFigureOut">
               <a:rPr kumimoji="1" lang="ja-JP" altLang="en-US" smtClean="0"/>
-              <a:t>2019/10/10</a:t>
+              <a:t>2019/10/11</a:t>
             </a:fld>
             <a:endParaRPr kumimoji="1" lang="ja-JP" altLang="en-US"/>
           </a:p>
@@ -1107,7 +1107,7 @@
           <a:p>
             <a:fld id="{036B04AF-5DAA-4C3F-8E33-C1EC64966171}" type="datetimeFigureOut">
               <a:rPr kumimoji="1" lang="ja-JP" altLang="en-US" smtClean="0"/>
-              <a:t>2019/10/10</a:t>
+              <a:t>2019/10/11</a:t>
             </a:fld>
             <a:endParaRPr kumimoji="1" lang="ja-JP" altLang="en-US"/>
           </a:p>
@@ -1403,7 +1403,7 @@
           <a:p>
             <a:fld id="{036B04AF-5DAA-4C3F-8E33-C1EC64966171}" type="datetimeFigureOut">
               <a:rPr kumimoji="1" lang="ja-JP" altLang="en-US" smtClean="0"/>
-              <a:t>2019/10/10</a:t>
+              <a:t>2019/10/11</a:t>
             </a:fld>
             <a:endParaRPr kumimoji="1" lang="ja-JP" altLang="en-US"/>
           </a:p>
@@ -1834,7 +1834,7 @@
           <a:p>
             <a:fld id="{036B04AF-5DAA-4C3F-8E33-C1EC64966171}" type="datetimeFigureOut">
               <a:rPr kumimoji="1" lang="ja-JP" altLang="en-US" smtClean="0"/>
-              <a:t>2019/10/10</a:t>
+              <a:t>2019/10/11</a:t>
             </a:fld>
             <a:endParaRPr kumimoji="1" lang="ja-JP" altLang="en-US"/>
           </a:p>
@@ -1952,7 +1952,7 @@
           <a:p>
             <a:fld id="{036B04AF-5DAA-4C3F-8E33-C1EC64966171}" type="datetimeFigureOut">
               <a:rPr kumimoji="1" lang="ja-JP" altLang="en-US" smtClean="0"/>
-              <a:t>2019/10/10</a:t>
+              <a:t>2019/10/11</a:t>
             </a:fld>
             <a:endParaRPr kumimoji="1" lang="ja-JP" altLang="en-US"/>
           </a:p>
@@ -2047,7 +2047,7 @@
           <a:p>
             <a:fld id="{036B04AF-5DAA-4C3F-8E33-C1EC64966171}" type="datetimeFigureOut">
               <a:rPr kumimoji="1" lang="ja-JP" altLang="en-US" smtClean="0"/>
-              <a:t>2019/10/10</a:t>
+              <a:t>2019/10/11</a:t>
             </a:fld>
             <a:endParaRPr kumimoji="1" lang="ja-JP" altLang="en-US"/>
           </a:p>
@@ -2356,7 +2356,7 @@
           <a:p>
             <a:fld id="{036B04AF-5DAA-4C3F-8E33-C1EC64966171}" type="datetimeFigureOut">
               <a:rPr kumimoji="1" lang="ja-JP" altLang="en-US" smtClean="0"/>
-              <a:t>2019/10/10</a:t>
+              <a:t>2019/10/11</a:t>
             </a:fld>
             <a:endParaRPr kumimoji="1" lang="ja-JP" altLang="en-US"/>
           </a:p>
@@ -2609,7 +2609,7 @@
           <a:p>
             <a:fld id="{036B04AF-5DAA-4C3F-8E33-C1EC64966171}" type="datetimeFigureOut">
               <a:rPr kumimoji="1" lang="ja-JP" altLang="en-US" smtClean="0"/>
-              <a:t>2019/10/10</a:t>
+              <a:t>2019/10/11</a:t>
             </a:fld>
             <a:endParaRPr kumimoji="1" lang="ja-JP" altLang="en-US"/>
           </a:p>
@@ -2854,7 +2854,7 @@
           <a:p>
             <a:fld id="{036B04AF-5DAA-4C3F-8E33-C1EC64966171}" type="datetimeFigureOut">
               <a:rPr kumimoji="1" lang="ja-JP" altLang="en-US" smtClean="0"/>
-              <a:t>2019/10/10</a:t>
+              <a:t>2019/10/11</a:t>
             </a:fld>
             <a:endParaRPr kumimoji="1" lang="ja-JP" altLang="en-US"/>
           </a:p>
@@ -3588,9 +3588,9 @@
         <p:grpSpPr>
           <a:xfrm>
             <a:off x="228066" y="526651"/>
-            <a:ext cx="11685511" cy="5461811"/>
+            <a:ext cx="11547866" cy="5461811"/>
             <a:chOff x="228066" y="526651"/>
-            <a:chExt cx="12460535" cy="5824057"/>
+            <a:chExt cx="12313761" cy="5824057"/>
           </a:xfrm>
         </p:grpSpPr>
         <p:grpSp>
@@ -4264,7 +4264,7 @@
               <p:spPr>
                 <a:xfrm>
                   <a:off x="7391886" y="2853265"/>
-                  <a:ext cx="239835" cy="221671"/>
+                  <a:ext cx="603253" cy="295371"/>
                 </a:xfrm>
                 <a:prstGeom prst="rect">
                   <a:avLst/>
@@ -4309,6 +4309,37 @@
                             </m:r>
                           </m:sub>
                         </m:sSub>
+                        <m:r>
+                          <a:rPr kumimoji="1" lang="en-US" altLang="ja-JP" b="0" i="1" smtClean="0">
+                            <a:latin typeface="Cambria Math" panose="02040503050406030204" pitchFamily="18" charset="0"/>
+                          </a:rPr>
+                          <m:t>,</m:t>
+                        </m:r>
+                        <m:sSub>
+                          <m:sSubPr>
+                            <m:ctrlPr>
+                              <a:rPr kumimoji="1" lang="en-US" altLang="ja-JP" b="0" i="1" smtClean="0">
+                                <a:latin typeface="Cambria Math" panose="02040503050406030204" pitchFamily="18" charset="0"/>
+                              </a:rPr>
+                            </m:ctrlPr>
+                          </m:sSubPr>
+                          <m:e>
+                            <m:r>
+                              <a:rPr kumimoji="1" lang="en-US" altLang="ja-JP" b="0" i="1" smtClean="0">
+                                <a:latin typeface="Cambria Math" panose="02040503050406030204" pitchFamily="18" charset="0"/>
+                              </a:rPr>
+                              <m:t>𝑙</m:t>
+                            </m:r>
+                          </m:e>
+                          <m:sub>
+                            <m:r>
+                              <a:rPr kumimoji="1" lang="en-US" altLang="ja-JP" b="0" i="1" smtClean="0">
+                                <a:latin typeface="Cambria Math" panose="02040503050406030204" pitchFamily="18" charset="0"/>
+                              </a:rPr>
+                              <m:t>2</m:t>
+                            </m:r>
+                          </m:sub>
+                        </m:sSub>
                       </m:oMath>
                     </m:oMathPara>
                   </a14:m>
@@ -4329,7 +4360,7 @@
               <p:spPr>
                 <a:xfrm>
                   <a:off x="7391886" y="2853265"/>
-                  <a:ext cx="239835" cy="221671"/>
+                  <a:ext cx="603253" cy="295371"/>
                 </a:xfrm>
                 <a:prstGeom prst="rect">
                   <a:avLst/>
@@ -4337,7 +4368,7 @@
                 <a:blipFill>
                   <a:blip r:embed="rId2"/>
                   <a:stretch>
-                    <a:fillRect l="-37838" r="-27027" b="-55882"/>
+                    <a:fillRect l="-8602" r="-3226" b="-15217"/>
                   </a:stretch>
                 </a:blipFill>
               </p:spPr>
@@ -4356,8 +4387,8 @@
             </p:sp>
           </mc:Fallback>
         </mc:AlternateContent>
-        <mc:AlternateContent xmlns:mc="http://schemas.openxmlformats.org/markup-compatibility/2006">
-          <mc:Choice xmlns:a14="http://schemas.microsoft.com/office/drawing/2010/main" Requires="a14">
+        <mc:AlternateContent xmlns:mc="http://schemas.openxmlformats.org/markup-compatibility/2006" xmlns:a14="http://schemas.microsoft.com/office/drawing/2010/main">
+          <mc:Choice Requires="a14">
             <p:sp>
               <p:nvSpPr>
                 <p:cNvPr id="201" name="テキスト ボックス 200"/>
@@ -4420,7 +4451,7 @@
               </p:txBody>
             </p:sp>
           </mc:Choice>
-          <mc:Fallback>
+          <mc:Fallback xmlns="">
             <p:sp>
               <p:nvSpPr>
                 <p:cNvPr id="201" name="テキスト ボックス 200"/>
@@ -4999,8 +5030,8 @@
             </a:fontRef>
           </p:style>
         </p:cxnSp>
-        <mc:AlternateContent xmlns:mc="http://schemas.openxmlformats.org/markup-compatibility/2006">
-          <mc:Choice xmlns:a14="http://schemas.microsoft.com/office/drawing/2010/main" Requires="a14">
+        <mc:AlternateContent xmlns:mc="http://schemas.openxmlformats.org/markup-compatibility/2006" xmlns:a14="http://schemas.microsoft.com/office/drawing/2010/main">
+          <mc:Choice Requires="a14">
             <p:sp>
               <p:nvSpPr>
                 <p:cNvPr id="25" name="正方形/長方形 24"/>
@@ -5086,7 +5117,7 @@
               </p:txBody>
             </p:sp>
           </mc:Choice>
-          <mc:Fallback>
+          <mc:Fallback xmlns="">
             <p:sp>
               <p:nvSpPr>
                 <p:cNvPr id="25" name="正方形/長方形 24"/>
@@ -6194,8 +6225,8 @@
             </a:fontRef>
           </p:style>
         </p:cxnSp>
-        <mc:AlternateContent xmlns:mc="http://schemas.openxmlformats.org/markup-compatibility/2006">
-          <mc:Choice xmlns:a14="http://schemas.microsoft.com/office/drawing/2010/main" Requires="a14">
+        <mc:AlternateContent xmlns:mc="http://schemas.openxmlformats.org/markup-compatibility/2006" xmlns:a14="http://schemas.microsoft.com/office/drawing/2010/main">
+          <mc:Choice Requires="a14">
             <p:sp>
               <p:nvSpPr>
                 <p:cNvPr id="145" name="正方形/長方形 144"/>
@@ -6281,7 +6312,7 @@
               </p:txBody>
             </p:sp>
           </mc:Choice>
-          <mc:Fallback>
+          <mc:Fallback xmlns="">
             <p:sp>
               <p:nvSpPr>
                 <p:cNvPr id="145" name="正方形/長方形 144"/>
@@ -6363,7 +6394,7 @@
               <p:spPr>
                 <a:xfrm>
                   <a:off x="9789747" y="3210661"/>
-                  <a:ext cx="235577" cy="221671"/>
+                  <a:ext cx="591903" cy="295371"/>
                 </a:xfrm>
                 <a:prstGeom prst="rect">
                   <a:avLst/>
@@ -6408,6 +6439,37 @@
                             </m:r>
                           </m:sub>
                         </m:sSub>
+                        <m:r>
+                          <a:rPr kumimoji="1" lang="en-US" altLang="ja-JP" b="0" i="1" smtClean="0">
+                            <a:latin typeface="Cambria Math" panose="02040503050406030204" pitchFamily="18" charset="0"/>
+                          </a:rPr>
+                          <m:t>,</m:t>
+                        </m:r>
+                        <m:sSub>
+                          <m:sSubPr>
+                            <m:ctrlPr>
+                              <a:rPr kumimoji="1" lang="en-US" altLang="ja-JP" b="0" i="1" smtClean="0">
+                                <a:latin typeface="Cambria Math" panose="02040503050406030204" pitchFamily="18" charset="0"/>
+                              </a:rPr>
+                            </m:ctrlPr>
+                          </m:sSubPr>
+                          <m:e>
+                            <m:r>
+                              <a:rPr kumimoji="1" lang="en-US" altLang="ja-JP" b="0" i="1" smtClean="0">
+                                <a:latin typeface="Cambria Math" panose="02040503050406030204" pitchFamily="18" charset="0"/>
+                              </a:rPr>
+                              <m:t>𝑙</m:t>
+                            </m:r>
+                          </m:e>
+                          <m:sub>
+                            <m:r>
+                              <a:rPr kumimoji="1" lang="en-US" altLang="ja-JP" b="0" i="1" smtClean="0">
+                                <a:latin typeface="Cambria Math" panose="02040503050406030204" pitchFamily="18" charset="0"/>
+                              </a:rPr>
+                              <m:t>1</m:t>
+                            </m:r>
+                          </m:sub>
+                        </m:sSub>
                       </m:oMath>
                     </m:oMathPara>
                   </a14:m>
@@ -6428,7 +6490,7 @@
               <p:spPr>
                 <a:xfrm>
                   <a:off x="9789747" y="3210661"/>
-                  <a:ext cx="235577" cy="221671"/>
+                  <a:ext cx="591903" cy="295371"/>
                 </a:xfrm>
                 <a:prstGeom prst="rect">
                   <a:avLst/>
@@ -6436,7 +6498,7 @@
                 <a:blipFill>
                   <a:blip r:embed="rId6"/>
                   <a:stretch>
-                    <a:fillRect l="-37838" r="-24324" b="-55882"/>
+                    <a:fillRect l="-8791" r="-3297" b="-15217"/>
                   </a:stretch>
                 </a:blipFill>
               </p:spPr>
@@ -6466,7 +6528,7 @@
               <p:spPr>
                 <a:xfrm>
                   <a:off x="3745452" y="2853265"/>
-                  <a:ext cx="299697" cy="276999"/>
+                  <a:ext cx="603253" cy="295371"/>
                 </a:xfrm>
                 <a:prstGeom prst="rect">
                   <a:avLst/>
@@ -6511,6 +6573,37 @@
                             </m:r>
                           </m:sub>
                         </m:sSub>
+                        <m:r>
+                          <a:rPr lang="en-US" altLang="ja-JP" b="0" i="1" smtClean="0">
+                            <a:latin typeface="Cambria Math" panose="02040503050406030204" pitchFamily="18" charset="0"/>
+                          </a:rPr>
+                          <m:t>,</m:t>
+                        </m:r>
+                        <m:sSub>
+                          <m:sSubPr>
+                            <m:ctrlPr>
+                              <a:rPr lang="en-US" altLang="ja-JP" b="0" i="1" smtClean="0">
+                                <a:latin typeface="Cambria Math" panose="02040503050406030204" pitchFamily="18" charset="0"/>
+                              </a:rPr>
+                            </m:ctrlPr>
+                          </m:sSubPr>
+                          <m:e>
+                            <m:r>
+                              <a:rPr lang="en-US" altLang="ja-JP" b="0" i="1" smtClean="0">
+                                <a:latin typeface="Cambria Math" panose="02040503050406030204" pitchFamily="18" charset="0"/>
+                              </a:rPr>
+                              <m:t>𝑙</m:t>
+                            </m:r>
+                          </m:e>
+                          <m:sub>
+                            <m:r>
+                              <a:rPr lang="en-US" altLang="ja-JP" b="0" i="1" smtClean="0">
+                                <a:latin typeface="Cambria Math" panose="02040503050406030204" pitchFamily="18" charset="0"/>
+                              </a:rPr>
+                              <m:t>3</m:t>
+                            </m:r>
+                          </m:sub>
+                        </m:sSub>
                       </m:oMath>
                     </m:oMathPara>
                   </a14:m>
@@ -6531,7 +6624,7 @@
               <p:spPr>
                 <a:xfrm>
                   <a:off x="3745452" y="2853265"/>
-                  <a:ext cx="299697" cy="276999"/>
+                  <a:ext cx="603253" cy="295371"/>
                 </a:xfrm>
                 <a:prstGeom prst="rect">
                   <a:avLst/>
@@ -6539,7 +6632,7 @@
                 <a:blipFill>
                   <a:blip r:embed="rId7"/>
                   <a:stretch>
-                    <a:fillRect l="-21739" r="-8696" b="-23256"/>
+                    <a:fillRect l="-8696" r="-3261" b="-15217"/>
                   </a:stretch>
                 </a:blipFill>
               </p:spPr>
@@ -6569,7 +6662,7 @@
               <p:spPr>
                 <a:xfrm>
                   <a:off x="955833" y="1131354"/>
-                  <a:ext cx="299697" cy="276999"/>
+                  <a:ext cx="603253" cy="295371"/>
                 </a:xfrm>
                 <a:prstGeom prst="rect">
                   <a:avLst/>
@@ -6614,6 +6707,37 @@
                             </m:r>
                           </m:sub>
                         </m:sSub>
+                        <m:r>
+                          <a:rPr kumimoji="1" lang="en-US" altLang="ja-JP" b="0" i="1" smtClean="0">
+                            <a:latin typeface="Cambria Math" panose="02040503050406030204" pitchFamily="18" charset="0"/>
+                          </a:rPr>
+                          <m:t>,</m:t>
+                        </m:r>
+                        <m:sSub>
+                          <m:sSubPr>
+                            <m:ctrlPr>
+                              <a:rPr kumimoji="1" lang="en-US" altLang="ja-JP" b="0" i="1" smtClean="0">
+                                <a:latin typeface="Cambria Math" panose="02040503050406030204" pitchFamily="18" charset="0"/>
+                              </a:rPr>
+                            </m:ctrlPr>
+                          </m:sSubPr>
+                          <m:e>
+                            <m:r>
+                              <a:rPr kumimoji="1" lang="en-US" altLang="ja-JP" b="0" i="1" smtClean="0">
+                                <a:latin typeface="Cambria Math" panose="02040503050406030204" pitchFamily="18" charset="0"/>
+                              </a:rPr>
+                              <m:t>𝑙</m:t>
+                            </m:r>
+                          </m:e>
+                          <m:sub>
+                            <m:r>
+                              <a:rPr kumimoji="1" lang="en-US" altLang="ja-JP" b="0" i="1" smtClean="0">
+                                <a:latin typeface="Cambria Math" panose="02040503050406030204" pitchFamily="18" charset="0"/>
+                              </a:rPr>
+                              <m:t>4</m:t>
+                            </m:r>
+                          </m:sub>
+                        </m:sSub>
                       </m:oMath>
                     </m:oMathPara>
                   </a14:m>
@@ -6634,7 +6758,7 @@
               <p:spPr>
                 <a:xfrm>
                   <a:off x="955833" y="1131354"/>
-                  <a:ext cx="299697" cy="276999"/>
+                  <a:ext cx="603253" cy="295371"/>
                 </a:xfrm>
                 <a:prstGeom prst="rect">
                   <a:avLst/>
@@ -6642,7 +6766,7 @@
                 <a:blipFill>
                   <a:blip r:embed="rId8"/>
                   <a:stretch>
-                    <a:fillRect l="-21739" r="-10870" b="-23256"/>
+                    <a:fillRect l="-8602" r="-3226" b="-15217"/>
                   </a:stretch>
                 </a:blipFill>
               </p:spPr>
@@ -6672,7 +6796,7 @@
               <p:spPr>
                 <a:xfrm>
                   <a:off x="3531260" y="1113749"/>
-                  <a:ext cx="299697" cy="276999"/>
+                  <a:ext cx="603253" cy="295371"/>
                 </a:xfrm>
                 <a:prstGeom prst="rect">
                   <a:avLst/>
@@ -6717,6 +6841,37 @@
                             </m:r>
                           </m:sub>
                         </m:sSub>
+                        <m:r>
+                          <a:rPr kumimoji="1" lang="en-US" altLang="ja-JP" b="0" i="1" smtClean="0">
+                            <a:latin typeface="Cambria Math" panose="02040503050406030204" pitchFamily="18" charset="0"/>
+                          </a:rPr>
+                          <m:t>,</m:t>
+                        </m:r>
+                        <m:sSub>
+                          <m:sSubPr>
+                            <m:ctrlPr>
+                              <a:rPr kumimoji="1" lang="en-US" altLang="ja-JP" b="0" i="1" smtClean="0">
+                                <a:latin typeface="Cambria Math" panose="02040503050406030204" pitchFamily="18" charset="0"/>
+                              </a:rPr>
+                            </m:ctrlPr>
+                          </m:sSubPr>
+                          <m:e>
+                            <m:r>
+                              <a:rPr kumimoji="1" lang="en-US" altLang="ja-JP" b="0" i="1" smtClean="0">
+                                <a:latin typeface="Cambria Math" panose="02040503050406030204" pitchFamily="18" charset="0"/>
+                              </a:rPr>
+                              <m:t>𝑙</m:t>
+                            </m:r>
+                          </m:e>
+                          <m:sub>
+                            <m:r>
+                              <a:rPr kumimoji="1" lang="en-US" altLang="ja-JP" b="0" i="1" smtClean="0">
+                                <a:latin typeface="Cambria Math" panose="02040503050406030204" pitchFamily="18" charset="0"/>
+                              </a:rPr>
+                              <m:t>5</m:t>
+                            </m:r>
+                          </m:sub>
+                        </m:sSub>
                       </m:oMath>
                     </m:oMathPara>
                   </a14:m>
@@ -6737,7 +6892,7 @@
               <p:spPr>
                 <a:xfrm>
                   <a:off x="3531260" y="1113749"/>
-                  <a:ext cx="299697" cy="276999"/>
+                  <a:ext cx="603253" cy="295371"/>
                 </a:xfrm>
                 <a:prstGeom prst="rect">
                   <a:avLst/>
@@ -6745,7 +6900,7 @@
                 <a:blipFill>
                   <a:blip r:embed="rId9"/>
                   <a:stretch>
-                    <a:fillRect l="-21739" r="-10870" b="-26190"/>
+                    <a:fillRect l="-8696" r="-4348" b="-17778"/>
                   </a:stretch>
                 </a:blipFill>
               </p:spPr>
@@ -6764,8 +6919,8 @@
             </p:sp>
           </mc:Fallback>
         </mc:AlternateContent>
-        <mc:AlternateContent xmlns:mc="http://schemas.openxmlformats.org/markup-compatibility/2006">
-          <mc:Choice xmlns:a14="http://schemas.microsoft.com/office/drawing/2010/main" Requires="a14">
+        <mc:AlternateContent xmlns:mc="http://schemas.openxmlformats.org/markup-compatibility/2006" xmlns:a14="http://schemas.microsoft.com/office/drawing/2010/main">
+          <mc:Choice Requires="a14">
             <p:sp>
               <p:nvSpPr>
                 <p:cNvPr id="158" name="テキスト ボックス 157"/>
@@ -6828,7 +6983,7 @@
               </p:txBody>
             </p:sp>
           </mc:Choice>
-          <mc:Fallback>
+          <mc:Fallback xmlns="">
             <p:sp>
               <p:nvSpPr>
                 <p:cNvPr id="158" name="テキスト ボックス 157"/>
@@ -6937,8 +7092,8 @@
             </a:fontRef>
           </p:style>
         </p:cxnSp>
-        <mc:AlternateContent xmlns:mc="http://schemas.openxmlformats.org/markup-compatibility/2006">
-          <mc:Choice xmlns:a14="http://schemas.microsoft.com/office/drawing/2010/main" Requires="a14">
+        <mc:AlternateContent xmlns:mc="http://schemas.openxmlformats.org/markup-compatibility/2006" xmlns:a14="http://schemas.microsoft.com/office/drawing/2010/main">
+          <mc:Choice Requires="a14">
             <p:sp>
               <p:nvSpPr>
                 <p:cNvPr id="177" name="テキスト ボックス 176"/>
@@ -6948,7 +7103,7 @@
               <p:spPr>
                 <a:xfrm>
                   <a:off x="11641904" y="4542452"/>
-                  <a:ext cx="1046697" cy="276999"/>
+                  <a:ext cx="899923" cy="295371"/>
                 </a:xfrm>
                 <a:prstGeom prst="rect">
                   <a:avLst/>
@@ -7021,18 +7176,6 @@
                           <a:rPr kumimoji="1" lang="en-US" altLang="ja-JP" b="0" i="1" smtClean="0">
                             <a:latin typeface="Cambria Math" panose="02040503050406030204" pitchFamily="18" charset="0"/>
                           </a:rPr>
-                          <m:t>,</m:t>
-                        </m:r>
-                        <m:r>
-                          <a:rPr kumimoji="1" lang="en-US" altLang="ja-JP" b="0" i="1" smtClean="0">
-                            <a:latin typeface="Cambria Math" panose="02040503050406030204" pitchFamily="18" charset="0"/>
-                          </a:rPr>
-                          <m:t>𝑧</m:t>
-                        </m:r>
-                        <m:r>
-                          <a:rPr kumimoji="1" lang="en-US" altLang="ja-JP" b="0" i="1" smtClean="0">
-                            <a:latin typeface="Cambria Math" panose="02040503050406030204" pitchFamily="18" charset="0"/>
-                          </a:rPr>
                           <m:t>)</m:t>
                         </m:r>
                       </m:oMath>
@@ -7043,7 +7186,7 @@
               </p:txBody>
             </p:sp>
           </mc:Choice>
-          <mc:Fallback>
+          <mc:Fallback xmlns="">
             <p:sp>
               <p:nvSpPr>
                 <p:cNvPr id="177" name="テキスト ボックス 176"/>
@@ -7055,7 +7198,7 @@
               <p:spPr>
                 <a:xfrm>
                   <a:off x="11641904" y="4542452"/>
-                  <a:ext cx="1046697" cy="276999"/>
+                  <a:ext cx="899923" cy="295371"/>
                 </a:xfrm>
                 <a:prstGeom prst="rect">
                   <a:avLst/>
@@ -7063,7 +7206,7 @@
                 <a:blipFill>
                   <a:blip r:embed="rId11"/>
                   <a:stretch>
-                    <a:fillRect l="-5590" t="-2326" r="-11180" b="-41860"/>
+                    <a:fillRect l="-2878" t="-2174" r="-8633" b="-32609"/>
                   </a:stretch>
                 </a:blipFill>
               </p:spPr>
@@ -7082,8 +7225,8 @@
             </p:sp>
           </mc:Fallback>
         </mc:AlternateContent>
-        <mc:AlternateContent xmlns:mc="http://schemas.openxmlformats.org/markup-compatibility/2006">
-          <mc:Choice xmlns:a14="http://schemas.microsoft.com/office/drawing/2010/main" Requires="a14">
+        <mc:AlternateContent xmlns:mc="http://schemas.openxmlformats.org/markup-compatibility/2006" xmlns:a14="http://schemas.microsoft.com/office/drawing/2010/main">
+          <mc:Choice Requires="a14">
             <p:sp>
               <p:nvSpPr>
                 <p:cNvPr id="178" name="テキスト ボックス 177"/>
@@ -7093,7 +7236,7 @@
               <p:spPr>
                 <a:xfrm>
                   <a:off x="6123052" y="2581060"/>
-                  <a:ext cx="1052019" cy="276999"/>
+                  <a:ext cx="905598" cy="295371"/>
                 </a:xfrm>
                 <a:prstGeom prst="rect">
                   <a:avLst/>
@@ -7166,18 +7309,6 @@
                           <a:rPr kumimoji="1" lang="en-US" altLang="ja-JP" b="0" i="1" smtClean="0">
                             <a:latin typeface="Cambria Math" panose="02040503050406030204" pitchFamily="18" charset="0"/>
                           </a:rPr>
-                          <m:t>,</m:t>
-                        </m:r>
-                        <m:r>
-                          <a:rPr kumimoji="1" lang="en-US" altLang="ja-JP" b="0" i="1" smtClean="0">
-                            <a:latin typeface="Cambria Math" panose="02040503050406030204" pitchFamily="18" charset="0"/>
-                          </a:rPr>
-                          <m:t>𝑧</m:t>
-                        </m:r>
-                        <m:r>
-                          <a:rPr kumimoji="1" lang="en-US" altLang="ja-JP" b="0" i="1" smtClean="0">
-                            <a:latin typeface="Cambria Math" panose="02040503050406030204" pitchFamily="18" charset="0"/>
-                          </a:rPr>
                           <m:t>)</m:t>
                         </m:r>
                       </m:oMath>
@@ -7188,7 +7319,7 @@
               </p:txBody>
             </p:sp>
           </mc:Choice>
-          <mc:Fallback>
+          <mc:Fallback xmlns="">
             <p:sp>
               <p:nvSpPr>
                 <p:cNvPr id="178" name="テキスト ボックス 177"/>
@@ -7200,7 +7331,7 @@
               <p:spPr>
                 <a:xfrm>
                   <a:off x="6123052" y="2581060"/>
-                  <a:ext cx="1052019" cy="276999"/>
+                  <a:ext cx="905598" cy="295371"/>
                 </a:xfrm>
                 <a:prstGeom prst="rect">
                   <a:avLst/>
@@ -7208,7 +7339,7 @@
                 <a:blipFill>
                   <a:blip r:embed="rId12"/>
                   <a:stretch>
-                    <a:fillRect l="-5556" t="-2326" r="-10494" b="-41860"/>
+                    <a:fillRect l="-2857" t="-2174" r="-8571" b="-32609"/>
                   </a:stretch>
                 </a:blipFill>
               </p:spPr>
@@ -7227,8 +7358,8 @@
             </p:sp>
           </mc:Fallback>
         </mc:AlternateContent>
-        <mc:AlternateContent xmlns:mc="http://schemas.openxmlformats.org/markup-compatibility/2006">
-          <mc:Choice xmlns:a14="http://schemas.microsoft.com/office/drawing/2010/main" Requires="a14">
+        <mc:AlternateContent xmlns:mc="http://schemas.openxmlformats.org/markup-compatibility/2006" xmlns:a14="http://schemas.microsoft.com/office/drawing/2010/main">
+          <mc:Choice Requires="a14">
             <p:sp>
               <p:nvSpPr>
                 <p:cNvPr id="179" name="テキスト ボックス 178"/>
@@ -7238,7 +7369,7 @@
               <p:spPr>
                 <a:xfrm>
                   <a:off x="2920819" y="4552963"/>
-                  <a:ext cx="306109" cy="276999"/>
+                  <a:ext cx="306109" cy="295371"/>
                 </a:xfrm>
                 <a:prstGeom prst="rect">
                   <a:avLst/>
@@ -7311,18 +7442,6 @@
                           <a:rPr kumimoji="1" lang="en-US" altLang="ja-JP" b="0" i="1" smtClean="0">
                             <a:latin typeface="Cambria Math" panose="02040503050406030204" pitchFamily="18" charset="0"/>
                           </a:rPr>
-                          <m:t>,</m:t>
-                        </m:r>
-                        <m:r>
-                          <a:rPr kumimoji="1" lang="en-US" altLang="ja-JP" b="0" i="1" smtClean="0">
-                            <a:latin typeface="Cambria Math" panose="02040503050406030204" pitchFamily="18" charset="0"/>
-                          </a:rPr>
-                          <m:t>𝑧</m:t>
-                        </m:r>
-                        <m:r>
-                          <a:rPr kumimoji="1" lang="en-US" altLang="ja-JP" b="0" i="1" smtClean="0">
-                            <a:latin typeface="Cambria Math" panose="02040503050406030204" pitchFamily="18" charset="0"/>
-                          </a:rPr>
                           <m:t>)</m:t>
                         </m:r>
                       </m:oMath>
@@ -7333,7 +7452,7 @@
               </p:txBody>
             </p:sp>
           </mc:Choice>
-          <mc:Fallback>
+          <mc:Fallback xmlns="">
             <p:sp>
               <p:nvSpPr>
                 <p:cNvPr id="179" name="テキスト ボックス 178"/>
@@ -7345,7 +7464,7 @@
               <p:spPr>
                 <a:xfrm>
                   <a:off x="2920819" y="4552963"/>
-                  <a:ext cx="306109" cy="276999"/>
+                  <a:ext cx="306109" cy="295371"/>
                 </a:xfrm>
                 <a:prstGeom prst="rect">
                   <a:avLst/>
@@ -7353,7 +7472,7 @@
                 <a:blipFill>
                   <a:blip r:embed="rId13"/>
                   <a:stretch>
-                    <a:fillRect l="-21277" t="-2381" r="-280851" b="-45238"/>
+                    <a:fillRect l="-21277" t="-2222" r="-210638" b="-35556"/>
                   </a:stretch>
                 </a:blipFill>
               </p:spPr>
@@ -7667,8 +7786,8 @@
             </a:fontRef>
           </p:style>
         </p:cxnSp>
-        <mc:AlternateContent xmlns:mc="http://schemas.openxmlformats.org/markup-compatibility/2006">
-          <mc:Choice xmlns:a14="http://schemas.microsoft.com/office/drawing/2010/main" Requires="a14">
+        <mc:AlternateContent xmlns:mc="http://schemas.openxmlformats.org/markup-compatibility/2006" xmlns:a14="http://schemas.microsoft.com/office/drawing/2010/main">
+          <mc:Choice Requires="a14">
             <p:sp>
               <p:nvSpPr>
                 <p:cNvPr id="212" name="テキスト ボックス 211"/>
@@ -7678,7 +7797,7 @@
               <p:spPr>
                 <a:xfrm>
                   <a:off x="5478091" y="526651"/>
-                  <a:ext cx="1052019" cy="276999"/>
+                  <a:ext cx="905598" cy="295371"/>
                 </a:xfrm>
                 <a:prstGeom prst="rect">
                   <a:avLst/>
@@ -7751,18 +7870,6 @@
                           <a:rPr kumimoji="1" lang="en-US" altLang="ja-JP" b="0" i="1" smtClean="0">
                             <a:latin typeface="Cambria Math" panose="02040503050406030204" pitchFamily="18" charset="0"/>
                           </a:rPr>
-                          <m:t>,</m:t>
-                        </m:r>
-                        <m:r>
-                          <a:rPr kumimoji="1" lang="en-US" altLang="ja-JP" b="0" i="1" smtClean="0">
-                            <a:latin typeface="Cambria Math" panose="02040503050406030204" pitchFamily="18" charset="0"/>
-                          </a:rPr>
-                          <m:t>𝑧</m:t>
-                        </m:r>
-                        <m:r>
-                          <a:rPr kumimoji="1" lang="en-US" altLang="ja-JP" b="0" i="1" smtClean="0">
-                            <a:latin typeface="Cambria Math" panose="02040503050406030204" pitchFamily="18" charset="0"/>
-                          </a:rPr>
                           <m:t>)</m:t>
                         </m:r>
                       </m:oMath>
@@ -7773,7 +7880,7 @@
               </p:txBody>
             </p:sp>
           </mc:Choice>
-          <mc:Fallback>
+          <mc:Fallback xmlns="">
             <p:sp>
               <p:nvSpPr>
                 <p:cNvPr id="212" name="テキスト ボックス 211"/>
@@ -7785,7 +7892,7 @@
               <p:spPr>
                 <a:xfrm>
                   <a:off x="5478091" y="526651"/>
-                  <a:ext cx="1052019" cy="276999"/>
+                  <a:ext cx="905598" cy="295371"/>
                 </a:xfrm>
                 <a:prstGeom prst="rect">
                   <a:avLst/>
@@ -7793,7 +7900,7 @@
                 <a:blipFill>
                   <a:blip r:embed="rId14"/>
                   <a:stretch>
-                    <a:fillRect l="-5556" t="-2326" r="-10494" b="-41860"/>
+                    <a:fillRect l="-2878" t="-2174" r="-9353" b="-32609"/>
                   </a:stretch>
                 </a:blipFill>
               </p:spPr>
@@ -7812,8 +7919,8 @@
             </p:sp>
           </mc:Fallback>
         </mc:AlternateContent>
-        <mc:AlternateContent xmlns:mc="http://schemas.openxmlformats.org/markup-compatibility/2006">
-          <mc:Choice xmlns:a14="http://schemas.microsoft.com/office/drawing/2010/main" Requires="a14">
+        <mc:AlternateContent xmlns:mc="http://schemas.openxmlformats.org/markup-compatibility/2006" xmlns:a14="http://schemas.microsoft.com/office/drawing/2010/main">
+          <mc:Choice Requires="a14">
             <p:sp>
               <p:nvSpPr>
                 <p:cNvPr id="213" name="テキスト ボックス 212"/>
@@ -7822,8 +7929,8 @@
               </p:nvSpPr>
               <p:spPr>
                 <a:xfrm>
-                  <a:off x="8849660" y="526651"/>
-                  <a:ext cx="1052019" cy="276999"/>
+                  <a:off x="8849661" y="526651"/>
+                  <a:ext cx="905598" cy="295371"/>
                 </a:xfrm>
                 <a:prstGeom prst="rect">
                   <a:avLst/>
@@ -7896,18 +8003,6 @@
                           <a:rPr kumimoji="1" lang="en-US" altLang="ja-JP" b="0" i="1" smtClean="0">
                             <a:latin typeface="Cambria Math" panose="02040503050406030204" pitchFamily="18" charset="0"/>
                           </a:rPr>
-                          <m:t>,</m:t>
-                        </m:r>
-                        <m:r>
-                          <a:rPr kumimoji="1" lang="en-US" altLang="ja-JP" b="0" i="1" smtClean="0">
-                            <a:latin typeface="Cambria Math" panose="02040503050406030204" pitchFamily="18" charset="0"/>
-                          </a:rPr>
-                          <m:t>𝑧</m:t>
-                        </m:r>
-                        <m:r>
-                          <a:rPr kumimoji="1" lang="en-US" altLang="ja-JP" b="0" i="1" smtClean="0">
-                            <a:latin typeface="Cambria Math" panose="02040503050406030204" pitchFamily="18" charset="0"/>
-                          </a:rPr>
                           <m:t>)</m:t>
                         </m:r>
                       </m:oMath>
@@ -7918,7 +8013,7 @@
               </p:txBody>
             </p:sp>
           </mc:Choice>
-          <mc:Fallback>
+          <mc:Fallback xmlns="">
             <p:sp>
               <p:nvSpPr>
                 <p:cNvPr id="213" name="テキスト ボックス 212"/>
@@ -7929,8 +8024,8 @@
               </p:nvSpPr>
               <p:spPr>
                 <a:xfrm>
-                  <a:off x="8849660" y="526651"/>
-                  <a:ext cx="1052019" cy="276999"/>
+                  <a:off x="8849661" y="526651"/>
+                  <a:ext cx="905598" cy="295371"/>
                 </a:xfrm>
                 <a:prstGeom prst="rect">
                   <a:avLst/>
@@ -7938,7 +8033,7 @@
                 <a:blipFill>
                   <a:blip r:embed="rId15"/>
                   <a:stretch>
-                    <a:fillRect l="-5556" t="-2326" r="-10494" b="-41860"/>
+                    <a:fillRect l="-2878" t="-2174" r="-9353" b="-32609"/>
                   </a:stretch>
                 </a:blipFill>
               </p:spPr>
@@ -7957,8 +8052,8 @@
             </p:sp>
           </mc:Fallback>
         </mc:AlternateContent>
-        <mc:AlternateContent xmlns:mc="http://schemas.openxmlformats.org/markup-compatibility/2006">
-          <mc:Choice xmlns:a14="http://schemas.microsoft.com/office/drawing/2010/main" Requires="a14">
+        <mc:AlternateContent xmlns:mc="http://schemas.openxmlformats.org/markup-compatibility/2006" xmlns:a14="http://schemas.microsoft.com/office/drawing/2010/main">
+          <mc:Choice Requires="a14">
             <p:sp>
               <p:nvSpPr>
                 <p:cNvPr id="149" name="正方形/長方形 148"/>
@@ -8044,7 +8139,7 @@
               </p:txBody>
             </p:sp>
           </mc:Choice>
-          <mc:Fallback>
+          <mc:Fallback xmlns="">
             <p:sp>
               <p:nvSpPr>
                 <p:cNvPr id="149" name="正方形/長方形 148"/>
@@ -8754,7 +8849,7 @@
               <p:spPr>
                 <a:xfrm>
                   <a:off x="6673675" y="744076"/>
-                  <a:ext cx="299697" cy="276999"/>
+                  <a:ext cx="603253" cy="295371"/>
                 </a:xfrm>
                 <a:prstGeom prst="rect">
                   <a:avLst/>
@@ -8799,6 +8894,37 @@
                             </m:r>
                           </m:sub>
                         </m:sSub>
+                        <m:r>
+                          <a:rPr kumimoji="1" lang="en-US" altLang="ja-JP" b="0" i="1" smtClean="0">
+                            <a:latin typeface="Cambria Math" panose="02040503050406030204" pitchFamily="18" charset="0"/>
+                          </a:rPr>
+                          <m:t>,</m:t>
+                        </m:r>
+                        <m:sSub>
+                          <m:sSubPr>
+                            <m:ctrlPr>
+                              <a:rPr kumimoji="1" lang="en-US" altLang="ja-JP" b="0" i="1" smtClean="0">
+                                <a:latin typeface="Cambria Math" panose="02040503050406030204" pitchFamily="18" charset="0"/>
+                              </a:rPr>
+                            </m:ctrlPr>
+                          </m:sSubPr>
+                          <m:e>
+                            <m:r>
+                              <a:rPr kumimoji="1" lang="en-US" altLang="ja-JP" b="0" i="1" smtClean="0">
+                                <a:latin typeface="Cambria Math" panose="02040503050406030204" pitchFamily="18" charset="0"/>
+                              </a:rPr>
+                              <m:t>𝑙</m:t>
+                            </m:r>
+                          </m:e>
+                          <m:sub>
+                            <m:r>
+                              <a:rPr kumimoji="1" lang="en-US" altLang="ja-JP" b="0" i="1" smtClean="0">
+                                <a:latin typeface="Cambria Math" panose="02040503050406030204" pitchFamily="18" charset="0"/>
+                              </a:rPr>
+                              <m:t>6</m:t>
+                            </m:r>
+                          </m:sub>
+                        </m:sSub>
                       </m:oMath>
                     </m:oMathPara>
                   </a14:m>
@@ -8819,7 +8945,7 @@
               <p:spPr>
                 <a:xfrm>
                   <a:off x="6673675" y="744076"/>
-                  <a:ext cx="299697" cy="276999"/>
+                  <a:ext cx="603253" cy="295371"/>
                 </a:xfrm>
                 <a:prstGeom prst="rect">
                   <a:avLst/>
@@ -8827,7 +8953,7 @@
                 <a:blipFill>
                   <a:blip r:embed="rId17"/>
                   <a:stretch>
-                    <a:fillRect l="-21739" r="-8696" b="-23810"/>
+                    <a:fillRect l="-8602" r="-2151" b="-15556"/>
                   </a:stretch>
                 </a:blipFill>
               </p:spPr>
@@ -8846,8 +8972,8 @@
             </p:sp>
           </mc:Fallback>
         </mc:AlternateContent>
-        <mc:AlternateContent xmlns:mc="http://schemas.openxmlformats.org/markup-compatibility/2006">
-          <mc:Choice xmlns:a14="http://schemas.microsoft.com/office/drawing/2010/main" Requires="a14">
+        <mc:AlternateContent xmlns:mc="http://schemas.openxmlformats.org/markup-compatibility/2006" xmlns:a14="http://schemas.microsoft.com/office/drawing/2010/main">
+          <mc:Choice Requires="a14">
             <p:sp>
               <p:nvSpPr>
                 <p:cNvPr id="191" name="テキスト ボックス 190"/>
@@ -8910,7 +9036,7 @@
               </p:txBody>
             </p:sp>
           </mc:Choice>
-          <mc:Fallback>
+          <mc:Fallback xmlns="">
             <p:sp>
               <p:nvSpPr>
                 <p:cNvPr id="191" name="テキスト ボックス 190"/>
@@ -8949,8 +9075,8 @@
             </p:sp>
           </mc:Fallback>
         </mc:AlternateContent>
-        <mc:AlternateContent xmlns:mc="http://schemas.openxmlformats.org/markup-compatibility/2006">
-          <mc:Choice xmlns:a14="http://schemas.microsoft.com/office/drawing/2010/main" Requires="a14">
+        <mc:AlternateContent xmlns:mc="http://schemas.openxmlformats.org/markup-compatibility/2006" xmlns:a14="http://schemas.microsoft.com/office/drawing/2010/main">
+          <mc:Choice Requires="a14">
             <p:sp>
               <p:nvSpPr>
                 <p:cNvPr id="124" name="正方形/長方形 123"/>
@@ -9036,7 +9162,7 @@
               </p:txBody>
             </p:sp>
           </mc:Choice>
-          <mc:Fallback>
+          <mc:Fallback xmlns="">
             <p:sp>
               <p:nvSpPr>
                 <p:cNvPr id="124" name="正方形/長方形 123"/>
@@ -9075,8 +9201,8 @@
             </p:sp>
           </mc:Fallback>
         </mc:AlternateContent>
-        <mc:AlternateContent xmlns:mc="http://schemas.openxmlformats.org/markup-compatibility/2006">
-          <mc:Choice xmlns:a14="http://schemas.microsoft.com/office/drawing/2010/main" Requires="a14">
+        <mc:AlternateContent xmlns:mc="http://schemas.openxmlformats.org/markup-compatibility/2006" xmlns:a14="http://schemas.microsoft.com/office/drawing/2010/main">
+          <mc:Choice Requires="a14">
             <p:sp>
               <p:nvSpPr>
                 <p:cNvPr id="182" name="正方形/長方形 181"/>
@@ -9162,7 +9288,7 @@
               </p:txBody>
             </p:sp>
           </mc:Choice>
-          <mc:Fallback>
+          <mc:Fallback xmlns="">
             <p:sp>
               <p:nvSpPr>
                 <p:cNvPr id="182" name="正方形/長方形 181"/>
@@ -9201,8 +9327,8 @@
             </p:sp>
           </mc:Fallback>
         </mc:AlternateContent>
-        <mc:AlternateContent xmlns:mc="http://schemas.openxmlformats.org/markup-compatibility/2006">
-          <mc:Choice xmlns:a14="http://schemas.microsoft.com/office/drawing/2010/main" Requires="a14">
+        <mc:AlternateContent xmlns:mc="http://schemas.openxmlformats.org/markup-compatibility/2006" xmlns:a14="http://schemas.microsoft.com/office/drawing/2010/main">
+          <mc:Choice Requires="a14">
             <p:sp>
               <p:nvSpPr>
                 <p:cNvPr id="202" name="正方形/長方形 201"/>
@@ -9288,7 +9414,7 @@
               </p:txBody>
             </p:sp>
           </mc:Choice>
-          <mc:Fallback>
+          <mc:Fallback xmlns="">
             <p:sp>
               <p:nvSpPr>
                 <p:cNvPr id="202" name="正方形/長方形 201"/>
@@ -9327,8 +9453,8 @@
             </p:sp>
           </mc:Fallback>
         </mc:AlternateContent>
-        <mc:AlternateContent xmlns:mc="http://schemas.openxmlformats.org/markup-compatibility/2006">
-          <mc:Choice xmlns:a14="http://schemas.microsoft.com/office/drawing/2010/main" Requires="a14">
+        <mc:AlternateContent xmlns:mc="http://schemas.openxmlformats.org/markup-compatibility/2006" xmlns:a14="http://schemas.microsoft.com/office/drawing/2010/main">
+          <mc:Choice Requires="a14">
             <p:sp>
               <p:nvSpPr>
                 <p:cNvPr id="203" name="正方形/長方形 202"/>
@@ -9414,7 +9540,7 @@
               </p:txBody>
             </p:sp>
           </mc:Choice>
-          <mc:Fallback>
+          <mc:Fallback xmlns="">
             <p:sp>
               <p:nvSpPr>
                 <p:cNvPr id="203" name="正方形/長方形 202"/>
@@ -9753,8 +9879,8 @@
             </a:fontRef>
           </p:style>
         </p:cxnSp>
-        <mc:AlternateContent xmlns:mc="http://schemas.openxmlformats.org/markup-compatibility/2006">
-          <mc:Choice xmlns:a14="http://schemas.microsoft.com/office/drawing/2010/main" Requires="a14">
+        <mc:AlternateContent xmlns:mc="http://schemas.openxmlformats.org/markup-compatibility/2006" xmlns:a14="http://schemas.microsoft.com/office/drawing/2010/main">
+          <mc:Choice Requires="a14">
             <p:sp>
               <p:nvSpPr>
                 <p:cNvPr id="215" name="テキスト ボックス 214"/>
@@ -9764,7 +9890,7 @@
               <p:spPr>
                 <a:xfrm>
                   <a:off x="9235618" y="4516318"/>
-                  <a:ext cx="1052019" cy="276999"/>
+                  <a:ext cx="905598" cy="295371"/>
                 </a:xfrm>
                 <a:prstGeom prst="rect">
                   <a:avLst/>
@@ -9837,18 +9963,6 @@
                           <a:rPr kumimoji="1" lang="en-US" altLang="ja-JP" b="0" i="1" smtClean="0">
                             <a:latin typeface="Cambria Math" panose="02040503050406030204" pitchFamily="18" charset="0"/>
                           </a:rPr>
-                          <m:t>,</m:t>
-                        </m:r>
-                        <m:r>
-                          <a:rPr kumimoji="1" lang="en-US" altLang="ja-JP" b="0" i="1" smtClean="0">
-                            <a:latin typeface="Cambria Math" panose="02040503050406030204" pitchFamily="18" charset="0"/>
-                          </a:rPr>
-                          <m:t>𝑧</m:t>
-                        </m:r>
-                        <m:r>
-                          <a:rPr kumimoji="1" lang="en-US" altLang="ja-JP" b="0" i="1" smtClean="0">
-                            <a:latin typeface="Cambria Math" panose="02040503050406030204" pitchFamily="18" charset="0"/>
-                          </a:rPr>
                           <m:t>)</m:t>
                         </m:r>
                       </m:oMath>
@@ -9859,7 +9973,7 @@
               </p:txBody>
             </p:sp>
           </mc:Choice>
-          <mc:Fallback>
+          <mc:Fallback xmlns="">
             <p:sp>
               <p:nvSpPr>
                 <p:cNvPr id="215" name="テキスト ボックス 214"/>
@@ -9871,7 +9985,7 @@
               <p:spPr>
                 <a:xfrm>
                   <a:off x="9235618" y="4516318"/>
-                  <a:ext cx="1052019" cy="276999"/>
+                  <a:ext cx="905598" cy="295371"/>
                 </a:xfrm>
                 <a:prstGeom prst="rect">
                   <a:avLst/>
@@ -9879,7 +9993,7 @@
                 <a:blipFill>
                   <a:blip r:embed="rId23"/>
                   <a:stretch>
-                    <a:fillRect l="-5556" t="-2326" r="-10494" b="-41860"/>
+                    <a:fillRect l="-2878" t="-2174" r="-9353" b="-32609"/>
                   </a:stretch>
                 </a:blipFill>
               </p:spPr>
@@ -9898,8 +10012,8 @@
             </p:sp>
           </mc:Fallback>
         </mc:AlternateContent>
-        <mc:AlternateContent xmlns:mc="http://schemas.openxmlformats.org/markup-compatibility/2006">
-          <mc:Choice xmlns:a14="http://schemas.microsoft.com/office/drawing/2010/main" Requires="a14">
+        <mc:AlternateContent xmlns:mc="http://schemas.openxmlformats.org/markup-compatibility/2006" xmlns:a14="http://schemas.microsoft.com/office/drawing/2010/main">
+          <mc:Choice Requires="a14">
             <p:sp>
               <p:nvSpPr>
                 <p:cNvPr id="216" name="テキスト ボックス 215"/>
@@ -9980,7 +10094,7 @@
               </p:txBody>
             </p:sp>
           </mc:Choice>
-          <mc:Fallback>
+          <mc:Fallback xmlns="">
             <p:sp>
               <p:nvSpPr>
                 <p:cNvPr id="216" name="テキスト ボックス 215"/>
@@ -10030,7 +10144,7 @@
               <p:spPr>
                 <a:xfrm>
                   <a:off x="5839624" y="4549638"/>
-                  <a:ext cx="273216" cy="276999"/>
+                  <a:ext cx="575015" cy="295371"/>
                 </a:xfrm>
                 <a:prstGeom prst="rect">
                   <a:avLst/>
@@ -10075,6 +10189,37 @@
                             </m:r>
                           </m:sub>
                         </m:sSub>
+                        <m:r>
+                          <a:rPr kumimoji="1" lang="en-US" altLang="ja-JP" b="0" i="1" smtClean="0">
+                            <a:latin typeface="Cambria Math" panose="02040503050406030204" pitchFamily="18" charset="0"/>
+                          </a:rPr>
+                          <m:t>,</m:t>
+                        </m:r>
+                        <m:sSub>
+                          <m:sSubPr>
+                            <m:ctrlPr>
+                              <a:rPr kumimoji="1" lang="en-US" altLang="ja-JP" b="0" i="1" smtClean="0">
+                                <a:latin typeface="Cambria Math" panose="02040503050406030204" pitchFamily="18" charset="0"/>
+                              </a:rPr>
+                            </m:ctrlPr>
+                          </m:sSubPr>
+                          <m:e>
+                            <m:r>
+                              <a:rPr kumimoji="1" lang="en-US" altLang="ja-JP" b="0" i="1" smtClean="0">
+                                <a:latin typeface="Cambria Math" panose="02040503050406030204" pitchFamily="18" charset="0"/>
+                              </a:rPr>
+                              <m:t>𝑙</m:t>
+                            </m:r>
+                          </m:e>
+                          <m:sub>
+                            <m:r>
+                              <a:rPr kumimoji="1" lang="en-US" altLang="ja-JP" b="0" i="1" smtClean="0">
+                                <a:latin typeface="Cambria Math" panose="02040503050406030204" pitchFamily="18" charset="0"/>
+                              </a:rPr>
+                              <m:t>7</m:t>
+                            </m:r>
+                          </m:sub>
+                        </m:sSub>
                       </m:oMath>
                     </m:oMathPara>
                   </a14:m>
@@ -10095,7 +10240,7 @@
               <p:spPr>
                 <a:xfrm>
                   <a:off x="5839624" y="4549638"/>
-                  <a:ext cx="273216" cy="276999"/>
+                  <a:ext cx="575015" cy="295371"/>
                 </a:xfrm>
                 <a:prstGeom prst="rect">
                   <a:avLst/>
@@ -10103,7 +10248,7 @@
                 <a:blipFill>
                   <a:blip r:embed="rId25"/>
                   <a:stretch>
-                    <a:fillRect l="-14286" r="-7143" b="-23256"/>
+                    <a:fillRect l="-4545" r="-2273" b="-15217"/>
                   </a:stretch>
                 </a:blipFill>
               </p:spPr>
@@ -10185,8 +10330,8 @@
             </a:fontRef>
           </p:style>
         </p:cxnSp>
-        <mc:AlternateContent xmlns:mc="http://schemas.openxmlformats.org/markup-compatibility/2006">
-          <mc:Choice xmlns:a14="http://schemas.microsoft.com/office/drawing/2010/main" Requires="a14">
+        <mc:AlternateContent xmlns:mc="http://schemas.openxmlformats.org/markup-compatibility/2006" xmlns:a14="http://schemas.microsoft.com/office/drawing/2010/main">
+          <mc:Choice Requires="a14">
             <p:sp>
               <p:nvSpPr>
                 <p:cNvPr id="219" name="テキスト ボックス 218"/>
@@ -10249,7 +10394,7 @@
               </p:txBody>
             </p:sp>
           </mc:Choice>
-          <mc:Fallback>
+          <mc:Fallback xmlns="">
             <p:sp>
               <p:nvSpPr>
                 <p:cNvPr id="219" name="テキスト ボックス 218"/>
